--- a/Topic Model Visualization.pptx
+++ b/Topic Model Visualization.pptx
@@ -5,21 +5,22 @@
     <p:sldMasterId id="2147483648" r:id="rId1"/>
   </p:sldMasterIdLst>
   <p:notesMasterIdLst>
-    <p:notesMasterId r:id="rId14"/>
+    <p:notesMasterId r:id="rId15"/>
   </p:notesMasterIdLst>
   <p:sldIdLst>
     <p:sldId id="256" r:id="rId2"/>
     <p:sldId id="258" r:id="rId3"/>
     <p:sldId id="259" r:id="rId4"/>
-    <p:sldId id="267" r:id="rId5"/>
+    <p:sldId id="269" r:id="rId5"/>
     <p:sldId id="260" r:id="rId6"/>
     <p:sldId id="264" r:id="rId7"/>
-    <p:sldId id="265" r:id="rId8"/>
-    <p:sldId id="266" r:id="rId9"/>
-    <p:sldId id="262" r:id="rId10"/>
-    <p:sldId id="261" r:id="rId11"/>
-    <p:sldId id="263" r:id="rId12"/>
-    <p:sldId id="257" r:id="rId13"/>
+    <p:sldId id="268" r:id="rId8"/>
+    <p:sldId id="265" r:id="rId9"/>
+    <p:sldId id="266" r:id="rId10"/>
+    <p:sldId id="262" r:id="rId11"/>
+    <p:sldId id="261" r:id="rId12"/>
+    <p:sldId id="263" r:id="rId13"/>
+    <p:sldId id="257" r:id="rId14"/>
   </p:sldIdLst>
   <p:sldSz cx="12192000" cy="6858000"/>
   <p:notesSz cx="6858000" cy="9144000"/>
@@ -118,7 +119,2299 @@
       </a:defRPr>
     </a:lvl9pPr>
   </p:defaultTextStyle>
+  <p:extLst>
+    <p:ext uri="{EFAFB233-063F-42B5-8137-9DF3F51BA10A}">
+      <p15:sldGuideLst xmlns:p15="http://schemas.microsoft.com/office/powerpoint/2012/main"/>
+    </p:ext>
+  </p:extLst>
 </p:presentation>
+</file>
+
+<file path=ppt/charts/chart1.xml><?xml version="1.0" encoding="utf-8"?>
+<c:chartSpace xmlns:c="http://schemas.openxmlformats.org/drawingml/2006/chart" xmlns:a="http://schemas.openxmlformats.org/drawingml/2006/main" xmlns:r="http://schemas.openxmlformats.org/officeDocument/2006/relationships" xmlns:c16r2="http://schemas.microsoft.com/office/drawing/2015/06/chart">
+  <c:date1904 val="0"/>
+  <c:lang val="fr-FR"/>
+  <c:roundedCorners val="0"/>
+  <mc:AlternateContent xmlns:mc="http://schemas.openxmlformats.org/markup-compatibility/2006">
+    <mc:Choice xmlns:c14="http://schemas.microsoft.com/office/drawing/2007/8/2/chart" Requires="c14">
+      <c14:style val="102"/>
+    </mc:Choice>
+    <mc:Fallback>
+      <c:style val="2"/>
+    </mc:Fallback>
+  </mc:AlternateContent>
+  <c:chart>
+    <c:autoTitleDeleted val="1"/>
+    <c:plotArea>
+      <c:layout/>
+      <c:pieChart>
+        <c:varyColors val="1"/>
+        <c:ser>
+          <c:idx val="0"/>
+          <c:order val="0"/>
+          <c:tx>
+            <c:strRef>
+              <c:f>Sheet1!$B$1</c:f>
+              <c:strCache>
+                <c:ptCount val="1"/>
+                <c:pt idx="0">
+                  <c:v>Document</c:v>
+                </c:pt>
+              </c:strCache>
+            </c:strRef>
+          </c:tx>
+          <c:dPt>
+            <c:idx val="0"/>
+            <c:bubble3D val="0"/>
+            <c:spPr>
+              <a:solidFill>
+                <a:schemeClr val="accent1"/>
+              </a:solidFill>
+              <a:ln w="19050">
+                <a:solidFill>
+                  <a:schemeClr val="lt1"/>
+                </a:solidFill>
+              </a:ln>
+              <a:effectLst/>
+            </c:spPr>
+            <c:extLst>
+              <c:ext xmlns:c16="http://schemas.microsoft.com/office/drawing/2014/chart" uri="{C3380CC4-5D6E-409C-BE32-E72D297353CC}">
+                <c16:uniqueId val="{00000001-C2EA-6644-9781-47D4A3EEE27D}"/>
+              </c:ext>
+            </c:extLst>
+          </c:dPt>
+          <c:dPt>
+            <c:idx val="1"/>
+            <c:bubble3D val="0"/>
+            <c:spPr>
+              <a:solidFill>
+                <a:schemeClr val="accent2"/>
+              </a:solidFill>
+              <a:ln w="19050">
+                <a:solidFill>
+                  <a:schemeClr val="lt1"/>
+                </a:solidFill>
+              </a:ln>
+              <a:effectLst/>
+            </c:spPr>
+            <c:extLst>
+              <c:ext xmlns:c16="http://schemas.microsoft.com/office/drawing/2014/chart" uri="{C3380CC4-5D6E-409C-BE32-E72D297353CC}">
+                <c16:uniqueId val="{00000003-C2EA-6644-9781-47D4A3EEE27D}"/>
+              </c:ext>
+            </c:extLst>
+          </c:dPt>
+          <c:dPt>
+            <c:idx val="2"/>
+            <c:bubble3D val="0"/>
+            <c:spPr>
+              <a:solidFill>
+                <a:schemeClr val="accent3"/>
+              </a:solidFill>
+              <a:ln w="19050">
+                <a:solidFill>
+                  <a:schemeClr val="lt1"/>
+                </a:solidFill>
+              </a:ln>
+              <a:effectLst/>
+            </c:spPr>
+            <c:extLst>
+              <c:ext xmlns:c16="http://schemas.microsoft.com/office/drawing/2014/chart" uri="{C3380CC4-5D6E-409C-BE32-E72D297353CC}">
+                <c16:uniqueId val="{00000005-C2EA-6644-9781-47D4A3EEE27D}"/>
+              </c:ext>
+            </c:extLst>
+          </c:dPt>
+          <c:dPt>
+            <c:idx val="3"/>
+            <c:bubble3D val="0"/>
+            <c:spPr>
+              <a:solidFill>
+                <a:schemeClr val="accent4"/>
+              </a:solidFill>
+              <a:ln w="19050">
+                <a:solidFill>
+                  <a:schemeClr val="lt1"/>
+                </a:solidFill>
+              </a:ln>
+              <a:effectLst/>
+            </c:spPr>
+            <c:extLst>
+              <c:ext xmlns:c16="http://schemas.microsoft.com/office/drawing/2014/chart" uri="{C3380CC4-5D6E-409C-BE32-E72D297353CC}">
+                <c16:uniqueId val="{00000007-C2EA-6644-9781-47D4A3EEE27D}"/>
+              </c:ext>
+            </c:extLst>
+          </c:dPt>
+          <c:cat>
+            <c:strRef>
+              <c:f>Sheet1!$A$2:$A$5</c:f>
+              <c:strCache>
+                <c:ptCount val="4"/>
+                <c:pt idx="0">
+                  <c:v>Topic 1</c:v>
+                </c:pt>
+                <c:pt idx="1">
+                  <c:v>Topic 2</c:v>
+                </c:pt>
+                <c:pt idx="2">
+                  <c:v>Topic 3</c:v>
+                </c:pt>
+                <c:pt idx="3">
+                  <c:v>Topic 4</c:v>
+                </c:pt>
+              </c:strCache>
+            </c:strRef>
+          </c:cat>
+          <c:val>
+            <c:numRef>
+              <c:f>Sheet1!$B$2:$B$5</c:f>
+              <c:numCache>
+                <c:formatCode>General</c:formatCode>
+                <c:ptCount val="4"/>
+                <c:pt idx="0">
+                  <c:v>8</c:v>
+                </c:pt>
+                <c:pt idx="1">
+                  <c:v>3</c:v>
+                </c:pt>
+                <c:pt idx="2">
+                  <c:v>1</c:v>
+                </c:pt>
+                <c:pt idx="3">
+                  <c:v>2</c:v>
+                </c:pt>
+              </c:numCache>
+            </c:numRef>
+          </c:val>
+          <c:extLst>
+            <c:ext xmlns:c16="http://schemas.microsoft.com/office/drawing/2014/chart" uri="{C3380CC4-5D6E-409C-BE32-E72D297353CC}">
+              <c16:uniqueId val="{00000000-2B18-2843-A752-C0294F5B4787}"/>
+            </c:ext>
+          </c:extLst>
+        </c:ser>
+        <c:dLbls>
+          <c:showLegendKey val="0"/>
+          <c:showVal val="0"/>
+          <c:showCatName val="0"/>
+          <c:showSerName val="0"/>
+          <c:showPercent val="0"/>
+          <c:showBubbleSize val="0"/>
+          <c:showLeaderLines val="1"/>
+        </c:dLbls>
+        <c:firstSliceAng val="0"/>
+      </c:pieChart>
+      <c:spPr>
+        <a:noFill/>
+        <a:ln>
+          <a:noFill/>
+        </a:ln>
+        <a:effectLst/>
+      </c:spPr>
+    </c:plotArea>
+    <c:legend>
+      <c:legendPos val="b"/>
+      <c:overlay val="0"/>
+      <c:spPr>
+        <a:noFill/>
+        <a:ln>
+          <a:noFill/>
+        </a:ln>
+        <a:effectLst/>
+      </c:spPr>
+      <c:txPr>
+        <a:bodyPr rot="0" spcFirstLastPara="1" vertOverflow="ellipsis" vert="horz" wrap="square" anchor="ctr" anchorCtr="1"/>
+        <a:lstStyle/>
+        <a:p>
+          <a:pPr>
+            <a:defRPr sz="1197" b="0" i="0" u="none" strike="noStrike" kern="1200" baseline="0">
+              <a:solidFill>
+                <a:schemeClr val="tx1">
+                  <a:lumMod val="65000"/>
+                  <a:lumOff val="35000"/>
+                </a:schemeClr>
+              </a:solidFill>
+              <a:latin typeface="+mn-lt"/>
+              <a:ea typeface="+mn-ea"/>
+              <a:cs typeface="+mn-cs"/>
+            </a:defRPr>
+          </a:pPr>
+          <a:endParaRPr lang="en-US"/>
+        </a:p>
+      </c:txPr>
+    </c:legend>
+    <c:plotVisOnly val="1"/>
+    <c:dispBlanksAs val="gap"/>
+    <c:extLst>
+      <c:ext xmlns:c16r3="http://schemas.microsoft.com/office/drawing/2017/03/chart" uri="{56B9EC1D-385E-4148-901F-78D8002777C0}">
+        <c16r3:dataDisplayOptions16>
+          <c16r3:dispNaAsBlank val="1"/>
+        </c16r3:dataDisplayOptions16>
+      </c:ext>
+    </c:extLst>
+    <c:showDLblsOverMax val="0"/>
+  </c:chart>
+  <c:spPr>
+    <a:noFill/>
+    <a:ln>
+      <a:noFill/>
+    </a:ln>
+    <a:effectLst/>
+  </c:spPr>
+  <c:txPr>
+    <a:bodyPr/>
+    <a:lstStyle/>
+    <a:p>
+      <a:pPr>
+        <a:defRPr/>
+      </a:pPr>
+      <a:endParaRPr lang="en-US"/>
+    </a:p>
+  </c:txPr>
+  <c:externalData r:id="rId3">
+    <c:autoUpdate val="0"/>
+  </c:externalData>
+</c:chartSpace>
+</file>
+
+<file path=ppt/charts/chart2.xml><?xml version="1.0" encoding="utf-8"?>
+<c:chartSpace xmlns:c="http://schemas.openxmlformats.org/drawingml/2006/chart" xmlns:a="http://schemas.openxmlformats.org/drawingml/2006/main" xmlns:r="http://schemas.openxmlformats.org/officeDocument/2006/relationships" xmlns:c16r2="http://schemas.microsoft.com/office/drawing/2015/06/chart">
+  <c:date1904 val="0"/>
+  <c:lang val="fr-FR"/>
+  <c:roundedCorners val="0"/>
+  <mc:AlternateContent xmlns:mc="http://schemas.openxmlformats.org/markup-compatibility/2006">
+    <mc:Choice xmlns:c14="http://schemas.microsoft.com/office/drawing/2007/8/2/chart" Requires="c14">
+      <c14:style val="102"/>
+    </mc:Choice>
+    <mc:Fallback>
+      <c:style val="2"/>
+    </mc:Fallback>
+  </mc:AlternateContent>
+  <c:chart>
+    <c:autoTitleDeleted val="1"/>
+    <c:plotArea>
+      <c:layout/>
+      <c:barChart>
+        <c:barDir val="col"/>
+        <c:grouping val="clustered"/>
+        <c:varyColors val="0"/>
+        <c:ser>
+          <c:idx val="0"/>
+          <c:order val="0"/>
+          <c:tx>
+            <c:strRef>
+              <c:f>Sheet1!$B$1</c:f>
+              <c:strCache>
+                <c:ptCount val="1"/>
+                <c:pt idx="0">
+                  <c:v>Documents</c:v>
+                </c:pt>
+              </c:strCache>
+            </c:strRef>
+          </c:tx>
+          <c:spPr>
+            <a:solidFill>
+              <a:schemeClr val="accent1"/>
+            </a:solidFill>
+            <a:ln>
+              <a:noFill/>
+            </a:ln>
+            <a:effectLst/>
+          </c:spPr>
+          <c:invertIfNegative val="0"/>
+          <c:cat>
+            <c:strRef>
+              <c:f>Sheet1!$A$2:$A$5</c:f>
+              <c:strCache>
+                <c:ptCount val="4"/>
+                <c:pt idx="0">
+                  <c:v>Topic 1</c:v>
+                </c:pt>
+                <c:pt idx="1">
+                  <c:v>Topic 2</c:v>
+                </c:pt>
+                <c:pt idx="2">
+                  <c:v>Topic 3</c:v>
+                </c:pt>
+                <c:pt idx="3">
+                  <c:v>Topic 4</c:v>
+                </c:pt>
+              </c:strCache>
+            </c:strRef>
+          </c:cat>
+          <c:val>
+            <c:numRef>
+              <c:f>Sheet1!$B$2:$B$5</c:f>
+              <c:numCache>
+                <c:formatCode>General</c:formatCode>
+                <c:ptCount val="4"/>
+                <c:pt idx="0">
+                  <c:v>4</c:v>
+                </c:pt>
+                <c:pt idx="1">
+                  <c:v>2</c:v>
+                </c:pt>
+                <c:pt idx="2">
+                  <c:v>3</c:v>
+                </c:pt>
+                <c:pt idx="3">
+                  <c:v>5</c:v>
+                </c:pt>
+              </c:numCache>
+            </c:numRef>
+          </c:val>
+          <c:extLst>
+            <c:ext xmlns:c16="http://schemas.microsoft.com/office/drawing/2014/chart" uri="{C3380CC4-5D6E-409C-BE32-E72D297353CC}">
+              <c16:uniqueId val="{00000000-2E0A-B44F-992C-13C8E25DC90C}"/>
+            </c:ext>
+          </c:extLst>
+        </c:ser>
+        <c:dLbls>
+          <c:showLegendKey val="0"/>
+          <c:showVal val="0"/>
+          <c:showCatName val="0"/>
+          <c:showSerName val="0"/>
+          <c:showPercent val="0"/>
+          <c:showBubbleSize val="0"/>
+        </c:dLbls>
+        <c:gapWidth val="30"/>
+        <c:overlap val="-100"/>
+        <c:axId val="2092185440"/>
+        <c:axId val="1998087760"/>
+      </c:barChart>
+      <c:catAx>
+        <c:axId val="2092185440"/>
+        <c:scaling>
+          <c:orientation val="minMax"/>
+        </c:scaling>
+        <c:delete val="0"/>
+        <c:axPos val="b"/>
+        <c:numFmt formatCode="General" sourceLinked="1"/>
+        <c:majorTickMark val="none"/>
+        <c:minorTickMark val="none"/>
+        <c:tickLblPos val="nextTo"/>
+        <c:spPr>
+          <a:noFill/>
+          <a:ln w="9525" cap="flat" cmpd="sng" algn="ctr">
+            <a:solidFill>
+              <a:schemeClr val="tx1">
+                <a:lumMod val="15000"/>
+                <a:lumOff val="85000"/>
+              </a:schemeClr>
+            </a:solidFill>
+            <a:round/>
+          </a:ln>
+          <a:effectLst/>
+        </c:spPr>
+        <c:txPr>
+          <a:bodyPr rot="-60000000" spcFirstLastPara="1" vertOverflow="ellipsis" vert="horz" wrap="square" anchor="ctr" anchorCtr="1"/>
+          <a:lstStyle/>
+          <a:p>
+            <a:pPr>
+              <a:defRPr sz="1197" b="0" i="0" u="none" strike="noStrike" kern="1200" baseline="0">
+                <a:solidFill>
+                  <a:schemeClr val="tx1">
+                    <a:lumMod val="65000"/>
+                    <a:lumOff val="35000"/>
+                  </a:schemeClr>
+                </a:solidFill>
+                <a:latin typeface="+mn-lt"/>
+                <a:ea typeface="+mn-ea"/>
+                <a:cs typeface="+mn-cs"/>
+              </a:defRPr>
+            </a:pPr>
+            <a:endParaRPr lang="en-US"/>
+          </a:p>
+        </c:txPr>
+        <c:crossAx val="1998087760"/>
+        <c:crosses val="autoZero"/>
+        <c:auto val="1"/>
+        <c:lblAlgn val="ctr"/>
+        <c:lblOffset val="100"/>
+        <c:noMultiLvlLbl val="0"/>
+      </c:catAx>
+      <c:valAx>
+        <c:axId val="1998087760"/>
+        <c:scaling>
+          <c:orientation val="minMax"/>
+        </c:scaling>
+        <c:delete val="0"/>
+        <c:axPos val="l"/>
+        <c:majorGridlines>
+          <c:spPr>
+            <a:ln w="9525" cap="flat" cmpd="sng" algn="ctr">
+              <a:solidFill>
+                <a:schemeClr val="tx1">
+                  <a:lumMod val="15000"/>
+                  <a:lumOff val="85000"/>
+                </a:schemeClr>
+              </a:solidFill>
+              <a:round/>
+            </a:ln>
+            <a:effectLst/>
+          </c:spPr>
+        </c:majorGridlines>
+        <c:numFmt formatCode="General" sourceLinked="1"/>
+        <c:majorTickMark val="none"/>
+        <c:minorTickMark val="none"/>
+        <c:tickLblPos val="nextTo"/>
+        <c:spPr>
+          <a:noFill/>
+          <a:ln>
+            <a:noFill/>
+          </a:ln>
+          <a:effectLst/>
+        </c:spPr>
+        <c:txPr>
+          <a:bodyPr rot="-60000000" spcFirstLastPara="1" vertOverflow="ellipsis" vert="horz" wrap="square" anchor="ctr" anchorCtr="1"/>
+          <a:lstStyle/>
+          <a:p>
+            <a:pPr>
+              <a:defRPr sz="1197" b="0" i="0" u="none" strike="noStrike" kern="1200" baseline="0">
+                <a:solidFill>
+                  <a:schemeClr val="tx1">
+                    <a:lumMod val="65000"/>
+                    <a:lumOff val="35000"/>
+                  </a:schemeClr>
+                </a:solidFill>
+                <a:latin typeface="+mn-lt"/>
+                <a:ea typeface="+mn-ea"/>
+                <a:cs typeface="+mn-cs"/>
+              </a:defRPr>
+            </a:pPr>
+            <a:endParaRPr lang="en-US"/>
+          </a:p>
+        </c:txPr>
+        <c:crossAx val="2092185440"/>
+        <c:crosses val="autoZero"/>
+        <c:crossBetween val="between"/>
+      </c:valAx>
+      <c:spPr>
+        <a:noFill/>
+        <a:ln cmpd="sng">
+          <a:solidFill>
+            <a:schemeClr val="accent1">
+              <a:shade val="50000"/>
+            </a:schemeClr>
+          </a:solidFill>
+        </a:ln>
+        <a:effectLst/>
+      </c:spPr>
+    </c:plotArea>
+    <c:legend>
+      <c:legendPos val="b"/>
+      <c:overlay val="0"/>
+      <c:spPr>
+        <a:noFill/>
+        <a:ln>
+          <a:noFill/>
+        </a:ln>
+        <a:effectLst/>
+      </c:spPr>
+      <c:txPr>
+        <a:bodyPr rot="0" spcFirstLastPara="1" vertOverflow="ellipsis" vert="horz" wrap="square" anchor="ctr" anchorCtr="1"/>
+        <a:lstStyle/>
+        <a:p>
+          <a:pPr>
+            <a:defRPr sz="1197" b="0" i="0" u="none" strike="noStrike" kern="1200" baseline="0">
+              <a:solidFill>
+                <a:schemeClr val="tx1">
+                  <a:lumMod val="65000"/>
+                  <a:lumOff val="35000"/>
+                </a:schemeClr>
+              </a:solidFill>
+              <a:latin typeface="+mn-lt"/>
+              <a:ea typeface="+mn-ea"/>
+              <a:cs typeface="+mn-cs"/>
+            </a:defRPr>
+          </a:pPr>
+          <a:endParaRPr lang="en-US"/>
+        </a:p>
+      </c:txPr>
+    </c:legend>
+    <c:plotVisOnly val="1"/>
+    <c:dispBlanksAs val="gap"/>
+    <c:extLst>
+      <c:ext xmlns:c16r3="http://schemas.microsoft.com/office/drawing/2017/03/chart" uri="{56B9EC1D-385E-4148-901F-78D8002777C0}">
+        <c16r3:dataDisplayOptions16>
+          <c16r3:dispNaAsBlank val="1"/>
+        </c16r3:dataDisplayOptions16>
+      </c:ext>
+    </c:extLst>
+    <c:showDLblsOverMax val="0"/>
+  </c:chart>
+  <c:spPr>
+    <a:noFill/>
+    <a:ln>
+      <a:noFill/>
+    </a:ln>
+    <a:effectLst/>
+  </c:spPr>
+  <c:txPr>
+    <a:bodyPr/>
+    <a:lstStyle/>
+    <a:p>
+      <a:pPr>
+        <a:defRPr/>
+      </a:pPr>
+      <a:endParaRPr lang="en-US"/>
+    </a:p>
+  </c:txPr>
+  <c:externalData r:id="rId3">
+    <c:autoUpdate val="0"/>
+  </c:externalData>
+</c:chartSpace>
+</file>
+
+<file path=ppt/charts/chartEx1.xml><?xml version="1.0" encoding="utf-8"?>
+<cx:chartSpace xmlns:a="http://schemas.openxmlformats.org/drawingml/2006/main" xmlns:r="http://schemas.openxmlformats.org/officeDocument/2006/relationships" xmlns:cx="http://schemas.microsoft.com/office/drawing/2014/chartex">
+  <cx:chartData>
+    <cx:externalData r:id="rId1" cx:autoUpdate="0"/>
+    <cx:data id="0">
+      <cx:strDim type="cat">
+        <cx:f>Feuil1!$A$2:$C$17</cx:f>
+        <cx:lvl ptCount="16">
+          <cx:pt idx="0">Word 1</cx:pt>
+          <cx:pt idx="1">Word 2</cx:pt>
+          <cx:pt idx="2">Word 3</cx:pt>
+          <cx:pt idx="3">Word 4</cx:pt>
+          <cx:pt idx="4">Word 5</cx:pt>
+          <cx:pt idx="5">Word 6</cx:pt>
+          <cx:pt idx="6">Word 7</cx:pt>
+          <cx:pt idx="7">Word 8</cx:pt>
+          <cx:pt idx="8">Word 9</cx:pt>
+          <cx:pt idx="9">Word 10</cx:pt>
+          <cx:pt idx="10">Word 11</cx:pt>
+        </cx:lvl>
+        <cx:lvl ptCount="16">
+          <cx:pt idx="0">Ressource 1</cx:pt>
+          <cx:pt idx="1">Ressource 1</cx:pt>
+          <cx:pt idx="2">Ressource 1</cx:pt>
+          <cx:pt idx="3">Ressource 2</cx:pt>
+          <cx:pt idx="4">Ressource 2</cx:pt>
+          <cx:pt idx="5">Ressource 3</cx:pt>
+          <cx:pt idx="6">Ressource 3</cx:pt>
+          <cx:pt idx="7">Ressource 4</cx:pt>
+          <cx:pt idx="8">Ressource 4</cx:pt>
+          <cx:pt idx="9">Ressource 5</cx:pt>
+          <cx:pt idx="10">Ressource 5</cx:pt>
+        </cx:lvl>
+        <cx:lvl ptCount="16">
+          <cx:pt idx="0">Doc. 1</cx:pt>
+          <cx:pt idx="1">Doc. 1</cx:pt>
+          <cx:pt idx="2">Doc. 1</cx:pt>
+          <cx:pt idx="3">Doc. 1</cx:pt>
+          <cx:pt idx="4">Doc. 1</cx:pt>
+          <cx:pt idx="5">Doc. 2</cx:pt>
+          <cx:pt idx="6">Doc. 2</cx:pt>
+          <cx:pt idx="7">Doc. 2</cx:pt>
+          <cx:pt idx="8">Doc. 2</cx:pt>
+          <cx:pt idx="9">Doc. 3</cx:pt>
+          <cx:pt idx="10">Doc. 3</cx:pt>
+        </cx:lvl>
+      </cx:strDim>
+      <cx:numDim type="size">
+        <cx:f>Feuil1!$D$2:$D$17</cx:f>
+        <cx:lvl ptCount="16" formatCode="General">
+          <cx:pt idx="0">22</cx:pt>
+          <cx:pt idx="1">12</cx:pt>
+          <cx:pt idx="2">18</cx:pt>
+          <cx:pt idx="3">87</cx:pt>
+          <cx:pt idx="4">88</cx:pt>
+          <cx:pt idx="5">25</cx:pt>
+          <cx:pt idx="6">23</cx:pt>
+          <cx:pt idx="7">24</cx:pt>
+          <cx:pt idx="8">89</cx:pt>
+          <cx:pt idx="9">16</cx:pt>
+          <cx:pt idx="10">19</cx:pt>
+        </cx:lvl>
+      </cx:numDim>
+    </cx:data>
+  </cx:chartData>
+  <cx:chart>
+    <cx:plotArea>
+      <cx:plotAreaRegion>
+        <cx:series layoutId="treemap" uniqueId="{CB621EB8-284F-44A3-8FED-1DE611C33779}">
+          <cx:tx>
+            <cx:txData>
+              <cx:f>Feuil1!$D$1</cx:f>
+              <cx:v>Série 1</cx:v>
+            </cx:txData>
+          </cx:tx>
+          <cx:dataLabels pos="inEnd">
+            <cx:visibility seriesName="0" categoryName="1" value="0"/>
+          </cx:dataLabels>
+          <cx:dataId val="0"/>
+          <cx:layoutPr>
+            <cx:parentLabelLayout val="overlapping"/>
+          </cx:layoutPr>
+        </cx:series>
+      </cx:plotAreaRegion>
+    </cx:plotArea>
+    <cx:legend pos="b" align="ctr" overlay="0"/>
+  </cx:chart>
+</cx:chartSpace>
+</file>
+
+<file path=ppt/charts/colors1.xml><?xml version="1.0" encoding="utf-8"?>
+<cs:colorStyle xmlns:cs="http://schemas.microsoft.com/office/drawing/2012/chartStyle" xmlns:a="http://schemas.openxmlformats.org/drawingml/2006/main" meth="cycle" id="10">
+  <a:schemeClr val="accent1"/>
+  <a:schemeClr val="accent2"/>
+  <a:schemeClr val="accent3"/>
+  <a:schemeClr val="accent4"/>
+  <a:schemeClr val="accent5"/>
+  <a:schemeClr val="accent6"/>
+  <cs:variation/>
+  <cs:variation>
+    <a:lumMod val="60000"/>
+  </cs:variation>
+  <cs:variation>
+    <a:lumMod val="80000"/>
+    <a:lumOff val="20000"/>
+  </cs:variation>
+  <cs:variation>
+    <a:lumMod val="80000"/>
+  </cs:variation>
+  <cs:variation>
+    <a:lumMod val="60000"/>
+    <a:lumOff val="40000"/>
+  </cs:variation>
+  <cs:variation>
+    <a:lumMod val="50000"/>
+  </cs:variation>
+  <cs:variation>
+    <a:lumMod val="70000"/>
+    <a:lumOff val="30000"/>
+  </cs:variation>
+  <cs:variation>
+    <a:lumMod val="70000"/>
+  </cs:variation>
+  <cs:variation>
+    <a:lumMod val="50000"/>
+    <a:lumOff val="50000"/>
+  </cs:variation>
+</cs:colorStyle>
+</file>
+
+<file path=ppt/charts/colors2.xml><?xml version="1.0" encoding="utf-8"?>
+<cs:colorStyle xmlns:cs="http://schemas.microsoft.com/office/drawing/2012/chartStyle" xmlns:a="http://schemas.openxmlformats.org/drawingml/2006/main" meth="cycle" id="10">
+  <a:schemeClr val="accent1"/>
+  <a:schemeClr val="accent2"/>
+  <a:schemeClr val="accent3"/>
+  <a:schemeClr val="accent4"/>
+  <a:schemeClr val="accent5"/>
+  <a:schemeClr val="accent6"/>
+  <cs:variation/>
+  <cs:variation>
+    <a:lumMod val="60000"/>
+  </cs:variation>
+  <cs:variation>
+    <a:lumMod val="80000"/>
+    <a:lumOff val="20000"/>
+  </cs:variation>
+  <cs:variation>
+    <a:lumMod val="80000"/>
+  </cs:variation>
+  <cs:variation>
+    <a:lumMod val="60000"/>
+    <a:lumOff val="40000"/>
+  </cs:variation>
+  <cs:variation>
+    <a:lumMod val="50000"/>
+  </cs:variation>
+  <cs:variation>
+    <a:lumMod val="70000"/>
+    <a:lumOff val="30000"/>
+  </cs:variation>
+  <cs:variation>
+    <a:lumMod val="70000"/>
+  </cs:variation>
+  <cs:variation>
+    <a:lumMod val="50000"/>
+    <a:lumOff val="50000"/>
+  </cs:variation>
+</cs:colorStyle>
+</file>
+
+<file path=ppt/charts/colors3.xml><?xml version="1.0" encoding="utf-8"?>
+<cs:colorStyle xmlns:cs="http://schemas.microsoft.com/office/drawing/2012/chartStyle" xmlns:a="http://schemas.openxmlformats.org/drawingml/2006/main" meth="cycle" id="10">
+  <a:schemeClr val="accent1"/>
+  <a:schemeClr val="accent2"/>
+  <a:schemeClr val="accent3"/>
+  <a:schemeClr val="accent4"/>
+  <a:schemeClr val="accent5"/>
+  <a:schemeClr val="accent6"/>
+  <cs:variation/>
+  <cs:variation>
+    <a:lumMod val="60000"/>
+  </cs:variation>
+  <cs:variation>
+    <a:lumMod val="80000"/>
+    <a:lumOff val="20000"/>
+  </cs:variation>
+  <cs:variation>
+    <a:lumMod val="80000"/>
+  </cs:variation>
+  <cs:variation>
+    <a:lumMod val="60000"/>
+    <a:lumOff val="40000"/>
+  </cs:variation>
+  <cs:variation>
+    <a:lumMod val="50000"/>
+  </cs:variation>
+  <cs:variation>
+    <a:lumMod val="70000"/>
+    <a:lumOff val="30000"/>
+  </cs:variation>
+  <cs:variation>
+    <a:lumMod val="70000"/>
+  </cs:variation>
+  <cs:variation>
+    <a:lumMod val="50000"/>
+    <a:lumOff val="50000"/>
+  </cs:variation>
+</cs:colorStyle>
+</file>
+
+<file path=ppt/charts/style1.xml><?xml version="1.0" encoding="utf-8"?>
+<cs:chartStyle xmlns:cs="http://schemas.microsoft.com/office/drawing/2012/chartStyle" xmlns:a="http://schemas.openxmlformats.org/drawingml/2006/main" id="251">
+  <cs:axisTitle>
+    <cs:lnRef idx="0"/>
+    <cs:fillRef idx="0"/>
+    <cs:effectRef idx="0"/>
+    <cs:fontRef idx="minor">
+      <a:schemeClr val="tx1">
+        <a:lumMod val="65000"/>
+        <a:lumOff val="35000"/>
+      </a:schemeClr>
+    </cs:fontRef>
+    <cs:defRPr sz="1330" kern="1200"/>
+  </cs:axisTitle>
+  <cs:categoryAxis>
+    <cs:lnRef idx="0"/>
+    <cs:fillRef idx="0"/>
+    <cs:effectRef idx="0"/>
+    <cs:fontRef idx="minor">
+      <a:schemeClr val="tx1">
+        <a:lumMod val="65000"/>
+        <a:lumOff val="35000"/>
+      </a:schemeClr>
+    </cs:fontRef>
+    <cs:spPr>
+      <a:ln w="9525" cap="flat" cmpd="sng" algn="ctr">
+        <a:solidFill>
+          <a:schemeClr val="tx1">
+            <a:lumMod val="15000"/>
+            <a:lumOff val="85000"/>
+          </a:schemeClr>
+        </a:solidFill>
+        <a:round/>
+      </a:ln>
+    </cs:spPr>
+    <cs:defRPr sz="1197" kern="1200"/>
+  </cs:categoryAxis>
+  <cs:chartArea mods="allowNoFillOverride allowNoLineOverride">
+    <cs:lnRef idx="0"/>
+    <cs:fillRef idx="0"/>
+    <cs:effectRef idx="0"/>
+    <cs:fontRef idx="minor">
+      <a:schemeClr val="tx1"/>
+    </cs:fontRef>
+    <cs:spPr>
+      <a:solidFill>
+        <a:schemeClr val="bg1"/>
+      </a:solidFill>
+      <a:ln w="9525" cap="flat" cmpd="sng" algn="ctr">
+        <a:solidFill>
+          <a:schemeClr val="tx1">
+            <a:lumMod val="15000"/>
+            <a:lumOff val="85000"/>
+          </a:schemeClr>
+        </a:solidFill>
+        <a:round/>
+      </a:ln>
+    </cs:spPr>
+    <cs:defRPr sz="1197" kern="1200"/>
+  </cs:chartArea>
+  <cs:dataLabel>
+    <cs:lnRef idx="0"/>
+    <cs:fillRef idx="0"/>
+    <cs:effectRef idx="0"/>
+    <cs:fontRef idx="minor">
+      <a:schemeClr val="tx1">
+        <a:lumMod val="75000"/>
+        <a:lumOff val="25000"/>
+      </a:schemeClr>
+    </cs:fontRef>
+    <cs:defRPr sz="1197" kern="1200"/>
+  </cs:dataLabel>
+  <cs:dataLabelCallout>
+    <cs:lnRef idx="0"/>
+    <cs:fillRef idx="0"/>
+    <cs:effectRef idx="0"/>
+    <cs:fontRef idx="minor">
+      <a:schemeClr val="dk1">
+        <a:lumMod val="65000"/>
+        <a:lumOff val="35000"/>
+      </a:schemeClr>
+    </cs:fontRef>
+    <cs:spPr>
+      <a:solidFill>
+        <a:schemeClr val="lt1"/>
+      </a:solidFill>
+      <a:ln>
+        <a:solidFill>
+          <a:schemeClr val="dk1">
+            <a:lumMod val="25000"/>
+            <a:lumOff val="75000"/>
+          </a:schemeClr>
+        </a:solidFill>
+      </a:ln>
+    </cs:spPr>
+    <cs:defRPr sz="1197" kern="1200"/>
+    <cs:bodyPr rot="0" spcFirstLastPara="1" vertOverflow="clip" horzOverflow="clip" vert="horz" wrap="square" lIns="36576" tIns="18288" rIns="36576" bIns="18288" anchor="ctr" anchorCtr="1">
+      <a:spAutoFit/>
+    </cs:bodyPr>
+  </cs:dataLabelCallout>
+  <cs:dataPoint>
+    <cs:lnRef idx="0"/>
+    <cs:fillRef idx="1">
+      <cs:styleClr val="auto"/>
+    </cs:fillRef>
+    <cs:effectRef idx="0"/>
+    <cs:fontRef idx="minor">
+      <a:schemeClr val="tx1"/>
+    </cs:fontRef>
+    <cs:spPr>
+      <a:ln w="19050">
+        <a:solidFill>
+          <a:schemeClr val="lt1"/>
+        </a:solidFill>
+      </a:ln>
+    </cs:spPr>
+  </cs:dataPoint>
+  <cs:dataPoint3D>
+    <cs:lnRef idx="0"/>
+    <cs:fillRef idx="1">
+      <cs:styleClr val="auto"/>
+    </cs:fillRef>
+    <cs:effectRef idx="0"/>
+    <cs:fontRef idx="minor">
+      <a:schemeClr val="tx1"/>
+    </cs:fontRef>
+    <cs:spPr>
+      <a:ln w="25400">
+        <a:solidFill>
+          <a:schemeClr val="lt1"/>
+        </a:solidFill>
+      </a:ln>
+    </cs:spPr>
+  </cs:dataPoint3D>
+  <cs:dataPointLine>
+    <cs:lnRef idx="0">
+      <cs:styleClr val="auto"/>
+    </cs:lnRef>
+    <cs:fillRef idx="0"/>
+    <cs:effectRef idx="0"/>
+    <cs:fontRef idx="minor">
+      <a:schemeClr val="tx1"/>
+    </cs:fontRef>
+    <cs:spPr>
+      <a:ln w="28575" cap="rnd">
+        <a:solidFill>
+          <a:schemeClr val="phClr"/>
+        </a:solidFill>
+        <a:round/>
+      </a:ln>
+    </cs:spPr>
+  </cs:dataPointLine>
+  <cs:dataPointMarker>
+    <cs:lnRef idx="0">
+      <cs:styleClr val="auto"/>
+    </cs:lnRef>
+    <cs:fillRef idx="1">
+      <cs:styleClr val="auto"/>
+    </cs:fillRef>
+    <cs:effectRef idx="0"/>
+    <cs:fontRef idx="minor">
+      <a:schemeClr val="tx1"/>
+    </cs:fontRef>
+    <cs:spPr>
+      <a:ln w="9525">
+        <a:solidFill>
+          <a:schemeClr val="phClr"/>
+        </a:solidFill>
+      </a:ln>
+    </cs:spPr>
+  </cs:dataPointMarker>
+  <cs:dataPointMarkerLayout symbol="circle" size="5"/>
+  <cs:dataPointWireframe>
+    <cs:lnRef idx="0">
+      <cs:styleClr val="auto"/>
+    </cs:lnRef>
+    <cs:fillRef idx="0"/>
+    <cs:effectRef idx="0"/>
+    <cs:fontRef idx="minor">
+      <a:schemeClr val="tx1"/>
+    </cs:fontRef>
+    <cs:spPr>
+      <a:ln w="9525" cap="rnd">
+        <a:solidFill>
+          <a:schemeClr val="phClr"/>
+        </a:solidFill>
+        <a:round/>
+      </a:ln>
+    </cs:spPr>
+  </cs:dataPointWireframe>
+  <cs:dataTable>
+    <cs:lnRef idx="0"/>
+    <cs:fillRef idx="0"/>
+    <cs:effectRef idx="0"/>
+    <cs:fontRef idx="minor">
+      <a:schemeClr val="tx1">
+        <a:lumMod val="65000"/>
+        <a:lumOff val="35000"/>
+      </a:schemeClr>
+    </cs:fontRef>
+    <cs:spPr>
+      <a:noFill/>
+      <a:ln w="9525" cap="flat" cmpd="sng" algn="ctr">
+        <a:solidFill>
+          <a:schemeClr val="tx1">
+            <a:lumMod val="15000"/>
+            <a:lumOff val="85000"/>
+          </a:schemeClr>
+        </a:solidFill>
+        <a:round/>
+      </a:ln>
+    </cs:spPr>
+    <cs:defRPr sz="1197" kern="1200"/>
+  </cs:dataTable>
+  <cs:downBar>
+    <cs:lnRef idx="0"/>
+    <cs:fillRef idx="0"/>
+    <cs:effectRef idx="0"/>
+    <cs:fontRef idx="minor">
+      <a:schemeClr val="tx1"/>
+    </cs:fontRef>
+    <cs:spPr>
+      <a:solidFill>
+        <a:schemeClr val="dk1">
+          <a:lumMod val="75000"/>
+          <a:lumOff val="25000"/>
+        </a:schemeClr>
+      </a:solidFill>
+      <a:ln w="9525" cap="flat" cmpd="sng" algn="ctr">
+        <a:solidFill>
+          <a:schemeClr val="tx1">
+            <a:lumMod val="65000"/>
+            <a:lumOff val="35000"/>
+          </a:schemeClr>
+        </a:solidFill>
+        <a:round/>
+      </a:ln>
+    </cs:spPr>
+  </cs:downBar>
+  <cs:dropLine>
+    <cs:lnRef idx="0"/>
+    <cs:fillRef idx="0"/>
+    <cs:effectRef idx="0"/>
+    <cs:fontRef idx="minor">
+      <a:schemeClr val="tx1"/>
+    </cs:fontRef>
+    <cs:spPr>
+      <a:ln w="9525" cap="flat" cmpd="sng" algn="ctr">
+        <a:solidFill>
+          <a:schemeClr val="tx1">
+            <a:lumMod val="35000"/>
+            <a:lumOff val="65000"/>
+          </a:schemeClr>
+        </a:solidFill>
+        <a:round/>
+      </a:ln>
+    </cs:spPr>
+  </cs:dropLine>
+  <cs:errorBar>
+    <cs:lnRef idx="0"/>
+    <cs:fillRef idx="0"/>
+    <cs:effectRef idx="0"/>
+    <cs:fontRef idx="minor">
+      <a:schemeClr val="tx1"/>
+    </cs:fontRef>
+    <cs:spPr>
+      <a:ln w="9525" cap="flat" cmpd="sng" algn="ctr">
+        <a:solidFill>
+          <a:schemeClr val="tx1">
+            <a:lumMod val="65000"/>
+            <a:lumOff val="35000"/>
+          </a:schemeClr>
+        </a:solidFill>
+        <a:round/>
+      </a:ln>
+    </cs:spPr>
+  </cs:errorBar>
+  <cs:floor>
+    <cs:lnRef idx="0"/>
+    <cs:fillRef idx="0"/>
+    <cs:effectRef idx="0"/>
+    <cs:fontRef idx="minor">
+      <a:schemeClr val="tx1"/>
+    </cs:fontRef>
+    <cs:spPr>
+      <a:noFill/>
+      <a:ln>
+        <a:noFill/>
+      </a:ln>
+    </cs:spPr>
+  </cs:floor>
+  <cs:gridlineMajor>
+    <cs:lnRef idx="0"/>
+    <cs:fillRef idx="0"/>
+    <cs:effectRef idx="0"/>
+    <cs:fontRef idx="minor">
+      <a:schemeClr val="tx1"/>
+    </cs:fontRef>
+    <cs:spPr>
+      <a:ln w="9525" cap="flat" cmpd="sng" algn="ctr">
+        <a:solidFill>
+          <a:schemeClr val="tx1">
+            <a:lumMod val="15000"/>
+            <a:lumOff val="85000"/>
+          </a:schemeClr>
+        </a:solidFill>
+        <a:round/>
+      </a:ln>
+    </cs:spPr>
+  </cs:gridlineMajor>
+  <cs:gridlineMinor>
+    <cs:lnRef idx="0"/>
+    <cs:fillRef idx="0"/>
+    <cs:effectRef idx="0"/>
+    <cs:fontRef idx="minor">
+      <a:schemeClr val="tx1"/>
+    </cs:fontRef>
+    <cs:spPr>
+      <a:ln w="9525" cap="flat" cmpd="sng" algn="ctr">
+        <a:solidFill>
+          <a:schemeClr val="tx1">
+            <a:lumMod val="5000"/>
+            <a:lumOff val="95000"/>
+          </a:schemeClr>
+        </a:solidFill>
+        <a:round/>
+      </a:ln>
+    </cs:spPr>
+  </cs:gridlineMinor>
+  <cs:hiLoLine>
+    <cs:lnRef idx="0"/>
+    <cs:fillRef idx="0"/>
+    <cs:effectRef idx="0"/>
+    <cs:fontRef idx="minor">
+      <a:schemeClr val="tx1"/>
+    </cs:fontRef>
+    <cs:spPr>
+      <a:ln w="9525" cap="flat" cmpd="sng" algn="ctr">
+        <a:solidFill>
+          <a:schemeClr val="tx1">
+            <a:lumMod val="50000"/>
+            <a:lumOff val="50000"/>
+          </a:schemeClr>
+        </a:solidFill>
+        <a:round/>
+      </a:ln>
+    </cs:spPr>
+  </cs:hiLoLine>
+  <cs:leaderLine>
+    <cs:lnRef idx="0"/>
+    <cs:fillRef idx="0"/>
+    <cs:effectRef idx="0"/>
+    <cs:fontRef idx="minor">
+      <a:schemeClr val="tx1"/>
+    </cs:fontRef>
+    <cs:spPr>
+      <a:ln w="9525" cap="flat" cmpd="sng" algn="ctr">
+        <a:solidFill>
+          <a:schemeClr val="tx1">
+            <a:lumMod val="35000"/>
+            <a:lumOff val="65000"/>
+          </a:schemeClr>
+        </a:solidFill>
+        <a:round/>
+      </a:ln>
+    </cs:spPr>
+  </cs:leaderLine>
+  <cs:legend>
+    <cs:lnRef idx="0"/>
+    <cs:fillRef idx="0"/>
+    <cs:effectRef idx="0"/>
+    <cs:fontRef idx="minor">
+      <a:schemeClr val="tx1">
+        <a:lumMod val="65000"/>
+        <a:lumOff val="35000"/>
+      </a:schemeClr>
+    </cs:fontRef>
+    <cs:defRPr sz="1197" kern="1200"/>
+  </cs:legend>
+  <cs:plotArea mods="allowNoFillOverride allowNoLineOverride">
+    <cs:lnRef idx="0"/>
+    <cs:fillRef idx="0"/>
+    <cs:effectRef idx="0"/>
+    <cs:fontRef idx="minor">
+      <a:schemeClr val="tx1"/>
+    </cs:fontRef>
+  </cs:plotArea>
+  <cs:plotArea3D mods="allowNoFillOverride allowNoLineOverride">
+    <cs:lnRef idx="0"/>
+    <cs:fillRef idx="0"/>
+    <cs:effectRef idx="0"/>
+    <cs:fontRef idx="minor">
+      <a:schemeClr val="tx1"/>
+    </cs:fontRef>
+  </cs:plotArea3D>
+  <cs:seriesAxis>
+    <cs:lnRef idx="0"/>
+    <cs:fillRef idx="0"/>
+    <cs:effectRef idx="0"/>
+    <cs:fontRef idx="minor">
+      <a:schemeClr val="tx1">
+        <a:lumMod val="65000"/>
+        <a:lumOff val="35000"/>
+      </a:schemeClr>
+    </cs:fontRef>
+    <cs:defRPr sz="1197" kern="1200"/>
+  </cs:seriesAxis>
+  <cs:seriesLine>
+    <cs:lnRef idx="0"/>
+    <cs:fillRef idx="0"/>
+    <cs:effectRef idx="0"/>
+    <cs:fontRef idx="minor">
+      <a:schemeClr val="tx1"/>
+    </cs:fontRef>
+    <cs:spPr>
+      <a:ln w="9525" cap="flat" cmpd="sng" algn="ctr">
+        <a:solidFill>
+          <a:schemeClr val="tx1">
+            <a:lumMod val="35000"/>
+            <a:lumOff val="65000"/>
+          </a:schemeClr>
+        </a:solidFill>
+        <a:round/>
+      </a:ln>
+    </cs:spPr>
+  </cs:seriesLine>
+  <cs:title>
+    <cs:lnRef idx="0"/>
+    <cs:fillRef idx="0"/>
+    <cs:effectRef idx="0"/>
+    <cs:fontRef idx="minor">
+      <a:schemeClr val="tx1">
+        <a:lumMod val="65000"/>
+        <a:lumOff val="35000"/>
+      </a:schemeClr>
+    </cs:fontRef>
+    <cs:defRPr sz="1862" b="0" kern="1200" spc="0" baseline="0"/>
+  </cs:title>
+  <cs:trendline>
+    <cs:lnRef idx="0">
+      <cs:styleClr val="auto"/>
+    </cs:lnRef>
+    <cs:fillRef idx="0"/>
+    <cs:effectRef idx="0"/>
+    <cs:fontRef idx="minor">
+      <a:schemeClr val="tx1"/>
+    </cs:fontRef>
+    <cs:spPr>
+      <a:ln w="19050" cap="rnd">
+        <a:solidFill>
+          <a:schemeClr val="phClr"/>
+        </a:solidFill>
+        <a:prstDash val="sysDot"/>
+      </a:ln>
+    </cs:spPr>
+  </cs:trendline>
+  <cs:trendlineLabel>
+    <cs:lnRef idx="0"/>
+    <cs:fillRef idx="0"/>
+    <cs:effectRef idx="0"/>
+    <cs:fontRef idx="minor">
+      <a:schemeClr val="tx1">
+        <a:lumMod val="65000"/>
+        <a:lumOff val="35000"/>
+      </a:schemeClr>
+    </cs:fontRef>
+    <cs:defRPr sz="1197" kern="1200"/>
+  </cs:trendlineLabel>
+  <cs:upBar>
+    <cs:lnRef idx="0"/>
+    <cs:fillRef idx="0"/>
+    <cs:effectRef idx="0"/>
+    <cs:fontRef idx="minor">
+      <a:schemeClr val="tx1"/>
+    </cs:fontRef>
+    <cs:spPr>
+      <a:solidFill>
+        <a:schemeClr val="lt1"/>
+      </a:solidFill>
+      <a:ln w="9525" cap="flat" cmpd="sng" algn="ctr">
+        <a:solidFill>
+          <a:schemeClr val="tx1">
+            <a:lumMod val="65000"/>
+            <a:lumOff val="35000"/>
+          </a:schemeClr>
+        </a:solidFill>
+        <a:round/>
+      </a:ln>
+    </cs:spPr>
+  </cs:upBar>
+  <cs:valueAxis>
+    <cs:lnRef idx="0"/>
+    <cs:fillRef idx="0"/>
+    <cs:effectRef idx="0"/>
+    <cs:fontRef idx="minor">
+      <a:schemeClr val="tx1">
+        <a:lumMod val="65000"/>
+        <a:lumOff val="35000"/>
+      </a:schemeClr>
+    </cs:fontRef>
+    <cs:defRPr sz="1197" kern="1200"/>
+  </cs:valueAxis>
+  <cs:wall>
+    <cs:lnRef idx="0"/>
+    <cs:fillRef idx="0"/>
+    <cs:effectRef idx="0"/>
+    <cs:fontRef idx="minor">
+      <a:schemeClr val="tx1"/>
+    </cs:fontRef>
+    <cs:spPr>
+      <a:noFill/>
+      <a:ln>
+        <a:noFill/>
+      </a:ln>
+    </cs:spPr>
+  </cs:wall>
+</cs:chartStyle>
+</file>
+
+<file path=ppt/charts/style2.xml><?xml version="1.0" encoding="utf-8"?>
+<cs:chartStyle xmlns:cs="http://schemas.microsoft.com/office/drawing/2012/chartStyle" xmlns:a="http://schemas.openxmlformats.org/drawingml/2006/main" id="201">
+  <cs:axisTitle>
+    <cs:lnRef idx="0"/>
+    <cs:fillRef idx="0"/>
+    <cs:effectRef idx="0"/>
+    <cs:fontRef idx="minor">
+      <a:schemeClr val="tx1">
+        <a:lumMod val="65000"/>
+        <a:lumOff val="35000"/>
+      </a:schemeClr>
+    </cs:fontRef>
+    <cs:defRPr sz="1330" kern="1200"/>
+  </cs:axisTitle>
+  <cs:categoryAxis>
+    <cs:lnRef idx="0"/>
+    <cs:fillRef idx="0"/>
+    <cs:effectRef idx="0"/>
+    <cs:fontRef idx="minor">
+      <a:schemeClr val="tx1">
+        <a:lumMod val="65000"/>
+        <a:lumOff val="35000"/>
+      </a:schemeClr>
+    </cs:fontRef>
+    <cs:spPr>
+      <a:ln w="9525" cap="flat" cmpd="sng" algn="ctr">
+        <a:solidFill>
+          <a:schemeClr val="tx1">
+            <a:lumMod val="15000"/>
+            <a:lumOff val="85000"/>
+          </a:schemeClr>
+        </a:solidFill>
+        <a:round/>
+      </a:ln>
+    </cs:spPr>
+    <cs:defRPr sz="1197" kern="1200"/>
+  </cs:categoryAxis>
+  <cs:chartArea mods="allowNoFillOverride allowNoLineOverride">
+    <cs:lnRef idx="0"/>
+    <cs:fillRef idx="0"/>
+    <cs:effectRef idx="0"/>
+    <cs:fontRef idx="minor">
+      <a:schemeClr val="tx1"/>
+    </cs:fontRef>
+    <cs:spPr>
+      <a:solidFill>
+        <a:schemeClr val="bg1"/>
+      </a:solidFill>
+      <a:ln w="9525" cap="flat" cmpd="sng" algn="ctr">
+        <a:solidFill>
+          <a:schemeClr val="tx1">
+            <a:lumMod val="15000"/>
+            <a:lumOff val="85000"/>
+          </a:schemeClr>
+        </a:solidFill>
+        <a:round/>
+      </a:ln>
+    </cs:spPr>
+    <cs:defRPr sz="1330" kern="1200"/>
+  </cs:chartArea>
+  <cs:dataLabel>
+    <cs:lnRef idx="0"/>
+    <cs:fillRef idx="0"/>
+    <cs:effectRef idx="0"/>
+    <cs:fontRef idx="minor">
+      <a:schemeClr val="tx1">
+        <a:lumMod val="75000"/>
+        <a:lumOff val="25000"/>
+      </a:schemeClr>
+    </cs:fontRef>
+    <cs:defRPr sz="1197" kern="1200"/>
+  </cs:dataLabel>
+  <cs:dataLabelCallout>
+    <cs:lnRef idx="0"/>
+    <cs:fillRef idx="0"/>
+    <cs:effectRef idx="0"/>
+    <cs:fontRef idx="minor">
+      <a:schemeClr val="dk1">
+        <a:lumMod val="65000"/>
+        <a:lumOff val="35000"/>
+      </a:schemeClr>
+    </cs:fontRef>
+    <cs:spPr>
+      <a:solidFill>
+        <a:schemeClr val="lt1"/>
+      </a:solidFill>
+      <a:ln>
+        <a:solidFill>
+          <a:schemeClr val="dk1">
+            <a:lumMod val="25000"/>
+            <a:lumOff val="75000"/>
+          </a:schemeClr>
+        </a:solidFill>
+      </a:ln>
+    </cs:spPr>
+    <cs:defRPr sz="1197" kern="1200"/>
+    <cs:bodyPr rot="0" spcFirstLastPara="1" vertOverflow="clip" horzOverflow="clip" vert="horz" wrap="square" lIns="36576" tIns="18288" rIns="36576" bIns="18288" anchor="ctr" anchorCtr="1">
+      <a:spAutoFit/>
+    </cs:bodyPr>
+  </cs:dataLabelCallout>
+  <cs:dataPoint>
+    <cs:lnRef idx="0"/>
+    <cs:fillRef idx="1">
+      <cs:styleClr val="auto"/>
+    </cs:fillRef>
+    <cs:effectRef idx="0"/>
+    <cs:fontRef idx="minor">
+      <a:schemeClr val="tx1"/>
+    </cs:fontRef>
+  </cs:dataPoint>
+  <cs:dataPoint3D>
+    <cs:lnRef idx="0"/>
+    <cs:fillRef idx="1">
+      <cs:styleClr val="auto"/>
+    </cs:fillRef>
+    <cs:effectRef idx="0"/>
+    <cs:fontRef idx="minor">
+      <a:schemeClr val="tx1"/>
+    </cs:fontRef>
+  </cs:dataPoint3D>
+  <cs:dataPointLine>
+    <cs:lnRef idx="0">
+      <cs:styleClr val="auto"/>
+    </cs:lnRef>
+    <cs:fillRef idx="1"/>
+    <cs:effectRef idx="0"/>
+    <cs:fontRef idx="minor">
+      <a:schemeClr val="tx1"/>
+    </cs:fontRef>
+    <cs:spPr>
+      <a:ln w="28575" cap="rnd">
+        <a:solidFill>
+          <a:schemeClr val="phClr"/>
+        </a:solidFill>
+        <a:round/>
+      </a:ln>
+    </cs:spPr>
+  </cs:dataPointLine>
+  <cs:dataPointMarker>
+    <cs:lnRef idx="0">
+      <cs:styleClr val="auto"/>
+    </cs:lnRef>
+    <cs:fillRef idx="1">
+      <cs:styleClr val="auto"/>
+    </cs:fillRef>
+    <cs:effectRef idx="0"/>
+    <cs:fontRef idx="minor">
+      <a:schemeClr val="tx1"/>
+    </cs:fontRef>
+    <cs:spPr>
+      <a:ln w="9525">
+        <a:solidFill>
+          <a:schemeClr val="phClr"/>
+        </a:solidFill>
+      </a:ln>
+    </cs:spPr>
+  </cs:dataPointMarker>
+  <cs:dataPointMarkerLayout symbol="circle" size="5"/>
+  <cs:dataPointWireframe>
+    <cs:lnRef idx="0">
+      <cs:styleClr val="auto"/>
+    </cs:lnRef>
+    <cs:fillRef idx="1"/>
+    <cs:effectRef idx="0"/>
+    <cs:fontRef idx="minor">
+      <a:schemeClr val="tx1"/>
+    </cs:fontRef>
+    <cs:spPr>
+      <a:ln w="9525" cap="rnd">
+        <a:solidFill>
+          <a:schemeClr val="phClr"/>
+        </a:solidFill>
+        <a:round/>
+      </a:ln>
+    </cs:spPr>
+  </cs:dataPointWireframe>
+  <cs:dataTable>
+    <cs:lnRef idx="0"/>
+    <cs:fillRef idx="0"/>
+    <cs:effectRef idx="0"/>
+    <cs:fontRef idx="minor">
+      <a:schemeClr val="tx1">
+        <a:lumMod val="65000"/>
+        <a:lumOff val="35000"/>
+      </a:schemeClr>
+    </cs:fontRef>
+    <cs:spPr>
+      <a:noFill/>
+      <a:ln w="9525" cap="flat" cmpd="sng" algn="ctr">
+        <a:solidFill>
+          <a:schemeClr val="tx1">
+            <a:lumMod val="15000"/>
+            <a:lumOff val="85000"/>
+          </a:schemeClr>
+        </a:solidFill>
+        <a:round/>
+      </a:ln>
+    </cs:spPr>
+    <cs:defRPr sz="1197" kern="1200"/>
+  </cs:dataTable>
+  <cs:downBar>
+    <cs:lnRef idx="0"/>
+    <cs:fillRef idx="0"/>
+    <cs:effectRef idx="0"/>
+    <cs:fontRef idx="minor">
+      <a:schemeClr val="dk1"/>
+    </cs:fontRef>
+    <cs:spPr>
+      <a:solidFill>
+        <a:schemeClr val="dk1">
+          <a:lumMod val="65000"/>
+          <a:lumOff val="35000"/>
+        </a:schemeClr>
+      </a:solidFill>
+      <a:ln w="9525">
+        <a:solidFill>
+          <a:schemeClr val="tx1">
+            <a:lumMod val="65000"/>
+            <a:lumOff val="35000"/>
+          </a:schemeClr>
+        </a:solidFill>
+      </a:ln>
+    </cs:spPr>
+  </cs:downBar>
+  <cs:dropLine>
+    <cs:lnRef idx="0"/>
+    <cs:fillRef idx="0"/>
+    <cs:effectRef idx="0"/>
+    <cs:fontRef idx="minor">
+      <a:schemeClr val="tx1"/>
+    </cs:fontRef>
+    <cs:spPr>
+      <a:ln w="9525" cap="flat" cmpd="sng" algn="ctr">
+        <a:solidFill>
+          <a:schemeClr val="tx1">
+            <a:lumMod val="35000"/>
+            <a:lumOff val="65000"/>
+          </a:schemeClr>
+        </a:solidFill>
+        <a:round/>
+      </a:ln>
+    </cs:spPr>
+  </cs:dropLine>
+  <cs:errorBar>
+    <cs:lnRef idx="0"/>
+    <cs:fillRef idx="0"/>
+    <cs:effectRef idx="0"/>
+    <cs:fontRef idx="minor">
+      <a:schemeClr val="tx1"/>
+    </cs:fontRef>
+    <cs:spPr>
+      <a:ln w="9525" cap="flat" cmpd="sng" algn="ctr">
+        <a:solidFill>
+          <a:schemeClr val="tx1">
+            <a:lumMod val="65000"/>
+            <a:lumOff val="35000"/>
+          </a:schemeClr>
+        </a:solidFill>
+        <a:round/>
+      </a:ln>
+    </cs:spPr>
+  </cs:errorBar>
+  <cs:floor>
+    <cs:lnRef idx="0"/>
+    <cs:fillRef idx="0"/>
+    <cs:effectRef idx="0"/>
+    <cs:fontRef idx="minor">
+      <a:schemeClr val="tx1"/>
+    </cs:fontRef>
+    <cs:spPr>
+      <a:noFill/>
+      <a:ln>
+        <a:noFill/>
+      </a:ln>
+    </cs:spPr>
+  </cs:floor>
+  <cs:gridlineMajor>
+    <cs:lnRef idx="0"/>
+    <cs:fillRef idx="0"/>
+    <cs:effectRef idx="0"/>
+    <cs:fontRef idx="minor">
+      <a:schemeClr val="tx1"/>
+    </cs:fontRef>
+    <cs:spPr>
+      <a:ln w="9525" cap="flat" cmpd="sng" algn="ctr">
+        <a:solidFill>
+          <a:schemeClr val="tx1">
+            <a:lumMod val="15000"/>
+            <a:lumOff val="85000"/>
+          </a:schemeClr>
+        </a:solidFill>
+        <a:round/>
+      </a:ln>
+    </cs:spPr>
+  </cs:gridlineMajor>
+  <cs:gridlineMinor>
+    <cs:lnRef idx="0"/>
+    <cs:fillRef idx="0"/>
+    <cs:effectRef idx="0"/>
+    <cs:fontRef idx="minor">
+      <a:schemeClr val="tx1"/>
+    </cs:fontRef>
+    <cs:spPr>
+      <a:ln w="9525" cap="flat" cmpd="sng" algn="ctr">
+        <a:solidFill>
+          <a:schemeClr val="tx1">
+            <a:lumMod val="5000"/>
+            <a:lumOff val="95000"/>
+          </a:schemeClr>
+        </a:solidFill>
+        <a:round/>
+      </a:ln>
+    </cs:spPr>
+  </cs:gridlineMinor>
+  <cs:hiLoLine>
+    <cs:lnRef idx="0"/>
+    <cs:fillRef idx="0"/>
+    <cs:effectRef idx="0"/>
+    <cs:fontRef idx="minor">
+      <a:schemeClr val="tx1"/>
+    </cs:fontRef>
+    <cs:spPr>
+      <a:ln w="9525" cap="flat" cmpd="sng" algn="ctr">
+        <a:solidFill>
+          <a:schemeClr val="tx1">
+            <a:lumMod val="75000"/>
+            <a:lumOff val="25000"/>
+          </a:schemeClr>
+        </a:solidFill>
+        <a:round/>
+      </a:ln>
+    </cs:spPr>
+  </cs:hiLoLine>
+  <cs:leaderLine>
+    <cs:lnRef idx="0"/>
+    <cs:fillRef idx="0"/>
+    <cs:effectRef idx="0"/>
+    <cs:fontRef idx="minor">
+      <a:schemeClr val="tx1"/>
+    </cs:fontRef>
+    <cs:spPr>
+      <a:ln w="9525" cap="flat" cmpd="sng" algn="ctr">
+        <a:solidFill>
+          <a:schemeClr val="tx1">
+            <a:lumMod val="35000"/>
+            <a:lumOff val="65000"/>
+          </a:schemeClr>
+        </a:solidFill>
+        <a:round/>
+      </a:ln>
+    </cs:spPr>
+  </cs:leaderLine>
+  <cs:legend>
+    <cs:lnRef idx="0"/>
+    <cs:fillRef idx="0"/>
+    <cs:effectRef idx="0"/>
+    <cs:fontRef idx="minor">
+      <a:schemeClr val="tx1">
+        <a:lumMod val="65000"/>
+        <a:lumOff val="35000"/>
+      </a:schemeClr>
+    </cs:fontRef>
+    <cs:defRPr sz="1197" kern="1200"/>
+  </cs:legend>
+  <cs:plotArea mods="allowNoFillOverride allowNoLineOverride">
+    <cs:lnRef idx="0"/>
+    <cs:fillRef idx="0"/>
+    <cs:effectRef idx="0"/>
+    <cs:fontRef idx="minor">
+      <a:schemeClr val="tx1"/>
+    </cs:fontRef>
+  </cs:plotArea>
+  <cs:plotArea3D mods="allowNoFillOverride allowNoLineOverride">
+    <cs:lnRef idx="0"/>
+    <cs:fillRef idx="0"/>
+    <cs:effectRef idx="0"/>
+    <cs:fontRef idx="minor">
+      <a:schemeClr val="tx1"/>
+    </cs:fontRef>
+  </cs:plotArea3D>
+  <cs:seriesAxis>
+    <cs:lnRef idx="0"/>
+    <cs:fillRef idx="0"/>
+    <cs:effectRef idx="0"/>
+    <cs:fontRef idx="minor">
+      <a:schemeClr val="tx1">
+        <a:lumMod val="65000"/>
+        <a:lumOff val="35000"/>
+      </a:schemeClr>
+    </cs:fontRef>
+    <cs:defRPr sz="1197" kern="1200"/>
+  </cs:seriesAxis>
+  <cs:seriesLine>
+    <cs:lnRef idx="0"/>
+    <cs:fillRef idx="0"/>
+    <cs:effectRef idx="0"/>
+    <cs:fontRef idx="minor">
+      <a:schemeClr val="tx1"/>
+    </cs:fontRef>
+    <cs:spPr>
+      <a:ln w="9525" cap="flat" cmpd="sng" algn="ctr">
+        <a:solidFill>
+          <a:schemeClr val="tx1">
+            <a:lumMod val="35000"/>
+            <a:lumOff val="65000"/>
+          </a:schemeClr>
+        </a:solidFill>
+        <a:round/>
+      </a:ln>
+    </cs:spPr>
+  </cs:seriesLine>
+  <cs:title>
+    <cs:lnRef idx="0"/>
+    <cs:fillRef idx="0"/>
+    <cs:effectRef idx="0"/>
+    <cs:fontRef idx="minor">
+      <a:schemeClr val="tx1">
+        <a:lumMod val="65000"/>
+        <a:lumOff val="35000"/>
+      </a:schemeClr>
+    </cs:fontRef>
+    <cs:defRPr sz="1862" b="0" kern="1200" spc="0" baseline="0"/>
+  </cs:title>
+  <cs:trendline>
+    <cs:lnRef idx="0">
+      <cs:styleClr val="auto"/>
+    </cs:lnRef>
+    <cs:fillRef idx="0"/>
+    <cs:effectRef idx="0"/>
+    <cs:fontRef idx="minor">
+      <a:schemeClr val="tx1"/>
+    </cs:fontRef>
+    <cs:spPr>
+      <a:ln w="19050" cap="rnd">
+        <a:solidFill>
+          <a:schemeClr val="phClr"/>
+        </a:solidFill>
+        <a:prstDash val="sysDot"/>
+      </a:ln>
+    </cs:spPr>
+  </cs:trendline>
+  <cs:trendlineLabel>
+    <cs:lnRef idx="0"/>
+    <cs:fillRef idx="0"/>
+    <cs:effectRef idx="0"/>
+    <cs:fontRef idx="minor">
+      <a:schemeClr val="tx1">
+        <a:lumMod val="65000"/>
+        <a:lumOff val="35000"/>
+      </a:schemeClr>
+    </cs:fontRef>
+    <cs:defRPr sz="1197" kern="1200"/>
+  </cs:trendlineLabel>
+  <cs:upBar>
+    <cs:lnRef idx="0"/>
+    <cs:fillRef idx="0"/>
+    <cs:effectRef idx="0"/>
+    <cs:fontRef idx="minor">
+      <a:schemeClr val="dk1"/>
+    </cs:fontRef>
+    <cs:spPr>
+      <a:solidFill>
+        <a:schemeClr val="lt1"/>
+      </a:solidFill>
+      <a:ln w="9525">
+        <a:solidFill>
+          <a:schemeClr val="tx1">
+            <a:lumMod val="15000"/>
+            <a:lumOff val="85000"/>
+          </a:schemeClr>
+        </a:solidFill>
+      </a:ln>
+    </cs:spPr>
+  </cs:upBar>
+  <cs:valueAxis>
+    <cs:lnRef idx="0"/>
+    <cs:fillRef idx="0"/>
+    <cs:effectRef idx="0"/>
+    <cs:fontRef idx="minor">
+      <a:schemeClr val="tx1">
+        <a:lumMod val="65000"/>
+        <a:lumOff val="35000"/>
+      </a:schemeClr>
+    </cs:fontRef>
+    <cs:defRPr sz="1197" kern="1200"/>
+  </cs:valueAxis>
+  <cs:wall>
+    <cs:lnRef idx="0"/>
+    <cs:fillRef idx="0"/>
+    <cs:effectRef idx="0"/>
+    <cs:fontRef idx="minor">
+      <a:schemeClr val="tx1"/>
+    </cs:fontRef>
+    <cs:spPr>
+      <a:noFill/>
+      <a:ln>
+        <a:noFill/>
+      </a:ln>
+    </cs:spPr>
+  </cs:wall>
+</cs:chartStyle>
+</file>
+
+<file path=ppt/charts/style3.xml><?xml version="1.0" encoding="utf-8"?>
+<cs:chartStyle xmlns:cs="http://schemas.microsoft.com/office/drawing/2012/chartStyle" xmlns:a="http://schemas.openxmlformats.org/drawingml/2006/main" id="410">
+  <cs:axisTitle>
+    <cs:lnRef idx="0"/>
+    <cs:fillRef idx="0"/>
+    <cs:effectRef idx="0"/>
+    <cs:fontRef idx="minor">
+      <a:schemeClr val="tx1">
+        <a:lumMod val="65000"/>
+        <a:lumOff val="35000"/>
+      </a:schemeClr>
+    </cs:fontRef>
+    <cs:spPr>
+      <a:solidFill>
+        <a:schemeClr val="bg1">
+          <a:lumMod val="65000"/>
+        </a:schemeClr>
+      </a:solidFill>
+      <a:ln w="19050">
+        <a:solidFill>
+          <a:schemeClr val="bg1"/>
+        </a:solidFill>
+      </a:ln>
+    </cs:spPr>
+    <cs:defRPr sz="1197"/>
+  </cs:axisTitle>
+  <cs:categoryAxis>
+    <cs:lnRef idx="0"/>
+    <cs:fillRef idx="0"/>
+    <cs:effectRef idx="0"/>
+    <cs:fontRef idx="minor">
+      <a:schemeClr val="tx1">
+        <a:lumMod val="65000"/>
+        <a:lumOff val="35000"/>
+      </a:schemeClr>
+    </cs:fontRef>
+    <cs:spPr>
+      <a:ln w="9525" cap="flat" cmpd="sng" algn="ctr">
+        <a:solidFill>
+          <a:schemeClr val="tx1">
+            <a:lumMod val="15000"/>
+            <a:lumOff val="85000"/>
+          </a:schemeClr>
+        </a:solidFill>
+        <a:round/>
+      </a:ln>
+    </cs:spPr>
+    <cs:defRPr sz="1197"/>
+  </cs:categoryAxis>
+  <cs:chartArea mods="allowNoFillOverride allowNoLineOverride">
+    <cs:lnRef idx="0"/>
+    <cs:fillRef idx="0"/>
+    <cs:effectRef idx="0"/>
+    <cs:fontRef idx="minor">
+      <a:schemeClr val="tx1"/>
+    </cs:fontRef>
+    <cs:spPr>
+      <a:solidFill>
+        <a:schemeClr val="bg1"/>
+      </a:solidFill>
+      <a:ln w="9525" cap="flat" cmpd="sng" algn="ctr">
+        <a:solidFill>
+          <a:schemeClr val="tx1">
+            <a:lumMod val="15000"/>
+            <a:lumOff val="85000"/>
+          </a:schemeClr>
+        </a:solidFill>
+        <a:round/>
+      </a:ln>
+    </cs:spPr>
+    <cs:defRPr sz="1330"/>
+  </cs:chartArea>
+  <cs:dataLabel>
+    <cs:lnRef idx="0"/>
+    <cs:fillRef idx="0"/>
+    <cs:effectRef idx="0"/>
+    <cs:fontRef idx="minor">
+      <a:schemeClr val="lt1"/>
+    </cs:fontRef>
+    <cs:defRPr sz="1197"/>
+  </cs:dataLabel>
+  <cs:dataLabelCallout>
+    <cs:lnRef idx="0"/>
+    <cs:fillRef idx="0"/>
+    <cs:effectRef idx="0"/>
+    <cs:fontRef idx="minor">
+      <a:schemeClr val="dk1">
+        <a:lumMod val="65000"/>
+        <a:lumOff val="35000"/>
+      </a:schemeClr>
+    </cs:fontRef>
+    <cs:spPr>
+      <a:solidFill>
+        <a:schemeClr val="lt1"/>
+      </a:solidFill>
+      <a:ln>
+        <a:solidFill>
+          <a:schemeClr val="dk1">
+            <a:lumMod val="25000"/>
+            <a:lumOff val="75000"/>
+          </a:schemeClr>
+        </a:solidFill>
+      </a:ln>
+    </cs:spPr>
+    <cs:defRPr sz="1197"/>
+    <cs:bodyPr rot="0" spcFirstLastPara="1" vertOverflow="clip" horzOverflow="clip" vert="horz" wrap="square" lIns="36576" tIns="18288" rIns="36576" bIns="18288" anchor="ctr" anchorCtr="1">
+      <a:spAutoFit/>
+    </cs:bodyPr>
+  </cs:dataLabelCallout>
+  <cs:dataPoint>
+    <cs:lnRef idx="0"/>
+    <cs:fillRef idx="0">
+      <cs:styleClr val="auto"/>
+    </cs:fillRef>
+    <cs:effectRef idx="0"/>
+    <cs:fontRef idx="minor">
+      <a:schemeClr val="tx1"/>
+    </cs:fontRef>
+    <cs:spPr>
+      <a:solidFill>
+        <a:schemeClr val="phClr"/>
+      </a:solidFill>
+      <a:ln w="19050">
+        <a:solidFill>
+          <a:schemeClr val="lt1"/>
+        </a:solidFill>
+      </a:ln>
+    </cs:spPr>
+  </cs:dataPoint>
+  <cs:dataPoint3D>
+    <cs:lnRef idx="0"/>
+    <cs:fillRef idx="0">
+      <cs:styleClr val="auto"/>
+    </cs:fillRef>
+    <cs:effectRef idx="0"/>
+    <cs:fontRef idx="minor">
+      <a:schemeClr val="tx1"/>
+    </cs:fontRef>
+    <cs:spPr>
+      <a:solidFill>
+        <a:schemeClr val="phClr"/>
+      </a:solidFill>
+    </cs:spPr>
+  </cs:dataPoint3D>
+  <cs:dataPointLine>
+    <cs:lnRef idx="0">
+      <cs:styleClr val="auto"/>
+    </cs:lnRef>
+    <cs:fillRef idx="0"/>
+    <cs:effectRef idx="0"/>
+    <cs:fontRef idx="minor">
+      <a:schemeClr val="tx1"/>
+    </cs:fontRef>
+    <cs:spPr>
+      <a:ln w="28575" cap="rnd">
+        <a:solidFill>
+          <a:schemeClr val="phClr"/>
+        </a:solidFill>
+        <a:round/>
+      </a:ln>
+    </cs:spPr>
+  </cs:dataPointLine>
+  <cs:dataPointMarker>
+    <cs:lnRef idx="0"/>
+    <cs:fillRef idx="0">
+      <cs:styleClr val="auto"/>
+    </cs:fillRef>
+    <cs:effectRef idx="0"/>
+    <cs:fontRef idx="minor">
+      <a:schemeClr val="tx1"/>
+    </cs:fontRef>
+    <cs:spPr>
+      <a:solidFill>
+        <a:schemeClr val="phClr"/>
+      </a:solidFill>
+      <a:ln w="9525">
+        <a:solidFill>
+          <a:schemeClr val="lt1"/>
+        </a:solidFill>
+      </a:ln>
+    </cs:spPr>
+  </cs:dataPointMarker>
+  <cs:dataPointMarkerLayout symbol="circle" size="5"/>
+  <cs:dataPointWireframe>
+    <cs:lnRef idx="0">
+      <cs:styleClr val="auto"/>
+    </cs:lnRef>
+    <cs:fillRef idx="0"/>
+    <cs:effectRef idx="0"/>
+    <cs:fontRef idx="minor">
+      <a:schemeClr val="tx1"/>
+    </cs:fontRef>
+    <cs:spPr>
+      <a:ln w="28575" cap="rnd">
+        <a:solidFill>
+          <a:schemeClr val="phClr"/>
+        </a:solidFill>
+        <a:round/>
+      </a:ln>
+    </cs:spPr>
+  </cs:dataPointWireframe>
+  <cs:dataTable>
+    <cs:lnRef idx="0"/>
+    <cs:fillRef idx="0"/>
+    <cs:effectRef idx="0"/>
+    <cs:fontRef idx="minor">
+      <a:schemeClr val="tx1">
+        <a:lumMod val="65000"/>
+        <a:lumOff val="35000"/>
+      </a:schemeClr>
+    </cs:fontRef>
+    <cs:spPr>
+      <a:ln w="9525">
+        <a:solidFill>
+          <a:schemeClr val="tx1">
+            <a:lumMod val="15000"/>
+            <a:lumOff val="85000"/>
+          </a:schemeClr>
+        </a:solidFill>
+      </a:ln>
+    </cs:spPr>
+    <cs:defRPr sz="1197"/>
+  </cs:dataTable>
+  <cs:downBar>
+    <cs:lnRef idx="0"/>
+    <cs:fillRef idx="0"/>
+    <cs:effectRef idx="0"/>
+    <cs:fontRef idx="minor">
+      <a:schemeClr val="dk1"/>
+    </cs:fontRef>
+    <cs:spPr>
+      <a:solidFill>
+        <a:schemeClr val="dk1">
+          <a:lumMod val="65000"/>
+          <a:lumOff val="35000"/>
+        </a:schemeClr>
+      </a:solidFill>
+      <a:ln w="9525">
+        <a:solidFill>
+          <a:schemeClr val="tx1">
+            <a:lumMod val="65000"/>
+            <a:lumOff val="35000"/>
+          </a:schemeClr>
+        </a:solidFill>
+      </a:ln>
+    </cs:spPr>
+  </cs:downBar>
+  <cs:dropLine>
+    <cs:lnRef idx="0"/>
+    <cs:fillRef idx="0"/>
+    <cs:effectRef idx="0"/>
+    <cs:fontRef idx="minor">
+      <a:schemeClr val="tx1"/>
+    </cs:fontRef>
+    <cs:spPr>
+      <a:ln w="9525" cap="flat" cmpd="sng" algn="ctr">
+        <a:solidFill>
+          <a:schemeClr val="tx1">
+            <a:lumMod val="35000"/>
+            <a:lumOff val="65000"/>
+          </a:schemeClr>
+        </a:solidFill>
+        <a:round/>
+      </a:ln>
+    </cs:spPr>
+  </cs:dropLine>
+  <cs:errorBar>
+    <cs:lnRef idx="0"/>
+    <cs:fillRef idx="0"/>
+    <cs:effectRef idx="0"/>
+    <cs:fontRef idx="minor">
+      <a:schemeClr val="tx1"/>
+    </cs:fontRef>
+    <cs:spPr>
+      <a:ln w="9525" cap="flat" cmpd="sng" algn="ctr">
+        <a:solidFill>
+          <a:schemeClr val="tx1">
+            <a:lumMod val="65000"/>
+            <a:lumOff val="35000"/>
+          </a:schemeClr>
+        </a:solidFill>
+        <a:round/>
+      </a:ln>
+    </cs:spPr>
+  </cs:errorBar>
+  <cs:floor>
+    <cs:lnRef idx="0"/>
+    <cs:fillRef idx="0"/>
+    <cs:effectRef idx="0"/>
+    <cs:fontRef idx="minor">
+      <a:schemeClr val="tx1"/>
+    </cs:fontRef>
+  </cs:floor>
+  <cs:gridlineMajor>
+    <cs:lnRef idx="0"/>
+    <cs:fillRef idx="0"/>
+    <cs:effectRef idx="0"/>
+    <cs:fontRef idx="minor">
+      <a:schemeClr val="tx1"/>
+    </cs:fontRef>
+    <cs:spPr>
+      <a:ln w="9525" cap="flat" cmpd="sng" algn="ctr">
+        <a:solidFill>
+          <a:schemeClr val="tx1">
+            <a:lumMod val="15000"/>
+            <a:lumOff val="85000"/>
+          </a:schemeClr>
+        </a:solidFill>
+        <a:round/>
+      </a:ln>
+    </cs:spPr>
+  </cs:gridlineMajor>
+  <cs:gridlineMinor>
+    <cs:lnRef idx="0"/>
+    <cs:fillRef idx="0"/>
+    <cs:effectRef idx="0"/>
+    <cs:fontRef idx="minor">
+      <a:schemeClr val="tx1"/>
+    </cs:fontRef>
+    <cs:spPr>
+      <a:ln w="9525" cap="flat" cmpd="sng" algn="ctr">
+        <a:solidFill>
+          <a:schemeClr val="tx1">
+            <a:lumMod val="15000"/>
+            <a:lumOff val="85000"/>
+          </a:schemeClr>
+        </a:solidFill>
+        <a:round/>
+      </a:ln>
+    </cs:spPr>
+  </cs:gridlineMinor>
+  <cs:hiLoLine>
+    <cs:lnRef idx="0"/>
+    <cs:fillRef idx="0"/>
+    <cs:effectRef idx="0"/>
+    <cs:fontRef idx="minor">
+      <a:schemeClr val="tx1"/>
+    </cs:fontRef>
+    <cs:spPr>
+      <a:ln w="9525" cap="flat" cmpd="sng" algn="ctr">
+        <a:solidFill>
+          <a:schemeClr val="tx1">
+            <a:lumMod val="75000"/>
+            <a:lumOff val="25000"/>
+          </a:schemeClr>
+        </a:solidFill>
+        <a:round/>
+      </a:ln>
+    </cs:spPr>
+  </cs:hiLoLine>
+  <cs:leaderLine>
+    <cs:lnRef idx="0"/>
+    <cs:fillRef idx="0"/>
+    <cs:effectRef idx="0"/>
+    <cs:fontRef idx="minor">
+      <a:schemeClr val="tx1"/>
+    </cs:fontRef>
+    <cs:spPr>
+      <a:ln w="9525" cap="flat" cmpd="sng" algn="ctr">
+        <a:solidFill>
+          <a:schemeClr val="tx1">
+            <a:lumMod val="35000"/>
+            <a:lumOff val="65000"/>
+          </a:schemeClr>
+        </a:solidFill>
+        <a:round/>
+      </a:ln>
+    </cs:spPr>
+  </cs:leaderLine>
+  <cs:legend>
+    <cs:lnRef idx="0"/>
+    <cs:fillRef idx="0"/>
+    <cs:effectRef idx="0"/>
+    <cs:fontRef idx="minor">
+      <a:schemeClr val="tx1">
+        <a:lumMod val="65000"/>
+        <a:lumOff val="35000"/>
+      </a:schemeClr>
+    </cs:fontRef>
+    <cs:defRPr sz="1197"/>
+  </cs:legend>
+  <cs:plotArea mods="allowNoFillOverride allowNoLineOverride">
+    <cs:lnRef idx="0"/>
+    <cs:fillRef idx="0"/>
+    <cs:effectRef idx="0"/>
+    <cs:fontRef idx="minor">
+      <a:schemeClr val="tx1"/>
+    </cs:fontRef>
+  </cs:plotArea>
+  <cs:plotArea3D mods="allowNoFillOverride allowNoLineOverride">
+    <cs:lnRef idx="0"/>
+    <cs:fillRef idx="0"/>
+    <cs:effectRef idx="0"/>
+    <cs:fontRef idx="minor">
+      <a:schemeClr val="tx1"/>
+    </cs:fontRef>
+  </cs:plotArea3D>
+  <cs:seriesAxis>
+    <cs:lnRef idx="0"/>
+    <cs:fillRef idx="0"/>
+    <cs:effectRef idx="0"/>
+    <cs:fontRef idx="minor">
+      <a:schemeClr val="tx1">
+        <a:lumMod val="65000"/>
+        <a:lumOff val="35000"/>
+      </a:schemeClr>
+    </cs:fontRef>
+    <cs:spPr>
+      <a:ln w="9525" cap="flat" cmpd="sng" algn="ctr">
+        <a:solidFill>
+          <a:schemeClr val="tx1">
+            <a:lumMod val="15000"/>
+            <a:lumOff val="85000"/>
+          </a:schemeClr>
+        </a:solidFill>
+        <a:round/>
+      </a:ln>
+    </cs:spPr>
+    <cs:defRPr sz="1197"/>
+  </cs:seriesAxis>
+  <cs:seriesLine>
+    <cs:lnRef idx="0"/>
+    <cs:fillRef idx="0"/>
+    <cs:effectRef idx="0"/>
+    <cs:fontRef idx="minor">
+      <a:schemeClr val="tx1"/>
+    </cs:fontRef>
+    <cs:spPr>
+      <a:ln w="9525" cap="flat">
+        <a:solidFill>
+          <a:srgbClr val="D9D9D9"/>
+        </a:solidFill>
+        <a:round/>
+      </a:ln>
+    </cs:spPr>
+  </cs:seriesLine>
+  <cs:title>
+    <cs:lnRef idx="0"/>
+    <cs:fillRef idx="0"/>
+    <cs:effectRef idx="0"/>
+    <cs:fontRef idx="minor">
+      <a:schemeClr val="tx1">
+        <a:lumMod val="65000"/>
+        <a:lumOff val="35000"/>
+      </a:schemeClr>
+    </cs:fontRef>
+    <cs:defRPr sz="1862"/>
+  </cs:title>
+  <cs:trendline>
+    <cs:lnRef idx="0">
+      <cs:styleClr val="auto"/>
+    </cs:lnRef>
+    <cs:fillRef idx="0"/>
+    <cs:effectRef idx="0"/>
+    <cs:fontRef idx="minor">
+      <a:schemeClr val="tx1"/>
+    </cs:fontRef>
+    <cs:spPr>
+      <a:ln w="19050" cap="rnd">
+        <a:solidFill>
+          <a:schemeClr val="phClr"/>
+        </a:solidFill>
+        <a:prstDash val="sysDash"/>
+      </a:ln>
+    </cs:spPr>
+  </cs:trendline>
+  <cs:trendlineLabel>
+    <cs:lnRef idx="0"/>
+    <cs:fillRef idx="0"/>
+    <cs:effectRef idx="0"/>
+    <cs:fontRef idx="minor">
+      <a:schemeClr val="tx1">
+        <a:lumMod val="65000"/>
+        <a:lumOff val="35000"/>
+      </a:schemeClr>
+    </cs:fontRef>
+    <cs:defRPr sz="1197"/>
+  </cs:trendlineLabel>
+  <cs:upBar>
+    <cs:lnRef idx="0"/>
+    <cs:fillRef idx="0"/>
+    <cs:effectRef idx="0"/>
+    <cs:fontRef idx="minor">
+      <a:schemeClr val="dk1"/>
+    </cs:fontRef>
+    <cs:spPr>
+      <a:solidFill>
+        <a:schemeClr val="lt1"/>
+      </a:solidFill>
+      <a:ln w="9525">
+        <a:solidFill>
+          <a:schemeClr val="tx1">
+            <a:lumMod val="15000"/>
+            <a:lumOff val="85000"/>
+          </a:schemeClr>
+        </a:solidFill>
+      </a:ln>
+    </cs:spPr>
+  </cs:upBar>
+  <cs:valueAxis>
+    <cs:lnRef idx="0"/>
+    <cs:fillRef idx="0"/>
+    <cs:effectRef idx="0"/>
+    <cs:fontRef idx="minor">
+      <a:schemeClr val="tx1">
+        <a:lumMod val="65000"/>
+        <a:lumOff val="35000"/>
+      </a:schemeClr>
+    </cs:fontRef>
+    <cs:defRPr sz="1197"/>
+  </cs:valueAxis>
+  <cs:wall>
+    <cs:lnRef idx="0"/>
+    <cs:fillRef idx="0"/>
+    <cs:effectRef idx="0"/>
+    <cs:fontRef idx="minor">
+      <a:schemeClr val="tx1"/>
+    </cs:fontRef>
+  </cs:wall>
+</cs:chartStyle>
 </file>
 
 <file path=ppt/notesMasters/notesMaster1.xml><?xml version="1.0" encoding="utf-8"?>
@@ -203,7 +2496,7 @@
           <a:p>
             <a:fld id="{1DCFB7DB-C20D-0E4D-BFA9-46471439C035}" type="datetimeFigureOut">
               <a:rPr lang="en-US" smtClean="0"/>
-              <a:t>5/21/18</a:t>
+              <a:t>5/21/2018</a:t>
             </a:fld>
             <a:endParaRPr lang="en-US"/>
           </a:p>
@@ -361,7 +2654,7 @@
           <a:p>
             <a:fld id="{F996E4C0-1752-DF44-B5CA-A76C8FC057C8}" type="slidenum">
               <a:rPr lang="en-US" smtClean="0"/>
-              <a:t>‹#›</a:t>
+              <a:t>‹N°›</a:t>
             </a:fld>
             <a:endParaRPr lang="en-US"/>
           </a:p>
@@ -1192,7 +3485,7 @@
           <a:p>
             <a:fld id="{7FB3CD95-84BB-C345-8A35-39BFBDF3CDEA}" type="datetime1">
               <a:rPr lang="en-US" smtClean="0"/>
-              <a:t>5/21/18</a:t>
+              <a:t>5/21/2018</a:t>
             </a:fld>
             <a:endParaRPr lang="en-US" dirty="0"/>
           </a:p>
@@ -1235,7 +3528,7 @@
             <a:fld id="{D57F1E4F-1CFF-5643-939E-217C01CDF565}" type="slidenum">
               <a:rPr lang="en-US" dirty="0"/>
               <a:pPr/>
-              <a:t>‹#›</a:t>
+              <a:t>‹N°›</a:t>
             </a:fld>
             <a:endParaRPr lang="en-US" dirty="0"/>
           </a:p>
@@ -1439,7 +3732,7 @@
           <a:p>
             <a:fld id="{65FAD503-C0EB-4049-88D2-E03BE08EFCAF}" type="datetime1">
               <a:rPr lang="en-US" smtClean="0"/>
-              <a:t>5/21/18</a:t>
+              <a:t>5/21/2018</a:t>
             </a:fld>
             <a:endParaRPr lang="en-US" dirty="0"/>
           </a:p>
@@ -1482,7 +3775,7 @@
             <a:fld id="{D57F1E4F-1CFF-5643-939E-217C01CDF565}" type="slidenum">
               <a:rPr lang="en-US" dirty="0"/>
               <a:pPr/>
-              <a:t>‹#›</a:t>
+              <a:t>‹N°›</a:t>
             </a:fld>
             <a:endParaRPr lang="en-US" dirty="0"/>
           </a:p>
@@ -1749,7 +4042,7 @@
           <a:p>
             <a:fld id="{779B9A30-D79B-BF4C-9DCB-B743C326D6EC}" type="datetime1">
               <a:rPr lang="en-US" smtClean="0"/>
-              <a:t>5/21/18</a:t>
+              <a:t>5/21/2018</a:t>
             </a:fld>
             <a:endParaRPr lang="en-US" dirty="0"/>
           </a:p>
@@ -1792,7 +4085,7 @@
             <a:fld id="{D57F1E4F-1CFF-5643-939E-217C01CDF565}" type="slidenum">
               <a:rPr lang="en-US" dirty="0"/>
               <a:pPr/>
-              <a:t>‹#›</a:t>
+              <a:t>‹N°›</a:t>
             </a:fld>
             <a:endParaRPr lang="en-US" dirty="0"/>
           </a:p>
@@ -2086,7 +4379,7 @@
           <a:p>
             <a:fld id="{05442E79-0EA2-3341-BCE4-56F3333B820B}" type="datetime1">
               <a:rPr lang="en-US" smtClean="0"/>
-              <a:t>5/21/18</a:t>
+              <a:t>5/21/2018</a:t>
             </a:fld>
             <a:endParaRPr lang="en-US" dirty="0"/>
           </a:p>
@@ -2129,7 +4422,7 @@
             <a:fld id="{D57F1E4F-1CFF-5643-939E-217C01CDF565}" type="slidenum">
               <a:rPr lang="en-US" dirty="0"/>
               <a:pPr/>
-              <a:t>‹#›</a:t>
+              <a:t>‹N°›</a:t>
             </a:fld>
             <a:endParaRPr lang="en-US" dirty="0"/>
           </a:p>
@@ -2396,7 +4689,7 @@
           <a:p>
             <a:fld id="{C4BCDB4C-E44B-6447-8E00-F28159740978}" type="datetime1">
               <a:rPr lang="en-US" smtClean="0"/>
-              <a:t>5/21/18</a:t>
+              <a:t>5/21/2018</a:t>
             </a:fld>
             <a:endParaRPr lang="en-US" dirty="0"/>
           </a:p>
@@ -2439,7 +4732,7 @@
             <a:fld id="{D57F1E4F-1CFF-5643-939E-217C01CDF565}" type="slidenum">
               <a:rPr lang="en-US" dirty="0"/>
               <a:pPr/>
-              <a:t>‹#›</a:t>
+              <a:t>‹N°›</a:t>
             </a:fld>
             <a:endParaRPr lang="en-US" dirty="0"/>
           </a:p>
@@ -2785,7 +5078,7 @@
           <a:p>
             <a:fld id="{A50E7B74-D85D-6F4E-988C-EE32801A1FB3}" type="datetime1">
               <a:rPr lang="en-US" smtClean="0"/>
-              <a:t>5/21/18</a:t>
+              <a:t>5/21/2018</a:t>
             </a:fld>
             <a:endParaRPr lang="en-US" dirty="0"/>
           </a:p>
@@ -2828,7 +5121,7 @@
             <a:fld id="{D57F1E4F-1CFF-5643-939E-217C01CDF565}" type="slidenum">
               <a:rPr lang="en-US" dirty="0"/>
               <a:pPr/>
-              <a:t>‹#›</a:t>
+              <a:t>‹N°›</a:t>
             </a:fld>
             <a:endParaRPr lang="en-US" dirty="0"/>
           </a:p>
@@ -2951,7 +5244,7 @@
           <a:p>
             <a:fld id="{DDC3D4CA-0CC0-A44B-BC4A-5F23C3ADEA10}" type="datetime1">
               <a:rPr lang="en-US" smtClean="0"/>
-              <a:t>5/21/18</a:t>
+              <a:t>5/21/2018</a:t>
             </a:fld>
             <a:endParaRPr lang="en-US" dirty="0"/>
           </a:p>
@@ -2993,7 +5286,7 @@
           <a:p>
             <a:fld id="{89333C77-0158-454C-844F-B7AB9BD7DAD4}" type="slidenum">
               <a:rPr lang="en-US" dirty="0"/>
-              <a:t>‹#›</a:t>
+              <a:t>‹N°›</a:t>
             </a:fld>
             <a:endParaRPr lang="en-US" dirty="0"/>
           </a:p>
@@ -3126,7 +5419,7 @@
           <a:p>
             <a:fld id="{1477C0A0-4D60-3748-8FD3-842B140AFB93}" type="datetime1">
               <a:rPr lang="en-US" smtClean="0"/>
-              <a:t>5/21/18</a:t>
+              <a:t>5/21/2018</a:t>
             </a:fld>
             <a:endParaRPr lang="en-US" dirty="0"/>
           </a:p>
@@ -3169,7 +5462,7 @@
             <a:fld id="{D57F1E4F-1CFF-5643-939E-217C01CDF565}" type="slidenum">
               <a:rPr lang="en-US" dirty="0"/>
               <a:pPr/>
-              <a:t>‹#›</a:t>
+              <a:t>‹N°›</a:t>
             </a:fld>
             <a:endParaRPr lang="en-US" dirty="0"/>
           </a:p>
@@ -3298,7 +5591,7 @@
           <a:p>
             <a:fld id="{1FE2D7C0-AA09-7645-87C7-373971BC61A6}" type="datetime1">
               <a:rPr lang="en-US" smtClean="0"/>
-              <a:t>5/21/18</a:t>
+              <a:t>5/21/2018</a:t>
             </a:fld>
             <a:endParaRPr lang="en-US" dirty="0"/>
           </a:p>
@@ -3341,7 +5634,7 @@
             <a:fld id="{D57F1E4F-1CFF-5643-939E-217C01CDF565}" type="slidenum">
               <a:rPr lang="en-US" dirty="0"/>
               <a:pPr/>
-              <a:t>‹#›</a:t>
+              <a:t>‹N°›</a:t>
             </a:fld>
             <a:endParaRPr lang="en-US" dirty="0"/>
           </a:p>
@@ -3541,7 +5834,7 @@
           <a:p>
             <a:fld id="{A5A1F876-EB9F-A74C-A4D9-6746D2F34235}" type="datetime1">
               <a:rPr lang="en-US" smtClean="0"/>
-              <a:t>5/21/18</a:t>
+              <a:t>5/21/2018</a:t>
             </a:fld>
             <a:endParaRPr lang="en-US" dirty="0"/>
           </a:p>
@@ -3584,7 +5877,7 @@
             <a:fld id="{D57F1E4F-1CFF-5643-939E-217C01CDF565}" type="slidenum">
               <a:rPr lang="en-US" dirty="0"/>
               <a:pPr/>
-              <a:t>‹#›</a:t>
+              <a:t>‹N°›</a:t>
             </a:fld>
             <a:endParaRPr lang="en-US" dirty="0"/>
           </a:p>
@@ -3769,7 +6062,7 @@
           <a:p>
             <a:fld id="{6B60DBF2-98DF-D146-99DB-542F2609B43B}" type="datetime1">
               <a:rPr lang="en-US" smtClean="0"/>
-              <a:t>5/21/18</a:t>
+              <a:t>5/21/2018</a:t>
             </a:fld>
             <a:endParaRPr lang="en-US" dirty="0"/>
           </a:p>
@@ -3811,7 +6104,7 @@
           <a:p>
             <a:fld id="{6FF9F0C5-380F-41C2-899A-BAC0F0927E16}" type="slidenum">
               <a:rPr lang="en-US" dirty="0"/>
-              <a:t>‹#›</a:t>
+              <a:t>‹N°›</a:t>
             </a:fld>
             <a:endParaRPr lang="en-US" dirty="0"/>
           </a:p>
@@ -4138,7 +6431,7 @@
           <a:p>
             <a:fld id="{A13DC3D0-E3A1-F14D-B696-2E75658A6321}" type="datetime1">
               <a:rPr lang="en-US" smtClean="0"/>
-              <a:t>5/21/18</a:t>
+              <a:t>5/21/2018</a:t>
             </a:fld>
             <a:endParaRPr lang="en-US" dirty="0"/>
           </a:p>
@@ -4181,7 +6474,7 @@
             <a:fld id="{D57F1E4F-1CFF-5643-939E-217C01CDF565}" type="slidenum">
               <a:rPr lang="en-US" dirty="0"/>
               <a:pPr/>
-              <a:t>‹#›</a:t>
+              <a:t>‹N°›</a:t>
             </a:fld>
             <a:endParaRPr lang="en-US" dirty="0"/>
           </a:p>
@@ -4257,7 +6550,7 @@
           <a:p>
             <a:fld id="{E1C55F83-5307-5547-931A-73EEE0432B2C}" type="datetime1">
               <a:rPr lang="en-US" smtClean="0"/>
-              <a:t>5/21/18</a:t>
+              <a:t>5/21/2018</a:t>
             </a:fld>
             <a:endParaRPr lang="en-US" dirty="0"/>
           </a:p>
@@ -4300,7 +6593,7 @@
             <a:fld id="{D57F1E4F-1CFF-5643-939E-217C01CDF565}" type="slidenum">
               <a:rPr lang="en-US" dirty="0"/>
               <a:pPr/>
-              <a:t>‹#›</a:t>
+              <a:t>‹N°›</a:t>
             </a:fld>
             <a:endParaRPr lang="en-US" dirty="0"/>
           </a:p>
@@ -4348,7 +6641,7 @@
           <a:p>
             <a:fld id="{CBDFB00E-8EDD-EC4A-B1D4-1E111506C046}" type="datetime1">
               <a:rPr lang="en-US" smtClean="0"/>
-              <a:t>5/21/18</a:t>
+              <a:t>5/21/2018</a:t>
             </a:fld>
             <a:endParaRPr lang="en-US" dirty="0"/>
           </a:p>
@@ -4391,7 +6684,7 @@
             <a:fld id="{D57F1E4F-1CFF-5643-939E-217C01CDF565}" type="slidenum">
               <a:rPr lang="en-US" dirty="0"/>
               <a:pPr/>
-              <a:t>‹#›</a:t>
+              <a:t>‹N°›</a:t>
             </a:fld>
             <a:endParaRPr lang="en-US" dirty="0"/>
           </a:p>
@@ -4599,7 +6892,7 @@
           <a:p>
             <a:fld id="{F2A423DB-DB0E-D045-AF2D-E45A492F16A2}" type="datetime1">
               <a:rPr lang="en-US" smtClean="0"/>
-              <a:t>5/21/18</a:t>
+              <a:t>5/21/2018</a:t>
             </a:fld>
             <a:endParaRPr lang="en-US" dirty="0"/>
           </a:p>
@@ -4641,7 +6934,7 @@
           <a:p>
             <a:fld id="{519954A3-9DFD-4C44-94BA-B95130A3BA1C}" type="slidenum">
               <a:rPr lang="en-US" dirty="0"/>
-              <a:t>‹#›</a:t>
+              <a:t>‹N°›</a:t>
             </a:fld>
             <a:endParaRPr lang="en-US" dirty="0"/>
           </a:p>
@@ -4857,7 +7150,7 @@
           <a:p>
             <a:fld id="{A0699E7D-1958-2D4A-B6B5-DE5EADAFEE7B}" type="datetime1">
               <a:rPr lang="en-US" smtClean="0"/>
-              <a:t>5/21/18</a:t>
+              <a:t>5/21/2018</a:t>
             </a:fld>
             <a:endParaRPr lang="en-US" dirty="0"/>
           </a:p>
@@ -4900,7 +7193,7 @@
             <a:fld id="{D57F1E4F-1CFF-5643-939E-217C01CDF565}" type="slidenum">
               <a:rPr lang="en-US" dirty="0"/>
               <a:pPr/>
-              <a:t>‹#›</a:t>
+              <a:t>‹N°›</a:t>
             </a:fld>
             <a:endParaRPr lang="en-US" dirty="0"/>
           </a:p>
@@ -5596,7 +7889,7 @@
           <a:p>
             <a:fld id="{98112769-4A50-254C-8BBC-6E197F902E45}" type="datetime1">
               <a:rPr lang="en-US" smtClean="0"/>
-              <a:t>5/21/18</a:t>
+              <a:t>5/21/2018</a:t>
             </a:fld>
             <a:endParaRPr lang="en-US" dirty="0"/>
           </a:p>
@@ -5673,7 +7966,7 @@
             <a:fld id="{D57F1E4F-1CFF-5643-939E-217C01CDF565}" type="slidenum">
               <a:rPr lang="en-US" dirty="0"/>
               <a:pPr/>
-              <a:t>‹#›</a:t>
+              <a:t>‹N°›</a:t>
             </a:fld>
             <a:endParaRPr lang="en-US" dirty="0"/>
           </a:p>
@@ -6227,7 +8520,7 @@
           <p:cNvPr id="2" name="Title 1">
             <a:extLst>
               <a:ext uri="{FF2B5EF4-FFF2-40B4-BE49-F238E27FC236}">
-                <a16:creationId xmlns:a16="http://schemas.microsoft.com/office/drawing/2014/main" id="{C27E8073-3C7C-1E46-AFD3-1037410A747E}"/>
+                <a16:creationId xmlns:a16="http://schemas.microsoft.com/office/drawing/2014/main" id="{F00933EE-829D-874C-9853-A93C5380AE3A}"/>
               </a:ext>
             </a:extLst>
           </p:cNvPr>
@@ -6238,23 +8531,83 @@
             <p:ph type="title"/>
           </p:nvPr>
         </p:nvSpPr>
-        <p:spPr>
-          <a:xfrm>
-            <a:off x="666182" y="2717180"/>
-            <a:ext cx="8596668" cy="1320800"/>
-          </a:xfrm>
-        </p:spPr>
-        <p:txBody>
-          <a:bodyPr>
-            <a:normAutofit/>
-          </a:bodyPr>
-          <a:lstStyle/>
-          <a:p>
-            <a:pPr algn="ctr"/>
-            <a:r>
-              <a:rPr lang="en-US" sz="7200" b="1" dirty="0"/>
-              <a:t>Demo</a:t>
-            </a:r>
+        <p:spPr/>
+        <p:txBody>
+          <a:bodyPr/>
+          <a:lstStyle/>
+          <a:p>
+            <a:r>
+              <a:rPr lang="en-US" dirty="0"/>
+              <a:t>Implementation</a:t>
+            </a:r>
+          </a:p>
+        </p:txBody>
+      </p:sp>
+      <p:sp>
+        <p:nvSpPr>
+          <p:cNvPr id="3" name="Content Placeholder 2">
+            <a:extLst>
+              <a:ext uri="{FF2B5EF4-FFF2-40B4-BE49-F238E27FC236}">
+                <a16:creationId xmlns:a16="http://schemas.microsoft.com/office/drawing/2014/main" id="{59F3B59A-32B3-E04B-9016-A64898FA1E9F}"/>
+              </a:ext>
+            </a:extLst>
+          </p:cNvPr>
+          <p:cNvSpPr>
+            <a:spLocks noGrp="1"/>
+          </p:cNvSpPr>
+          <p:nvPr>
+            <p:ph idx="1"/>
+          </p:nvPr>
+        </p:nvSpPr>
+        <p:spPr/>
+        <p:txBody>
+          <a:bodyPr/>
+          <a:lstStyle/>
+          <a:p>
+            <a:r>
+              <a:rPr lang="en-US" dirty="0"/>
+              <a:t>Use Mallet to perform Topic Modelling</a:t>
+            </a:r>
+          </a:p>
+          <a:p>
+            <a:pPr lvl="1"/>
+            <a:r>
+              <a:rPr lang="en-US" dirty="0"/>
+              <a:t>Added features:</a:t>
+            </a:r>
+          </a:p>
+          <a:p>
+            <a:pPr lvl="1"/>
+            <a:r>
+              <a:rPr lang="en-US" dirty="0"/>
+              <a:t>Use Euclidean distance to calculate similarity of documents on topic distribution vector of the documents</a:t>
+            </a:r>
+          </a:p>
+          <a:p>
+            <a:r>
+              <a:rPr lang="en-US" dirty="0"/>
+              <a:t>Use </a:t>
+            </a:r>
+            <a:r>
+              <a:rPr lang="en-US" dirty="0" err="1"/>
+              <a:t>JFreeChart</a:t>
+            </a:r>
+            <a:r>
+              <a:rPr lang="en-US" dirty="0"/>
+              <a:t> to create charts</a:t>
+            </a:r>
+          </a:p>
+          <a:p>
+            <a:r>
+              <a:rPr lang="en-US" dirty="0"/>
+              <a:t>Use Swing to create the application</a:t>
+            </a:r>
+          </a:p>
+          <a:p>
+            <a:endParaRPr lang="en-US" dirty="0"/>
+          </a:p>
+          <a:p>
+            <a:endParaRPr lang="en-US" dirty="0"/>
           </a:p>
         </p:txBody>
       </p:sp>
@@ -6263,7 +8616,7 @@
           <p:cNvPr id="4" name="Slide Number Placeholder 3">
             <a:extLst>
               <a:ext uri="{FF2B5EF4-FFF2-40B4-BE49-F238E27FC236}">
-                <a16:creationId xmlns:a16="http://schemas.microsoft.com/office/drawing/2014/main" id="{C6DFB897-515D-444F-975B-7D3507800B03}"/>
+                <a16:creationId xmlns:a16="http://schemas.microsoft.com/office/drawing/2014/main" id="{53199D6D-2B32-5744-A4F5-F34DE3ED4162}"/>
               </a:ext>
             </a:extLst>
           </p:cNvPr>
@@ -6291,7 +8644,7 @@
     </p:spTree>
     <p:extLst>
       <p:ext uri="{BB962C8B-B14F-4D97-AF65-F5344CB8AC3E}">
-        <p14:creationId xmlns:p14="http://schemas.microsoft.com/office/powerpoint/2010/main" val="999636528"/>
+        <p14:creationId xmlns:p14="http://schemas.microsoft.com/office/powerpoint/2010/main" val="3656499478"/>
       </p:ext>
     </p:extLst>
   </p:cSld>
@@ -6323,7 +8676,7 @@
           <p:cNvPr id="2" name="Title 1">
             <a:extLst>
               <a:ext uri="{FF2B5EF4-FFF2-40B4-BE49-F238E27FC236}">
-                <a16:creationId xmlns:a16="http://schemas.microsoft.com/office/drawing/2014/main" id="{0A1A1C6D-AC84-4A46-93DA-A894BE663405}"/>
+                <a16:creationId xmlns:a16="http://schemas.microsoft.com/office/drawing/2014/main" id="{C27E8073-3C7C-1E46-AFD3-1037410A747E}"/>
               </a:ext>
             </a:extLst>
           </p:cNvPr>
@@ -6334,40 +8687,23 @@
             <p:ph type="title"/>
           </p:nvPr>
         </p:nvSpPr>
-        <p:spPr/>
-        <p:txBody>
-          <a:bodyPr/>
-          <a:lstStyle/>
-          <a:p>
-            <a:r>
-              <a:rPr lang="en-US" dirty="0"/>
-              <a:t>Future Work</a:t>
-            </a:r>
-          </a:p>
-        </p:txBody>
-      </p:sp>
-      <p:sp>
-        <p:nvSpPr>
-          <p:cNvPr id="3" name="Content Placeholder 2">
-            <a:extLst>
-              <a:ext uri="{FF2B5EF4-FFF2-40B4-BE49-F238E27FC236}">
-                <a16:creationId xmlns:a16="http://schemas.microsoft.com/office/drawing/2014/main" id="{A59202DC-EE16-7143-9A05-FE88E9F84EE6}"/>
-              </a:ext>
-            </a:extLst>
-          </p:cNvPr>
-          <p:cNvSpPr>
-            <a:spLocks noGrp="1"/>
-          </p:cNvSpPr>
-          <p:nvPr>
-            <p:ph idx="1"/>
-          </p:nvPr>
-        </p:nvSpPr>
-        <p:spPr/>
-        <p:txBody>
-          <a:bodyPr/>
-          <a:lstStyle/>
-          <a:p>
-            <a:endParaRPr lang="en-US" dirty="0"/>
+        <p:spPr>
+          <a:xfrm>
+            <a:off x="666182" y="2717180"/>
+            <a:ext cx="8596668" cy="1320800"/>
+          </a:xfrm>
+        </p:spPr>
+        <p:txBody>
+          <a:bodyPr>
+            <a:normAutofit/>
+          </a:bodyPr>
+          <a:lstStyle/>
+          <a:p>
+            <a:pPr algn="ctr"/>
+            <a:r>
+              <a:rPr lang="en-US" sz="7200" b="1" dirty="0"/>
+              <a:t>Demo</a:t>
+            </a:r>
           </a:p>
         </p:txBody>
       </p:sp>
@@ -6376,7 +8712,7 @@
           <p:cNvPr id="4" name="Slide Number Placeholder 3">
             <a:extLst>
               <a:ext uri="{FF2B5EF4-FFF2-40B4-BE49-F238E27FC236}">
-                <a16:creationId xmlns:a16="http://schemas.microsoft.com/office/drawing/2014/main" id="{EC6BDE28-1422-FC47-8F2A-724BF52394BE}"/>
+                <a16:creationId xmlns:a16="http://schemas.microsoft.com/office/drawing/2014/main" id="{C6DFB897-515D-444F-975B-7D3507800B03}"/>
               </a:ext>
             </a:extLst>
           </p:cNvPr>
@@ -6404,7 +8740,7 @@
     </p:spTree>
     <p:extLst>
       <p:ext uri="{BB962C8B-B14F-4D97-AF65-F5344CB8AC3E}">
-        <p14:creationId xmlns:p14="http://schemas.microsoft.com/office/powerpoint/2010/main" val="3131431770"/>
+        <p14:creationId xmlns:p14="http://schemas.microsoft.com/office/powerpoint/2010/main" val="999636528"/>
       </p:ext>
     </p:extLst>
   </p:cSld>
@@ -6436,6 +8772,169 @@
           <p:cNvPr id="2" name="Title 1">
             <a:extLst>
               <a:ext uri="{FF2B5EF4-FFF2-40B4-BE49-F238E27FC236}">
+                <a16:creationId xmlns:a16="http://schemas.microsoft.com/office/drawing/2014/main" id="{0A1A1C6D-AC84-4A46-93DA-A894BE663405}"/>
+              </a:ext>
+            </a:extLst>
+          </p:cNvPr>
+          <p:cNvSpPr>
+            <a:spLocks noGrp="1"/>
+          </p:cNvSpPr>
+          <p:nvPr>
+            <p:ph type="title"/>
+          </p:nvPr>
+        </p:nvSpPr>
+        <p:spPr/>
+        <p:txBody>
+          <a:bodyPr/>
+          <a:lstStyle/>
+          <a:p>
+            <a:r>
+              <a:rPr lang="en-US" dirty="0"/>
+              <a:t>Future Work</a:t>
+            </a:r>
+          </a:p>
+        </p:txBody>
+      </p:sp>
+      <p:sp>
+        <p:nvSpPr>
+          <p:cNvPr id="3" name="Content Placeholder 2">
+            <a:extLst>
+              <a:ext uri="{FF2B5EF4-FFF2-40B4-BE49-F238E27FC236}">
+                <a16:creationId xmlns:a16="http://schemas.microsoft.com/office/drawing/2014/main" id="{A59202DC-EE16-7143-9A05-FE88E9F84EE6}"/>
+              </a:ext>
+            </a:extLst>
+          </p:cNvPr>
+          <p:cNvSpPr>
+            <a:spLocks noGrp="1"/>
+          </p:cNvSpPr>
+          <p:nvPr>
+            <p:ph idx="1"/>
+          </p:nvPr>
+        </p:nvSpPr>
+        <p:spPr/>
+        <p:txBody>
+          <a:bodyPr/>
+          <a:lstStyle/>
+          <a:p>
+            <a:r>
+              <a:rPr lang="en-US" dirty="0"/>
+              <a:t>Add more functionalities to the program:	</a:t>
+            </a:r>
+          </a:p>
+          <a:p>
+            <a:pPr lvl="1"/>
+            <a:r>
+              <a:rPr lang="en-US" dirty="0"/>
+              <a:t>Choose number of topics in analysis</a:t>
+            </a:r>
+          </a:p>
+          <a:p>
+            <a:pPr lvl="1"/>
+            <a:r>
+              <a:rPr lang="en-US" dirty="0"/>
+              <a:t>Choose number of displayed most similar documents</a:t>
+            </a:r>
+          </a:p>
+          <a:p>
+            <a:pPr lvl="1"/>
+            <a:r>
+              <a:rPr lang="en-US" dirty="0"/>
+              <a:t>Choose language of data set</a:t>
+            </a:r>
+          </a:p>
+          <a:p>
+            <a:pPr lvl="1"/>
+            <a:r>
+              <a:rPr lang="en-US" dirty="0"/>
+              <a:t>Choose the chart type to be displayed</a:t>
+            </a:r>
+          </a:p>
+          <a:p>
+            <a:r>
+              <a:rPr lang="en-US" dirty="0"/>
+              <a:t>Add another local document view:</a:t>
+            </a:r>
+          </a:p>
+          <a:p>
+            <a:pPr lvl="1"/>
+            <a:r>
+              <a:rPr lang="en-US" dirty="0"/>
+              <a:t>Show the composition of topic per document</a:t>
+            </a:r>
+          </a:p>
+          <a:p>
+            <a:r>
+              <a:rPr lang="en-US" dirty="0"/>
+              <a:t>Show related topics</a:t>
+            </a:r>
+          </a:p>
+        </p:txBody>
+      </p:sp>
+      <p:sp>
+        <p:nvSpPr>
+          <p:cNvPr id="4" name="Slide Number Placeholder 3">
+            <a:extLst>
+              <a:ext uri="{FF2B5EF4-FFF2-40B4-BE49-F238E27FC236}">
+                <a16:creationId xmlns:a16="http://schemas.microsoft.com/office/drawing/2014/main" id="{EC6BDE28-1422-FC47-8F2A-724BF52394BE}"/>
+              </a:ext>
+            </a:extLst>
+          </p:cNvPr>
+          <p:cNvSpPr>
+            <a:spLocks noGrp="1"/>
+          </p:cNvSpPr>
+          <p:nvPr>
+            <p:ph type="sldNum" sz="quarter" idx="12"/>
+          </p:nvPr>
+        </p:nvSpPr>
+        <p:spPr/>
+        <p:txBody>
+          <a:bodyPr/>
+          <a:lstStyle/>
+          <a:p>
+            <a:fld id="{D57F1E4F-1CFF-5643-939E-217C01CDF565}" type="slidenum">
+              <a:rPr lang="en-US" sz="1600" smtClean="0"/>
+              <a:pPr/>
+              <a:t>12</a:t>
+            </a:fld>
+            <a:endParaRPr lang="en-US" sz="1600" dirty="0"/>
+          </a:p>
+        </p:txBody>
+      </p:sp>
+    </p:spTree>
+    <p:extLst>
+      <p:ext uri="{BB962C8B-B14F-4D97-AF65-F5344CB8AC3E}">
+        <p14:creationId xmlns:p14="http://schemas.microsoft.com/office/powerpoint/2010/main" val="3131431770"/>
+      </p:ext>
+    </p:extLst>
+  </p:cSld>
+  <p:clrMapOvr>
+    <a:masterClrMapping/>
+  </p:clrMapOvr>
+</p:sld>
+</file>
+
+<file path=ppt/slides/slide13.xml><?xml version="1.0" encoding="utf-8"?>
+<p:sld xmlns:a="http://schemas.openxmlformats.org/drawingml/2006/main" xmlns:r="http://schemas.openxmlformats.org/officeDocument/2006/relationships" xmlns:p="http://schemas.openxmlformats.org/presentationml/2006/main">
+  <p:cSld>
+    <p:spTree>
+      <p:nvGrpSpPr>
+        <p:cNvPr id="1" name=""/>
+        <p:cNvGrpSpPr/>
+        <p:nvPr/>
+      </p:nvGrpSpPr>
+      <p:grpSpPr>
+        <a:xfrm>
+          <a:off x="0" y="0"/>
+          <a:ext cx="0" cy="0"/>
+          <a:chOff x="0" y="0"/>
+          <a:chExt cx="0" cy="0"/>
+        </a:xfrm>
+      </p:grpSpPr>
+      <p:sp>
+        <p:nvSpPr>
+          <p:cNvPr id="2" name="Title 1">
+            <a:extLst>
+              <a:ext uri="{FF2B5EF4-FFF2-40B4-BE49-F238E27FC236}">
                 <a16:creationId xmlns:a16="http://schemas.microsoft.com/office/drawing/2014/main" id="{7817EE6D-9423-B04A-9B50-48A58CE8B0ED}"/>
               </a:ext>
             </a:extLst>
@@ -6491,7 +8990,7 @@
             <a:fld id="{D57F1E4F-1CFF-5643-939E-217C01CDF565}" type="slidenum">
               <a:rPr lang="en-US" sz="1600" smtClean="0"/>
               <a:pPr/>
-              <a:t>12</a:t>
+              <a:t>13</a:t>
             </a:fld>
             <a:endParaRPr lang="en-US" sz="1600" dirty="0"/>
           </a:p>
@@ -8398,14 +10897,35 @@
             <a:pPr lvl="1"/>
             <a:r>
               <a:rPr lang="en-US" dirty="0"/>
-              <a:t>Potential aid to better understand the relations</a:t>
+              <a:t>Potential aid:</a:t>
+            </a:r>
+          </a:p>
+          <a:p>
+            <a:pPr lvl="2"/>
+            <a:r>
+              <a:rPr lang="en-US" dirty="0"/>
+              <a:t>to better understand the relations</a:t>
+            </a:r>
+          </a:p>
+          <a:p>
+            <a:pPr lvl="2"/>
+            <a:r>
+              <a:rPr lang="en-US" dirty="0"/>
+              <a:t>overview of the data set</a:t>
+            </a:r>
+          </a:p>
+          <a:p>
+            <a:pPr lvl="2"/>
+            <a:r>
+              <a:rPr lang="en-US" dirty="0"/>
+              <a:t>extract new information and knowledge</a:t>
             </a:r>
           </a:p>
           <a:p>
             <a:pPr lvl="1"/>
             <a:r>
               <a:rPr lang="en-US" dirty="0"/>
-              <a:t> Concise and understandable representation of large data set</a:t>
+              <a:t>Concise and understandable representation of large data set</a:t>
             </a:r>
           </a:p>
           <a:p>
@@ -8414,6 +10934,10 @@
               <a:rPr lang="en-US" dirty="0"/>
               <a:t>Intuitive</a:t>
             </a:r>
+          </a:p>
+          <a:p>
+            <a:pPr lvl="1"/>
+            <a:endParaRPr lang="en-US" dirty="0"/>
           </a:p>
           <a:p>
             <a:endParaRPr lang="en-US" dirty="0"/>
@@ -8450,10 +10974,130 @@
           </a:p>
         </p:txBody>
       </p:sp>
+      <p:graphicFrame>
+        <p:nvGraphicFramePr>
+          <p:cNvPr id="7" name="Chart 6">
+            <a:extLst>
+              <a:ext uri="{FF2B5EF4-FFF2-40B4-BE49-F238E27FC236}">
+                <a16:creationId xmlns:a16="http://schemas.microsoft.com/office/drawing/2014/main" id="{68A59C45-704B-0B4F-8348-F2F7C0493CFD}"/>
+              </a:ext>
+            </a:extLst>
+          </p:cNvPr>
+          <p:cNvGraphicFramePr/>
+          <p:nvPr>
+            <p:extLst>
+              <p:ext uri="{D42A27DB-BD31-4B8C-83A1-F6EECF244321}">
+                <p14:modId xmlns:p14="http://schemas.microsoft.com/office/powerpoint/2010/main" val="935140362"/>
+              </p:ext>
+            </p:extLst>
+          </p:nvPr>
+        </p:nvGraphicFramePr>
+        <p:xfrm>
+          <a:off x="1716237" y="4794662"/>
+          <a:ext cx="2403521" cy="2108579"/>
+        </p:xfrm>
+        <a:graphic>
+          <a:graphicData uri="http://schemas.openxmlformats.org/drawingml/2006/chart">
+            <c:chart xmlns:c="http://schemas.openxmlformats.org/drawingml/2006/chart" xmlns:r="http://schemas.openxmlformats.org/officeDocument/2006/relationships" r:id="rId2"/>
+          </a:graphicData>
+        </a:graphic>
+      </p:graphicFrame>
+      <p:graphicFrame>
+        <p:nvGraphicFramePr>
+          <p:cNvPr id="8" name="Chart 7">
+            <a:extLst>
+              <a:ext uri="{FF2B5EF4-FFF2-40B4-BE49-F238E27FC236}">
+                <a16:creationId xmlns:a16="http://schemas.microsoft.com/office/drawing/2014/main" id="{8539909B-C49B-1C48-9FAC-6E985343E298}"/>
+              </a:ext>
+            </a:extLst>
+          </p:cNvPr>
+          <p:cNvGraphicFramePr/>
+          <p:nvPr>
+            <p:extLst>
+              <p:ext uri="{D42A27DB-BD31-4B8C-83A1-F6EECF244321}">
+                <p14:modId xmlns:p14="http://schemas.microsoft.com/office/powerpoint/2010/main" val="595412376"/>
+              </p:ext>
+            </p:extLst>
+          </p:nvPr>
+        </p:nvGraphicFramePr>
+        <p:xfrm>
+          <a:off x="4523611" y="4723949"/>
+          <a:ext cx="2831328" cy="1922511"/>
+        </p:xfrm>
+        <a:graphic>
+          <a:graphicData uri="http://schemas.openxmlformats.org/drawingml/2006/chart">
+            <c:chart xmlns:c="http://schemas.openxmlformats.org/drawingml/2006/chart" xmlns:r="http://schemas.openxmlformats.org/officeDocument/2006/relationships" r:id="rId3"/>
+          </a:graphicData>
+        </a:graphic>
+      </p:graphicFrame>
+      <mc:AlternateContent xmlns:mc="http://schemas.openxmlformats.org/markup-compatibility/2006">
+        <mc:Choice xmlns:cx1="http://schemas.microsoft.com/office/drawing/2015/9/8/chartex" Requires="cx1">
+          <p:graphicFrame>
+            <p:nvGraphicFramePr>
+              <p:cNvPr id="11" name="Graphique 10">
+                <a:extLst>
+                  <a:ext uri="{FF2B5EF4-FFF2-40B4-BE49-F238E27FC236}">
+                    <a16:creationId xmlns:a16="http://schemas.microsoft.com/office/drawing/2014/main" id="{0C845B89-C9AA-42AD-926B-B099A0D8CDFB}"/>
+                  </a:ext>
+                </a:extLst>
+              </p:cNvPr>
+              <p:cNvGraphicFramePr/>
+              <p:nvPr>
+                <p:extLst>
+                  <p:ext uri="{D42A27DB-BD31-4B8C-83A1-F6EECF244321}">
+                    <p14:modId xmlns:p14="http://schemas.microsoft.com/office/powerpoint/2010/main" val="1926355842"/>
+                  </p:ext>
+                </p:extLst>
+              </p:nvPr>
+            </p:nvGraphicFramePr>
+            <p:xfrm>
+              <a:off x="5426076" y="1298710"/>
+              <a:ext cx="3979646" cy="2643917"/>
+            </p:xfrm>
+            <a:graphic>
+              <a:graphicData uri="http://schemas.microsoft.com/office/drawing/2014/chartex">
+                <cx:chart xmlns:cx="http://schemas.microsoft.com/office/drawing/2014/chartex" xmlns:r="http://schemas.openxmlformats.org/officeDocument/2006/relationships" r:id="rId4"/>
+              </a:graphicData>
+            </a:graphic>
+          </p:graphicFrame>
+        </mc:Choice>
+        <mc:Fallback>
+          <p:pic>
+            <p:nvPicPr>
+              <p:cNvPr id="11" name="Graphique 10">
+                <a:extLst>
+                  <a:ext uri="{FF2B5EF4-FFF2-40B4-BE49-F238E27FC236}">
+                    <a16:creationId xmlns:a16="http://schemas.microsoft.com/office/drawing/2014/main" id="{0C845B89-C9AA-42AD-926B-B099A0D8CDFB}"/>
+                  </a:ext>
+                </a:extLst>
+              </p:cNvPr>
+              <p:cNvPicPr>
+                <a:picLocks noGrp="1" noRot="1" noChangeAspect="1" noMove="1" noResize="1" noEditPoints="1" noAdjustHandles="1" noChangeArrowheads="1" noChangeShapeType="1"/>
+              </p:cNvPicPr>
+              <p:nvPr/>
+            </p:nvPicPr>
+            <p:blipFill>
+              <a:blip r:embed="rId5"/>
+              <a:stretch>
+                <a:fillRect/>
+              </a:stretch>
+            </p:blipFill>
+            <p:spPr>
+              <a:xfrm>
+                <a:off x="5426076" y="1298710"/>
+                <a:ext cx="3979646" cy="2643917"/>
+              </a:xfrm>
+              <a:prstGeom prst="rect">
+                <a:avLst/>
+              </a:prstGeom>
+            </p:spPr>
+          </p:pic>
+        </mc:Fallback>
+      </mc:AlternateContent>
     </p:spTree>
     <p:extLst>
       <p:ext uri="{BB962C8B-B14F-4D97-AF65-F5344CB8AC3E}">
-        <p14:creationId xmlns:p14="http://schemas.microsoft.com/office/powerpoint/2010/main" val="2528237530"/>
+        <p14:creationId xmlns:p14="http://schemas.microsoft.com/office/powerpoint/2010/main" val="1106121617"/>
       </p:ext>
     </p:extLst>
   </p:cSld>
@@ -8529,7 +11173,36 @@
           <a:bodyPr/>
           <a:lstStyle/>
           <a:p>
-            <a:endParaRPr lang="en-US" dirty="0"/>
+            <a:r>
+              <a:rPr lang="en-US" dirty="0"/>
+              <a:t>A.J.B Chaney and D.M. </a:t>
+            </a:r>
+            <a:r>
+              <a:rPr lang="en-US" dirty="0" err="1"/>
+              <a:t>Blei</a:t>
+            </a:r>
+            <a:r>
+              <a:rPr lang="en-US" dirty="0"/>
+              <a:t> created a visualization tool</a:t>
+            </a:r>
+          </a:p>
+          <a:p>
+            <a:r>
+              <a:rPr lang="en-US" dirty="0"/>
+              <a:t>Wikipedia Data Set</a:t>
+            </a:r>
+          </a:p>
+          <a:p>
+            <a:r>
+              <a:rPr lang="en-US" dirty="0"/>
+              <a:t>Allows to navigate through the data set</a:t>
+            </a:r>
+          </a:p>
+          <a:p>
+            <a:r>
+              <a:rPr lang="en-US" dirty="0"/>
+              <a:t>User study shows it’s very intuitive</a:t>
+            </a:r>
           </a:p>
         </p:txBody>
       </p:sp>
@@ -8595,10 +11268,10 @@
       </p:grpSpPr>
       <p:sp>
         <p:nvSpPr>
-          <p:cNvPr id="2" name="Title 1">
+          <p:cNvPr id="5" name="Titre 4">
             <a:extLst>
               <a:ext uri="{FF2B5EF4-FFF2-40B4-BE49-F238E27FC236}">
-                <a16:creationId xmlns:a16="http://schemas.microsoft.com/office/drawing/2014/main" id="{75C08AA2-EDD2-E54F-B5E9-D6FFACA2E024}"/>
+                <a16:creationId xmlns:a16="http://schemas.microsoft.com/office/drawing/2014/main" id="{E6F9EE9B-5E9E-457A-BF60-F8A7ADC1A240}"/>
               </a:ext>
             </a:extLst>
           </p:cNvPr>
@@ -8614,16 +11287,16 @@
           <a:bodyPr/>
           <a:lstStyle/>
           <a:p>
-            <a:endParaRPr lang="en-US"/>
-          </a:p>
-        </p:txBody>
-      </p:sp>
-      <p:sp>
-        <p:nvSpPr>
-          <p:cNvPr id="3" name="Content Placeholder 2">
+            <a:endParaRPr lang="en-GB"/>
+          </a:p>
+        </p:txBody>
+      </p:sp>
+      <p:sp>
+        <p:nvSpPr>
+          <p:cNvPr id="6" name="Espace réservé du contenu 5">
             <a:extLst>
               <a:ext uri="{FF2B5EF4-FFF2-40B4-BE49-F238E27FC236}">
-                <a16:creationId xmlns:a16="http://schemas.microsoft.com/office/drawing/2014/main" id="{C7FD2CA9-64DF-3E4C-BDA8-53BC758DF17D}"/>
+                <a16:creationId xmlns:a16="http://schemas.microsoft.com/office/drawing/2014/main" id="{46E2965C-84BF-4426-85D9-1315B50AA380}"/>
               </a:ext>
             </a:extLst>
           </p:cNvPr>
@@ -8639,7 +11312,7 @@
           <a:bodyPr/>
           <a:lstStyle/>
           <a:p>
-            <a:endParaRPr lang="en-US"/>
+            <a:endParaRPr lang="en-GB"/>
           </a:p>
         </p:txBody>
       </p:sp>
@@ -8705,6 +11378,147 @@
       </p:grpSpPr>
       <p:sp>
         <p:nvSpPr>
+          <p:cNvPr id="2" name="Titre 1">
+            <a:extLst>
+              <a:ext uri="{FF2B5EF4-FFF2-40B4-BE49-F238E27FC236}">
+                <a16:creationId xmlns:a16="http://schemas.microsoft.com/office/drawing/2014/main" id="{0032C982-EA38-4926-AE7E-2AFA97552D54}"/>
+              </a:ext>
+            </a:extLst>
+          </p:cNvPr>
+          <p:cNvSpPr>
+            <a:spLocks noGrp="1"/>
+          </p:cNvSpPr>
+          <p:nvPr>
+            <p:ph type="title"/>
+          </p:nvPr>
+        </p:nvSpPr>
+        <p:spPr/>
+        <p:txBody>
+          <a:bodyPr/>
+          <a:lstStyle/>
+          <a:p>
+            <a:r>
+              <a:rPr lang="en-GB" dirty="0"/>
+              <a:t>Related Work (2)</a:t>
+            </a:r>
+          </a:p>
+        </p:txBody>
+      </p:sp>
+      <p:sp>
+        <p:nvSpPr>
+          <p:cNvPr id="3" name="Espace réservé du contenu 2">
+            <a:extLst>
+              <a:ext uri="{FF2B5EF4-FFF2-40B4-BE49-F238E27FC236}">
+                <a16:creationId xmlns:a16="http://schemas.microsoft.com/office/drawing/2014/main" id="{ACC1B854-EDE4-41CF-A026-55586ED22A95}"/>
+              </a:ext>
+            </a:extLst>
+          </p:cNvPr>
+          <p:cNvSpPr>
+            <a:spLocks noGrp="1"/>
+          </p:cNvSpPr>
+          <p:nvPr>
+            <p:ph idx="1"/>
+          </p:nvPr>
+        </p:nvSpPr>
+        <p:spPr/>
+        <p:txBody>
+          <a:bodyPr/>
+          <a:lstStyle/>
+          <a:p>
+            <a:r>
+              <a:rPr lang="en-GB" dirty="0" err="1"/>
+              <a:t>LDAExplore</a:t>
+            </a:r>
+            <a:r>
+              <a:rPr lang="en-GB" dirty="0"/>
+              <a:t>, a tool created by A. Ganesan, K. Brantley, S. Pan and J. Chen</a:t>
+            </a:r>
+          </a:p>
+          <a:p>
+            <a:r>
+              <a:rPr lang="en-GB" dirty="0"/>
+              <a:t>Allows to navigate through the data set</a:t>
+            </a:r>
+          </a:p>
+          <a:p>
+            <a:r>
+              <a:rPr lang="en-GB" dirty="0"/>
+              <a:t>Has a multitude of selection criteria</a:t>
+            </a:r>
+          </a:p>
+          <a:p>
+            <a:r>
+              <a:rPr lang="en-GB" dirty="0"/>
+              <a:t>User study shows not all features are intuitive</a:t>
+            </a:r>
+          </a:p>
+          <a:p>
+            <a:endParaRPr lang="en-GB" dirty="0"/>
+          </a:p>
+        </p:txBody>
+      </p:sp>
+      <p:sp>
+        <p:nvSpPr>
+          <p:cNvPr id="4" name="Espace réservé du numéro de diapositive 3">
+            <a:extLst>
+              <a:ext uri="{FF2B5EF4-FFF2-40B4-BE49-F238E27FC236}">
+                <a16:creationId xmlns:a16="http://schemas.microsoft.com/office/drawing/2014/main" id="{E41D9ED1-8512-4D36-A322-5A116B5048F3}"/>
+              </a:ext>
+            </a:extLst>
+          </p:cNvPr>
+          <p:cNvSpPr>
+            <a:spLocks noGrp="1"/>
+          </p:cNvSpPr>
+          <p:nvPr>
+            <p:ph type="sldNum" sz="quarter" idx="12"/>
+          </p:nvPr>
+        </p:nvSpPr>
+        <p:spPr/>
+        <p:txBody>
+          <a:bodyPr/>
+          <a:lstStyle/>
+          <a:p>
+            <a:fld id="{D57F1E4F-1CFF-5643-939E-217C01CDF565}" type="slidenum">
+              <a:rPr lang="en-US" smtClean="0"/>
+              <a:pPr/>
+              <a:t>7</a:t>
+            </a:fld>
+            <a:endParaRPr lang="en-US" dirty="0"/>
+          </a:p>
+        </p:txBody>
+      </p:sp>
+    </p:spTree>
+    <p:extLst>
+      <p:ext uri="{BB962C8B-B14F-4D97-AF65-F5344CB8AC3E}">
+        <p14:creationId xmlns:p14="http://schemas.microsoft.com/office/powerpoint/2010/main" val="538884409"/>
+      </p:ext>
+    </p:extLst>
+  </p:cSld>
+  <p:clrMapOvr>
+    <a:masterClrMapping/>
+  </p:clrMapOvr>
+</p:sld>
+</file>
+
+<file path=ppt/slides/slide8.xml><?xml version="1.0" encoding="utf-8"?>
+<p:sld xmlns:a="http://schemas.openxmlformats.org/drawingml/2006/main" xmlns:r="http://schemas.openxmlformats.org/officeDocument/2006/relationships" xmlns:p="http://schemas.openxmlformats.org/presentationml/2006/main">
+  <p:cSld>
+    <p:spTree>
+      <p:nvGrpSpPr>
+        <p:cNvPr id="1" name=""/>
+        <p:cNvGrpSpPr/>
+        <p:nvPr/>
+      </p:nvGrpSpPr>
+      <p:grpSpPr>
+        <a:xfrm>
+          <a:off x="0" y="0"/>
+          <a:ext cx="0" cy="0"/>
+          <a:chOff x="0" y="0"/>
+          <a:chExt cx="0" cy="0"/>
+        </a:xfrm>
+      </p:grpSpPr>
+      <p:sp>
+        <p:nvSpPr>
           <p:cNvPr id="2" name="Title 1">
             <a:extLst>
               <a:ext uri="{FF2B5EF4-FFF2-40B4-BE49-F238E27FC236}">
@@ -8752,7 +11566,7 @@
             <a:fld id="{D57F1E4F-1CFF-5643-939E-217C01CDF565}" type="slidenum">
               <a:rPr lang="en-US" smtClean="0"/>
               <a:pPr/>
-              <a:t>7</a:t>
+              <a:t>8</a:t>
             </a:fld>
             <a:endParaRPr lang="en-US" dirty="0"/>
           </a:p>
@@ -8826,119 +11640,6 @@
 </p:sld>
 </file>
 
-<file path=ppt/slides/slide8.xml><?xml version="1.0" encoding="utf-8"?>
-<p:sld xmlns:a="http://schemas.openxmlformats.org/drawingml/2006/main" xmlns:r="http://schemas.openxmlformats.org/officeDocument/2006/relationships" xmlns:p="http://schemas.openxmlformats.org/presentationml/2006/main">
-  <p:cSld>
-    <p:spTree>
-      <p:nvGrpSpPr>
-        <p:cNvPr id="1" name=""/>
-        <p:cNvGrpSpPr/>
-        <p:nvPr/>
-      </p:nvGrpSpPr>
-      <p:grpSpPr>
-        <a:xfrm>
-          <a:off x="0" y="0"/>
-          <a:ext cx="0" cy="0"/>
-          <a:chOff x="0" y="0"/>
-          <a:chExt cx="0" cy="0"/>
-        </a:xfrm>
-      </p:grpSpPr>
-      <p:sp>
-        <p:nvSpPr>
-          <p:cNvPr id="2" name="Title 1">
-            <a:extLst>
-              <a:ext uri="{FF2B5EF4-FFF2-40B4-BE49-F238E27FC236}">
-                <a16:creationId xmlns:a16="http://schemas.microsoft.com/office/drawing/2014/main" id="{80F6EA66-3071-A34A-9AB0-56133E48180B}"/>
-              </a:ext>
-            </a:extLst>
-          </p:cNvPr>
-          <p:cNvSpPr>
-            <a:spLocks noGrp="1"/>
-          </p:cNvSpPr>
-          <p:nvPr>
-            <p:ph type="title"/>
-          </p:nvPr>
-        </p:nvSpPr>
-        <p:spPr/>
-        <p:txBody>
-          <a:bodyPr/>
-          <a:lstStyle/>
-          <a:p>
-            <a:r>
-              <a:rPr lang="en-US" dirty="0"/>
-              <a:t>Our Approach</a:t>
-            </a:r>
-          </a:p>
-        </p:txBody>
-      </p:sp>
-      <p:sp>
-        <p:nvSpPr>
-          <p:cNvPr id="3" name="Content Placeholder 2">
-            <a:extLst>
-              <a:ext uri="{FF2B5EF4-FFF2-40B4-BE49-F238E27FC236}">
-                <a16:creationId xmlns:a16="http://schemas.microsoft.com/office/drawing/2014/main" id="{F6EE4A45-884E-5A48-8A80-2D574DC5221B}"/>
-              </a:ext>
-            </a:extLst>
-          </p:cNvPr>
-          <p:cNvSpPr>
-            <a:spLocks noGrp="1"/>
-          </p:cNvSpPr>
-          <p:nvPr>
-            <p:ph idx="1"/>
-          </p:nvPr>
-        </p:nvSpPr>
-        <p:spPr/>
-        <p:txBody>
-          <a:bodyPr/>
-          <a:lstStyle/>
-          <a:p>
-            <a:endParaRPr lang="en-US"/>
-          </a:p>
-        </p:txBody>
-      </p:sp>
-      <p:sp>
-        <p:nvSpPr>
-          <p:cNvPr id="4" name="Slide Number Placeholder 3">
-            <a:extLst>
-              <a:ext uri="{FF2B5EF4-FFF2-40B4-BE49-F238E27FC236}">
-                <a16:creationId xmlns:a16="http://schemas.microsoft.com/office/drawing/2014/main" id="{F83AF071-F933-C34B-B5D2-9D145C19DC62}"/>
-              </a:ext>
-            </a:extLst>
-          </p:cNvPr>
-          <p:cNvSpPr>
-            <a:spLocks noGrp="1"/>
-          </p:cNvSpPr>
-          <p:nvPr>
-            <p:ph type="sldNum" sz="quarter" idx="12"/>
-          </p:nvPr>
-        </p:nvSpPr>
-        <p:spPr/>
-        <p:txBody>
-          <a:bodyPr/>
-          <a:lstStyle/>
-          <a:p>
-            <a:fld id="{D57F1E4F-1CFF-5643-939E-217C01CDF565}" type="slidenum">
-              <a:rPr lang="en-US" smtClean="0"/>
-              <a:pPr/>
-              <a:t>8</a:t>
-            </a:fld>
-            <a:endParaRPr lang="en-US" dirty="0"/>
-          </a:p>
-        </p:txBody>
-      </p:sp>
-    </p:spTree>
-    <p:extLst>
-      <p:ext uri="{BB962C8B-B14F-4D97-AF65-F5344CB8AC3E}">
-        <p14:creationId xmlns:p14="http://schemas.microsoft.com/office/powerpoint/2010/main" val="3123588587"/>
-      </p:ext>
-    </p:extLst>
-  </p:cSld>
-  <p:clrMapOvr>
-    <a:masterClrMapping/>
-  </p:clrMapOvr>
-</p:sld>
-</file>
-
 <file path=ppt/slides/slide9.xml><?xml version="1.0" encoding="utf-8"?>
 <p:sld xmlns:a="http://schemas.openxmlformats.org/drawingml/2006/main" xmlns:r="http://schemas.openxmlformats.org/officeDocument/2006/relationships" xmlns:p="http://schemas.openxmlformats.org/presentationml/2006/main">
   <p:cSld>
@@ -8961,7 +11662,7 @@
           <p:cNvPr id="2" name="Title 1">
             <a:extLst>
               <a:ext uri="{FF2B5EF4-FFF2-40B4-BE49-F238E27FC236}">
-                <a16:creationId xmlns:a16="http://schemas.microsoft.com/office/drawing/2014/main" id="{F00933EE-829D-874C-9853-A93C5380AE3A}"/>
+                <a16:creationId xmlns:a16="http://schemas.microsoft.com/office/drawing/2014/main" id="{80F6EA66-3071-A34A-9AB0-56133E48180B}"/>
               </a:ext>
             </a:extLst>
           </p:cNvPr>
@@ -8979,7 +11680,7 @@
           <a:p>
             <a:r>
               <a:rPr lang="en-US" dirty="0"/>
-              <a:t>Implementation</a:t>
+              <a:t>Our Approach</a:t>
             </a:r>
           </a:p>
         </p:txBody>
@@ -8989,7 +11690,7 @@
           <p:cNvPr id="3" name="Content Placeholder 2">
             <a:extLst>
               <a:ext uri="{FF2B5EF4-FFF2-40B4-BE49-F238E27FC236}">
-                <a16:creationId xmlns:a16="http://schemas.microsoft.com/office/drawing/2014/main" id="{59F3B59A-32B3-E04B-9016-A64898FA1E9F}"/>
+                <a16:creationId xmlns:a16="http://schemas.microsoft.com/office/drawing/2014/main" id="{F6EE4A45-884E-5A48-8A80-2D574DC5221B}"/>
               </a:ext>
             </a:extLst>
           </p:cNvPr>
@@ -9005,7 +11706,50 @@
           <a:bodyPr/>
           <a:lstStyle/>
           <a:p>
-            <a:endParaRPr lang="en-US"/>
+            <a:r>
+              <a:rPr lang="en-US" dirty="0"/>
+              <a:t>First tool seemed more intuitive</a:t>
+            </a:r>
+          </a:p>
+          <a:p>
+            <a:r>
+              <a:rPr lang="en-US" dirty="0"/>
+              <a:t>Global View of the data set:</a:t>
+            </a:r>
+          </a:p>
+          <a:p>
+            <a:pPr lvl="1"/>
+            <a:r>
+              <a:rPr lang="en-US" dirty="0"/>
+              <a:t>View by topic</a:t>
+            </a:r>
+          </a:p>
+          <a:p>
+            <a:pPr lvl="1"/>
+            <a:r>
+              <a:rPr lang="en-US" dirty="0"/>
+              <a:t>Statistics on topics distribution along the data set</a:t>
+            </a:r>
+          </a:p>
+          <a:p>
+            <a:r>
+              <a:rPr lang="en-US" dirty="0"/>
+              <a:t>Details to provide enough insight into documents:</a:t>
+            </a:r>
+          </a:p>
+          <a:p>
+            <a:pPr lvl="1"/>
+            <a:r>
+              <a:rPr lang="en-US" dirty="0"/>
+              <a:t>Similar documents</a:t>
+            </a:r>
+          </a:p>
+          <a:p>
+            <a:pPr lvl="1"/>
+            <a:r>
+              <a:rPr lang="en-US" dirty="0"/>
+              <a:t>Topic percentage inside document</a:t>
+            </a:r>
           </a:p>
         </p:txBody>
       </p:sp>
@@ -9014,7 +11758,7 @@
           <p:cNvPr id="4" name="Slide Number Placeholder 3">
             <a:extLst>
               <a:ext uri="{FF2B5EF4-FFF2-40B4-BE49-F238E27FC236}">
-                <a16:creationId xmlns:a16="http://schemas.microsoft.com/office/drawing/2014/main" id="{53199D6D-2B32-5744-A4F5-F34DE3ED4162}"/>
+                <a16:creationId xmlns:a16="http://schemas.microsoft.com/office/drawing/2014/main" id="{F83AF071-F933-C34B-B5D2-9D145C19DC62}"/>
               </a:ext>
             </a:extLst>
           </p:cNvPr>
@@ -9031,18 +11775,18 @@
           <a:lstStyle/>
           <a:p>
             <a:fld id="{D57F1E4F-1CFF-5643-939E-217C01CDF565}" type="slidenum">
-              <a:rPr lang="en-US" sz="1600" smtClean="0"/>
+              <a:rPr lang="en-US" smtClean="0"/>
               <a:pPr/>
               <a:t>9</a:t>
             </a:fld>
-            <a:endParaRPr lang="en-US" sz="1600" dirty="0"/>
+            <a:endParaRPr lang="en-US" dirty="0"/>
           </a:p>
         </p:txBody>
       </p:sp>
     </p:spTree>
     <p:extLst>
       <p:ext uri="{BB962C8B-B14F-4D97-AF65-F5344CB8AC3E}">
-        <p14:creationId xmlns:p14="http://schemas.microsoft.com/office/powerpoint/2010/main" val="3656499478"/>
+        <p14:creationId xmlns:p14="http://schemas.microsoft.com/office/powerpoint/2010/main" val="3123588587"/>
       </p:ext>
     </p:extLst>
   </p:cSld>

--- a/Topic Model Visualization.pptx
+++ b/Topic Model Visualization.pptx
@@ -130,7 +130,7 @@
 <file path=ppt/charts/chart1.xml><?xml version="1.0" encoding="utf-8"?>
 <c:chartSpace xmlns:c="http://schemas.openxmlformats.org/drawingml/2006/chart" xmlns:a="http://schemas.openxmlformats.org/drawingml/2006/main" xmlns:r="http://schemas.openxmlformats.org/officeDocument/2006/relationships" xmlns:c16r2="http://schemas.microsoft.com/office/drawing/2015/06/chart">
   <c:date1904 val="0"/>
-  <c:lang val="fr-FR"/>
+  <c:lang val="en-US"/>
   <c:roundedCorners val="0"/>
   <mc:AlternateContent xmlns:mc="http://schemas.openxmlformats.org/markup-compatibility/2006">
     <mc:Choice xmlns:c14="http://schemas.microsoft.com/office/drawing/2007/8/2/chart" Requires="c14">
@@ -374,7 +374,7 @@
 <file path=ppt/charts/chart2.xml><?xml version="1.0" encoding="utf-8"?>
 <c:chartSpace xmlns:c="http://schemas.openxmlformats.org/drawingml/2006/chart" xmlns:a="http://schemas.openxmlformats.org/drawingml/2006/main" xmlns:r="http://schemas.openxmlformats.org/officeDocument/2006/relationships" xmlns:c16r2="http://schemas.microsoft.com/office/drawing/2015/06/chart">
   <c:date1904 val="0"/>
-  <c:lang val="fr-FR"/>
+  <c:lang val="en-US"/>
   <c:roundedCorners val="0"/>
   <mc:AlternateContent xmlns:mc="http://schemas.openxmlformats.org/markup-compatibility/2006">
     <mc:Choice xmlns:c14="http://schemas.microsoft.com/office/drawing/2007/8/2/chart" Requires="c14">
@@ -735,6 +735,13 @@
               <cx:v>Série 1</cx:v>
             </cx:txData>
           </cx:tx>
+          <cx:dataPt idx="8">
+            <cx:spPr>
+              <a:solidFill>
+                <a:srgbClr val="C42F1A"/>
+              </a:solidFill>
+            </cx:spPr>
+          </cx:dataPt>
           <cx:dataLabels pos="inEnd">
             <cx:visibility seriesName="0" categoryName="1" value="0"/>
           </cx:dataLabels>
@@ -2496,7 +2503,7 @@
           <a:p>
             <a:fld id="{1DCFB7DB-C20D-0E4D-BFA9-46471439C035}" type="datetimeFigureOut">
               <a:rPr lang="en-US" smtClean="0"/>
-              <a:t>5/21/2018</a:t>
+              <a:t>5/21/18</a:t>
             </a:fld>
             <a:endParaRPr lang="en-US"/>
           </a:p>
@@ -2654,7 +2661,7 @@
           <a:p>
             <a:fld id="{F996E4C0-1752-DF44-B5CA-A76C8FC057C8}" type="slidenum">
               <a:rPr lang="en-US" smtClean="0"/>
-              <a:t>‹N°›</a:t>
+              <a:t>‹#›</a:t>
             </a:fld>
             <a:endParaRPr lang="en-US"/>
           </a:p>
@@ -3485,7 +3492,7 @@
           <a:p>
             <a:fld id="{7FB3CD95-84BB-C345-8A35-39BFBDF3CDEA}" type="datetime1">
               <a:rPr lang="en-US" smtClean="0"/>
-              <a:t>5/21/2018</a:t>
+              <a:t>5/21/18</a:t>
             </a:fld>
             <a:endParaRPr lang="en-US" dirty="0"/>
           </a:p>
@@ -3528,7 +3535,7 @@
             <a:fld id="{D57F1E4F-1CFF-5643-939E-217C01CDF565}" type="slidenum">
               <a:rPr lang="en-US" dirty="0"/>
               <a:pPr/>
-              <a:t>‹N°›</a:t>
+              <a:t>‹#›</a:t>
             </a:fld>
             <a:endParaRPr lang="en-US" dirty="0"/>
           </a:p>
@@ -3732,7 +3739,7 @@
           <a:p>
             <a:fld id="{65FAD503-C0EB-4049-88D2-E03BE08EFCAF}" type="datetime1">
               <a:rPr lang="en-US" smtClean="0"/>
-              <a:t>5/21/2018</a:t>
+              <a:t>5/21/18</a:t>
             </a:fld>
             <a:endParaRPr lang="en-US" dirty="0"/>
           </a:p>
@@ -3775,7 +3782,7 @@
             <a:fld id="{D57F1E4F-1CFF-5643-939E-217C01CDF565}" type="slidenum">
               <a:rPr lang="en-US" dirty="0"/>
               <a:pPr/>
-              <a:t>‹N°›</a:t>
+              <a:t>‹#›</a:t>
             </a:fld>
             <a:endParaRPr lang="en-US" dirty="0"/>
           </a:p>
@@ -4042,7 +4049,7 @@
           <a:p>
             <a:fld id="{779B9A30-D79B-BF4C-9DCB-B743C326D6EC}" type="datetime1">
               <a:rPr lang="en-US" smtClean="0"/>
-              <a:t>5/21/2018</a:t>
+              <a:t>5/21/18</a:t>
             </a:fld>
             <a:endParaRPr lang="en-US" dirty="0"/>
           </a:p>
@@ -4085,7 +4092,7 @@
             <a:fld id="{D57F1E4F-1CFF-5643-939E-217C01CDF565}" type="slidenum">
               <a:rPr lang="en-US" dirty="0"/>
               <a:pPr/>
-              <a:t>‹N°›</a:t>
+              <a:t>‹#›</a:t>
             </a:fld>
             <a:endParaRPr lang="en-US" dirty="0"/>
           </a:p>
@@ -4379,7 +4386,7 @@
           <a:p>
             <a:fld id="{05442E79-0EA2-3341-BCE4-56F3333B820B}" type="datetime1">
               <a:rPr lang="en-US" smtClean="0"/>
-              <a:t>5/21/2018</a:t>
+              <a:t>5/21/18</a:t>
             </a:fld>
             <a:endParaRPr lang="en-US" dirty="0"/>
           </a:p>
@@ -4422,7 +4429,7 @@
             <a:fld id="{D57F1E4F-1CFF-5643-939E-217C01CDF565}" type="slidenum">
               <a:rPr lang="en-US" dirty="0"/>
               <a:pPr/>
-              <a:t>‹N°›</a:t>
+              <a:t>‹#›</a:t>
             </a:fld>
             <a:endParaRPr lang="en-US" dirty="0"/>
           </a:p>
@@ -4689,7 +4696,7 @@
           <a:p>
             <a:fld id="{C4BCDB4C-E44B-6447-8E00-F28159740978}" type="datetime1">
               <a:rPr lang="en-US" smtClean="0"/>
-              <a:t>5/21/2018</a:t>
+              <a:t>5/21/18</a:t>
             </a:fld>
             <a:endParaRPr lang="en-US" dirty="0"/>
           </a:p>
@@ -4732,7 +4739,7 @@
             <a:fld id="{D57F1E4F-1CFF-5643-939E-217C01CDF565}" type="slidenum">
               <a:rPr lang="en-US" dirty="0"/>
               <a:pPr/>
-              <a:t>‹N°›</a:t>
+              <a:t>‹#›</a:t>
             </a:fld>
             <a:endParaRPr lang="en-US" dirty="0"/>
           </a:p>
@@ -5078,7 +5085,7 @@
           <a:p>
             <a:fld id="{A50E7B74-D85D-6F4E-988C-EE32801A1FB3}" type="datetime1">
               <a:rPr lang="en-US" smtClean="0"/>
-              <a:t>5/21/2018</a:t>
+              <a:t>5/21/18</a:t>
             </a:fld>
             <a:endParaRPr lang="en-US" dirty="0"/>
           </a:p>
@@ -5121,7 +5128,7 @@
             <a:fld id="{D57F1E4F-1CFF-5643-939E-217C01CDF565}" type="slidenum">
               <a:rPr lang="en-US" dirty="0"/>
               <a:pPr/>
-              <a:t>‹N°›</a:t>
+              <a:t>‹#›</a:t>
             </a:fld>
             <a:endParaRPr lang="en-US" dirty="0"/>
           </a:p>
@@ -5244,7 +5251,7 @@
           <a:p>
             <a:fld id="{DDC3D4CA-0CC0-A44B-BC4A-5F23C3ADEA10}" type="datetime1">
               <a:rPr lang="en-US" smtClean="0"/>
-              <a:t>5/21/2018</a:t>
+              <a:t>5/21/18</a:t>
             </a:fld>
             <a:endParaRPr lang="en-US" dirty="0"/>
           </a:p>
@@ -5286,7 +5293,7 @@
           <a:p>
             <a:fld id="{89333C77-0158-454C-844F-B7AB9BD7DAD4}" type="slidenum">
               <a:rPr lang="en-US" dirty="0"/>
-              <a:t>‹N°›</a:t>
+              <a:t>‹#›</a:t>
             </a:fld>
             <a:endParaRPr lang="en-US" dirty="0"/>
           </a:p>
@@ -5419,7 +5426,7 @@
           <a:p>
             <a:fld id="{1477C0A0-4D60-3748-8FD3-842B140AFB93}" type="datetime1">
               <a:rPr lang="en-US" smtClean="0"/>
-              <a:t>5/21/2018</a:t>
+              <a:t>5/21/18</a:t>
             </a:fld>
             <a:endParaRPr lang="en-US" dirty="0"/>
           </a:p>
@@ -5462,7 +5469,7 @@
             <a:fld id="{D57F1E4F-1CFF-5643-939E-217C01CDF565}" type="slidenum">
               <a:rPr lang="en-US" dirty="0"/>
               <a:pPr/>
-              <a:t>‹N°›</a:t>
+              <a:t>‹#›</a:t>
             </a:fld>
             <a:endParaRPr lang="en-US" dirty="0"/>
           </a:p>
@@ -5591,7 +5598,7 @@
           <a:p>
             <a:fld id="{1FE2D7C0-AA09-7645-87C7-373971BC61A6}" type="datetime1">
               <a:rPr lang="en-US" smtClean="0"/>
-              <a:t>5/21/2018</a:t>
+              <a:t>5/21/18</a:t>
             </a:fld>
             <a:endParaRPr lang="en-US" dirty="0"/>
           </a:p>
@@ -5634,7 +5641,7 @@
             <a:fld id="{D57F1E4F-1CFF-5643-939E-217C01CDF565}" type="slidenum">
               <a:rPr lang="en-US" dirty="0"/>
               <a:pPr/>
-              <a:t>‹N°›</a:t>
+              <a:t>‹#›</a:t>
             </a:fld>
             <a:endParaRPr lang="en-US" dirty="0"/>
           </a:p>
@@ -5834,7 +5841,7 @@
           <a:p>
             <a:fld id="{A5A1F876-EB9F-A74C-A4D9-6746D2F34235}" type="datetime1">
               <a:rPr lang="en-US" smtClean="0"/>
-              <a:t>5/21/2018</a:t>
+              <a:t>5/21/18</a:t>
             </a:fld>
             <a:endParaRPr lang="en-US" dirty="0"/>
           </a:p>
@@ -5877,7 +5884,7 @@
             <a:fld id="{D57F1E4F-1CFF-5643-939E-217C01CDF565}" type="slidenum">
               <a:rPr lang="en-US" dirty="0"/>
               <a:pPr/>
-              <a:t>‹N°›</a:t>
+              <a:t>‹#›</a:t>
             </a:fld>
             <a:endParaRPr lang="en-US" dirty="0"/>
           </a:p>
@@ -6062,7 +6069,7 @@
           <a:p>
             <a:fld id="{6B60DBF2-98DF-D146-99DB-542F2609B43B}" type="datetime1">
               <a:rPr lang="en-US" smtClean="0"/>
-              <a:t>5/21/2018</a:t>
+              <a:t>5/21/18</a:t>
             </a:fld>
             <a:endParaRPr lang="en-US" dirty="0"/>
           </a:p>
@@ -6104,7 +6111,7 @@
           <a:p>
             <a:fld id="{6FF9F0C5-380F-41C2-899A-BAC0F0927E16}" type="slidenum">
               <a:rPr lang="en-US" dirty="0"/>
-              <a:t>‹N°›</a:t>
+              <a:t>‹#›</a:t>
             </a:fld>
             <a:endParaRPr lang="en-US" dirty="0"/>
           </a:p>
@@ -6431,7 +6438,7 @@
           <a:p>
             <a:fld id="{A13DC3D0-E3A1-F14D-B696-2E75658A6321}" type="datetime1">
               <a:rPr lang="en-US" smtClean="0"/>
-              <a:t>5/21/2018</a:t>
+              <a:t>5/21/18</a:t>
             </a:fld>
             <a:endParaRPr lang="en-US" dirty="0"/>
           </a:p>
@@ -6474,7 +6481,7 @@
             <a:fld id="{D57F1E4F-1CFF-5643-939E-217C01CDF565}" type="slidenum">
               <a:rPr lang="en-US" dirty="0"/>
               <a:pPr/>
-              <a:t>‹N°›</a:t>
+              <a:t>‹#›</a:t>
             </a:fld>
             <a:endParaRPr lang="en-US" dirty="0"/>
           </a:p>
@@ -6550,7 +6557,7 @@
           <a:p>
             <a:fld id="{E1C55F83-5307-5547-931A-73EEE0432B2C}" type="datetime1">
               <a:rPr lang="en-US" smtClean="0"/>
-              <a:t>5/21/2018</a:t>
+              <a:t>5/21/18</a:t>
             </a:fld>
             <a:endParaRPr lang="en-US" dirty="0"/>
           </a:p>
@@ -6593,7 +6600,7 @@
             <a:fld id="{D57F1E4F-1CFF-5643-939E-217C01CDF565}" type="slidenum">
               <a:rPr lang="en-US" dirty="0"/>
               <a:pPr/>
-              <a:t>‹N°›</a:t>
+              <a:t>‹#›</a:t>
             </a:fld>
             <a:endParaRPr lang="en-US" dirty="0"/>
           </a:p>
@@ -6641,7 +6648,7 @@
           <a:p>
             <a:fld id="{CBDFB00E-8EDD-EC4A-B1D4-1E111506C046}" type="datetime1">
               <a:rPr lang="en-US" smtClean="0"/>
-              <a:t>5/21/2018</a:t>
+              <a:t>5/21/18</a:t>
             </a:fld>
             <a:endParaRPr lang="en-US" dirty="0"/>
           </a:p>
@@ -6684,7 +6691,7 @@
             <a:fld id="{D57F1E4F-1CFF-5643-939E-217C01CDF565}" type="slidenum">
               <a:rPr lang="en-US" dirty="0"/>
               <a:pPr/>
-              <a:t>‹N°›</a:t>
+              <a:t>‹#›</a:t>
             </a:fld>
             <a:endParaRPr lang="en-US" dirty="0"/>
           </a:p>
@@ -6892,7 +6899,7 @@
           <a:p>
             <a:fld id="{F2A423DB-DB0E-D045-AF2D-E45A492F16A2}" type="datetime1">
               <a:rPr lang="en-US" smtClean="0"/>
-              <a:t>5/21/2018</a:t>
+              <a:t>5/21/18</a:t>
             </a:fld>
             <a:endParaRPr lang="en-US" dirty="0"/>
           </a:p>
@@ -6934,7 +6941,7 @@
           <a:p>
             <a:fld id="{519954A3-9DFD-4C44-94BA-B95130A3BA1C}" type="slidenum">
               <a:rPr lang="en-US" dirty="0"/>
-              <a:t>‹N°›</a:t>
+              <a:t>‹#›</a:t>
             </a:fld>
             <a:endParaRPr lang="en-US" dirty="0"/>
           </a:p>
@@ -7150,7 +7157,7 @@
           <a:p>
             <a:fld id="{A0699E7D-1958-2D4A-B6B5-DE5EADAFEE7B}" type="datetime1">
               <a:rPr lang="en-US" smtClean="0"/>
-              <a:t>5/21/2018</a:t>
+              <a:t>5/21/18</a:t>
             </a:fld>
             <a:endParaRPr lang="en-US" dirty="0"/>
           </a:p>
@@ -7193,7 +7200,7 @@
             <a:fld id="{D57F1E4F-1CFF-5643-939E-217C01CDF565}" type="slidenum">
               <a:rPr lang="en-US" dirty="0"/>
               <a:pPr/>
-              <a:t>‹N°›</a:t>
+              <a:t>‹#›</a:t>
             </a:fld>
             <a:endParaRPr lang="en-US" dirty="0"/>
           </a:p>
@@ -7889,7 +7896,7 @@
           <a:p>
             <a:fld id="{98112769-4A50-254C-8BBC-6E197F902E45}" type="datetime1">
               <a:rPr lang="en-US" smtClean="0"/>
-              <a:t>5/21/2018</a:t>
+              <a:t>5/21/18</a:t>
             </a:fld>
             <a:endParaRPr lang="en-US" dirty="0"/>
           </a:p>
@@ -7966,7 +7973,7 @@
             <a:fld id="{D57F1E4F-1CFF-5643-939E-217C01CDF565}" type="slidenum">
               <a:rPr lang="en-US" dirty="0"/>
               <a:pPr/>
-              <a:t>‹N°›</a:t>
+              <a:t>‹#›</a:t>
             </a:fld>
             <a:endParaRPr lang="en-US" dirty="0"/>
           </a:p>
@@ -8573,14 +8580,33 @@
             <a:pPr lvl="1"/>
             <a:r>
               <a:rPr lang="en-US" dirty="0"/>
-              <a:t>Added features:</a:t>
+              <a:t>Preprocessing</a:t>
+            </a:r>
+          </a:p>
+          <a:p>
+            <a:pPr lvl="2"/>
+            <a:r>
+              <a:rPr lang="en-US" dirty="0"/>
+              <a:t>Remove of </a:t>
+            </a:r>
+            <a:r>
+              <a:rPr lang="en-US" dirty="0" err="1"/>
+              <a:t>Stopwords</a:t>
+            </a:r>
+            <a:endParaRPr lang="en-US" dirty="0"/>
+          </a:p>
+          <a:p>
+            <a:pPr lvl="2"/>
+            <a:r>
+              <a:rPr lang="en-US" dirty="0"/>
+              <a:t>Stemming of tokens</a:t>
             </a:r>
           </a:p>
           <a:p>
             <a:pPr lvl="1"/>
             <a:r>
               <a:rPr lang="en-US" dirty="0"/>
-              <a:t>Use Euclidean distance to calculate similarity of documents on topic distribution vector of the documents</a:t>
+              <a:t>Similarity of documents by Euclidean distance</a:t>
             </a:r>
           </a:p>
           <a:p>
@@ -8592,15 +8618,26 @@
               <a:rPr lang="en-US" dirty="0" err="1"/>
               <a:t>JFreeChart</a:t>
             </a:r>
+            <a:endParaRPr lang="en-US" dirty="0"/>
+          </a:p>
+          <a:p>
+            <a:pPr lvl="1"/>
             <a:r>
               <a:rPr lang="en-US" dirty="0"/>
-              <a:t> to create charts</a:t>
-            </a:r>
-          </a:p>
-          <a:p>
+              <a:t>3D pie-chart</a:t>
+            </a:r>
+          </a:p>
+          <a:p>
+            <a:pPr lvl="1"/>
             <a:r>
               <a:rPr lang="en-US" dirty="0"/>
-              <a:t>Use Swing to create the application</a:t>
+              <a:t>Mouseover: display additional information</a:t>
+            </a:r>
+          </a:p>
+          <a:p>
+            <a:r>
+              <a:rPr lang="en-US" dirty="0"/>
+              <a:t>Use Java Swing to create the application</a:t>
             </a:r>
           </a:p>
           <a:p>
@@ -8818,7 +8855,7 @@
           <a:p>
             <a:r>
               <a:rPr lang="en-US" dirty="0"/>
-              <a:t>Add more functionalities to the program:	</a:t>
+              <a:t>Add more features to the program:	</a:t>
             </a:r>
           </a:p>
           <a:p>
@@ -10258,6 +10295,9 @@
           <a:prstGeom prst="snip1Rect">
             <a:avLst/>
           </a:prstGeom>
+          <a:solidFill>
+            <a:schemeClr val="accent4"/>
+          </a:solidFill>
         </p:spPr>
         <p:style>
           <a:lnRef idx="2">
@@ -10307,6 +10347,9 @@
           <a:prstGeom prst="snip1Rect">
             <a:avLst/>
           </a:prstGeom>
+          <a:solidFill>
+            <a:schemeClr val="accent4"/>
+          </a:solidFill>
         </p:spPr>
         <p:style>
           <a:lnRef idx="2">
@@ -10356,6 +10399,9 @@
           <a:prstGeom prst="snip1Rect">
             <a:avLst/>
           </a:prstGeom>
+          <a:solidFill>
+            <a:schemeClr val="accent4"/>
+          </a:solidFill>
         </p:spPr>
         <p:style>
           <a:lnRef idx="2">
@@ -10416,7 +10462,7 @@
             <a:r>
               <a:rPr lang="en-US" sz="3200" dirty="0">
                 <a:solidFill>
-                  <a:schemeClr val="accent1"/>
+                  <a:schemeClr val="accent4"/>
                 </a:solidFill>
               </a:rPr>
               <a:t>…</a:t>
@@ -10749,6 +10795,9 @@
             <a:avLst/>
           </a:prstGeom>
           <a:ln>
+            <a:solidFill>
+              <a:schemeClr val="accent2"/>
+            </a:solidFill>
             <a:tailEnd type="triangle"/>
           </a:ln>
         </p:spPr>
@@ -10796,14 +10845,22 @@
           <a:p>
             <a:pPr algn="ctr"/>
             <a:r>
-              <a:rPr lang="en-US" dirty="0"/>
+              <a:rPr lang="en-US" dirty="0">
+                <a:solidFill>
+                  <a:schemeClr val="accent2"/>
+                </a:solidFill>
+              </a:rPr>
               <a:t>Word</a:t>
             </a:r>
           </a:p>
           <a:p>
             <a:pPr algn="ctr"/>
             <a:r>
-              <a:rPr lang="en-US" dirty="0"/>
+              <a:rPr lang="en-US" dirty="0">
+                <a:solidFill>
+                  <a:schemeClr val="accent2"/>
+                </a:solidFill>
+              </a:rPr>
               <a:t>Cluster</a:t>
             </a:r>
           </a:p>
@@ -10897,21 +10954,21 @@
             <a:pPr lvl="1"/>
             <a:r>
               <a:rPr lang="en-US" dirty="0"/>
-              <a:t>Potential aid:</a:t>
+              <a:t>Helpful to :</a:t>
             </a:r>
           </a:p>
           <a:p>
             <a:pPr lvl="2"/>
             <a:r>
               <a:rPr lang="en-US" dirty="0"/>
-              <a:t>to better understand the relations</a:t>
+              <a:t>better understand the relations</a:t>
             </a:r>
           </a:p>
           <a:p>
             <a:pPr lvl="2"/>
             <a:r>
               <a:rPr lang="en-US" dirty="0"/>
-              <a:t>overview of the data set</a:t>
+              <a:t>overview  the data set</a:t>
             </a:r>
           </a:p>
           <a:p>
@@ -10932,7 +10989,7 @@
             <a:pPr lvl="1"/>
             <a:r>
               <a:rPr lang="en-US" dirty="0"/>
-              <a:t>Intuitive</a:t>
+              <a:t>Goal: Intuitive</a:t>
             </a:r>
           </a:p>
           <a:p>
@@ -11045,7 +11102,7 @@
               <p:nvPr>
                 <p:extLst>
                   <p:ext uri="{D42A27DB-BD31-4B8C-83A1-F6EECF244321}">
-                    <p14:modId xmlns:p14="http://schemas.microsoft.com/office/powerpoint/2010/main" val="1926355842"/>
+                    <p14:modId xmlns:p14="http://schemas.microsoft.com/office/powerpoint/2010/main" val="3763200755"/>
                   </p:ext>
                 </p:extLst>
               </p:nvPr>
@@ -11175,7 +11232,7 @@
           <a:p>
             <a:r>
               <a:rPr lang="en-US" dirty="0"/>
-              <a:t>A.J.B Chaney and D.M. </a:t>
+              <a:t>Visualization tool by A.J.B Chaney and D.M. </a:t>
             </a:r>
             <a:r>
               <a:rPr lang="en-US" dirty="0" err="1"/>
@@ -11183,7 +11240,7 @@
             </a:r>
             <a:r>
               <a:rPr lang="en-US" dirty="0"/>
-              <a:t> created a visualization tool</a:t>
+              <a:t> </a:t>
             </a:r>
           </a:p>
           <a:p>
@@ -11708,7 +11765,14 @@
           <a:p>
             <a:r>
               <a:rPr lang="en-US" dirty="0"/>
-              <a:t>First tool seemed more intuitive</a:t>
+              <a:t>Navigation technique similar to the first tool</a:t>
+            </a:r>
+          </a:p>
+          <a:p>
+            <a:pPr lvl="1"/>
+            <a:r>
+              <a:rPr lang="en-US" dirty="0"/>
+              <a:t>User study: first tool more intuitive</a:t>
             </a:r>
           </a:p>
           <a:p>
@@ -11728,6 +11792,13 @@
             <a:pPr lvl="1"/>
             <a:r>
               <a:rPr lang="en-US" dirty="0"/>
+              <a:t>Most frequent word per topic</a:t>
+            </a:r>
+          </a:p>
+          <a:p>
+            <a:pPr lvl="1"/>
+            <a:r>
+              <a:rPr lang="en-US" dirty="0"/>
               <a:t>Statistics on topics distribution along the data set</a:t>
             </a:r>
           </a:p>
@@ -11748,7 +11819,7 @@
             <a:pPr lvl="1"/>
             <a:r>
               <a:rPr lang="en-US" dirty="0"/>
-              <a:t>Topic percentage inside document</a:t>
+              <a:t>Relevance of topic per document</a:t>
             </a:r>
           </a:p>
         </p:txBody>

--- a/Topic Model Visualization.pptx
+++ b/Topic Model Visualization.pptx
@@ -9235,7 +9235,7 @@
           <a:p>
             <a:r>
               <a:rPr lang="en-US" dirty="0"/>
-              <a:t>Topic Modeling and Visualization</a:t>
+              <a:t>Topic Modeling</a:t>
             </a:r>
           </a:p>
         </p:txBody>
@@ -9268,25 +9268,16 @@
           <a:p>
             <a:r>
               <a:rPr lang="en-US" dirty="0"/>
-              <a:t>Topic Modeling</a:t>
-            </a:r>
-          </a:p>
-          <a:p>
-            <a:pPr lvl="1"/>
-            <a:r>
-              <a:rPr lang="en-US" dirty="0"/>
               <a:t>Unsupervised machine learning technique</a:t>
             </a:r>
           </a:p>
           <a:p>
-            <a:pPr lvl="1"/>
             <a:r>
               <a:rPr lang="en-US" dirty="0"/>
               <a:t>Looks for relations in document collections</a:t>
             </a:r>
           </a:p>
           <a:p>
-            <a:pPr lvl="1"/>
             <a:r>
               <a:rPr lang="en-US" dirty="0"/>
               <a:t>Growing amount of data -&gt; need to visualize</a:t>
@@ -10947,46 +10938,37 @@
           <a:p>
             <a:r>
               <a:rPr lang="en-US" dirty="0"/>
-              <a:t>Visualization</a:t>
+              <a:t>Helpful to :</a:t>
             </a:r>
           </a:p>
           <a:p>
             <a:pPr lvl="1"/>
-            <a:r>
-              <a:rPr lang="en-US" dirty="0"/>
-              <a:t>Helpful to :</a:t>
-            </a:r>
-          </a:p>
-          <a:p>
-            <a:pPr lvl="2"/>
             <a:r>
               <a:rPr lang="en-US" dirty="0"/>
               <a:t>better understand the relations</a:t>
             </a:r>
           </a:p>
           <a:p>
-            <a:pPr lvl="2"/>
+            <a:pPr lvl="1"/>
             <a:r>
               <a:rPr lang="en-US" dirty="0"/>
               <a:t>overview  the data set</a:t>
             </a:r>
           </a:p>
           <a:p>
-            <a:pPr lvl="2"/>
+            <a:pPr lvl="1"/>
             <a:r>
               <a:rPr lang="en-US" dirty="0"/>
               <a:t>extract new information and knowledge</a:t>
             </a:r>
           </a:p>
           <a:p>
-            <a:pPr lvl="1"/>
             <a:r>
               <a:rPr lang="en-US" dirty="0"/>
               <a:t>Concise and understandable representation of large data set</a:t>
             </a:r>
           </a:p>
           <a:p>
-            <a:pPr lvl="1"/>
             <a:r>
               <a:rPr lang="en-US" dirty="0"/>
               <a:t>Goal: Intuitive</a:t>
@@ -11102,13 +11084,13 @@
               <p:nvPr>
                 <p:extLst>
                   <p:ext uri="{D42A27DB-BD31-4B8C-83A1-F6EECF244321}">
-                    <p14:modId xmlns:p14="http://schemas.microsoft.com/office/powerpoint/2010/main" val="3763200755"/>
+                    <p14:modId xmlns:p14="http://schemas.microsoft.com/office/powerpoint/2010/main" val="3207971515"/>
                   </p:ext>
                 </p:extLst>
               </p:nvPr>
             </p:nvGraphicFramePr>
             <p:xfrm>
-              <a:off x="5426076" y="1298710"/>
+              <a:off x="5365116" y="910991"/>
               <a:ext cx="3979646" cy="2643917"/>
             </p:xfrm>
             <a:graphic>
@@ -11141,7 +11123,7 @@
             </p:blipFill>
             <p:spPr>
               <a:xfrm>
-                <a:off x="5426076" y="1298710"/>
+                <a:off x="5365116" y="910991"/>
                 <a:ext cx="3979646" cy="2643917"/>
               </a:xfrm>
               <a:prstGeom prst="rect">
@@ -11293,6 +11275,36 @@
           </a:p>
         </p:txBody>
       </p:sp>
+      <p:pic>
+        <p:nvPicPr>
+          <p:cNvPr id="5" name="Content Placeholder 4">
+            <a:extLst>
+              <a:ext uri="{FF2B5EF4-FFF2-40B4-BE49-F238E27FC236}">
+                <a16:creationId xmlns:a16="http://schemas.microsoft.com/office/drawing/2014/main" id="{FB3D4D9E-0E5F-9843-8951-30744BBAA6F5}"/>
+              </a:ext>
+            </a:extLst>
+          </p:cNvPr>
+          <p:cNvPicPr>
+            <a:picLocks noChangeAspect="1"/>
+          </p:cNvPicPr>
+          <p:nvPr/>
+        </p:nvPicPr>
+        <p:blipFill>
+          <a:blip r:embed="rId2"/>
+          <a:stretch>
+            <a:fillRect/>
+          </a:stretch>
+        </p:blipFill>
+        <p:spPr>
+          <a:xfrm>
+            <a:off x="2011681" y="3920491"/>
+            <a:ext cx="4815839" cy="2708910"/>
+          </a:xfrm>
+          <a:prstGeom prst="rect">
+            <a:avLst/>
+          </a:prstGeom>
+        </p:spPr>
+      </p:pic>
     </p:spTree>
     <p:extLst>
       <p:ext uri="{BB962C8B-B14F-4D97-AF65-F5344CB8AC3E}">
@@ -11494,7 +11506,7 @@
           <a:p>
             <a:r>
               <a:rPr lang="en-GB" dirty="0"/>
-              <a:t>Allows to navigate through the data set</a:t>
+              <a:t>Also allows to navigate through the data set</a:t>
             </a:r>
           </a:p>
           <a:p>
@@ -11544,6 +11556,36 @@
           </a:p>
         </p:txBody>
       </p:sp>
+      <p:pic>
+        <p:nvPicPr>
+          <p:cNvPr id="5" name="Content Placeholder 5">
+            <a:extLst>
+              <a:ext uri="{FF2B5EF4-FFF2-40B4-BE49-F238E27FC236}">
+                <a16:creationId xmlns:a16="http://schemas.microsoft.com/office/drawing/2014/main" id="{22916272-B79D-9640-9186-0868355E81AA}"/>
+              </a:ext>
+            </a:extLst>
+          </p:cNvPr>
+          <p:cNvPicPr>
+            <a:picLocks noChangeAspect="1"/>
+          </p:cNvPicPr>
+          <p:nvPr/>
+        </p:nvPicPr>
+        <p:blipFill>
+          <a:blip r:embed="rId2"/>
+          <a:stretch>
+            <a:fillRect/>
+          </a:stretch>
+        </p:blipFill>
+        <p:spPr>
+          <a:xfrm>
+            <a:off x="2073679" y="3995368"/>
+            <a:ext cx="4601441" cy="2588311"/>
+          </a:xfrm>
+          <a:prstGeom prst="rect">
+            <a:avLst/>
+          </a:prstGeom>
+        </p:spPr>
+      </p:pic>
     </p:spTree>
     <p:extLst>
       <p:ext uri="{BB962C8B-B14F-4D97-AF65-F5344CB8AC3E}">

--- a/Topic Model Visualization.pptx
+++ b/Topic Model Visualization.pptx
@@ -5,22 +5,25 @@
     <p:sldMasterId id="2147483648" r:id="rId1"/>
   </p:sldMasterIdLst>
   <p:notesMasterIdLst>
-    <p:notesMasterId r:id="rId15"/>
+    <p:notesMasterId r:id="rId18"/>
   </p:notesMasterIdLst>
   <p:sldIdLst>
     <p:sldId id="256" r:id="rId2"/>
     <p:sldId id="258" r:id="rId3"/>
     <p:sldId id="259" r:id="rId4"/>
     <p:sldId id="269" r:id="rId5"/>
-    <p:sldId id="260" r:id="rId6"/>
-    <p:sldId id="264" r:id="rId7"/>
-    <p:sldId id="268" r:id="rId8"/>
-    <p:sldId id="265" r:id="rId9"/>
-    <p:sldId id="266" r:id="rId10"/>
-    <p:sldId id="262" r:id="rId11"/>
-    <p:sldId id="261" r:id="rId12"/>
-    <p:sldId id="263" r:id="rId13"/>
-    <p:sldId id="257" r:id="rId14"/>
+    <p:sldId id="271" r:id="rId6"/>
+    <p:sldId id="272" r:id="rId7"/>
+    <p:sldId id="274" r:id="rId8"/>
+    <p:sldId id="260" r:id="rId9"/>
+    <p:sldId id="264" r:id="rId10"/>
+    <p:sldId id="268" r:id="rId11"/>
+    <p:sldId id="265" r:id="rId12"/>
+    <p:sldId id="266" r:id="rId13"/>
+    <p:sldId id="262" r:id="rId14"/>
+    <p:sldId id="261" r:id="rId15"/>
+    <p:sldId id="263" r:id="rId16"/>
+    <p:sldId id="257" r:id="rId17"/>
   </p:sldIdLst>
   <p:sldSz cx="12192000" cy="6858000"/>
   <p:notesSz cx="6858000" cy="9144000"/>
@@ -660,7 +663,1470 @@
 </c:chartSpace>
 </file>
 
+<file path=ppt/charts/chart3.xml><?xml version="1.0" encoding="utf-8"?>
+<c:chartSpace xmlns:c="http://schemas.openxmlformats.org/drawingml/2006/chart" xmlns:a="http://schemas.openxmlformats.org/drawingml/2006/main" xmlns:r="http://schemas.openxmlformats.org/officeDocument/2006/relationships" xmlns:c16r2="http://schemas.microsoft.com/office/drawing/2015/06/chart">
+  <c:date1904 val="0"/>
+  <c:lang val="en-US"/>
+  <c:roundedCorners val="0"/>
+  <mc:AlternateContent xmlns:mc="http://schemas.openxmlformats.org/markup-compatibility/2006">
+    <mc:Choice xmlns:c14="http://schemas.microsoft.com/office/drawing/2007/8/2/chart" Requires="c14">
+      <c14:style val="102"/>
+    </mc:Choice>
+    <mc:Fallback>
+      <c:style val="2"/>
+    </mc:Fallback>
+  </mc:AlternateContent>
+  <c:chart>
+    <c:autoTitleDeleted val="1"/>
+    <c:plotArea>
+      <c:layout/>
+      <c:pieChart>
+        <c:varyColors val="1"/>
+        <c:ser>
+          <c:idx val="0"/>
+          <c:order val="0"/>
+          <c:tx>
+            <c:strRef>
+              <c:f>Sheet1!$B$1</c:f>
+              <c:strCache>
+                <c:ptCount val="1"/>
+                <c:pt idx="0">
+                  <c:v>Document</c:v>
+                </c:pt>
+              </c:strCache>
+            </c:strRef>
+          </c:tx>
+          <c:dPt>
+            <c:idx val="0"/>
+            <c:bubble3D val="0"/>
+            <c:spPr>
+              <a:solidFill>
+                <a:schemeClr val="accent1"/>
+              </a:solidFill>
+              <a:ln w="19050">
+                <a:solidFill>
+                  <a:schemeClr val="lt1"/>
+                </a:solidFill>
+              </a:ln>
+              <a:effectLst/>
+            </c:spPr>
+            <c:extLst>
+              <c:ext xmlns:c16="http://schemas.microsoft.com/office/drawing/2014/chart" uri="{C3380CC4-5D6E-409C-BE32-E72D297353CC}">
+                <c16:uniqueId val="{00000001-D722-4F09-AC16-22A4E7357D92}"/>
+              </c:ext>
+            </c:extLst>
+          </c:dPt>
+          <c:dPt>
+            <c:idx val="1"/>
+            <c:bubble3D val="0"/>
+            <c:spPr>
+              <a:solidFill>
+                <a:schemeClr val="accent2"/>
+              </a:solidFill>
+              <a:ln w="19050">
+                <a:solidFill>
+                  <a:schemeClr val="lt1"/>
+                </a:solidFill>
+              </a:ln>
+              <a:effectLst/>
+            </c:spPr>
+            <c:extLst>
+              <c:ext xmlns:c16="http://schemas.microsoft.com/office/drawing/2014/chart" uri="{C3380CC4-5D6E-409C-BE32-E72D297353CC}">
+                <c16:uniqueId val="{00000003-D722-4F09-AC16-22A4E7357D92}"/>
+              </c:ext>
+            </c:extLst>
+          </c:dPt>
+          <c:dPt>
+            <c:idx val="2"/>
+            <c:bubble3D val="0"/>
+            <c:spPr>
+              <a:solidFill>
+                <a:schemeClr val="accent3"/>
+              </a:solidFill>
+              <a:ln w="19050">
+                <a:solidFill>
+                  <a:schemeClr val="lt1"/>
+                </a:solidFill>
+              </a:ln>
+              <a:effectLst/>
+            </c:spPr>
+            <c:extLst>
+              <c:ext xmlns:c16="http://schemas.microsoft.com/office/drawing/2014/chart" uri="{C3380CC4-5D6E-409C-BE32-E72D297353CC}">
+                <c16:uniqueId val="{00000005-D722-4F09-AC16-22A4E7357D92}"/>
+              </c:ext>
+            </c:extLst>
+          </c:dPt>
+          <c:dPt>
+            <c:idx val="3"/>
+            <c:bubble3D val="0"/>
+            <c:spPr>
+              <a:solidFill>
+                <a:schemeClr val="accent4"/>
+              </a:solidFill>
+              <a:ln w="19050">
+                <a:solidFill>
+                  <a:schemeClr val="lt1"/>
+                </a:solidFill>
+              </a:ln>
+              <a:effectLst/>
+            </c:spPr>
+            <c:extLst>
+              <c:ext xmlns:c16="http://schemas.microsoft.com/office/drawing/2014/chart" uri="{C3380CC4-5D6E-409C-BE32-E72D297353CC}">
+                <c16:uniqueId val="{00000007-D722-4F09-AC16-22A4E7357D92}"/>
+              </c:ext>
+            </c:extLst>
+          </c:dPt>
+          <c:cat>
+            <c:strRef>
+              <c:f>Sheet1!$A$2:$A$5</c:f>
+              <c:strCache>
+                <c:ptCount val="4"/>
+                <c:pt idx="0">
+                  <c:v>Topic 1</c:v>
+                </c:pt>
+                <c:pt idx="1">
+                  <c:v>Topic 2</c:v>
+                </c:pt>
+                <c:pt idx="2">
+                  <c:v>Topic 3</c:v>
+                </c:pt>
+                <c:pt idx="3">
+                  <c:v>Topic 4</c:v>
+                </c:pt>
+              </c:strCache>
+            </c:strRef>
+          </c:cat>
+          <c:val>
+            <c:numRef>
+              <c:f>Sheet1!$B$2:$B$5</c:f>
+              <c:numCache>
+                <c:formatCode>General</c:formatCode>
+                <c:ptCount val="4"/>
+                <c:pt idx="0">
+                  <c:v>8</c:v>
+                </c:pt>
+                <c:pt idx="1">
+                  <c:v>3</c:v>
+                </c:pt>
+                <c:pt idx="2">
+                  <c:v>1</c:v>
+                </c:pt>
+                <c:pt idx="3">
+                  <c:v>2</c:v>
+                </c:pt>
+              </c:numCache>
+            </c:numRef>
+          </c:val>
+          <c:extLst>
+            <c:ext xmlns:c16="http://schemas.microsoft.com/office/drawing/2014/chart" uri="{C3380CC4-5D6E-409C-BE32-E72D297353CC}">
+              <c16:uniqueId val="{00000008-D722-4F09-AC16-22A4E7357D92}"/>
+            </c:ext>
+          </c:extLst>
+        </c:ser>
+        <c:dLbls>
+          <c:showLegendKey val="0"/>
+          <c:showVal val="0"/>
+          <c:showCatName val="0"/>
+          <c:showSerName val="0"/>
+          <c:showPercent val="0"/>
+          <c:showBubbleSize val="0"/>
+          <c:showLeaderLines val="1"/>
+        </c:dLbls>
+        <c:firstSliceAng val="0"/>
+      </c:pieChart>
+      <c:spPr>
+        <a:noFill/>
+        <a:ln>
+          <a:noFill/>
+        </a:ln>
+        <a:effectLst/>
+      </c:spPr>
+    </c:plotArea>
+    <c:legend>
+      <c:legendPos val="b"/>
+      <c:overlay val="0"/>
+      <c:spPr>
+        <a:noFill/>
+        <a:ln>
+          <a:noFill/>
+        </a:ln>
+        <a:effectLst/>
+      </c:spPr>
+      <c:txPr>
+        <a:bodyPr rot="0" spcFirstLastPara="1" vertOverflow="ellipsis" vert="horz" wrap="square" anchor="ctr" anchorCtr="1"/>
+        <a:lstStyle/>
+        <a:p>
+          <a:pPr>
+            <a:defRPr sz="1197" b="0" i="0" u="none" strike="noStrike" kern="1200" baseline="0">
+              <a:solidFill>
+                <a:schemeClr val="tx1">
+                  <a:lumMod val="65000"/>
+                  <a:lumOff val="35000"/>
+                </a:schemeClr>
+              </a:solidFill>
+              <a:latin typeface="+mn-lt"/>
+              <a:ea typeface="+mn-ea"/>
+              <a:cs typeface="+mn-cs"/>
+            </a:defRPr>
+          </a:pPr>
+          <a:endParaRPr lang="en-US"/>
+        </a:p>
+      </c:txPr>
+    </c:legend>
+    <c:plotVisOnly val="1"/>
+    <c:dispBlanksAs val="gap"/>
+    <c:extLst>
+      <c:ext xmlns:c16r3="http://schemas.microsoft.com/office/drawing/2017/03/chart" uri="{56B9EC1D-385E-4148-901F-78D8002777C0}">
+        <c16r3:dataDisplayOptions16>
+          <c16r3:dispNaAsBlank val="1"/>
+        </c16r3:dataDisplayOptions16>
+      </c:ext>
+    </c:extLst>
+    <c:showDLblsOverMax val="0"/>
+  </c:chart>
+  <c:spPr>
+    <a:noFill/>
+    <a:ln>
+      <a:noFill/>
+    </a:ln>
+    <a:effectLst/>
+  </c:spPr>
+  <c:txPr>
+    <a:bodyPr/>
+    <a:lstStyle/>
+    <a:p>
+      <a:pPr>
+        <a:defRPr/>
+      </a:pPr>
+      <a:endParaRPr lang="en-US"/>
+    </a:p>
+  </c:txPr>
+  <c:externalData r:id="rId3">
+    <c:autoUpdate val="0"/>
+  </c:externalData>
+</c:chartSpace>
+</file>
+
+<file path=ppt/charts/chart4.xml><?xml version="1.0" encoding="utf-8"?>
+<c:chartSpace xmlns:c="http://schemas.openxmlformats.org/drawingml/2006/chart" xmlns:a="http://schemas.openxmlformats.org/drawingml/2006/main" xmlns:r="http://schemas.openxmlformats.org/officeDocument/2006/relationships" xmlns:c16r2="http://schemas.microsoft.com/office/drawing/2015/06/chart">
+  <c:date1904 val="0"/>
+  <c:lang val="en-US"/>
+  <c:roundedCorners val="0"/>
+  <mc:AlternateContent xmlns:mc="http://schemas.openxmlformats.org/markup-compatibility/2006">
+    <mc:Choice xmlns:c14="http://schemas.microsoft.com/office/drawing/2007/8/2/chart" Requires="c14">
+      <c14:style val="102"/>
+    </mc:Choice>
+    <mc:Fallback>
+      <c:style val="2"/>
+    </mc:Fallback>
+  </mc:AlternateContent>
+  <c:chart>
+    <c:autoTitleDeleted val="1"/>
+    <c:plotArea>
+      <c:layout/>
+      <c:doughnutChart>
+        <c:varyColors val="1"/>
+        <c:ser>
+          <c:idx val="0"/>
+          <c:order val="0"/>
+          <c:tx>
+            <c:strRef>
+              <c:f>Sheet1!$B$1</c:f>
+              <c:strCache>
+                <c:ptCount val="1"/>
+                <c:pt idx="0">
+                  <c:v>Document</c:v>
+                </c:pt>
+              </c:strCache>
+            </c:strRef>
+          </c:tx>
+          <c:dPt>
+            <c:idx val="0"/>
+            <c:bubble3D val="0"/>
+            <c:spPr>
+              <a:solidFill>
+                <a:schemeClr val="accent1"/>
+              </a:solidFill>
+              <a:ln w="19050">
+                <a:solidFill>
+                  <a:schemeClr val="lt1"/>
+                </a:solidFill>
+              </a:ln>
+              <a:effectLst/>
+            </c:spPr>
+            <c:extLst>
+              <c:ext xmlns:c16="http://schemas.microsoft.com/office/drawing/2014/chart" uri="{C3380CC4-5D6E-409C-BE32-E72D297353CC}">
+                <c16:uniqueId val="{00000001-C764-457C-B9A1-255905F76825}"/>
+              </c:ext>
+            </c:extLst>
+          </c:dPt>
+          <c:dPt>
+            <c:idx val="1"/>
+            <c:bubble3D val="0"/>
+            <c:spPr>
+              <a:solidFill>
+                <a:schemeClr val="accent2"/>
+              </a:solidFill>
+              <a:ln w="19050">
+                <a:solidFill>
+                  <a:schemeClr val="lt1"/>
+                </a:solidFill>
+              </a:ln>
+              <a:effectLst/>
+            </c:spPr>
+            <c:extLst>
+              <c:ext xmlns:c16="http://schemas.microsoft.com/office/drawing/2014/chart" uri="{C3380CC4-5D6E-409C-BE32-E72D297353CC}">
+                <c16:uniqueId val="{00000003-C764-457C-B9A1-255905F76825}"/>
+              </c:ext>
+            </c:extLst>
+          </c:dPt>
+          <c:dPt>
+            <c:idx val="2"/>
+            <c:bubble3D val="0"/>
+            <c:spPr>
+              <a:solidFill>
+                <a:schemeClr val="accent3"/>
+              </a:solidFill>
+              <a:ln w="19050">
+                <a:solidFill>
+                  <a:schemeClr val="lt1"/>
+                </a:solidFill>
+              </a:ln>
+              <a:effectLst/>
+            </c:spPr>
+            <c:extLst>
+              <c:ext xmlns:c16="http://schemas.microsoft.com/office/drawing/2014/chart" uri="{C3380CC4-5D6E-409C-BE32-E72D297353CC}">
+                <c16:uniqueId val="{00000005-C764-457C-B9A1-255905F76825}"/>
+              </c:ext>
+            </c:extLst>
+          </c:dPt>
+          <c:dPt>
+            <c:idx val="3"/>
+            <c:bubble3D val="0"/>
+            <c:spPr>
+              <a:solidFill>
+                <a:schemeClr val="accent4"/>
+              </a:solidFill>
+              <a:ln w="19050">
+                <a:solidFill>
+                  <a:schemeClr val="lt1"/>
+                </a:solidFill>
+              </a:ln>
+              <a:effectLst/>
+            </c:spPr>
+            <c:extLst>
+              <c:ext xmlns:c16="http://schemas.microsoft.com/office/drawing/2014/chart" uri="{C3380CC4-5D6E-409C-BE32-E72D297353CC}">
+                <c16:uniqueId val="{00000007-C764-457C-B9A1-255905F76825}"/>
+              </c:ext>
+            </c:extLst>
+          </c:dPt>
+          <c:cat>
+            <c:strRef>
+              <c:f>Sheet1!$A$2:$A$5</c:f>
+              <c:strCache>
+                <c:ptCount val="4"/>
+                <c:pt idx="0">
+                  <c:v>Topic 1</c:v>
+                </c:pt>
+                <c:pt idx="1">
+                  <c:v>Topic 2</c:v>
+                </c:pt>
+                <c:pt idx="2">
+                  <c:v>Topic 3</c:v>
+                </c:pt>
+                <c:pt idx="3">
+                  <c:v>Topic 4</c:v>
+                </c:pt>
+              </c:strCache>
+            </c:strRef>
+          </c:cat>
+          <c:val>
+            <c:numRef>
+              <c:f>Sheet1!$B$2:$B$5</c:f>
+              <c:numCache>
+                <c:formatCode>General</c:formatCode>
+                <c:ptCount val="4"/>
+                <c:pt idx="0">
+                  <c:v>3</c:v>
+                </c:pt>
+                <c:pt idx="1">
+                  <c:v>4</c:v>
+                </c:pt>
+                <c:pt idx="2">
+                  <c:v>5</c:v>
+                </c:pt>
+                <c:pt idx="3">
+                  <c:v>2</c:v>
+                </c:pt>
+              </c:numCache>
+            </c:numRef>
+          </c:val>
+          <c:extLst>
+            <c:ext xmlns:c16="http://schemas.microsoft.com/office/drawing/2014/chart" uri="{C3380CC4-5D6E-409C-BE32-E72D297353CC}">
+              <c16:uniqueId val="{00000008-C764-457C-B9A1-255905F76825}"/>
+            </c:ext>
+          </c:extLst>
+        </c:ser>
+        <c:dLbls>
+          <c:showLegendKey val="0"/>
+          <c:showVal val="0"/>
+          <c:showCatName val="0"/>
+          <c:showSerName val="0"/>
+          <c:showPercent val="0"/>
+          <c:showBubbleSize val="0"/>
+          <c:showLeaderLines val="1"/>
+        </c:dLbls>
+        <c:firstSliceAng val="0"/>
+        <c:holeSize val="50"/>
+      </c:doughnutChart>
+      <c:spPr>
+        <a:noFill/>
+        <a:ln>
+          <a:noFill/>
+        </a:ln>
+        <a:effectLst/>
+      </c:spPr>
+    </c:plotArea>
+    <c:legend>
+      <c:legendPos val="b"/>
+      <c:overlay val="0"/>
+      <c:spPr>
+        <a:noFill/>
+        <a:ln>
+          <a:noFill/>
+        </a:ln>
+        <a:effectLst/>
+      </c:spPr>
+      <c:txPr>
+        <a:bodyPr rot="0" spcFirstLastPara="1" vertOverflow="ellipsis" vert="horz" wrap="square" anchor="ctr" anchorCtr="1"/>
+        <a:lstStyle/>
+        <a:p>
+          <a:pPr>
+            <a:defRPr sz="1197" b="0" i="0" u="none" strike="noStrike" kern="1200" baseline="0">
+              <a:solidFill>
+                <a:schemeClr val="tx1">
+                  <a:lumMod val="65000"/>
+                  <a:lumOff val="35000"/>
+                </a:schemeClr>
+              </a:solidFill>
+              <a:latin typeface="+mn-lt"/>
+              <a:ea typeface="+mn-ea"/>
+              <a:cs typeface="+mn-cs"/>
+            </a:defRPr>
+          </a:pPr>
+          <a:endParaRPr lang="en-US"/>
+        </a:p>
+      </c:txPr>
+    </c:legend>
+    <c:plotVisOnly val="1"/>
+    <c:dispBlanksAs val="gap"/>
+    <c:extLst>
+      <c:ext xmlns:c16r3="http://schemas.microsoft.com/office/drawing/2017/03/chart" uri="{56B9EC1D-385E-4148-901F-78D8002777C0}">
+        <c16r3:dataDisplayOptions16>
+          <c16r3:dispNaAsBlank val="1"/>
+        </c16r3:dataDisplayOptions16>
+      </c:ext>
+    </c:extLst>
+    <c:showDLblsOverMax val="0"/>
+  </c:chart>
+  <c:spPr>
+    <a:noFill/>
+    <a:ln>
+      <a:noFill/>
+    </a:ln>
+    <a:effectLst/>
+  </c:spPr>
+  <c:txPr>
+    <a:bodyPr/>
+    <a:lstStyle/>
+    <a:p>
+      <a:pPr>
+        <a:defRPr/>
+      </a:pPr>
+      <a:endParaRPr lang="en-US"/>
+    </a:p>
+  </c:txPr>
+  <c:externalData r:id="rId3">
+    <c:autoUpdate val="0"/>
+  </c:externalData>
+</c:chartSpace>
+</file>
+
+<file path=ppt/charts/chart5.xml><?xml version="1.0" encoding="utf-8"?>
+<c:chartSpace xmlns:c="http://schemas.openxmlformats.org/drawingml/2006/chart" xmlns:a="http://schemas.openxmlformats.org/drawingml/2006/main" xmlns:r="http://schemas.openxmlformats.org/officeDocument/2006/relationships" xmlns:c16r2="http://schemas.microsoft.com/office/drawing/2015/06/chart">
+  <c:date1904 val="0"/>
+  <c:lang val="en-US"/>
+  <c:roundedCorners val="0"/>
+  <mc:AlternateContent xmlns:mc="http://schemas.openxmlformats.org/markup-compatibility/2006">
+    <mc:Choice xmlns:c14="http://schemas.microsoft.com/office/drawing/2007/8/2/chart" Requires="c14">
+      <c14:style val="102"/>
+    </mc:Choice>
+    <mc:Fallback>
+      <c:style val="2"/>
+    </mc:Fallback>
+  </mc:AlternateContent>
+  <c:chart>
+    <c:autoTitleDeleted val="1"/>
+    <c:plotArea>
+      <c:layout/>
+      <c:barChart>
+        <c:barDir val="col"/>
+        <c:grouping val="clustered"/>
+        <c:varyColors val="0"/>
+        <c:ser>
+          <c:idx val="0"/>
+          <c:order val="0"/>
+          <c:tx>
+            <c:strRef>
+              <c:f>Sheet1!$B$1</c:f>
+              <c:strCache>
+                <c:ptCount val="1"/>
+                <c:pt idx="0">
+                  <c:v>Topic</c:v>
+                </c:pt>
+              </c:strCache>
+            </c:strRef>
+          </c:tx>
+          <c:spPr>
+            <a:solidFill>
+              <a:schemeClr val="accent1"/>
+            </a:solidFill>
+            <a:ln>
+              <a:noFill/>
+            </a:ln>
+            <a:effectLst/>
+          </c:spPr>
+          <c:invertIfNegative val="0"/>
+          <c:cat>
+            <c:strRef>
+              <c:f>Sheet1!$A$2:$A$5</c:f>
+              <c:strCache>
+                <c:ptCount val="4"/>
+                <c:pt idx="0">
+                  <c:v>Word 1</c:v>
+                </c:pt>
+                <c:pt idx="1">
+                  <c:v>Word 2</c:v>
+                </c:pt>
+                <c:pt idx="2">
+                  <c:v>Word 3</c:v>
+                </c:pt>
+                <c:pt idx="3">
+                  <c:v>Word 4</c:v>
+                </c:pt>
+              </c:strCache>
+            </c:strRef>
+          </c:cat>
+          <c:val>
+            <c:numRef>
+              <c:f>Sheet1!$B$2:$B$5</c:f>
+              <c:numCache>
+                <c:formatCode>General</c:formatCode>
+                <c:ptCount val="4"/>
+                <c:pt idx="0">
+                  <c:v>8</c:v>
+                </c:pt>
+                <c:pt idx="1">
+                  <c:v>7</c:v>
+                </c:pt>
+                <c:pt idx="2">
+                  <c:v>5</c:v>
+                </c:pt>
+                <c:pt idx="3">
+                  <c:v>2</c:v>
+                </c:pt>
+              </c:numCache>
+            </c:numRef>
+          </c:val>
+          <c:extLst>
+            <c:ext xmlns:c16="http://schemas.microsoft.com/office/drawing/2014/chart" uri="{C3380CC4-5D6E-409C-BE32-E72D297353CC}">
+              <c16:uniqueId val="{00000000-4B80-4B38-8F67-130E2C875B89}"/>
+            </c:ext>
+          </c:extLst>
+        </c:ser>
+        <c:dLbls>
+          <c:showLegendKey val="0"/>
+          <c:showVal val="0"/>
+          <c:showCatName val="0"/>
+          <c:showSerName val="0"/>
+          <c:showPercent val="0"/>
+          <c:showBubbleSize val="0"/>
+        </c:dLbls>
+        <c:gapWidth val="30"/>
+        <c:overlap val="-100"/>
+        <c:axId val="2092185440"/>
+        <c:axId val="1998087760"/>
+      </c:barChart>
+      <c:catAx>
+        <c:axId val="2092185440"/>
+        <c:scaling>
+          <c:orientation val="minMax"/>
+        </c:scaling>
+        <c:delete val="0"/>
+        <c:axPos val="b"/>
+        <c:numFmt formatCode="General" sourceLinked="1"/>
+        <c:majorTickMark val="none"/>
+        <c:minorTickMark val="none"/>
+        <c:tickLblPos val="nextTo"/>
+        <c:spPr>
+          <a:noFill/>
+          <a:ln w="9525" cap="flat" cmpd="sng" algn="ctr">
+            <a:solidFill>
+              <a:schemeClr val="tx1">
+                <a:lumMod val="15000"/>
+                <a:lumOff val="85000"/>
+              </a:schemeClr>
+            </a:solidFill>
+            <a:round/>
+          </a:ln>
+          <a:effectLst/>
+        </c:spPr>
+        <c:txPr>
+          <a:bodyPr rot="-60000000" spcFirstLastPara="1" vertOverflow="ellipsis" vert="horz" wrap="square" anchor="ctr" anchorCtr="1"/>
+          <a:lstStyle/>
+          <a:p>
+            <a:pPr>
+              <a:defRPr sz="1197" b="0" i="0" u="none" strike="noStrike" kern="1200" baseline="0">
+                <a:solidFill>
+                  <a:schemeClr val="tx1">
+                    <a:lumMod val="65000"/>
+                    <a:lumOff val="35000"/>
+                  </a:schemeClr>
+                </a:solidFill>
+                <a:latin typeface="+mn-lt"/>
+                <a:ea typeface="+mn-ea"/>
+                <a:cs typeface="+mn-cs"/>
+              </a:defRPr>
+            </a:pPr>
+            <a:endParaRPr lang="en-US"/>
+          </a:p>
+        </c:txPr>
+        <c:crossAx val="1998087760"/>
+        <c:crosses val="autoZero"/>
+        <c:auto val="1"/>
+        <c:lblAlgn val="ctr"/>
+        <c:lblOffset val="100"/>
+        <c:noMultiLvlLbl val="0"/>
+      </c:catAx>
+      <c:valAx>
+        <c:axId val="1998087760"/>
+        <c:scaling>
+          <c:orientation val="minMax"/>
+        </c:scaling>
+        <c:delete val="0"/>
+        <c:axPos val="l"/>
+        <c:majorGridlines>
+          <c:spPr>
+            <a:ln w="9525" cap="flat" cmpd="sng" algn="ctr">
+              <a:solidFill>
+                <a:schemeClr val="tx1">
+                  <a:lumMod val="15000"/>
+                  <a:lumOff val="85000"/>
+                </a:schemeClr>
+              </a:solidFill>
+              <a:round/>
+            </a:ln>
+            <a:effectLst/>
+          </c:spPr>
+        </c:majorGridlines>
+        <c:numFmt formatCode="General" sourceLinked="1"/>
+        <c:majorTickMark val="none"/>
+        <c:minorTickMark val="none"/>
+        <c:tickLblPos val="nextTo"/>
+        <c:spPr>
+          <a:noFill/>
+          <a:ln>
+            <a:noFill/>
+          </a:ln>
+          <a:effectLst/>
+        </c:spPr>
+        <c:txPr>
+          <a:bodyPr rot="-60000000" spcFirstLastPara="1" vertOverflow="ellipsis" vert="horz" wrap="square" anchor="ctr" anchorCtr="1"/>
+          <a:lstStyle/>
+          <a:p>
+            <a:pPr>
+              <a:defRPr sz="1197" b="0" i="0" u="none" strike="noStrike" kern="1200" baseline="0">
+                <a:solidFill>
+                  <a:schemeClr val="tx1">
+                    <a:lumMod val="65000"/>
+                    <a:lumOff val="35000"/>
+                  </a:schemeClr>
+                </a:solidFill>
+                <a:latin typeface="+mn-lt"/>
+                <a:ea typeface="+mn-ea"/>
+                <a:cs typeface="+mn-cs"/>
+              </a:defRPr>
+            </a:pPr>
+            <a:endParaRPr lang="en-US"/>
+          </a:p>
+        </c:txPr>
+        <c:crossAx val="2092185440"/>
+        <c:crosses val="autoZero"/>
+        <c:crossBetween val="between"/>
+      </c:valAx>
+      <c:spPr>
+        <a:noFill/>
+        <a:ln cmpd="sng">
+          <a:solidFill>
+            <a:schemeClr val="accent1">
+              <a:shade val="50000"/>
+            </a:schemeClr>
+          </a:solidFill>
+        </a:ln>
+        <a:effectLst/>
+      </c:spPr>
+    </c:plotArea>
+    <c:legend>
+      <c:legendPos val="b"/>
+      <c:overlay val="0"/>
+      <c:spPr>
+        <a:noFill/>
+        <a:ln>
+          <a:noFill/>
+        </a:ln>
+        <a:effectLst/>
+      </c:spPr>
+      <c:txPr>
+        <a:bodyPr rot="0" spcFirstLastPara="1" vertOverflow="ellipsis" vert="horz" wrap="square" anchor="ctr" anchorCtr="1"/>
+        <a:lstStyle/>
+        <a:p>
+          <a:pPr>
+            <a:defRPr sz="1197" b="0" i="0" u="none" strike="noStrike" kern="1200" baseline="0">
+              <a:solidFill>
+                <a:schemeClr val="tx1">
+                  <a:lumMod val="65000"/>
+                  <a:lumOff val="35000"/>
+                </a:schemeClr>
+              </a:solidFill>
+              <a:latin typeface="+mn-lt"/>
+              <a:ea typeface="+mn-ea"/>
+              <a:cs typeface="+mn-cs"/>
+            </a:defRPr>
+          </a:pPr>
+          <a:endParaRPr lang="en-US"/>
+        </a:p>
+      </c:txPr>
+    </c:legend>
+    <c:plotVisOnly val="1"/>
+    <c:dispBlanksAs val="gap"/>
+    <c:extLst>
+      <c:ext xmlns:c16r3="http://schemas.microsoft.com/office/drawing/2017/03/chart" uri="{56B9EC1D-385E-4148-901F-78D8002777C0}">
+        <c16r3:dataDisplayOptions16>
+          <c16r3:dispNaAsBlank val="1"/>
+        </c16r3:dataDisplayOptions16>
+      </c:ext>
+    </c:extLst>
+    <c:showDLblsOverMax val="0"/>
+  </c:chart>
+  <c:spPr>
+    <a:noFill/>
+    <a:ln>
+      <a:noFill/>
+    </a:ln>
+    <a:effectLst/>
+  </c:spPr>
+  <c:txPr>
+    <a:bodyPr/>
+    <a:lstStyle/>
+    <a:p>
+      <a:pPr>
+        <a:defRPr/>
+      </a:pPr>
+      <a:endParaRPr lang="en-US"/>
+    </a:p>
+  </c:txPr>
+  <c:externalData r:id="rId3">
+    <c:autoUpdate val="0"/>
+  </c:externalData>
+</c:chartSpace>
+</file>
+
+<file path=ppt/charts/chart6.xml><?xml version="1.0" encoding="utf-8"?>
+<c:chartSpace xmlns:c="http://schemas.openxmlformats.org/drawingml/2006/chart" xmlns:a="http://schemas.openxmlformats.org/drawingml/2006/main" xmlns:r="http://schemas.openxmlformats.org/officeDocument/2006/relationships" xmlns:c16r2="http://schemas.microsoft.com/office/drawing/2015/06/chart">
+  <c:date1904 val="0"/>
+  <c:lang val="en-US"/>
+  <c:roundedCorners val="0"/>
+  <mc:AlternateContent xmlns:mc="http://schemas.openxmlformats.org/markup-compatibility/2006">
+    <mc:Choice xmlns:c14="http://schemas.microsoft.com/office/drawing/2007/8/2/chart" Requires="c14">
+      <c14:style val="102"/>
+    </mc:Choice>
+    <mc:Fallback>
+      <c:style val="2"/>
+    </mc:Fallback>
+  </mc:AlternateContent>
+  <c:chart>
+    <c:autoTitleDeleted val="1"/>
+    <c:plotArea>
+      <c:layout/>
+      <c:barChart>
+        <c:barDir val="col"/>
+        <c:grouping val="percentStacked"/>
+        <c:varyColors val="0"/>
+        <c:ser>
+          <c:idx val="0"/>
+          <c:order val="0"/>
+          <c:tx>
+            <c:strRef>
+              <c:f>Sheet1!$B$1</c:f>
+              <c:strCache>
+                <c:ptCount val="1"/>
+                <c:pt idx="0">
+                  <c:v>Topic A</c:v>
+                </c:pt>
+              </c:strCache>
+            </c:strRef>
+          </c:tx>
+          <c:spPr>
+            <a:solidFill>
+              <a:schemeClr val="accent1"/>
+            </a:solidFill>
+            <a:ln w="19050">
+              <a:solidFill>
+                <a:schemeClr val="lt1"/>
+              </a:solidFill>
+            </a:ln>
+            <a:effectLst/>
+          </c:spPr>
+          <c:invertIfNegative val="0"/>
+          <c:dPt>
+            <c:idx val="0"/>
+            <c:invertIfNegative val="0"/>
+            <c:bubble3D val="0"/>
+            <c:spPr>
+              <a:solidFill>
+                <a:schemeClr val="accent1"/>
+              </a:solidFill>
+              <a:ln w="19050">
+                <a:solidFill>
+                  <a:schemeClr val="lt1"/>
+                </a:solidFill>
+              </a:ln>
+              <a:effectLst/>
+            </c:spPr>
+            <c:extLst>
+              <c:ext xmlns:c16="http://schemas.microsoft.com/office/drawing/2014/chart" uri="{C3380CC4-5D6E-409C-BE32-E72D297353CC}">
+                <c16:uniqueId val="{00000001-D722-4F09-AC16-22A4E7357D92}"/>
+              </c:ext>
+            </c:extLst>
+          </c:dPt>
+          <c:dPt>
+            <c:idx val="1"/>
+            <c:invertIfNegative val="0"/>
+            <c:bubble3D val="0"/>
+            <c:spPr>
+              <a:solidFill>
+                <a:schemeClr val="accent1"/>
+              </a:solidFill>
+              <a:ln w="19050">
+                <a:solidFill>
+                  <a:schemeClr val="lt1"/>
+                </a:solidFill>
+              </a:ln>
+              <a:effectLst/>
+            </c:spPr>
+            <c:extLst>
+              <c:ext xmlns:c16="http://schemas.microsoft.com/office/drawing/2014/chart" uri="{C3380CC4-5D6E-409C-BE32-E72D297353CC}">
+                <c16:uniqueId val="{00000003-D722-4F09-AC16-22A4E7357D92}"/>
+              </c:ext>
+            </c:extLst>
+          </c:dPt>
+          <c:dPt>
+            <c:idx val="2"/>
+            <c:invertIfNegative val="0"/>
+            <c:bubble3D val="0"/>
+            <c:spPr>
+              <a:solidFill>
+                <a:schemeClr val="accent1"/>
+              </a:solidFill>
+              <a:ln w="19050">
+                <a:solidFill>
+                  <a:schemeClr val="lt1"/>
+                </a:solidFill>
+              </a:ln>
+              <a:effectLst/>
+            </c:spPr>
+            <c:extLst>
+              <c:ext xmlns:c16="http://schemas.microsoft.com/office/drawing/2014/chart" uri="{C3380CC4-5D6E-409C-BE32-E72D297353CC}">
+                <c16:uniqueId val="{00000005-D722-4F09-AC16-22A4E7357D92}"/>
+              </c:ext>
+            </c:extLst>
+          </c:dPt>
+          <c:dPt>
+            <c:idx val="3"/>
+            <c:invertIfNegative val="0"/>
+            <c:bubble3D val="0"/>
+            <c:spPr>
+              <a:solidFill>
+                <a:schemeClr val="accent1"/>
+              </a:solidFill>
+              <a:ln w="19050">
+                <a:solidFill>
+                  <a:schemeClr val="lt1"/>
+                </a:solidFill>
+              </a:ln>
+              <a:effectLst/>
+            </c:spPr>
+            <c:extLst>
+              <c:ext xmlns:c16="http://schemas.microsoft.com/office/drawing/2014/chart" uri="{C3380CC4-5D6E-409C-BE32-E72D297353CC}">
+                <c16:uniqueId val="{00000007-D722-4F09-AC16-22A4E7357D92}"/>
+              </c:ext>
+            </c:extLst>
+          </c:dPt>
+          <c:cat>
+            <c:strRef>
+              <c:f>Sheet1!$A$2:$A$5</c:f>
+              <c:strCache>
+                <c:ptCount val="4"/>
+                <c:pt idx="0">
+                  <c:v>Doc 1</c:v>
+                </c:pt>
+                <c:pt idx="1">
+                  <c:v>Doc 2</c:v>
+                </c:pt>
+                <c:pt idx="2">
+                  <c:v>Doc 3</c:v>
+                </c:pt>
+                <c:pt idx="3">
+                  <c:v>Doc 4</c:v>
+                </c:pt>
+              </c:strCache>
+            </c:strRef>
+          </c:cat>
+          <c:val>
+            <c:numRef>
+              <c:f>Sheet1!$B$2:$B$5</c:f>
+              <c:numCache>
+                <c:formatCode>General</c:formatCode>
+                <c:ptCount val="4"/>
+                <c:pt idx="0">
+                  <c:v>8</c:v>
+                </c:pt>
+                <c:pt idx="1">
+                  <c:v>3</c:v>
+                </c:pt>
+                <c:pt idx="2">
+                  <c:v>1</c:v>
+                </c:pt>
+                <c:pt idx="3">
+                  <c:v>2</c:v>
+                </c:pt>
+              </c:numCache>
+            </c:numRef>
+          </c:val>
+          <c:extLst>
+            <c:ext xmlns:c16="http://schemas.microsoft.com/office/drawing/2014/chart" uri="{C3380CC4-5D6E-409C-BE32-E72D297353CC}">
+              <c16:uniqueId val="{00000008-D722-4F09-AC16-22A4E7357D92}"/>
+            </c:ext>
+          </c:extLst>
+        </c:ser>
+        <c:ser>
+          <c:idx val="1"/>
+          <c:order val="1"/>
+          <c:tx>
+            <c:strRef>
+              <c:f>Sheet1!$C$1</c:f>
+              <c:strCache>
+                <c:ptCount val="1"/>
+                <c:pt idx="0">
+                  <c:v>Topic B</c:v>
+                </c:pt>
+              </c:strCache>
+            </c:strRef>
+          </c:tx>
+          <c:spPr>
+            <a:solidFill>
+              <a:schemeClr val="accent2"/>
+            </a:solidFill>
+            <a:ln w="19050">
+              <a:solidFill>
+                <a:schemeClr val="lt1"/>
+              </a:solidFill>
+            </a:ln>
+            <a:effectLst/>
+          </c:spPr>
+          <c:invertIfNegative val="0"/>
+          <c:cat>
+            <c:strRef>
+              <c:f>Sheet1!$A$2:$A$5</c:f>
+              <c:strCache>
+                <c:ptCount val="4"/>
+                <c:pt idx="0">
+                  <c:v>Doc 1</c:v>
+                </c:pt>
+                <c:pt idx="1">
+                  <c:v>Doc 2</c:v>
+                </c:pt>
+                <c:pt idx="2">
+                  <c:v>Doc 3</c:v>
+                </c:pt>
+                <c:pt idx="3">
+                  <c:v>Doc 4</c:v>
+                </c:pt>
+              </c:strCache>
+            </c:strRef>
+          </c:cat>
+          <c:val>
+            <c:numRef>
+              <c:f>Sheet1!$C$2:$C$5</c:f>
+              <c:numCache>
+                <c:formatCode>General</c:formatCode>
+                <c:ptCount val="4"/>
+                <c:pt idx="0">
+                  <c:v>4</c:v>
+                </c:pt>
+                <c:pt idx="1">
+                  <c:v>3</c:v>
+                </c:pt>
+                <c:pt idx="2">
+                  <c:v>2</c:v>
+                </c:pt>
+                <c:pt idx="3">
+                  <c:v>4</c:v>
+                </c:pt>
+              </c:numCache>
+            </c:numRef>
+          </c:val>
+          <c:extLst>
+            <c:ext xmlns:c16="http://schemas.microsoft.com/office/drawing/2014/chart" uri="{C3380CC4-5D6E-409C-BE32-E72D297353CC}">
+              <c16:uniqueId val="{00000000-045D-4E97-9B3D-BFD76EA024DF}"/>
+            </c:ext>
+          </c:extLst>
+        </c:ser>
+        <c:ser>
+          <c:idx val="2"/>
+          <c:order val="2"/>
+          <c:tx>
+            <c:strRef>
+              <c:f>Sheet1!$D$1</c:f>
+              <c:strCache>
+                <c:ptCount val="1"/>
+                <c:pt idx="0">
+                  <c:v>Topic C</c:v>
+                </c:pt>
+              </c:strCache>
+            </c:strRef>
+          </c:tx>
+          <c:spPr>
+            <a:solidFill>
+              <a:schemeClr val="accent3"/>
+            </a:solidFill>
+            <a:ln w="19050">
+              <a:solidFill>
+                <a:schemeClr val="lt1"/>
+              </a:solidFill>
+            </a:ln>
+            <a:effectLst/>
+          </c:spPr>
+          <c:invertIfNegative val="0"/>
+          <c:cat>
+            <c:strRef>
+              <c:f>Sheet1!$A$2:$A$5</c:f>
+              <c:strCache>
+                <c:ptCount val="4"/>
+                <c:pt idx="0">
+                  <c:v>Doc 1</c:v>
+                </c:pt>
+                <c:pt idx="1">
+                  <c:v>Doc 2</c:v>
+                </c:pt>
+                <c:pt idx="2">
+                  <c:v>Doc 3</c:v>
+                </c:pt>
+                <c:pt idx="3">
+                  <c:v>Doc 4</c:v>
+                </c:pt>
+              </c:strCache>
+            </c:strRef>
+          </c:cat>
+          <c:val>
+            <c:numRef>
+              <c:f>Sheet1!$D$2:$D$5</c:f>
+              <c:numCache>
+                <c:formatCode>General</c:formatCode>
+                <c:ptCount val="4"/>
+                <c:pt idx="0">
+                  <c:v>6</c:v>
+                </c:pt>
+                <c:pt idx="1">
+                  <c:v>1</c:v>
+                </c:pt>
+                <c:pt idx="2">
+                  <c:v>3</c:v>
+                </c:pt>
+                <c:pt idx="3">
+                  <c:v>10</c:v>
+                </c:pt>
+              </c:numCache>
+            </c:numRef>
+          </c:val>
+          <c:extLst>
+            <c:ext xmlns:c16="http://schemas.microsoft.com/office/drawing/2014/chart" uri="{C3380CC4-5D6E-409C-BE32-E72D297353CC}">
+              <c16:uniqueId val="{00000001-045D-4E97-9B3D-BFD76EA024DF}"/>
+            </c:ext>
+          </c:extLst>
+        </c:ser>
+        <c:ser>
+          <c:idx val="3"/>
+          <c:order val="3"/>
+          <c:tx>
+            <c:strRef>
+              <c:f>Sheet1!$E$1</c:f>
+              <c:strCache>
+                <c:ptCount val="1"/>
+                <c:pt idx="0">
+                  <c:v>Topic D</c:v>
+                </c:pt>
+              </c:strCache>
+            </c:strRef>
+          </c:tx>
+          <c:spPr>
+            <a:solidFill>
+              <a:schemeClr val="accent4"/>
+            </a:solidFill>
+            <a:ln w="19050">
+              <a:solidFill>
+                <a:schemeClr val="lt1"/>
+              </a:solidFill>
+            </a:ln>
+            <a:effectLst/>
+          </c:spPr>
+          <c:invertIfNegative val="0"/>
+          <c:cat>
+            <c:strRef>
+              <c:f>Sheet1!$A$2:$A$5</c:f>
+              <c:strCache>
+                <c:ptCount val="4"/>
+                <c:pt idx="0">
+                  <c:v>Doc 1</c:v>
+                </c:pt>
+                <c:pt idx="1">
+                  <c:v>Doc 2</c:v>
+                </c:pt>
+                <c:pt idx="2">
+                  <c:v>Doc 3</c:v>
+                </c:pt>
+                <c:pt idx="3">
+                  <c:v>Doc 4</c:v>
+                </c:pt>
+              </c:strCache>
+            </c:strRef>
+          </c:cat>
+          <c:val>
+            <c:numRef>
+              <c:f>Sheet1!$E$2:$E$5</c:f>
+              <c:numCache>
+                <c:formatCode>General</c:formatCode>
+                <c:ptCount val="4"/>
+                <c:pt idx="0">
+                  <c:v>1</c:v>
+                </c:pt>
+                <c:pt idx="1">
+                  <c:v>1</c:v>
+                </c:pt>
+                <c:pt idx="2">
+                  <c:v>9</c:v>
+                </c:pt>
+                <c:pt idx="3">
+                  <c:v>2</c:v>
+                </c:pt>
+              </c:numCache>
+            </c:numRef>
+          </c:val>
+          <c:extLst>
+            <c:ext xmlns:c16="http://schemas.microsoft.com/office/drawing/2014/chart" uri="{C3380CC4-5D6E-409C-BE32-E72D297353CC}">
+              <c16:uniqueId val="{00000002-045D-4E97-9B3D-BFD76EA024DF}"/>
+            </c:ext>
+          </c:extLst>
+        </c:ser>
+        <c:dLbls>
+          <c:showLegendKey val="0"/>
+          <c:showVal val="0"/>
+          <c:showCatName val="0"/>
+          <c:showSerName val="0"/>
+          <c:showPercent val="0"/>
+          <c:showBubbleSize val="0"/>
+        </c:dLbls>
+        <c:gapWidth val="100"/>
+        <c:overlap val="100"/>
+        <c:axId val="413607360"/>
+        <c:axId val="413608672"/>
+      </c:barChart>
+      <c:catAx>
+        <c:axId val="413607360"/>
+        <c:scaling>
+          <c:orientation val="minMax"/>
+        </c:scaling>
+        <c:delete val="0"/>
+        <c:axPos val="b"/>
+        <c:numFmt formatCode="General" sourceLinked="1"/>
+        <c:majorTickMark val="out"/>
+        <c:minorTickMark val="none"/>
+        <c:tickLblPos val="nextTo"/>
+        <c:spPr>
+          <a:noFill/>
+          <a:ln w="9525" cap="flat" cmpd="sng" algn="ctr">
+            <a:solidFill>
+              <a:schemeClr val="tx1">
+                <a:lumMod val="15000"/>
+                <a:lumOff val="85000"/>
+              </a:schemeClr>
+            </a:solidFill>
+            <a:round/>
+          </a:ln>
+          <a:effectLst/>
+        </c:spPr>
+        <c:txPr>
+          <a:bodyPr rot="-60000000" spcFirstLastPara="1" vertOverflow="ellipsis" vert="horz" wrap="square" anchor="ctr" anchorCtr="1"/>
+          <a:lstStyle/>
+          <a:p>
+            <a:pPr>
+              <a:defRPr sz="1197" b="0" i="0" u="none" strike="noStrike" kern="1200" baseline="0">
+                <a:solidFill>
+                  <a:schemeClr val="tx1">
+                    <a:lumMod val="65000"/>
+                    <a:lumOff val="35000"/>
+                  </a:schemeClr>
+                </a:solidFill>
+                <a:latin typeface="+mn-lt"/>
+                <a:ea typeface="+mn-ea"/>
+                <a:cs typeface="+mn-cs"/>
+              </a:defRPr>
+            </a:pPr>
+            <a:endParaRPr lang="en-US"/>
+          </a:p>
+        </c:txPr>
+        <c:crossAx val="413608672"/>
+        <c:auto val="1"/>
+        <c:lblAlgn val="ctr"/>
+        <c:lblOffset val="100"/>
+        <c:noMultiLvlLbl val="0"/>
+      </c:catAx>
+      <c:valAx>
+        <c:axId val="413608672"/>
+        <c:scaling>
+          <c:orientation val="minMax"/>
+        </c:scaling>
+        <c:delete val="0"/>
+        <c:axPos val="l"/>
+        <c:majorGridlines>
+          <c:spPr>
+            <a:ln w="9525" cap="flat" cmpd="sng" algn="ctr">
+              <a:solidFill>
+                <a:schemeClr val="tx1">
+                  <a:lumMod val="15000"/>
+                  <a:lumOff val="85000"/>
+                </a:schemeClr>
+              </a:solidFill>
+              <a:round/>
+            </a:ln>
+            <a:effectLst/>
+          </c:spPr>
+        </c:majorGridlines>
+        <c:numFmt formatCode="0%" sourceLinked="1"/>
+        <c:majorTickMark val="out"/>
+        <c:minorTickMark val="none"/>
+        <c:tickLblPos val="nextTo"/>
+        <c:spPr>
+          <a:noFill/>
+          <a:ln>
+            <a:noFill/>
+          </a:ln>
+          <a:effectLst/>
+        </c:spPr>
+        <c:txPr>
+          <a:bodyPr rot="-60000000" spcFirstLastPara="1" vertOverflow="ellipsis" vert="horz" wrap="square" anchor="ctr" anchorCtr="1"/>
+          <a:lstStyle/>
+          <a:p>
+            <a:pPr>
+              <a:defRPr sz="1197" b="0" i="0" u="none" strike="noStrike" kern="1200" baseline="0">
+                <a:solidFill>
+                  <a:schemeClr val="tx1">
+                    <a:lumMod val="65000"/>
+                    <a:lumOff val="35000"/>
+                  </a:schemeClr>
+                </a:solidFill>
+                <a:latin typeface="+mn-lt"/>
+                <a:ea typeface="+mn-ea"/>
+                <a:cs typeface="+mn-cs"/>
+              </a:defRPr>
+            </a:pPr>
+            <a:endParaRPr lang="en-US"/>
+          </a:p>
+        </c:txPr>
+        <c:crossAx val="413607360"/>
+        <c:crossBetween val="between"/>
+      </c:valAx>
+      <c:spPr>
+        <a:noFill/>
+        <a:ln>
+          <a:noFill/>
+        </a:ln>
+        <a:effectLst/>
+      </c:spPr>
+    </c:plotArea>
+    <c:legend>
+      <c:legendPos val="b"/>
+      <c:overlay val="0"/>
+      <c:spPr>
+        <a:noFill/>
+        <a:ln>
+          <a:noFill/>
+        </a:ln>
+        <a:effectLst/>
+      </c:spPr>
+      <c:txPr>
+        <a:bodyPr rot="0" spcFirstLastPara="1" vertOverflow="ellipsis" vert="horz" wrap="square" anchor="ctr" anchorCtr="1"/>
+        <a:lstStyle/>
+        <a:p>
+          <a:pPr>
+            <a:defRPr sz="1197" b="0" i="0" u="none" strike="noStrike" kern="1200" baseline="0">
+              <a:solidFill>
+                <a:schemeClr val="tx1">
+                  <a:lumMod val="65000"/>
+                  <a:lumOff val="35000"/>
+                </a:schemeClr>
+              </a:solidFill>
+              <a:latin typeface="+mn-lt"/>
+              <a:ea typeface="+mn-ea"/>
+              <a:cs typeface="+mn-cs"/>
+            </a:defRPr>
+          </a:pPr>
+          <a:endParaRPr lang="en-US"/>
+        </a:p>
+      </c:txPr>
+    </c:legend>
+    <c:plotVisOnly val="1"/>
+    <c:dispBlanksAs val="gap"/>
+    <c:extLst>
+      <c:ext xmlns:c16r3="http://schemas.microsoft.com/office/drawing/2017/03/chart" uri="{56B9EC1D-385E-4148-901F-78D8002777C0}">
+        <c16r3:dataDisplayOptions16>
+          <c16r3:dispNaAsBlank val="1"/>
+        </c16r3:dataDisplayOptions16>
+      </c:ext>
+    </c:extLst>
+    <c:showDLblsOverMax val="0"/>
+  </c:chart>
+  <c:spPr>
+    <a:noFill/>
+    <a:ln>
+      <a:noFill/>
+    </a:ln>
+    <a:effectLst/>
+  </c:spPr>
+  <c:txPr>
+    <a:bodyPr/>
+    <a:lstStyle/>
+    <a:p>
+      <a:pPr>
+        <a:defRPr/>
+      </a:pPr>
+      <a:endParaRPr lang="en-US"/>
+    </a:p>
+  </c:txPr>
+  <c:externalData r:id="rId3">
+    <c:autoUpdate val="0"/>
+  </c:externalData>
+</c:chartSpace>
+</file>
+
 <file path=ppt/charts/chartEx1.xml><?xml version="1.0" encoding="utf-8"?>
+<cx:chartSpace xmlns:a="http://schemas.openxmlformats.org/drawingml/2006/main" xmlns:r="http://schemas.openxmlformats.org/officeDocument/2006/relationships" xmlns:cx="http://schemas.microsoft.com/office/drawing/2014/chartex">
+  <cx:chartData>
+    <cx:externalData r:id="rId1" cx:autoUpdate="0"/>
+    <cx:data id="0">
+      <cx:strDim type="cat">
+        <cx:f>Feuil1!$A$2:$C$17</cx:f>
+        <cx:lvl ptCount="16">
+          <cx:pt idx="0">Word 1</cx:pt>
+          <cx:pt idx="1">Word 2</cx:pt>
+          <cx:pt idx="2">Word 3</cx:pt>
+          <cx:pt idx="3">Word 4</cx:pt>
+          <cx:pt idx="4">Word 5</cx:pt>
+          <cx:pt idx="5">Word 6</cx:pt>
+          <cx:pt idx="6">Word 7</cx:pt>
+          <cx:pt idx="7">Word 8</cx:pt>
+          <cx:pt idx="8">Word 9</cx:pt>
+          <cx:pt idx="9">Word 10</cx:pt>
+          <cx:pt idx="10">Word 11</cx:pt>
+        </cx:lvl>
+        <cx:lvl ptCount="16">
+          <cx:pt idx="0">Ressource 1</cx:pt>
+          <cx:pt idx="1">Ressource 1</cx:pt>
+          <cx:pt idx="2">Ressource 1</cx:pt>
+          <cx:pt idx="3">Ressource 2</cx:pt>
+          <cx:pt idx="4">Ressource 2</cx:pt>
+          <cx:pt idx="5">Ressource 3</cx:pt>
+          <cx:pt idx="6">Ressource 3</cx:pt>
+          <cx:pt idx="7">Ressource 4</cx:pt>
+          <cx:pt idx="8">Ressource 4</cx:pt>
+          <cx:pt idx="9">Ressource 5</cx:pt>
+          <cx:pt idx="10">Ressource 5</cx:pt>
+        </cx:lvl>
+        <cx:lvl ptCount="16">
+          <cx:pt idx="0">Doc. 1</cx:pt>
+          <cx:pt idx="1">Doc. 1</cx:pt>
+          <cx:pt idx="2">Doc. 1</cx:pt>
+          <cx:pt idx="3">Doc. 1</cx:pt>
+          <cx:pt idx="4">Doc. 1</cx:pt>
+          <cx:pt idx="5">Doc. 2</cx:pt>
+          <cx:pt idx="6">Doc. 2</cx:pt>
+          <cx:pt idx="7">Doc. 2</cx:pt>
+          <cx:pt idx="8">Doc. 2</cx:pt>
+          <cx:pt idx="9">Doc. 3</cx:pt>
+          <cx:pt idx="10">Doc. 3</cx:pt>
+        </cx:lvl>
+      </cx:strDim>
+      <cx:numDim type="size">
+        <cx:f>Feuil1!$D$2:$D$17</cx:f>
+        <cx:lvl ptCount="16" formatCode="General">
+          <cx:pt idx="0">22</cx:pt>
+          <cx:pt idx="1">12</cx:pt>
+          <cx:pt idx="2">18</cx:pt>
+          <cx:pt idx="3">87</cx:pt>
+          <cx:pt idx="4">88</cx:pt>
+          <cx:pt idx="5">25</cx:pt>
+          <cx:pt idx="6">23</cx:pt>
+          <cx:pt idx="7">24</cx:pt>
+          <cx:pt idx="8">89</cx:pt>
+          <cx:pt idx="9">16</cx:pt>
+          <cx:pt idx="10">19</cx:pt>
+        </cx:lvl>
+      </cx:numDim>
+    </cx:data>
+  </cx:chartData>
+  <cx:chart>
+    <cx:plotArea>
+      <cx:plotAreaRegion>
+        <cx:series layoutId="treemap" uniqueId="{CB621EB8-284F-44A3-8FED-1DE611C33779}">
+          <cx:tx>
+            <cx:txData>
+              <cx:f>Feuil1!$D$1</cx:f>
+              <cx:v>Série 1</cx:v>
+            </cx:txData>
+          </cx:tx>
+          <cx:dataPt idx="8">
+            <cx:spPr>
+              <a:solidFill>
+                <a:srgbClr val="C42F1A"/>
+              </a:solidFill>
+            </cx:spPr>
+          </cx:dataPt>
+          <cx:dataLabels pos="inEnd">
+            <cx:visibility seriesName="0" categoryName="1" value="0"/>
+          </cx:dataLabels>
+          <cx:dataId val="0"/>
+          <cx:layoutPr>
+            <cx:parentLabelLayout val="overlapping"/>
+          </cx:layoutPr>
+        </cx:series>
+      </cx:plotAreaRegion>
+    </cx:plotArea>
+    <cx:legend pos="b" align="ctr" overlay="0"/>
+  </cx:chart>
+</cx:chartSpace>
+</file>
+
+<file path=ppt/charts/chartEx2.xml><?xml version="1.0" encoding="utf-8"?>
 <cx:chartSpace xmlns:a="http://schemas.openxmlformats.org/drawingml/2006/main" xmlns:r="http://schemas.openxmlformats.org/officeDocument/2006/relationships" xmlns:cx="http://schemas.microsoft.com/office/drawing/2014/chartex">
   <cx:chartData>
     <cx:externalData r:id="rId1" cx:autoUpdate="0"/>
@@ -877,6 +2343,206 @@
 </cs:colorStyle>
 </file>
 
+<file path=ppt/charts/colors4.xml><?xml version="1.0" encoding="utf-8"?>
+<cs:colorStyle xmlns:cs="http://schemas.microsoft.com/office/drawing/2012/chartStyle" xmlns:a="http://schemas.openxmlformats.org/drawingml/2006/main" meth="cycle" id="10">
+  <a:schemeClr val="accent1"/>
+  <a:schemeClr val="accent2"/>
+  <a:schemeClr val="accent3"/>
+  <a:schemeClr val="accent4"/>
+  <a:schemeClr val="accent5"/>
+  <a:schemeClr val="accent6"/>
+  <cs:variation/>
+  <cs:variation>
+    <a:lumMod val="60000"/>
+  </cs:variation>
+  <cs:variation>
+    <a:lumMod val="80000"/>
+    <a:lumOff val="20000"/>
+  </cs:variation>
+  <cs:variation>
+    <a:lumMod val="80000"/>
+  </cs:variation>
+  <cs:variation>
+    <a:lumMod val="60000"/>
+    <a:lumOff val="40000"/>
+  </cs:variation>
+  <cs:variation>
+    <a:lumMod val="50000"/>
+  </cs:variation>
+  <cs:variation>
+    <a:lumMod val="70000"/>
+    <a:lumOff val="30000"/>
+  </cs:variation>
+  <cs:variation>
+    <a:lumMod val="70000"/>
+  </cs:variation>
+  <cs:variation>
+    <a:lumMod val="50000"/>
+    <a:lumOff val="50000"/>
+  </cs:variation>
+</cs:colorStyle>
+</file>
+
+<file path=ppt/charts/colors5.xml><?xml version="1.0" encoding="utf-8"?>
+<cs:colorStyle xmlns:cs="http://schemas.microsoft.com/office/drawing/2012/chartStyle" xmlns:a="http://schemas.openxmlformats.org/drawingml/2006/main" meth="cycle" id="10">
+  <a:schemeClr val="accent1"/>
+  <a:schemeClr val="accent2"/>
+  <a:schemeClr val="accent3"/>
+  <a:schemeClr val="accent4"/>
+  <a:schemeClr val="accent5"/>
+  <a:schemeClr val="accent6"/>
+  <cs:variation/>
+  <cs:variation>
+    <a:lumMod val="60000"/>
+  </cs:variation>
+  <cs:variation>
+    <a:lumMod val="80000"/>
+    <a:lumOff val="20000"/>
+  </cs:variation>
+  <cs:variation>
+    <a:lumMod val="80000"/>
+  </cs:variation>
+  <cs:variation>
+    <a:lumMod val="60000"/>
+    <a:lumOff val="40000"/>
+  </cs:variation>
+  <cs:variation>
+    <a:lumMod val="50000"/>
+  </cs:variation>
+  <cs:variation>
+    <a:lumMod val="70000"/>
+    <a:lumOff val="30000"/>
+  </cs:variation>
+  <cs:variation>
+    <a:lumMod val="70000"/>
+  </cs:variation>
+  <cs:variation>
+    <a:lumMod val="50000"/>
+    <a:lumOff val="50000"/>
+  </cs:variation>
+</cs:colorStyle>
+</file>
+
+<file path=ppt/charts/colors6.xml><?xml version="1.0" encoding="utf-8"?>
+<cs:colorStyle xmlns:cs="http://schemas.microsoft.com/office/drawing/2012/chartStyle" xmlns:a="http://schemas.openxmlformats.org/drawingml/2006/main" meth="cycle" id="10">
+  <a:schemeClr val="accent1"/>
+  <a:schemeClr val="accent2"/>
+  <a:schemeClr val="accent3"/>
+  <a:schemeClr val="accent4"/>
+  <a:schemeClr val="accent5"/>
+  <a:schemeClr val="accent6"/>
+  <cs:variation/>
+  <cs:variation>
+    <a:lumMod val="60000"/>
+  </cs:variation>
+  <cs:variation>
+    <a:lumMod val="80000"/>
+    <a:lumOff val="20000"/>
+  </cs:variation>
+  <cs:variation>
+    <a:lumMod val="80000"/>
+  </cs:variation>
+  <cs:variation>
+    <a:lumMod val="60000"/>
+    <a:lumOff val="40000"/>
+  </cs:variation>
+  <cs:variation>
+    <a:lumMod val="50000"/>
+  </cs:variation>
+  <cs:variation>
+    <a:lumMod val="70000"/>
+    <a:lumOff val="30000"/>
+  </cs:variation>
+  <cs:variation>
+    <a:lumMod val="70000"/>
+  </cs:variation>
+  <cs:variation>
+    <a:lumMod val="50000"/>
+    <a:lumOff val="50000"/>
+  </cs:variation>
+</cs:colorStyle>
+</file>
+
+<file path=ppt/charts/colors7.xml><?xml version="1.0" encoding="utf-8"?>
+<cs:colorStyle xmlns:cs="http://schemas.microsoft.com/office/drawing/2012/chartStyle" xmlns:a="http://schemas.openxmlformats.org/drawingml/2006/main" meth="cycle" id="10">
+  <a:schemeClr val="accent1"/>
+  <a:schemeClr val="accent2"/>
+  <a:schemeClr val="accent3"/>
+  <a:schemeClr val="accent4"/>
+  <a:schemeClr val="accent5"/>
+  <a:schemeClr val="accent6"/>
+  <cs:variation/>
+  <cs:variation>
+    <a:lumMod val="60000"/>
+  </cs:variation>
+  <cs:variation>
+    <a:lumMod val="80000"/>
+    <a:lumOff val="20000"/>
+  </cs:variation>
+  <cs:variation>
+    <a:lumMod val="80000"/>
+  </cs:variation>
+  <cs:variation>
+    <a:lumMod val="60000"/>
+    <a:lumOff val="40000"/>
+  </cs:variation>
+  <cs:variation>
+    <a:lumMod val="50000"/>
+  </cs:variation>
+  <cs:variation>
+    <a:lumMod val="70000"/>
+    <a:lumOff val="30000"/>
+  </cs:variation>
+  <cs:variation>
+    <a:lumMod val="70000"/>
+  </cs:variation>
+  <cs:variation>
+    <a:lumMod val="50000"/>
+    <a:lumOff val="50000"/>
+  </cs:variation>
+</cs:colorStyle>
+</file>
+
+<file path=ppt/charts/colors8.xml><?xml version="1.0" encoding="utf-8"?>
+<cs:colorStyle xmlns:cs="http://schemas.microsoft.com/office/drawing/2012/chartStyle" xmlns:a="http://schemas.openxmlformats.org/drawingml/2006/main" meth="cycle" id="10">
+  <a:schemeClr val="accent1"/>
+  <a:schemeClr val="accent2"/>
+  <a:schemeClr val="accent3"/>
+  <a:schemeClr val="accent4"/>
+  <a:schemeClr val="accent5"/>
+  <a:schemeClr val="accent6"/>
+  <cs:variation/>
+  <cs:variation>
+    <a:lumMod val="60000"/>
+  </cs:variation>
+  <cs:variation>
+    <a:lumMod val="80000"/>
+    <a:lumOff val="20000"/>
+  </cs:variation>
+  <cs:variation>
+    <a:lumMod val="80000"/>
+  </cs:variation>
+  <cs:variation>
+    <a:lumMod val="60000"/>
+    <a:lumOff val="40000"/>
+  </cs:variation>
+  <cs:variation>
+    <a:lumMod val="50000"/>
+  </cs:variation>
+  <cs:variation>
+    <a:lumMod val="70000"/>
+    <a:lumOff val="30000"/>
+  </cs:variation>
+  <cs:variation>
+    <a:lumMod val="70000"/>
+  </cs:variation>
+  <cs:variation>
+    <a:lumMod val="50000"/>
+    <a:lumOff val="50000"/>
+  </cs:variation>
+</cs:colorStyle>
+</file>
+
 <file path=ppt/charts/style1.xml><?xml version="1.0" encoding="utf-8"?>
 <cs:chartStyle xmlns:cs="http://schemas.microsoft.com/office/drawing/2012/chartStyle" xmlns:a="http://schemas.openxmlformats.org/drawingml/2006/main" id="251">
   <cs:axisTitle>
@@ -1900,6 +3566,2588 @@
 </file>
 
 <file path=ppt/charts/style3.xml><?xml version="1.0" encoding="utf-8"?>
+<cs:chartStyle xmlns:cs="http://schemas.microsoft.com/office/drawing/2012/chartStyle" xmlns:a="http://schemas.openxmlformats.org/drawingml/2006/main" id="410">
+  <cs:axisTitle>
+    <cs:lnRef idx="0"/>
+    <cs:fillRef idx="0"/>
+    <cs:effectRef idx="0"/>
+    <cs:fontRef idx="minor">
+      <a:schemeClr val="tx1">
+        <a:lumMod val="65000"/>
+        <a:lumOff val="35000"/>
+      </a:schemeClr>
+    </cs:fontRef>
+    <cs:spPr>
+      <a:solidFill>
+        <a:schemeClr val="bg1">
+          <a:lumMod val="65000"/>
+        </a:schemeClr>
+      </a:solidFill>
+      <a:ln w="19050">
+        <a:solidFill>
+          <a:schemeClr val="bg1"/>
+        </a:solidFill>
+      </a:ln>
+    </cs:spPr>
+    <cs:defRPr sz="1197"/>
+  </cs:axisTitle>
+  <cs:categoryAxis>
+    <cs:lnRef idx="0"/>
+    <cs:fillRef idx="0"/>
+    <cs:effectRef idx="0"/>
+    <cs:fontRef idx="minor">
+      <a:schemeClr val="tx1">
+        <a:lumMod val="65000"/>
+        <a:lumOff val="35000"/>
+      </a:schemeClr>
+    </cs:fontRef>
+    <cs:spPr>
+      <a:ln w="9525" cap="flat" cmpd="sng" algn="ctr">
+        <a:solidFill>
+          <a:schemeClr val="tx1">
+            <a:lumMod val="15000"/>
+            <a:lumOff val="85000"/>
+          </a:schemeClr>
+        </a:solidFill>
+        <a:round/>
+      </a:ln>
+    </cs:spPr>
+    <cs:defRPr sz="1197"/>
+  </cs:categoryAxis>
+  <cs:chartArea mods="allowNoFillOverride allowNoLineOverride">
+    <cs:lnRef idx="0"/>
+    <cs:fillRef idx="0"/>
+    <cs:effectRef idx="0"/>
+    <cs:fontRef idx="minor">
+      <a:schemeClr val="tx1"/>
+    </cs:fontRef>
+    <cs:spPr>
+      <a:solidFill>
+        <a:schemeClr val="bg1"/>
+      </a:solidFill>
+      <a:ln w="9525" cap="flat" cmpd="sng" algn="ctr">
+        <a:solidFill>
+          <a:schemeClr val="tx1">
+            <a:lumMod val="15000"/>
+            <a:lumOff val="85000"/>
+          </a:schemeClr>
+        </a:solidFill>
+        <a:round/>
+      </a:ln>
+    </cs:spPr>
+    <cs:defRPr sz="1330"/>
+  </cs:chartArea>
+  <cs:dataLabel>
+    <cs:lnRef idx="0"/>
+    <cs:fillRef idx="0"/>
+    <cs:effectRef idx="0"/>
+    <cs:fontRef idx="minor">
+      <a:schemeClr val="lt1"/>
+    </cs:fontRef>
+    <cs:defRPr sz="1197"/>
+  </cs:dataLabel>
+  <cs:dataLabelCallout>
+    <cs:lnRef idx="0"/>
+    <cs:fillRef idx="0"/>
+    <cs:effectRef idx="0"/>
+    <cs:fontRef idx="minor">
+      <a:schemeClr val="dk1">
+        <a:lumMod val="65000"/>
+        <a:lumOff val="35000"/>
+      </a:schemeClr>
+    </cs:fontRef>
+    <cs:spPr>
+      <a:solidFill>
+        <a:schemeClr val="lt1"/>
+      </a:solidFill>
+      <a:ln>
+        <a:solidFill>
+          <a:schemeClr val="dk1">
+            <a:lumMod val="25000"/>
+            <a:lumOff val="75000"/>
+          </a:schemeClr>
+        </a:solidFill>
+      </a:ln>
+    </cs:spPr>
+    <cs:defRPr sz="1197"/>
+    <cs:bodyPr rot="0" spcFirstLastPara="1" vertOverflow="clip" horzOverflow="clip" vert="horz" wrap="square" lIns="36576" tIns="18288" rIns="36576" bIns="18288" anchor="ctr" anchorCtr="1">
+      <a:spAutoFit/>
+    </cs:bodyPr>
+  </cs:dataLabelCallout>
+  <cs:dataPoint>
+    <cs:lnRef idx="0"/>
+    <cs:fillRef idx="0">
+      <cs:styleClr val="auto"/>
+    </cs:fillRef>
+    <cs:effectRef idx="0"/>
+    <cs:fontRef idx="minor">
+      <a:schemeClr val="tx1"/>
+    </cs:fontRef>
+    <cs:spPr>
+      <a:solidFill>
+        <a:schemeClr val="phClr"/>
+      </a:solidFill>
+      <a:ln w="19050">
+        <a:solidFill>
+          <a:schemeClr val="lt1"/>
+        </a:solidFill>
+      </a:ln>
+    </cs:spPr>
+  </cs:dataPoint>
+  <cs:dataPoint3D>
+    <cs:lnRef idx="0"/>
+    <cs:fillRef idx="0">
+      <cs:styleClr val="auto"/>
+    </cs:fillRef>
+    <cs:effectRef idx="0"/>
+    <cs:fontRef idx="minor">
+      <a:schemeClr val="tx1"/>
+    </cs:fontRef>
+    <cs:spPr>
+      <a:solidFill>
+        <a:schemeClr val="phClr"/>
+      </a:solidFill>
+    </cs:spPr>
+  </cs:dataPoint3D>
+  <cs:dataPointLine>
+    <cs:lnRef idx="0">
+      <cs:styleClr val="auto"/>
+    </cs:lnRef>
+    <cs:fillRef idx="0"/>
+    <cs:effectRef idx="0"/>
+    <cs:fontRef idx="minor">
+      <a:schemeClr val="tx1"/>
+    </cs:fontRef>
+    <cs:spPr>
+      <a:ln w="28575" cap="rnd">
+        <a:solidFill>
+          <a:schemeClr val="phClr"/>
+        </a:solidFill>
+        <a:round/>
+      </a:ln>
+    </cs:spPr>
+  </cs:dataPointLine>
+  <cs:dataPointMarker>
+    <cs:lnRef idx="0"/>
+    <cs:fillRef idx="0">
+      <cs:styleClr val="auto"/>
+    </cs:fillRef>
+    <cs:effectRef idx="0"/>
+    <cs:fontRef idx="minor">
+      <a:schemeClr val="tx1"/>
+    </cs:fontRef>
+    <cs:spPr>
+      <a:solidFill>
+        <a:schemeClr val="phClr"/>
+      </a:solidFill>
+      <a:ln w="9525">
+        <a:solidFill>
+          <a:schemeClr val="lt1"/>
+        </a:solidFill>
+      </a:ln>
+    </cs:spPr>
+  </cs:dataPointMarker>
+  <cs:dataPointMarkerLayout symbol="circle" size="5"/>
+  <cs:dataPointWireframe>
+    <cs:lnRef idx="0">
+      <cs:styleClr val="auto"/>
+    </cs:lnRef>
+    <cs:fillRef idx="0"/>
+    <cs:effectRef idx="0"/>
+    <cs:fontRef idx="minor">
+      <a:schemeClr val="tx1"/>
+    </cs:fontRef>
+    <cs:spPr>
+      <a:ln w="28575" cap="rnd">
+        <a:solidFill>
+          <a:schemeClr val="phClr"/>
+        </a:solidFill>
+        <a:round/>
+      </a:ln>
+    </cs:spPr>
+  </cs:dataPointWireframe>
+  <cs:dataTable>
+    <cs:lnRef idx="0"/>
+    <cs:fillRef idx="0"/>
+    <cs:effectRef idx="0"/>
+    <cs:fontRef idx="minor">
+      <a:schemeClr val="tx1">
+        <a:lumMod val="65000"/>
+        <a:lumOff val="35000"/>
+      </a:schemeClr>
+    </cs:fontRef>
+    <cs:spPr>
+      <a:ln w="9525">
+        <a:solidFill>
+          <a:schemeClr val="tx1">
+            <a:lumMod val="15000"/>
+            <a:lumOff val="85000"/>
+          </a:schemeClr>
+        </a:solidFill>
+      </a:ln>
+    </cs:spPr>
+    <cs:defRPr sz="1197"/>
+  </cs:dataTable>
+  <cs:downBar>
+    <cs:lnRef idx="0"/>
+    <cs:fillRef idx="0"/>
+    <cs:effectRef idx="0"/>
+    <cs:fontRef idx="minor">
+      <a:schemeClr val="dk1"/>
+    </cs:fontRef>
+    <cs:spPr>
+      <a:solidFill>
+        <a:schemeClr val="dk1">
+          <a:lumMod val="65000"/>
+          <a:lumOff val="35000"/>
+        </a:schemeClr>
+      </a:solidFill>
+      <a:ln w="9525">
+        <a:solidFill>
+          <a:schemeClr val="tx1">
+            <a:lumMod val="65000"/>
+            <a:lumOff val="35000"/>
+          </a:schemeClr>
+        </a:solidFill>
+      </a:ln>
+    </cs:spPr>
+  </cs:downBar>
+  <cs:dropLine>
+    <cs:lnRef idx="0"/>
+    <cs:fillRef idx="0"/>
+    <cs:effectRef idx="0"/>
+    <cs:fontRef idx="minor">
+      <a:schemeClr val="tx1"/>
+    </cs:fontRef>
+    <cs:spPr>
+      <a:ln w="9525" cap="flat" cmpd="sng" algn="ctr">
+        <a:solidFill>
+          <a:schemeClr val="tx1">
+            <a:lumMod val="35000"/>
+            <a:lumOff val="65000"/>
+          </a:schemeClr>
+        </a:solidFill>
+        <a:round/>
+      </a:ln>
+    </cs:spPr>
+  </cs:dropLine>
+  <cs:errorBar>
+    <cs:lnRef idx="0"/>
+    <cs:fillRef idx="0"/>
+    <cs:effectRef idx="0"/>
+    <cs:fontRef idx="minor">
+      <a:schemeClr val="tx1"/>
+    </cs:fontRef>
+    <cs:spPr>
+      <a:ln w="9525" cap="flat" cmpd="sng" algn="ctr">
+        <a:solidFill>
+          <a:schemeClr val="tx1">
+            <a:lumMod val="65000"/>
+            <a:lumOff val="35000"/>
+          </a:schemeClr>
+        </a:solidFill>
+        <a:round/>
+      </a:ln>
+    </cs:spPr>
+  </cs:errorBar>
+  <cs:floor>
+    <cs:lnRef idx="0"/>
+    <cs:fillRef idx="0"/>
+    <cs:effectRef idx="0"/>
+    <cs:fontRef idx="minor">
+      <a:schemeClr val="tx1"/>
+    </cs:fontRef>
+  </cs:floor>
+  <cs:gridlineMajor>
+    <cs:lnRef idx="0"/>
+    <cs:fillRef idx="0"/>
+    <cs:effectRef idx="0"/>
+    <cs:fontRef idx="minor">
+      <a:schemeClr val="tx1"/>
+    </cs:fontRef>
+    <cs:spPr>
+      <a:ln w="9525" cap="flat" cmpd="sng" algn="ctr">
+        <a:solidFill>
+          <a:schemeClr val="tx1">
+            <a:lumMod val="15000"/>
+            <a:lumOff val="85000"/>
+          </a:schemeClr>
+        </a:solidFill>
+        <a:round/>
+      </a:ln>
+    </cs:spPr>
+  </cs:gridlineMajor>
+  <cs:gridlineMinor>
+    <cs:lnRef idx="0"/>
+    <cs:fillRef idx="0"/>
+    <cs:effectRef idx="0"/>
+    <cs:fontRef idx="minor">
+      <a:schemeClr val="tx1"/>
+    </cs:fontRef>
+    <cs:spPr>
+      <a:ln w="9525" cap="flat" cmpd="sng" algn="ctr">
+        <a:solidFill>
+          <a:schemeClr val="tx1">
+            <a:lumMod val="15000"/>
+            <a:lumOff val="85000"/>
+          </a:schemeClr>
+        </a:solidFill>
+        <a:round/>
+      </a:ln>
+    </cs:spPr>
+  </cs:gridlineMinor>
+  <cs:hiLoLine>
+    <cs:lnRef idx="0"/>
+    <cs:fillRef idx="0"/>
+    <cs:effectRef idx="0"/>
+    <cs:fontRef idx="minor">
+      <a:schemeClr val="tx1"/>
+    </cs:fontRef>
+    <cs:spPr>
+      <a:ln w="9525" cap="flat" cmpd="sng" algn="ctr">
+        <a:solidFill>
+          <a:schemeClr val="tx1">
+            <a:lumMod val="75000"/>
+            <a:lumOff val="25000"/>
+          </a:schemeClr>
+        </a:solidFill>
+        <a:round/>
+      </a:ln>
+    </cs:spPr>
+  </cs:hiLoLine>
+  <cs:leaderLine>
+    <cs:lnRef idx="0"/>
+    <cs:fillRef idx="0"/>
+    <cs:effectRef idx="0"/>
+    <cs:fontRef idx="minor">
+      <a:schemeClr val="tx1"/>
+    </cs:fontRef>
+    <cs:spPr>
+      <a:ln w="9525" cap="flat" cmpd="sng" algn="ctr">
+        <a:solidFill>
+          <a:schemeClr val="tx1">
+            <a:lumMod val="35000"/>
+            <a:lumOff val="65000"/>
+          </a:schemeClr>
+        </a:solidFill>
+        <a:round/>
+      </a:ln>
+    </cs:spPr>
+  </cs:leaderLine>
+  <cs:legend>
+    <cs:lnRef idx="0"/>
+    <cs:fillRef idx="0"/>
+    <cs:effectRef idx="0"/>
+    <cs:fontRef idx="minor">
+      <a:schemeClr val="tx1">
+        <a:lumMod val="65000"/>
+        <a:lumOff val="35000"/>
+      </a:schemeClr>
+    </cs:fontRef>
+    <cs:defRPr sz="1197"/>
+  </cs:legend>
+  <cs:plotArea mods="allowNoFillOverride allowNoLineOverride">
+    <cs:lnRef idx="0"/>
+    <cs:fillRef idx="0"/>
+    <cs:effectRef idx="0"/>
+    <cs:fontRef idx="minor">
+      <a:schemeClr val="tx1"/>
+    </cs:fontRef>
+  </cs:plotArea>
+  <cs:plotArea3D mods="allowNoFillOverride allowNoLineOverride">
+    <cs:lnRef idx="0"/>
+    <cs:fillRef idx="0"/>
+    <cs:effectRef idx="0"/>
+    <cs:fontRef idx="minor">
+      <a:schemeClr val="tx1"/>
+    </cs:fontRef>
+  </cs:plotArea3D>
+  <cs:seriesAxis>
+    <cs:lnRef idx="0"/>
+    <cs:fillRef idx="0"/>
+    <cs:effectRef idx="0"/>
+    <cs:fontRef idx="minor">
+      <a:schemeClr val="tx1">
+        <a:lumMod val="65000"/>
+        <a:lumOff val="35000"/>
+      </a:schemeClr>
+    </cs:fontRef>
+    <cs:spPr>
+      <a:ln w="9525" cap="flat" cmpd="sng" algn="ctr">
+        <a:solidFill>
+          <a:schemeClr val="tx1">
+            <a:lumMod val="15000"/>
+            <a:lumOff val="85000"/>
+          </a:schemeClr>
+        </a:solidFill>
+        <a:round/>
+      </a:ln>
+    </cs:spPr>
+    <cs:defRPr sz="1197"/>
+  </cs:seriesAxis>
+  <cs:seriesLine>
+    <cs:lnRef idx="0"/>
+    <cs:fillRef idx="0"/>
+    <cs:effectRef idx="0"/>
+    <cs:fontRef idx="minor">
+      <a:schemeClr val="tx1"/>
+    </cs:fontRef>
+    <cs:spPr>
+      <a:ln w="9525" cap="flat">
+        <a:solidFill>
+          <a:srgbClr val="D9D9D9"/>
+        </a:solidFill>
+        <a:round/>
+      </a:ln>
+    </cs:spPr>
+  </cs:seriesLine>
+  <cs:title>
+    <cs:lnRef idx="0"/>
+    <cs:fillRef idx="0"/>
+    <cs:effectRef idx="0"/>
+    <cs:fontRef idx="minor">
+      <a:schemeClr val="tx1">
+        <a:lumMod val="65000"/>
+        <a:lumOff val="35000"/>
+      </a:schemeClr>
+    </cs:fontRef>
+    <cs:defRPr sz="1862"/>
+  </cs:title>
+  <cs:trendline>
+    <cs:lnRef idx="0">
+      <cs:styleClr val="auto"/>
+    </cs:lnRef>
+    <cs:fillRef idx="0"/>
+    <cs:effectRef idx="0"/>
+    <cs:fontRef idx="minor">
+      <a:schemeClr val="tx1"/>
+    </cs:fontRef>
+    <cs:spPr>
+      <a:ln w="19050" cap="rnd">
+        <a:solidFill>
+          <a:schemeClr val="phClr"/>
+        </a:solidFill>
+        <a:prstDash val="sysDash"/>
+      </a:ln>
+    </cs:spPr>
+  </cs:trendline>
+  <cs:trendlineLabel>
+    <cs:lnRef idx="0"/>
+    <cs:fillRef idx="0"/>
+    <cs:effectRef idx="0"/>
+    <cs:fontRef idx="minor">
+      <a:schemeClr val="tx1">
+        <a:lumMod val="65000"/>
+        <a:lumOff val="35000"/>
+      </a:schemeClr>
+    </cs:fontRef>
+    <cs:defRPr sz="1197"/>
+  </cs:trendlineLabel>
+  <cs:upBar>
+    <cs:lnRef idx="0"/>
+    <cs:fillRef idx="0"/>
+    <cs:effectRef idx="0"/>
+    <cs:fontRef idx="minor">
+      <a:schemeClr val="dk1"/>
+    </cs:fontRef>
+    <cs:spPr>
+      <a:solidFill>
+        <a:schemeClr val="lt1"/>
+      </a:solidFill>
+      <a:ln w="9525">
+        <a:solidFill>
+          <a:schemeClr val="tx1">
+            <a:lumMod val="15000"/>
+            <a:lumOff val="85000"/>
+          </a:schemeClr>
+        </a:solidFill>
+      </a:ln>
+    </cs:spPr>
+  </cs:upBar>
+  <cs:valueAxis>
+    <cs:lnRef idx="0"/>
+    <cs:fillRef idx="0"/>
+    <cs:effectRef idx="0"/>
+    <cs:fontRef idx="minor">
+      <a:schemeClr val="tx1">
+        <a:lumMod val="65000"/>
+        <a:lumOff val="35000"/>
+      </a:schemeClr>
+    </cs:fontRef>
+    <cs:defRPr sz="1197"/>
+  </cs:valueAxis>
+  <cs:wall>
+    <cs:lnRef idx="0"/>
+    <cs:fillRef idx="0"/>
+    <cs:effectRef idx="0"/>
+    <cs:fontRef idx="minor">
+      <a:schemeClr val="tx1"/>
+    </cs:fontRef>
+  </cs:wall>
+</cs:chartStyle>
+</file>
+
+<file path=ppt/charts/style4.xml><?xml version="1.0" encoding="utf-8"?>
+<cs:chartStyle xmlns:cs="http://schemas.microsoft.com/office/drawing/2012/chartStyle" xmlns:a="http://schemas.openxmlformats.org/drawingml/2006/main" id="251">
+  <cs:axisTitle>
+    <cs:lnRef idx="0"/>
+    <cs:fillRef idx="0"/>
+    <cs:effectRef idx="0"/>
+    <cs:fontRef idx="minor">
+      <a:schemeClr val="tx1">
+        <a:lumMod val="65000"/>
+        <a:lumOff val="35000"/>
+      </a:schemeClr>
+    </cs:fontRef>
+    <cs:defRPr sz="1330" kern="1200"/>
+  </cs:axisTitle>
+  <cs:categoryAxis>
+    <cs:lnRef idx="0"/>
+    <cs:fillRef idx="0"/>
+    <cs:effectRef idx="0"/>
+    <cs:fontRef idx="minor">
+      <a:schemeClr val="tx1">
+        <a:lumMod val="65000"/>
+        <a:lumOff val="35000"/>
+      </a:schemeClr>
+    </cs:fontRef>
+    <cs:spPr>
+      <a:ln w="9525" cap="flat" cmpd="sng" algn="ctr">
+        <a:solidFill>
+          <a:schemeClr val="tx1">
+            <a:lumMod val="15000"/>
+            <a:lumOff val="85000"/>
+          </a:schemeClr>
+        </a:solidFill>
+        <a:round/>
+      </a:ln>
+    </cs:spPr>
+    <cs:defRPr sz="1197" kern="1200"/>
+  </cs:categoryAxis>
+  <cs:chartArea mods="allowNoFillOverride allowNoLineOverride">
+    <cs:lnRef idx="0"/>
+    <cs:fillRef idx="0"/>
+    <cs:effectRef idx="0"/>
+    <cs:fontRef idx="minor">
+      <a:schemeClr val="tx1"/>
+    </cs:fontRef>
+    <cs:spPr>
+      <a:solidFill>
+        <a:schemeClr val="bg1"/>
+      </a:solidFill>
+      <a:ln w="9525" cap="flat" cmpd="sng" algn="ctr">
+        <a:solidFill>
+          <a:schemeClr val="tx1">
+            <a:lumMod val="15000"/>
+            <a:lumOff val="85000"/>
+          </a:schemeClr>
+        </a:solidFill>
+        <a:round/>
+      </a:ln>
+    </cs:spPr>
+    <cs:defRPr sz="1197" kern="1200"/>
+  </cs:chartArea>
+  <cs:dataLabel>
+    <cs:lnRef idx="0"/>
+    <cs:fillRef idx="0"/>
+    <cs:effectRef idx="0"/>
+    <cs:fontRef idx="minor">
+      <a:schemeClr val="tx1">
+        <a:lumMod val="75000"/>
+        <a:lumOff val="25000"/>
+      </a:schemeClr>
+    </cs:fontRef>
+    <cs:defRPr sz="1197" kern="1200"/>
+  </cs:dataLabel>
+  <cs:dataLabelCallout>
+    <cs:lnRef idx="0"/>
+    <cs:fillRef idx="0"/>
+    <cs:effectRef idx="0"/>
+    <cs:fontRef idx="minor">
+      <a:schemeClr val="dk1">
+        <a:lumMod val="65000"/>
+        <a:lumOff val="35000"/>
+      </a:schemeClr>
+    </cs:fontRef>
+    <cs:spPr>
+      <a:solidFill>
+        <a:schemeClr val="lt1"/>
+      </a:solidFill>
+      <a:ln>
+        <a:solidFill>
+          <a:schemeClr val="dk1">
+            <a:lumMod val="25000"/>
+            <a:lumOff val="75000"/>
+          </a:schemeClr>
+        </a:solidFill>
+      </a:ln>
+    </cs:spPr>
+    <cs:defRPr sz="1197" kern="1200"/>
+    <cs:bodyPr rot="0" spcFirstLastPara="1" vertOverflow="clip" horzOverflow="clip" vert="horz" wrap="square" lIns="36576" tIns="18288" rIns="36576" bIns="18288" anchor="ctr" anchorCtr="1">
+      <a:spAutoFit/>
+    </cs:bodyPr>
+  </cs:dataLabelCallout>
+  <cs:dataPoint>
+    <cs:lnRef idx="0"/>
+    <cs:fillRef idx="1">
+      <cs:styleClr val="auto"/>
+    </cs:fillRef>
+    <cs:effectRef idx="0"/>
+    <cs:fontRef idx="minor">
+      <a:schemeClr val="tx1"/>
+    </cs:fontRef>
+    <cs:spPr>
+      <a:ln w="19050">
+        <a:solidFill>
+          <a:schemeClr val="lt1"/>
+        </a:solidFill>
+      </a:ln>
+    </cs:spPr>
+  </cs:dataPoint>
+  <cs:dataPoint3D>
+    <cs:lnRef idx="0"/>
+    <cs:fillRef idx="1">
+      <cs:styleClr val="auto"/>
+    </cs:fillRef>
+    <cs:effectRef idx="0"/>
+    <cs:fontRef idx="minor">
+      <a:schemeClr val="tx1"/>
+    </cs:fontRef>
+    <cs:spPr>
+      <a:ln w="25400">
+        <a:solidFill>
+          <a:schemeClr val="lt1"/>
+        </a:solidFill>
+      </a:ln>
+    </cs:spPr>
+  </cs:dataPoint3D>
+  <cs:dataPointLine>
+    <cs:lnRef idx="0">
+      <cs:styleClr val="auto"/>
+    </cs:lnRef>
+    <cs:fillRef idx="0"/>
+    <cs:effectRef idx="0"/>
+    <cs:fontRef idx="minor">
+      <a:schemeClr val="tx1"/>
+    </cs:fontRef>
+    <cs:spPr>
+      <a:ln w="28575" cap="rnd">
+        <a:solidFill>
+          <a:schemeClr val="phClr"/>
+        </a:solidFill>
+        <a:round/>
+      </a:ln>
+    </cs:spPr>
+  </cs:dataPointLine>
+  <cs:dataPointMarker>
+    <cs:lnRef idx="0">
+      <cs:styleClr val="auto"/>
+    </cs:lnRef>
+    <cs:fillRef idx="1">
+      <cs:styleClr val="auto"/>
+    </cs:fillRef>
+    <cs:effectRef idx="0"/>
+    <cs:fontRef idx="minor">
+      <a:schemeClr val="tx1"/>
+    </cs:fontRef>
+    <cs:spPr>
+      <a:ln w="9525">
+        <a:solidFill>
+          <a:schemeClr val="phClr"/>
+        </a:solidFill>
+      </a:ln>
+    </cs:spPr>
+  </cs:dataPointMarker>
+  <cs:dataPointMarkerLayout symbol="circle" size="5"/>
+  <cs:dataPointWireframe>
+    <cs:lnRef idx="0">
+      <cs:styleClr val="auto"/>
+    </cs:lnRef>
+    <cs:fillRef idx="0"/>
+    <cs:effectRef idx="0"/>
+    <cs:fontRef idx="minor">
+      <a:schemeClr val="tx1"/>
+    </cs:fontRef>
+    <cs:spPr>
+      <a:ln w="9525" cap="rnd">
+        <a:solidFill>
+          <a:schemeClr val="phClr"/>
+        </a:solidFill>
+        <a:round/>
+      </a:ln>
+    </cs:spPr>
+  </cs:dataPointWireframe>
+  <cs:dataTable>
+    <cs:lnRef idx="0"/>
+    <cs:fillRef idx="0"/>
+    <cs:effectRef idx="0"/>
+    <cs:fontRef idx="minor">
+      <a:schemeClr val="tx1">
+        <a:lumMod val="65000"/>
+        <a:lumOff val="35000"/>
+      </a:schemeClr>
+    </cs:fontRef>
+    <cs:spPr>
+      <a:noFill/>
+      <a:ln w="9525" cap="flat" cmpd="sng" algn="ctr">
+        <a:solidFill>
+          <a:schemeClr val="tx1">
+            <a:lumMod val="15000"/>
+            <a:lumOff val="85000"/>
+          </a:schemeClr>
+        </a:solidFill>
+        <a:round/>
+      </a:ln>
+    </cs:spPr>
+    <cs:defRPr sz="1197" kern="1200"/>
+  </cs:dataTable>
+  <cs:downBar>
+    <cs:lnRef idx="0"/>
+    <cs:fillRef idx="0"/>
+    <cs:effectRef idx="0"/>
+    <cs:fontRef idx="minor">
+      <a:schemeClr val="tx1"/>
+    </cs:fontRef>
+    <cs:spPr>
+      <a:solidFill>
+        <a:schemeClr val="dk1">
+          <a:lumMod val="75000"/>
+          <a:lumOff val="25000"/>
+        </a:schemeClr>
+      </a:solidFill>
+      <a:ln w="9525" cap="flat" cmpd="sng" algn="ctr">
+        <a:solidFill>
+          <a:schemeClr val="tx1">
+            <a:lumMod val="65000"/>
+            <a:lumOff val="35000"/>
+          </a:schemeClr>
+        </a:solidFill>
+        <a:round/>
+      </a:ln>
+    </cs:spPr>
+  </cs:downBar>
+  <cs:dropLine>
+    <cs:lnRef idx="0"/>
+    <cs:fillRef idx="0"/>
+    <cs:effectRef idx="0"/>
+    <cs:fontRef idx="minor">
+      <a:schemeClr val="tx1"/>
+    </cs:fontRef>
+    <cs:spPr>
+      <a:ln w="9525" cap="flat" cmpd="sng" algn="ctr">
+        <a:solidFill>
+          <a:schemeClr val="tx1">
+            <a:lumMod val="35000"/>
+            <a:lumOff val="65000"/>
+          </a:schemeClr>
+        </a:solidFill>
+        <a:round/>
+      </a:ln>
+    </cs:spPr>
+  </cs:dropLine>
+  <cs:errorBar>
+    <cs:lnRef idx="0"/>
+    <cs:fillRef idx="0"/>
+    <cs:effectRef idx="0"/>
+    <cs:fontRef idx="minor">
+      <a:schemeClr val="tx1"/>
+    </cs:fontRef>
+    <cs:spPr>
+      <a:ln w="9525" cap="flat" cmpd="sng" algn="ctr">
+        <a:solidFill>
+          <a:schemeClr val="tx1">
+            <a:lumMod val="65000"/>
+            <a:lumOff val="35000"/>
+          </a:schemeClr>
+        </a:solidFill>
+        <a:round/>
+      </a:ln>
+    </cs:spPr>
+  </cs:errorBar>
+  <cs:floor>
+    <cs:lnRef idx="0"/>
+    <cs:fillRef idx="0"/>
+    <cs:effectRef idx="0"/>
+    <cs:fontRef idx="minor">
+      <a:schemeClr val="tx1"/>
+    </cs:fontRef>
+    <cs:spPr>
+      <a:noFill/>
+      <a:ln>
+        <a:noFill/>
+      </a:ln>
+    </cs:spPr>
+  </cs:floor>
+  <cs:gridlineMajor>
+    <cs:lnRef idx="0"/>
+    <cs:fillRef idx="0"/>
+    <cs:effectRef idx="0"/>
+    <cs:fontRef idx="minor">
+      <a:schemeClr val="tx1"/>
+    </cs:fontRef>
+    <cs:spPr>
+      <a:ln w="9525" cap="flat" cmpd="sng" algn="ctr">
+        <a:solidFill>
+          <a:schemeClr val="tx1">
+            <a:lumMod val="15000"/>
+            <a:lumOff val="85000"/>
+          </a:schemeClr>
+        </a:solidFill>
+        <a:round/>
+      </a:ln>
+    </cs:spPr>
+  </cs:gridlineMajor>
+  <cs:gridlineMinor>
+    <cs:lnRef idx="0"/>
+    <cs:fillRef idx="0"/>
+    <cs:effectRef idx="0"/>
+    <cs:fontRef idx="minor">
+      <a:schemeClr val="tx1"/>
+    </cs:fontRef>
+    <cs:spPr>
+      <a:ln w="9525" cap="flat" cmpd="sng" algn="ctr">
+        <a:solidFill>
+          <a:schemeClr val="tx1">
+            <a:lumMod val="5000"/>
+            <a:lumOff val="95000"/>
+          </a:schemeClr>
+        </a:solidFill>
+        <a:round/>
+      </a:ln>
+    </cs:spPr>
+  </cs:gridlineMinor>
+  <cs:hiLoLine>
+    <cs:lnRef idx="0"/>
+    <cs:fillRef idx="0"/>
+    <cs:effectRef idx="0"/>
+    <cs:fontRef idx="minor">
+      <a:schemeClr val="tx1"/>
+    </cs:fontRef>
+    <cs:spPr>
+      <a:ln w="9525" cap="flat" cmpd="sng" algn="ctr">
+        <a:solidFill>
+          <a:schemeClr val="tx1">
+            <a:lumMod val="50000"/>
+            <a:lumOff val="50000"/>
+          </a:schemeClr>
+        </a:solidFill>
+        <a:round/>
+      </a:ln>
+    </cs:spPr>
+  </cs:hiLoLine>
+  <cs:leaderLine>
+    <cs:lnRef idx="0"/>
+    <cs:fillRef idx="0"/>
+    <cs:effectRef idx="0"/>
+    <cs:fontRef idx="minor">
+      <a:schemeClr val="tx1"/>
+    </cs:fontRef>
+    <cs:spPr>
+      <a:ln w="9525" cap="flat" cmpd="sng" algn="ctr">
+        <a:solidFill>
+          <a:schemeClr val="tx1">
+            <a:lumMod val="35000"/>
+            <a:lumOff val="65000"/>
+          </a:schemeClr>
+        </a:solidFill>
+        <a:round/>
+      </a:ln>
+    </cs:spPr>
+  </cs:leaderLine>
+  <cs:legend>
+    <cs:lnRef idx="0"/>
+    <cs:fillRef idx="0"/>
+    <cs:effectRef idx="0"/>
+    <cs:fontRef idx="minor">
+      <a:schemeClr val="tx1">
+        <a:lumMod val="65000"/>
+        <a:lumOff val="35000"/>
+      </a:schemeClr>
+    </cs:fontRef>
+    <cs:defRPr sz="1197" kern="1200"/>
+  </cs:legend>
+  <cs:plotArea mods="allowNoFillOverride allowNoLineOverride">
+    <cs:lnRef idx="0"/>
+    <cs:fillRef idx="0"/>
+    <cs:effectRef idx="0"/>
+    <cs:fontRef idx="minor">
+      <a:schemeClr val="tx1"/>
+    </cs:fontRef>
+  </cs:plotArea>
+  <cs:plotArea3D mods="allowNoFillOverride allowNoLineOverride">
+    <cs:lnRef idx="0"/>
+    <cs:fillRef idx="0"/>
+    <cs:effectRef idx="0"/>
+    <cs:fontRef idx="minor">
+      <a:schemeClr val="tx1"/>
+    </cs:fontRef>
+  </cs:plotArea3D>
+  <cs:seriesAxis>
+    <cs:lnRef idx="0"/>
+    <cs:fillRef idx="0"/>
+    <cs:effectRef idx="0"/>
+    <cs:fontRef idx="minor">
+      <a:schemeClr val="tx1">
+        <a:lumMod val="65000"/>
+        <a:lumOff val="35000"/>
+      </a:schemeClr>
+    </cs:fontRef>
+    <cs:defRPr sz="1197" kern="1200"/>
+  </cs:seriesAxis>
+  <cs:seriesLine>
+    <cs:lnRef idx="0"/>
+    <cs:fillRef idx="0"/>
+    <cs:effectRef idx="0"/>
+    <cs:fontRef idx="minor">
+      <a:schemeClr val="tx1"/>
+    </cs:fontRef>
+    <cs:spPr>
+      <a:ln w="9525" cap="flat" cmpd="sng" algn="ctr">
+        <a:solidFill>
+          <a:schemeClr val="tx1">
+            <a:lumMod val="35000"/>
+            <a:lumOff val="65000"/>
+          </a:schemeClr>
+        </a:solidFill>
+        <a:round/>
+      </a:ln>
+    </cs:spPr>
+  </cs:seriesLine>
+  <cs:title>
+    <cs:lnRef idx="0"/>
+    <cs:fillRef idx="0"/>
+    <cs:effectRef idx="0"/>
+    <cs:fontRef idx="minor">
+      <a:schemeClr val="tx1">
+        <a:lumMod val="65000"/>
+        <a:lumOff val="35000"/>
+      </a:schemeClr>
+    </cs:fontRef>
+    <cs:defRPr sz="1862" b="0" kern="1200" spc="0" baseline="0"/>
+  </cs:title>
+  <cs:trendline>
+    <cs:lnRef idx="0">
+      <cs:styleClr val="auto"/>
+    </cs:lnRef>
+    <cs:fillRef idx="0"/>
+    <cs:effectRef idx="0"/>
+    <cs:fontRef idx="minor">
+      <a:schemeClr val="tx1"/>
+    </cs:fontRef>
+    <cs:spPr>
+      <a:ln w="19050" cap="rnd">
+        <a:solidFill>
+          <a:schemeClr val="phClr"/>
+        </a:solidFill>
+        <a:prstDash val="sysDot"/>
+      </a:ln>
+    </cs:spPr>
+  </cs:trendline>
+  <cs:trendlineLabel>
+    <cs:lnRef idx="0"/>
+    <cs:fillRef idx="0"/>
+    <cs:effectRef idx="0"/>
+    <cs:fontRef idx="minor">
+      <a:schemeClr val="tx1">
+        <a:lumMod val="65000"/>
+        <a:lumOff val="35000"/>
+      </a:schemeClr>
+    </cs:fontRef>
+    <cs:defRPr sz="1197" kern="1200"/>
+  </cs:trendlineLabel>
+  <cs:upBar>
+    <cs:lnRef idx="0"/>
+    <cs:fillRef idx="0"/>
+    <cs:effectRef idx="0"/>
+    <cs:fontRef idx="minor">
+      <a:schemeClr val="tx1"/>
+    </cs:fontRef>
+    <cs:spPr>
+      <a:solidFill>
+        <a:schemeClr val="lt1"/>
+      </a:solidFill>
+      <a:ln w="9525" cap="flat" cmpd="sng" algn="ctr">
+        <a:solidFill>
+          <a:schemeClr val="tx1">
+            <a:lumMod val="65000"/>
+            <a:lumOff val="35000"/>
+          </a:schemeClr>
+        </a:solidFill>
+        <a:round/>
+      </a:ln>
+    </cs:spPr>
+  </cs:upBar>
+  <cs:valueAxis>
+    <cs:lnRef idx="0"/>
+    <cs:fillRef idx="0"/>
+    <cs:effectRef idx="0"/>
+    <cs:fontRef idx="minor">
+      <a:schemeClr val="tx1">
+        <a:lumMod val="65000"/>
+        <a:lumOff val="35000"/>
+      </a:schemeClr>
+    </cs:fontRef>
+    <cs:defRPr sz="1197" kern="1200"/>
+  </cs:valueAxis>
+  <cs:wall>
+    <cs:lnRef idx="0"/>
+    <cs:fillRef idx="0"/>
+    <cs:effectRef idx="0"/>
+    <cs:fontRef idx="minor">
+      <a:schemeClr val="tx1"/>
+    </cs:fontRef>
+    <cs:spPr>
+      <a:noFill/>
+      <a:ln>
+        <a:noFill/>
+      </a:ln>
+    </cs:spPr>
+  </cs:wall>
+</cs:chartStyle>
+</file>
+
+<file path=ppt/charts/style5.xml><?xml version="1.0" encoding="utf-8"?>
+<cs:chartStyle xmlns:cs="http://schemas.microsoft.com/office/drawing/2012/chartStyle" xmlns:a="http://schemas.openxmlformats.org/drawingml/2006/main" id="251">
+  <cs:axisTitle>
+    <cs:lnRef idx="0"/>
+    <cs:fillRef idx="0"/>
+    <cs:effectRef idx="0"/>
+    <cs:fontRef idx="minor">
+      <a:schemeClr val="tx1">
+        <a:lumMod val="65000"/>
+        <a:lumOff val="35000"/>
+      </a:schemeClr>
+    </cs:fontRef>
+    <cs:defRPr sz="1330" kern="1200"/>
+  </cs:axisTitle>
+  <cs:categoryAxis>
+    <cs:lnRef idx="0"/>
+    <cs:fillRef idx="0"/>
+    <cs:effectRef idx="0"/>
+    <cs:fontRef idx="minor">
+      <a:schemeClr val="tx1">
+        <a:lumMod val="65000"/>
+        <a:lumOff val="35000"/>
+      </a:schemeClr>
+    </cs:fontRef>
+    <cs:spPr>
+      <a:ln w="9525" cap="flat" cmpd="sng" algn="ctr">
+        <a:solidFill>
+          <a:schemeClr val="tx1">
+            <a:lumMod val="15000"/>
+            <a:lumOff val="85000"/>
+          </a:schemeClr>
+        </a:solidFill>
+        <a:round/>
+      </a:ln>
+    </cs:spPr>
+    <cs:defRPr sz="1197" kern="1200"/>
+  </cs:categoryAxis>
+  <cs:chartArea mods="allowNoFillOverride allowNoLineOverride">
+    <cs:lnRef idx="0"/>
+    <cs:fillRef idx="0"/>
+    <cs:effectRef idx="0"/>
+    <cs:fontRef idx="minor">
+      <a:schemeClr val="tx1"/>
+    </cs:fontRef>
+    <cs:spPr>
+      <a:solidFill>
+        <a:schemeClr val="bg1"/>
+      </a:solidFill>
+      <a:ln w="9525" cap="flat" cmpd="sng" algn="ctr">
+        <a:solidFill>
+          <a:schemeClr val="tx1">
+            <a:lumMod val="15000"/>
+            <a:lumOff val="85000"/>
+          </a:schemeClr>
+        </a:solidFill>
+        <a:round/>
+      </a:ln>
+    </cs:spPr>
+    <cs:defRPr sz="1197" kern="1200"/>
+  </cs:chartArea>
+  <cs:dataLabel>
+    <cs:lnRef idx="0"/>
+    <cs:fillRef idx="0"/>
+    <cs:effectRef idx="0"/>
+    <cs:fontRef idx="minor">
+      <a:schemeClr val="tx1">
+        <a:lumMod val="75000"/>
+        <a:lumOff val="25000"/>
+      </a:schemeClr>
+    </cs:fontRef>
+    <cs:defRPr sz="1197" kern="1200"/>
+  </cs:dataLabel>
+  <cs:dataLabelCallout>
+    <cs:lnRef idx="0"/>
+    <cs:fillRef idx="0"/>
+    <cs:effectRef idx="0"/>
+    <cs:fontRef idx="minor">
+      <a:schemeClr val="dk1">
+        <a:lumMod val="65000"/>
+        <a:lumOff val="35000"/>
+      </a:schemeClr>
+    </cs:fontRef>
+    <cs:spPr>
+      <a:solidFill>
+        <a:schemeClr val="lt1"/>
+      </a:solidFill>
+      <a:ln>
+        <a:solidFill>
+          <a:schemeClr val="dk1">
+            <a:lumMod val="25000"/>
+            <a:lumOff val="75000"/>
+          </a:schemeClr>
+        </a:solidFill>
+      </a:ln>
+    </cs:spPr>
+    <cs:defRPr sz="1197" kern="1200"/>
+    <cs:bodyPr rot="0" spcFirstLastPara="1" vertOverflow="clip" horzOverflow="clip" vert="horz" wrap="square" lIns="36576" tIns="18288" rIns="36576" bIns="18288" anchor="ctr" anchorCtr="1">
+      <a:spAutoFit/>
+    </cs:bodyPr>
+  </cs:dataLabelCallout>
+  <cs:dataPoint>
+    <cs:lnRef idx="0"/>
+    <cs:fillRef idx="1">
+      <cs:styleClr val="auto"/>
+    </cs:fillRef>
+    <cs:effectRef idx="0"/>
+    <cs:fontRef idx="minor">
+      <a:schemeClr val="tx1"/>
+    </cs:fontRef>
+    <cs:spPr>
+      <a:ln w="19050">
+        <a:solidFill>
+          <a:schemeClr val="lt1"/>
+        </a:solidFill>
+      </a:ln>
+    </cs:spPr>
+  </cs:dataPoint>
+  <cs:dataPoint3D>
+    <cs:lnRef idx="0"/>
+    <cs:fillRef idx="1">
+      <cs:styleClr val="auto"/>
+    </cs:fillRef>
+    <cs:effectRef idx="0"/>
+    <cs:fontRef idx="minor">
+      <a:schemeClr val="tx1"/>
+    </cs:fontRef>
+    <cs:spPr>
+      <a:ln w="25400">
+        <a:solidFill>
+          <a:schemeClr val="lt1"/>
+        </a:solidFill>
+      </a:ln>
+    </cs:spPr>
+  </cs:dataPoint3D>
+  <cs:dataPointLine>
+    <cs:lnRef idx="0">
+      <cs:styleClr val="auto"/>
+    </cs:lnRef>
+    <cs:fillRef idx="0"/>
+    <cs:effectRef idx="0"/>
+    <cs:fontRef idx="minor">
+      <a:schemeClr val="tx1"/>
+    </cs:fontRef>
+    <cs:spPr>
+      <a:ln w="28575" cap="rnd">
+        <a:solidFill>
+          <a:schemeClr val="phClr"/>
+        </a:solidFill>
+        <a:round/>
+      </a:ln>
+    </cs:spPr>
+  </cs:dataPointLine>
+  <cs:dataPointMarker>
+    <cs:lnRef idx="0">
+      <cs:styleClr val="auto"/>
+    </cs:lnRef>
+    <cs:fillRef idx="1">
+      <cs:styleClr val="auto"/>
+    </cs:fillRef>
+    <cs:effectRef idx="0"/>
+    <cs:fontRef idx="minor">
+      <a:schemeClr val="tx1"/>
+    </cs:fontRef>
+    <cs:spPr>
+      <a:ln w="9525">
+        <a:solidFill>
+          <a:schemeClr val="phClr"/>
+        </a:solidFill>
+      </a:ln>
+    </cs:spPr>
+  </cs:dataPointMarker>
+  <cs:dataPointMarkerLayout symbol="circle" size="5"/>
+  <cs:dataPointWireframe>
+    <cs:lnRef idx="0">
+      <cs:styleClr val="auto"/>
+    </cs:lnRef>
+    <cs:fillRef idx="0"/>
+    <cs:effectRef idx="0"/>
+    <cs:fontRef idx="minor">
+      <a:schemeClr val="tx1"/>
+    </cs:fontRef>
+    <cs:spPr>
+      <a:ln w="9525" cap="rnd">
+        <a:solidFill>
+          <a:schemeClr val="phClr"/>
+        </a:solidFill>
+        <a:round/>
+      </a:ln>
+    </cs:spPr>
+  </cs:dataPointWireframe>
+  <cs:dataTable>
+    <cs:lnRef idx="0"/>
+    <cs:fillRef idx="0"/>
+    <cs:effectRef idx="0"/>
+    <cs:fontRef idx="minor">
+      <a:schemeClr val="tx1">
+        <a:lumMod val="65000"/>
+        <a:lumOff val="35000"/>
+      </a:schemeClr>
+    </cs:fontRef>
+    <cs:spPr>
+      <a:noFill/>
+      <a:ln w="9525" cap="flat" cmpd="sng" algn="ctr">
+        <a:solidFill>
+          <a:schemeClr val="tx1">
+            <a:lumMod val="15000"/>
+            <a:lumOff val="85000"/>
+          </a:schemeClr>
+        </a:solidFill>
+        <a:round/>
+      </a:ln>
+    </cs:spPr>
+    <cs:defRPr sz="1197" kern="1200"/>
+  </cs:dataTable>
+  <cs:downBar>
+    <cs:lnRef idx="0"/>
+    <cs:fillRef idx="0"/>
+    <cs:effectRef idx="0"/>
+    <cs:fontRef idx="minor">
+      <a:schemeClr val="tx1"/>
+    </cs:fontRef>
+    <cs:spPr>
+      <a:solidFill>
+        <a:schemeClr val="dk1">
+          <a:lumMod val="75000"/>
+          <a:lumOff val="25000"/>
+        </a:schemeClr>
+      </a:solidFill>
+      <a:ln w="9525" cap="flat" cmpd="sng" algn="ctr">
+        <a:solidFill>
+          <a:schemeClr val="tx1">
+            <a:lumMod val="65000"/>
+            <a:lumOff val="35000"/>
+          </a:schemeClr>
+        </a:solidFill>
+        <a:round/>
+      </a:ln>
+    </cs:spPr>
+  </cs:downBar>
+  <cs:dropLine>
+    <cs:lnRef idx="0"/>
+    <cs:fillRef idx="0"/>
+    <cs:effectRef idx="0"/>
+    <cs:fontRef idx="minor">
+      <a:schemeClr val="tx1"/>
+    </cs:fontRef>
+    <cs:spPr>
+      <a:ln w="9525" cap="flat" cmpd="sng" algn="ctr">
+        <a:solidFill>
+          <a:schemeClr val="tx1">
+            <a:lumMod val="35000"/>
+            <a:lumOff val="65000"/>
+          </a:schemeClr>
+        </a:solidFill>
+        <a:round/>
+      </a:ln>
+    </cs:spPr>
+  </cs:dropLine>
+  <cs:errorBar>
+    <cs:lnRef idx="0"/>
+    <cs:fillRef idx="0"/>
+    <cs:effectRef idx="0"/>
+    <cs:fontRef idx="minor">
+      <a:schemeClr val="tx1"/>
+    </cs:fontRef>
+    <cs:spPr>
+      <a:ln w="9525" cap="flat" cmpd="sng" algn="ctr">
+        <a:solidFill>
+          <a:schemeClr val="tx1">
+            <a:lumMod val="65000"/>
+            <a:lumOff val="35000"/>
+          </a:schemeClr>
+        </a:solidFill>
+        <a:round/>
+      </a:ln>
+    </cs:spPr>
+  </cs:errorBar>
+  <cs:floor>
+    <cs:lnRef idx="0"/>
+    <cs:fillRef idx="0"/>
+    <cs:effectRef idx="0"/>
+    <cs:fontRef idx="minor">
+      <a:schemeClr val="tx1"/>
+    </cs:fontRef>
+    <cs:spPr>
+      <a:noFill/>
+      <a:ln>
+        <a:noFill/>
+      </a:ln>
+    </cs:spPr>
+  </cs:floor>
+  <cs:gridlineMajor>
+    <cs:lnRef idx="0"/>
+    <cs:fillRef idx="0"/>
+    <cs:effectRef idx="0"/>
+    <cs:fontRef idx="minor">
+      <a:schemeClr val="tx1"/>
+    </cs:fontRef>
+    <cs:spPr>
+      <a:ln w="9525" cap="flat" cmpd="sng" algn="ctr">
+        <a:solidFill>
+          <a:schemeClr val="tx1">
+            <a:lumMod val="15000"/>
+            <a:lumOff val="85000"/>
+          </a:schemeClr>
+        </a:solidFill>
+        <a:round/>
+      </a:ln>
+    </cs:spPr>
+  </cs:gridlineMajor>
+  <cs:gridlineMinor>
+    <cs:lnRef idx="0"/>
+    <cs:fillRef idx="0"/>
+    <cs:effectRef idx="0"/>
+    <cs:fontRef idx="minor">
+      <a:schemeClr val="tx1"/>
+    </cs:fontRef>
+    <cs:spPr>
+      <a:ln w="9525" cap="flat" cmpd="sng" algn="ctr">
+        <a:solidFill>
+          <a:schemeClr val="tx1">
+            <a:lumMod val="5000"/>
+            <a:lumOff val="95000"/>
+          </a:schemeClr>
+        </a:solidFill>
+        <a:round/>
+      </a:ln>
+    </cs:spPr>
+  </cs:gridlineMinor>
+  <cs:hiLoLine>
+    <cs:lnRef idx="0"/>
+    <cs:fillRef idx="0"/>
+    <cs:effectRef idx="0"/>
+    <cs:fontRef idx="minor">
+      <a:schemeClr val="tx1"/>
+    </cs:fontRef>
+    <cs:spPr>
+      <a:ln w="9525" cap="flat" cmpd="sng" algn="ctr">
+        <a:solidFill>
+          <a:schemeClr val="tx1">
+            <a:lumMod val="50000"/>
+            <a:lumOff val="50000"/>
+          </a:schemeClr>
+        </a:solidFill>
+        <a:round/>
+      </a:ln>
+    </cs:spPr>
+  </cs:hiLoLine>
+  <cs:leaderLine>
+    <cs:lnRef idx="0"/>
+    <cs:fillRef idx="0"/>
+    <cs:effectRef idx="0"/>
+    <cs:fontRef idx="minor">
+      <a:schemeClr val="tx1"/>
+    </cs:fontRef>
+    <cs:spPr>
+      <a:ln w="9525" cap="flat" cmpd="sng" algn="ctr">
+        <a:solidFill>
+          <a:schemeClr val="tx1">
+            <a:lumMod val="35000"/>
+            <a:lumOff val="65000"/>
+          </a:schemeClr>
+        </a:solidFill>
+        <a:round/>
+      </a:ln>
+    </cs:spPr>
+  </cs:leaderLine>
+  <cs:legend>
+    <cs:lnRef idx="0"/>
+    <cs:fillRef idx="0"/>
+    <cs:effectRef idx="0"/>
+    <cs:fontRef idx="minor">
+      <a:schemeClr val="tx1">
+        <a:lumMod val="65000"/>
+        <a:lumOff val="35000"/>
+      </a:schemeClr>
+    </cs:fontRef>
+    <cs:defRPr sz="1197" kern="1200"/>
+  </cs:legend>
+  <cs:plotArea mods="allowNoFillOverride allowNoLineOverride">
+    <cs:lnRef idx="0"/>
+    <cs:fillRef idx="0"/>
+    <cs:effectRef idx="0"/>
+    <cs:fontRef idx="minor">
+      <a:schemeClr val="tx1"/>
+    </cs:fontRef>
+  </cs:plotArea>
+  <cs:plotArea3D mods="allowNoFillOverride allowNoLineOverride">
+    <cs:lnRef idx="0"/>
+    <cs:fillRef idx="0"/>
+    <cs:effectRef idx="0"/>
+    <cs:fontRef idx="minor">
+      <a:schemeClr val="tx1"/>
+    </cs:fontRef>
+  </cs:plotArea3D>
+  <cs:seriesAxis>
+    <cs:lnRef idx="0"/>
+    <cs:fillRef idx="0"/>
+    <cs:effectRef idx="0"/>
+    <cs:fontRef idx="minor">
+      <a:schemeClr val="tx1">
+        <a:lumMod val="65000"/>
+        <a:lumOff val="35000"/>
+      </a:schemeClr>
+    </cs:fontRef>
+    <cs:defRPr sz="1197" kern="1200"/>
+  </cs:seriesAxis>
+  <cs:seriesLine>
+    <cs:lnRef idx="0"/>
+    <cs:fillRef idx="0"/>
+    <cs:effectRef idx="0"/>
+    <cs:fontRef idx="minor">
+      <a:schemeClr val="tx1"/>
+    </cs:fontRef>
+    <cs:spPr>
+      <a:ln w="9525" cap="flat" cmpd="sng" algn="ctr">
+        <a:solidFill>
+          <a:schemeClr val="tx1">
+            <a:lumMod val="35000"/>
+            <a:lumOff val="65000"/>
+          </a:schemeClr>
+        </a:solidFill>
+        <a:round/>
+      </a:ln>
+    </cs:spPr>
+  </cs:seriesLine>
+  <cs:title>
+    <cs:lnRef idx="0"/>
+    <cs:fillRef idx="0"/>
+    <cs:effectRef idx="0"/>
+    <cs:fontRef idx="minor">
+      <a:schemeClr val="tx1">
+        <a:lumMod val="65000"/>
+        <a:lumOff val="35000"/>
+      </a:schemeClr>
+    </cs:fontRef>
+    <cs:defRPr sz="1862" b="0" kern="1200" spc="0" baseline="0"/>
+  </cs:title>
+  <cs:trendline>
+    <cs:lnRef idx="0">
+      <cs:styleClr val="auto"/>
+    </cs:lnRef>
+    <cs:fillRef idx="0"/>
+    <cs:effectRef idx="0"/>
+    <cs:fontRef idx="minor">
+      <a:schemeClr val="tx1"/>
+    </cs:fontRef>
+    <cs:spPr>
+      <a:ln w="19050" cap="rnd">
+        <a:solidFill>
+          <a:schemeClr val="phClr"/>
+        </a:solidFill>
+        <a:prstDash val="sysDot"/>
+      </a:ln>
+    </cs:spPr>
+  </cs:trendline>
+  <cs:trendlineLabel>
+    <cs:lnRef idx="0"/>
+    <cs:fillRef idx="0"/>
+    <cs:effectRef idx="0"/>
+    <cs:fontRef idx="minor">
+      <a:schemeClr val="tx1">
+        <a:lumMod val="65000"/>
+        <a:lumOff val="35000"/>
+      </a:schemeClr>
+    </cs:fontRef>
+    <cs:defRPr sz="1197" kern="1200"/>
+  </cs:trendlineLabel>
+  <cs:upBar>
+    <cs:lnRef idx="0"/>
+    <cs:fillRef idx="0"/>
+    <cs:effectRef idx="0"/>
+    <cs:fontRef idx="minor">
+      <a:schemeClr val="tx1"/>
+    </cs:fontRef>
+    <cs:spPr>
+      <a:solidFill>
+        <a:schemeClr val="lt1"/>
+      </a:solidFill>
+      <a:ln w="9525" cap="flat" cmpd="sng" algn="ctr">
+        <a:solidFill>
+          <a:schemeClr val="tx1">
+            <a:lumMod val="65000"/>
+            <a:lumOff val="35000"/>
+          </a:schemeClr>
+        </a:solidFill>
+        <a:round/>
+      </a:ln>
+    </cs:spPr>
+  </cs:upBar>
+  <cs:valueAxis>
+    <cs:lnRef idx="0"/>
+    <cs:fillRef idx="0"/>
+    <cs:effectRef idx="0"/>
+    <cs:fontRef idx="minor">
+      <a:schemeClr val="tx1">
+        <a:lumMod val="65000"/>
+        <a:lumOff val="35000"/>
+      </a:schemeClr>
+    </cs:fontRef>
+    <cs:defRPr sz="1197" kern="1200"/>
+  </cs:valueAxis>
+  <cs:wall>
+    <cs:lnRef idx="0"/>
+    <cs:fillRef idx="0"/>
+    <cs:effectRef idx="0"/>
+    <cs:fontRef idx="minor">
+      <a:schemeClr val="tx1"/>
+    </cs:fontRef>
+    <cs:spPr>
+      <a:noFill/>
+      <a:ln>
+        <a:noFill/>
+      </a:ln>
+    </cs:spPr>
+  </cs:wall>
+</cs:chartStyle>
+</file>
+
+<file path=ppt/charts/style6.xml><?xml version="1.0" encoding="utf-8"?>
+<cs:chartStyle xmlns:cs="http://schemas.microsoft.com/office/drawing/2012/chartStyle" xmlns:a="http://schemas.openxmlformats.org/drawingml/2006/main" id="201">
+  <cs:axisTitle>
+    <cs:lnRef idx="0"/>
+    <cs:fillRef idx="0"/>
+    <cs:effectRef idx="0"/>
+    <cs:fontRef idx="minor">
+      <a:schemeClr val="tx1">
+        <a:lumMod val="65000"/>
+        <a:lumOff val="35000"/>
+      </a:schemeClr>
+    </cs:fontRef>
+    <cs:defRPr sz="1330" kern="1200"/>
+  </cs:axisTitle>
+  <cs:categoryAxis>
+    <cs:lnRef idx="0"/>
+    <cs:fillRef idx="0"/>
+    <cs:effectRef idx="0"/>
+    <cs:fontRef idx="minor">
+      <a:schemeClr val="tx1">
+        <a:lumMod val="65000"/>
+        <a:lumOff val="35000"/>
+      </a:schemeClr>
+    </cs:fontRef>
+    <cs:spPr>
+      <a:ln w="9525" cap="flat" cmpd="sng" algn="ctr">
+        <a:solidFill>
+          <a:schemeClr val="tx1">
+            <a:lumMod val="15000"/>
+            <a:lumOff val="85000"/>
+          </a:schemeClr>
+        </a:solidFill>
+        <a:round/>
+      </a:ln>
+    </cs:spPr>
+    <cs:defRPr sz="1197" kern="1200"/>
+  </cs:categoryAxis>
+  <cs:chartArea mods="allowNoFillOverride allowNoLineOverride">
+    <cs:lnRef idx="0"/>
+    <cs:fillRef idx="0"/>
+    <cs:effectRef idx="0"/>
+    <cs:fontRef idx="minor">
+      <a:schemeClr val="tx1"/>
+    </cs:fontRef>
+    <cs:spPr>
+      <a:solidFill>
+        <a:schemeClr val="bg1"/>
+      </a:solidFill>
+      <a:ln w="9525" cap="flat" cmpd="sng" algn="ctr">
+        <a:solidFill>
+          <a:schemeClr val="tx1">
+            <a:lumMod val="15000"/>
+            <a:lumOff val="85000"/>
+          </a:schemeClr>
+        </a:solidFill>
+        <a:round/>
+      </a:ln>
+    </cs:spPr>
+    <cs:defRPr sz="1330" kern="1200"/>
+  </cs:chartArea>
+  <cs:dataLabel>
+    <cs:lnRef idx="0"/>
+    <cs:fillRef idx="0"/>
+    <cs:effectRef idx="0"/>
+    <cs:fontRef idx="minor">
+      <a:schemeClr val="tx1">
+        <a:lumMod val="75000"/>
+        <a:lumOff val="25000"/>
+      </a:schemeClr>
+    </cs:fontRef>
+    <cs:defRPr sz="1197" kern="1200"/>
+  </cs:dataLabel>
+  <cs:dataLabelCallout>
+    <cs:lnRef idx="0"/>
+    <cs:fillRef idx="0"/>
+    <cs:effectRef idx="0"/>
+    <cs:fontRef idx="minor">
+      <a:schemeClr val="dk1">
+        <a:lumMod val="65000"/>
+        <a:lumOff val="35000"/>
+      </a:schemeClr>
+    </cs:fontRef>
+    <cs:spPr>
+      <a:solidFill>
+        <a:schemeClr val="lt1"/>
+      </a:solidFill>
+      <a:ln>
+        <a:solidFill>
+          <a:schemeClr val="dk1">
+            <a:lumMod val="25000"/>
+            <a:lumOff val="75000"/>
+          </a:schemeClr>
+        </a:solidFill>
+      </a:ln>
+    </cs:spPr>
+    <cs:defRPr sz="1197" kern="1200"/>
+    <cs:bodyPr rot="0" spcFirstLastPara="1" vertOverflow="clip" horzOverflow="clip" vert="horz" wrap="square" lIns="36576" tIns="18288" rIns="36576" bIns="18288" anchor="ctr" anchorCtr="1">
+      <a:spAutoFit/>
+    </cs:bodyPr>
+  </cs:dataLabelCallout>
+  <cs:dataPoint>
+    <cs:lnRef idx="0"/>
+    <cs:fillRef idx="1">
+      <cs:styleClr val="auto"/>
+    </cs:fillRef>
+    <cs:effectRef idx="0"/>
+    <cs:fontRef idx="minor">
+      <a:schemeClr val="tx1"/>
+    </cs:fontRef>
+  </cs:dataPoint>
+  <cs:dataPoint3D>
+    <cs:lnRef idx="0"/>
+    <cs:fillRef idx="1">
+      <cs:styleClr val="auto"/>
+    </cs:fillRef>
+    <cs:effectRef idx="0"/>
+    <cs:fontRef idx="minor">
+      <a:schemeClr val="tx1"/>
+    </cs:fontRef>
+  </cs:dataPoint3D>
+  <cs:dataPointLine>
+    <cs:lnRef idx="0">
+      <cs:styleClr val="auto"/>
+    </cs:lnRef>
+    <cs:fillRef idx="1"/>
+    <cs:effectRef idx="0"/>
+    <cs:fontRef idx="minor">
+      <a:schemeClr val="tx1"/>
+    </cs:fontRef>
+    <cs:spPr>
+      <a:ln w="28575" cap="rnd">
+        <a:solidFill>
+          <a:schemeClr val="phClr"/>
+        </a:solidFill>
+        <a:round/>
+      </a:ln>
+    </cs:spPr>
+  </cs:dataPointLine>
+  <cs:dataPointMarker>
+    <cs:lnRef idx="0">
+      <cs:styleClr val="auto"/>
+    </cs:lnRef>
+    <cs:fillRef idx="1">
+      <cs:styleClr val="auto"/>
+    </cs:fillRef>
+    <cs:effectRef idx="0"/>
+    <cs:fontRef idx="minor">
+      <a:schemeClr val="tx1"/>
+    </cs:fontRef>
+    <cs:spPr>
+      <a:ln w="9525">
+        <a:solidFill>
+          <a:schemeClr val="phClr"/>
+        </a:solidFill>
+      </a:ln>
+    </cs:spPr>
+  </cs:dataPointMarker>
+  <cs:dataPointMarkerLayout symbol="circle" size="5"/>
+  <cs:dataPointWireframe>
+    <cs:lnRef idx="0">
+      <cs:styleClr val="auto"/>
+    </cs:lnRef>
+    <cs:fillRef idx="1"/>
+    <cs:effectRef idx="0"/>
+    <cs:fontRef idx="minor">
+      <a:schemeClr val="tx1"/>
+    </cs:fontRef>
+    <cs:spPr>
+      <a:ln w="9525" cap="rnd">
+        <a:solidFill>
+          <a:schemeClr val="phClr"/>
+        </a:solidFill>
+        <a:round/>
+      </a:ln>
+    </cs:spPr>
+  </cs:dataPointWireframe>
+  <cs:dataTable>
+    <cs:lnRef idx="0"/>
+    <cs:fillRef idx="0"/>
+    <cs:effectRef idx="0"/>
+    <cs:fontRef idx="minor">
+      <a:schemeClr val="tx1">
+        <a:lumMod val="65000"/>
+        <a:lumOff val="35000"/>
+      </a:schemeClr>
+    </cs:fontRef>
+    <cs:spPr>
+      <a:noFill/>
+      <a:ln w="9525" cap="flat" cmpd="sng" algn="ctr">
+        <a:solidFill>
+          <a:schemeClr val="tx1">
+            <a:lumMod val="15000"/>
+            <a:lumOff val="85000"/>
+          </a:schemeClr>
+        </a:solidFill>
+        <a:round/>
+      </a:ln>
+    </cs:spPr>
+    <cs:defRPr sz="1197" kern="1200"/>
+  </cs:dataTable>
+  <cs:downBar>
+    <cs:lnRef idx="0"/>
+    <cs:fillRef idx="0"/>
+    <cs:effectRef idx="0"/>
+    <cs:fontRef idx="minor">
+      <a:schemeClr val="dk1"/>
+    </cs:fontRef>
+    <cs:spPr>
+      <a:solidFill>
+        <a:schemeClr val="dk1">
+          <a:lumMod val="65000"/>
+          <a:lumOff val="35000"/>
+        </a:schemeClr>
+      </a:solidFill>
+      <a:ln w="9525">
+        <a:solidFill>
+          <a:schemeClr val="tx1">
+            <a:lumMod val="65000"/>
+            <a:lumOff val="35000"/>
+          </a:schemeClr>
+        </a:solidFill>
+      </a:ln>
+    </cs:spPr>
+  </cs:downBar>
+  <cs:dropLine>
+    <cs:lnRef idx="0"/>
+    <cs:fillRef idx="0"/>
+    <cs:effectRef idx="0"/>
+    <cs:fontRef idx="minor">
+      <a:schemeClr val="tx1"/>
+    </cs:fontRef>
+    <cs:spPr>
+      <a:ln w="9525" cap="flat" cmpd="sng" algn="ctr">
+        <a:solidFill>
+          <a:schemeClr val="tx1">
+            <a:lumMod val="35000"/>
+            <a:lumOff val="65000"/>
+          </a:schemeClr>
+        </a:solidFill>
+        <a:round/>
+      </a:ln>
+    </cs:spPr>
+  </cs:dropLine>
+  <cs:errorBar>
+    <cs:lnRef idx="0"/>
+    <cs:fillRef idx="0"/>
+    <cs:effectRef idx="0"/>
+    <cs:fontRef idx="minor">
+      <a:schemeClr val="tx1"/>
+    </cs:fontRef>
+    <cs:spPr>
+      <a:ln w="9525" cap="flat" cmpd="sng" algn="ctr">
+        <a:solidFill>
+          <a:schemeClr val="tx1">
+            <a:lumMod val="65000"/>
+            <a:lumOff val="35000"/>
+          </a:schemeClr>
+        </a:solidFill>
+        <a:round/>
+      </a:ln>
+    </cs:spPr>
+  </cs:errorBar>
+  <cs:floor>
+    <cs:lnRef idx="0"/>
+    <cs:fillRef idx="0"/>
+    <cs:effectRef idx="0"/>
+    <cs:fontRef idx="minor">
+      <a:schemeClr val="tx1"/>
+    </cs:fontRef>
+    <cs:spPr>
+      <a:noFill/>
+      <a:ln>
+        <a:noFill/>
+      </a:ln>
+    </cs:spPr>
+  </cs:floor>
+  <cs:gridlineMajor>
+    <cs:lnRef idx="0"/>
+    <cs:fillRef idx="0"/>
+    <cs:effectRef idx="0"/>
+    <cs:fontRef idx="minor">
+      <a:schemeClr val="tx1"/>
+    </cs:fontRef>
+    <cs:spPr>
+      <a:ln w="9525" cap="flat" cmpd="sng" algn="ctr">
+        <a:solidFill>
+          <a:schemeClr val="tx1">
+            <a:lumMod val="15000"/>
+            <a:lumOff val="85000"/>
+          </a:schemeClr>
+        </a:solidFill>
+        <a:round/>
+      </a:ln>
+    </cs:spPr>
+  </cs:gridlineMajor>
+  <cs:gridlineMinor>
+    <cs:lnRef idx="0"/>
+    <cs:fillRef idx="0"/>
+    <cs:effectRef idx="0"/>
+    <cs:fontRef idx="minor">
+      <a:schemeClr val="tx1"/>
+    </cs:fontRef>
+    <cs:spPr>
+      <a:ln w="9525" cap="flat" cmpd="sng" algn="ctr">
+        <a:solidFill>
+          <a:schemeClr val="tx1">
+            <a:lumMod val="5000"/>
+            <a:lumOff val="95000"/>
+          </a:schemeClr>
+        </a:solidFill>
+        <a:round/>
+      </a:ln>
+    </cs:spPr>
+  </cs:gridlineMinor>
+  <cs:hiLoLine>
+    <cs:lnRef idx="0"/>
+    <cs:fillRef idx="0"/>
+    <cs:effectRef idx="0"/>
+    <cs:fontRef idx="minor">
+      <a:schemeClr val="tx1"/>
+    </cs:fontRef>
+    <cs:spPr>
+      <a:ln w="9525" cap="flat" cmpd="sng" algn="ctr">
+        <a:solidFill>
+          <a:schemeClr val="tx1">
+            <a:lumMod val="75000"/>
+            <a:lumOff val="25000"/>
+          </a:schemeClr>
+        </a:solidFill>
+        <a:round/>
+      </a:ln>
+    </cs:spPr>
+  </cs:hiLoLine>
+  <cs:leaderLine>
+    <cs:lnRef idx="0"/>
+    <cs:fillRef idx="0"/>
+    <cs:effectRef idx="0"/>
+    <cs:fontRef idx="minor">
+      <a:schemeClr val="tx1"/>
+    </cs:fontRef>
+    <cs:spPr>
+      <a:ln w="9525" cap="flat" cmpd="sng" algn="ctr">
+        <a:solidFill>
+          <a:schemeClr val="tx1">
+            <a:lumMod val="35000"/>
+            <a:lumOff val="65000"/>
+          </a:schemeClr>
+        </a:solidFill>
+        <a:round/>
+      </a:ln>
+    </cs:spPr>
+  </cs:leaderLine>
+  <cs:legend>
+    <cs:lnRef idx="0"/>
+    <cs:fillRef idx="0"/>
+    <cs:effectRef idx="0"/>
+    <cs:fontRef idx="minor">
+      <a:schemeClr val="tx1">
+        <a:lumMod val="65000"/>
+        <a:lumOff val="35000"/>
+      </a:schemeClr>
+    </cs:fontRef>
+    <cs:defRPr sz="1197" kern="1200"/>
+  </cs:legend>
+  <cs:plotArea mods="allowNoFillOverride allowNoLineOverride">
+    <cs:lnRef idx="0"/>
+    <cs:fillRef idx="0"/>
+    <cs:effectRef idx="0"/>
+    <cs:fontRef idx="minor">
+      <a:schemeClr val="tx1"/>
+    </cs:fontRef>
+  </cs:plotArea>
+  <cs:plotArea3D mods="allowNoFillOverride allowNoLineOverride">
+    <cs:lnRef idx="0"/>
+    <cs:fillRef idx="0"/>
+    <cs:effectRef idx="0"/>
+    <cs:fontRef idx="minor">
+      <a:schemeClr val="tx1"/>
+    </cs:fontRef>
+  </cs:plotArea3D>
+  <cs:seriesAxis>
+    <cs:lnRef idx="0"/>
+    <cs:fillRef idx="0"/>
+    <cs:effectRef idx="0"/>
+    <cs:fontRef idx="minor">
+      <a:schemeClr val="tx1">
+        <a:lumMod val="65000"/>
+        <a:lumOff val="35000"/>
+      </a:schemeClr>
+    </cs:fontRef>
+    <cs:defRPr sz="1197" kern="1200"/>
+  </cs:seriesAxis>
+  <cs:seriesLine>
+    <cs:lnRef idx="0"/>
+    <cs:fillRef idx="0"/>
+    <cs:effectRef idx="0"/>
+    <cs:fontRef idx="minor">
+      <a:schemeClr val="tx1"/>
+    </cs:fontRef>
+    <cs:spPr>
+      <a:ln w="9525" cap="flat" cmpd="sng" algn="ctr">
+        <a:solidFill>
+          <a:schemeClr val="tx1">
+            <a:lumMod val="35000"/>
+            <a:lumOff val="65000"/>
+          </a:schemeClr>
+        </a:solidFill>
+        <a:round/>
+      </a:ln>
+    </cs:spPr>
+  </cs:seriesLine>
+  <cs:title>
+    <cs:lnRef idx="0"/>
+    <cs:fillRef idx="0"/>
+    <cs:effectRef idx="0"/>
+    <cs:fontRef idx="minor">
+      <a:schemeClr val="tx1">
+        <a:lumMod val="65000"/>
+        <a:lumOff val="35000"/>
+      </a:schemeClr>
+    </cs:fontRef>
+    <cs:defRPr sz="1862" b="0" kern="1200" spc="0" baseline="0"/>
+  </cs:title>
+  <cs:trendline>
+    <cs:lnRef idx="0">
+      <cs:styleClr val="auto"/>
+    </cs:lnRef>
+    <cs:fillRef idx="0"/>
+    <cs:effectRef idx="0"/>
+    <cs:fontRef idx="minor">
+      <a:schemeClr val="tx1"/>
+    </cs:fontRef>
+    <cs:spPr>
+      <a:ln w="19050" cap="rnd">
+        <a:solidFill>
+          <a:schemeClr val="phClr"/>
+        </a:solidFill>
+        <a:prstDash val="sysDot"/>
+      </a:ln>
+    </cs:spPr>
+  </cs:trendline>
+  <cs:trendlineLabel>
+    <cs:lnRef idx="0"/>
+    <cs:fillRef idx="0"/>
+    <cs:effectRef idx="0"/>
+    <cs:fontRef idx="minor">
+      <a:schemeClr val="tx1">
+        <a:lumMod val="65000"/>
+        <a:lumOff val="35000"/>
+      </a:schemeClr>
+    </cs:fontRef>
+    <cs:defRPr sz="1197" kern="1200"/>
+  </cs:trendlineLabel>
+  <cs:upBar>
+    <cs:lnRef idx="0"/>
+    <cs:fillRef idx="0"/>
+    <cs:effectRef idx="0"/>
+    <cs:fontRef idx="minor">
+      <a:schemeClr val="dk1"/>
+    </cs:fontRef>
+    <cs:spPr>
+      <a:solidFill>
+        <a:schemeClr val="lt1"/>
+      </a:solidFill>
+      <a:ln w="9525">
+        <a:solidFill>
+          <a:schemeClr val="tx1">
+            <a:lumMod val="15000"/>
+            <a:lumOff val="85000"/>
+          </a:schemeClr>
+        </a:solidFill>
+      </a:ln>
+    </cs:spPr>
+  </cs:upBar>
+  <cs:valueAxis>
+    <cs:lnRef idx="0"/>
+    <cs:fillRef idx="0"/>
+    <cs:effectRef idx="0"/>
+    <cs:fontRef idx="minor">
+      <a:schemeClr val="tx1">
+        <a:lumMod val="65000"/>
+        <a:lumOff val="35000"/>
+      </a:schemeClr>
+    </cs:fontRef>
+    <cs:defRPr sz="1197" kern="1200"/>
+  </cs:valueAxis>
+  <cs:wall>
+    <cs:lnRef idx="0"/>
+    <cs:fillRef idx="0"/>
+    <cs:effectRef idx="0"/>
+    <cs:fontRef idx="minor">
+      <a:schemeClr val="tx1"/>
+    </cs:fontRef>
+    <cs:spPr>
+      <a:noFill/>
+      <a:ln>
+        <a:noFill/>
+      </a:ln>
+    </cs:spPr>
+  </cs:wall>
+</cs:chartStyle>
+</file>
+
+<file path=ppt/charts/style7.xml><?xml version="1.0" encoding="utf-8"?>
+<cs:chartStyle xmlns:cs="http://schemas.microsoft.com/office/drawing/2012/chartStyle" xmlns:a="http://schemas.openxmlformats.org/drawingml/2006/main" id="251">
+  <cs:axisTitle>
+    <cs:lnRef idx="0"/>
+    <cs:fillRef idx="0"/>
+    <cs:effectRef idx="0"/>
+    <cs:fontRef idx="minor">
+      <a:schemeClr val="tx1">
+        <a:lumMod val="65000"/>
+        <a:lumOff val="35000"/>
+      </a:schemeClr>
+    </cs:fontRef>
+    <cs:defRPr sz="1330" kern="1200"/>
+  </cs:axisTitle>
+  <cs:categoryAxis>
+    <cs:lnRef idx="0"/>
+    <cs:fillRef idx="0"/>
+    <cs:effectRef idx="0"/>
+    <cs:fontRef idx="minor">
+      <a:schemeClr val="tx1">
+        <a:lumMod val="65000"/>
+        <a:lumOff val="35000"/>
+      </a:schemeClr>
+    </cs:fontRef>
+    <cs:spPr>
+      <a:ln w="9525" cap="flat" cmpd="sng" algn="ctr">
+        <a:solidFill>
+          <a:schemeClr val="tx1">
+            <a:lumMod val="15000"/>
+            <a:lumOff val="85000"/>
+          </a:schemeClr>
+        </a:solidFill>
+        <a:round/>
+      </a:ln>
+    </cs:spPr>
+    <cs:defRPr sz="1197" kern="1200"/>
+  </cs:categoryAxis>
+  <cs:chartArea mods="allowNoFillOverride allowNoLineOverride">
+    <cs:lnRef idx="0"/>
+    <cs:fillRef idx="0"/>
+    <cs:effectRef idx="0"/>
+    <cs:fontRef idx="minor">
+      <a:schemeClr val="tx1"/>
+    </cs:fontRef>
+    <cs:spPr>
+      <a:solidFill>
+        <a:schemeClr val="bg1"/>
+      </a:solidFill>
+      <a:ln w="9525" cap="flat" cmpd="sng" algn="ctr">
+        <a:solidFill>
+          <a:schemeClr val="tx1">
+            <a:lumMod val="15000"/>
+            <a:lumOff val="85000"/>
+          </a:schemeClr>
+        </a:solidFill>
+        <a:round/>
+      </a:ln>
+    </cs:spPr>
+    <cs:defRPr sz="1197" kern="1200"/>
+  </cs:chartArea>
+  <cs:dataLabel>
+    <cs:lnRef idx="0"/>
+    <cs:fillRef idx="0"/>
+    <cs:effectRef idx="0"/>
+    <cs:fontRef idx="minor">
+      <a:schemeClr val="tx1">
+        <a:lumMod val="75000"/>
+        <a:lumOff val="25000"/>
+      </a:schemeClr>
+    </cs:fontRef>
+    <cs:defRPr sz="1197" kern="1200"/>
+  </cs:dataLabel>
+  <cs:dataLabelCallout>
+    <cs:lnRef idx="0"/>
+    <cs:fillRef idx="0"/>
+    <cs:effectRef idx="0"/>
+    <cs:fontRef idx="minor">
+      <a:schemeClr val="dk1">
+        <a:lumMod val="65000"/>
+        <a:lumOff val="35000"/>
+      </a:schemeClr>
+    </cs:fontRef>
+    <cs:spPr>
+      <a:solidFill>
+        <a:schemeClr val="lt1"/>
+      </a:solidFill>
+      <a:ln>
+        <a:solidFill>
+          <a:schemeClr val="dk1">
+            <a:lumMod val="25000"/>
+            <a:lumOff val="75000"/>
+          </a:schemeClr>
+        </a:solidFill>
+      </a:ln>
+    </cs:spPr>
+    <cs:defRPr sz="1197" kern="1200"/>
+    <cs:bodyPr rot="0" spcFirstLastPara="1" vertOverflow="clip" horzOverflow="clip" vert="horz" wrap="square" lIns="36576" tIns="18288" rIns="36576" bIns="18288" anchor="ctr" anchorCtr="1">
+      <a:spAutoFit/>
+    </cs:bodyPr>
+  </cs:dataLabelCallout>
+  <cs:dataPoint>
+    <cs:lnRef idx="0"/>
+    <cs:fillRef idx="1">
+      <cs:styleClr val="auto"/>
+    </cs:fillRef>
+    <cs:effectRef idx="0"/>
+    <cs:fontRef idx="minor">
+      <a:schemeClr val="tx1"/>
+    </cs:fontRef>
+    <cs:spPr>
+      <a:ln w="19050">
+        <a:solidFill>
+          <a:schemeClr val="lt1"/>
+        </a:solidFill>
+      </a:ln>
+    </cs:spPr>
+  </cs:dataPoint>
+  <cs:dataPoint3D>
+    <cs:lnRef idx="0"/>
+    <cs:fillRef idx="1">
+      <cs:styleClr val="auto"/>
+    </cs:fillRef>
+    <cs:effectRef idx="0"/>
+    <cs:fontRef idx="minor">
+      <a:schemeClr val="tx1"/>
+    </cs:fontRef>
+    <cs:spPr>
+      <a:ln w="25400">
+        <a:solidFill>
+          <a:schemeClr val="lt1"/>
+        </a:solidFill>
+      </a:ln>
+    </cs:spPr>
+  </cs:dataPoint3D>
+  <cs:dataPointLine>
+    <cs:lnRef idx="0">
+      <cs:styleClr val="auto"/>
+    </cs:lnRef>
+    <cs:fillRef idx="0"/>
+    <cs:effectRef idx="0"/>
+    <cs:fontRef idx="minor">
+      <a:schemeClr val="tx1"/>
+    </cs:fontRef>
+    <cs:spPr>
+      <a:ln w="28575" cap="rnd">
+        <a:solidFill>
+          <a:schemeClr val="phClr"/>
+        </a:solidFill>
+        <a:round/>
+      </a:ln>
+    </cs:spPr>
+  </cs:dataPointLine>
+  <cs:dataPointMarker>
+    <cs:lnRef idx="0">
+      <cs:styleClr val="auto"/>
+    </cs:lnRef>
+    <cs:fillRef idx="1">
+      <cs:styleClr val="auto"/>
+    </cs:fillRef>
+    <cs:effectRef idx="0"/>
+    <cs:fontRef idx="minor">
+      <a:schemeClr val="tx1"/>
+    </cs:fontRef>
+    <cs:spPr>
+      <a:ln w="9525">
+        <a:solidFill>
+          <a:schemeClr val="phClr"/>
+        </a:solidFill>
+      </a:ln>
+    </cs:spPr>
+  </cs:dataPointMarker>
+  <cs:dataPointMarkerLayout symbol="circle" size="5"/>
+  <cs:dataPointWireframe>
+    <cs:lnRef idx="0">
+      <cs:styleClr val="auto"/>
+    </cs:lnRef>
+    <cs:fillRef idx="0"/>
+    <cs:effectRef idx="0"/>
+    <cs:fontRef idx="minor">
+      <a:schemeClr val="tx1"/>
+    </cs:fontRef>
+    <cs:spPr>
+      <a:ln w="9525" cap="rnd">
+        <a:solidFill>
+          <a:schemeClr val="phClr"/>
+        </a:solidFill>
+        <a:round/>
+      </a:ln>
+    </cs:spPr>
+  </cs:dataPointWireframe>
+  <cs:dataTable>
+    <cs:lnRef idx="0"/>
+    <cs:fillRef idx="0"/>
+    <cs:effectRef idx="0"/>
+    <cs:fontRef idx="minor">
+      <a:schemeClr val="tx1">
+        <a:lumMod val="65000"/>
+        <a:lumOff val="35000"/>
+      </a:schemeClr>
+    </cs:fontRef>
+    <cs:spPr>
+      <a:noFill/>
+      <a:ln w="9525" cap="flat" cmpd="sng" algn="ctr">
+        <a:solidFill>
+          <a:schemeClr val="tx1">
+            <a:lumMod val="15000"/>
+            <a:lumOff val="85000"/>
+          </a:schemeClr>
+        </a:solidFill>
+        <a:round/>
+      </a:ln>
+    </cs:spPr>
+    <cs:defRPr sz="1197" kern="1200"/>
+  </cs:dataTable>
+  <cs:downBar>
+    <cs:lnRef idx="0"/>
+    <cs:fillRef idx="0"/>
+    <cs:effectRef idx="0"/>
+    <cs:fontRef idx="minor">
+      <a:schemeClr val="tx1"/>
+    </cs:fontRef>
+    <cs:spPr>
+      <a:solidFill>
+        <a:schemeClr val="dk1">
+          <a:lumMod val="75000"/>
+          <a:lumOff val="25000"/>
+        </a:schemeClr>
+      </a:solidFill>
+      <a:ln w="9525" cap="flat" cmpd="sng" algn="ctr">
+        <a:solidFill>
+          <a:schemeClr val="tx1">
+            <a:lumMod val="65000"/>
+            <a:lumOff val="35000"/>
+          </a:schemeClr>
+        </a:solidFill>
+        <a:round/>
+      </a:ln>
+    </cs:spPr>
+  </cs:downBar>
+  <cs:dropLine>
+    <cs:lnRef idx="0"/>
+    <cs:fillRef idx="0"/>
+    <cs:effectRef idx="0"/>
+    <cs:fontRef idx="minor">
+      <a:schemeClr val="tx1"/>
+    </cs:fontRef>
+    <cs:spPr>
+      <a:ln w="9525" cap="flat" cmpd="sng" algn="ctr">
+        <a:solidFill>
+          <a:schemeClr val="tx1">
+            <a:lumMod val="35000"/>
+            <a:lumOff val="65000"/>
+          </a:schemeClr>
+        </a:solidFill>
+        <a:round/>
+      </a:ln>
+    </cs:spPr>
+  </cs:dropLine>
+  <cs:errorBar>
+    <cs:lnRef idx="0"/>
+    <cs:fillRef idx="0"/>
+    <cs:effectRef idx="0"/>
+    <cs:fontRef idx="minor">
+      <a:schemeClr val="tx1"/>
+    </cs:fontRef>
+    <cs:spPr>
+      <a:ln w="9525" cap="flat" cmpd="sng" algn="ctr">
+        <a:solidFill>
+          <a:schemeClr val="tx1">
+            <a:lumMod val="65000"/>
+            <a:lumOff val="35000"/>
+          </a:schemeClr>
+        </a:solidFill>
+        <a:round/>
+      </a:ln>
+    </cs:spPr>
+  </cs:errorBar>
+  <cs:floor>
+    <cs:lnRef idx="0"/>
+    <cs:fillRef idx="0"/>
+    <cs:effectRef idx="0"/>
+    <cs:fontRef idx="minor">
+      <a:schemeClr val="tx1"/>
+    </cs:fontRef>
+    <cs:spPr>
+      <a:noFill/>
+      <a:ln>
+        <a:noFill/>
+      </a:ln>
+    </cs:spPr>
+  </cs:floor>
+  <cs:gridlineMajor>
+    <cs:lnRef idx="0"/>
+    <cs:fillRef idx="0"/>
+    <cs:effectRef idx="0"/>
+    <cs:fontRef idx="minor">
+      <a:schemeClr val="tx1"/>
+    </cs:fontRef>
+    <cs:spPr>
+      <a:ln w="9525" cap="flat" cmpd="sng" algn="ctr">
+        <a:solidFill>
+          <a:schemeClr val="tx1">
+            <a:lumMod val="15000"/>
+            <a:lumOff val="85000"/>
+          </a:schemeClr>
+        </a:solidFill>
+        <a:round/>
+      </a:ln>
+    </cs:spPr>
+  </cs:gridlineMajor>
+  <cs:gridlineMinor>
+    <cs:lnRef idx="0"/>
+    <cs:fillRef idx="0"/>
+    <cs:effectRef idx="0"/>
+    <cs:fontRef idx="minor">
+      <a:schemeClr val="tx1"/>
+    </cs:fontRef>
+    <cs:spPr>
+      <a:ln w="9525" cap="flat" cmpd="sng" algn="ctr">
+        <a:solidFill>
+          <a:schemeClr val="tx1">
+            <a:lumMod val="5000"/>
+            <a:lumOff val="95000"/>
+          </a:schemeClr>
+        </a:solidFill>
+        <a:round/>
+      </a:ln>
+    </cs:spPr>
+  </cs:gridlineMinor>
+  <cs:hiLoLine>
+    <cs:lnRef idx="0"/>
+    <cs:fillRef idx="0"/>
+    <cs:effectRef idx="0"/>
+    <cs:fontRef idx="minor">
+      <a:schemeClr val="tx1"/>
+    </cs:fontRef>
+    <cs:spPr>
+      <a:ln w="9525" cap="flat" cmpd="sng" algn="ctr">
+        <a:solidFill>
+          <a:schemeClr val="tx1">
+            <a:lumMod val="50000"/>
+            <a:lumOff val="50000"/>
+          </a:schemeClr>
+        </a:solidFill>
+        <a:round/>
+      </a:ln>
+    </cs:spPr>
+  </cs:hiLoLine>
+  <cs:leaderLine>
+    <cs:lnRef idx="0"/>
+    <cs:fillRef idx="0"/>
+    <cs:effectRef idx="0"/>
+    <cs:fontRef idx="minor">
+      <a:schemeClr val="tx1"/>
+    </cs:fontRef>
+    <cs:spPr>
+      <a:ln w="9525" cap="flat" cmpd="sng" algn="ctr">
+        <a:solidFill>
+          <a:schemeClr val="tx1">
+            <a:lumMod val="35000"/>
+            <a:lumOff val="65000"/>
+          </a:schemeClr>
+        </a:solidFill>
+        <a:round/>
+      </a:ln>
+    </cs:spPr>
+  </cs:leaderLine>
+  <cs:legend>
+    <cs:lnRef idx="0"/>
+    <cs:fillRef idx="0"/>
+    <cs:effectRef idx="0"/>
+    <cs:fontRef idx="minor">
+      <a:schemeClr val="tx1">
+        <a:lumMod val="65000"/>
+        <a:lumOff val="35000"/>
+      </a:schemeClr>
+    </cs:fontRef>
+    <cs:defRPr sz="1197" kern="1200"/>
+  </cs:legend>
+  <cs:plotArea mods="allowNoFillOverride allowNoLineOverride">
+    <cs:lnRef idx="0"/>
+    <cs:fillRef idx="0"/>
+    <cs:effectRef idx="0"/>
+    <cs:fontRef idx="minor">
+      <a:schemeClr val="tx1"/>
+    </cs:fontRef>
+  </cs:plotArea>
+  <cs:plotArea3D mods="allowNoFillOverride allowNoLineOverride">
+    <cs:lnRef idx="0"/>
+    <cs:fillRef idx="0"/>
+    <cs:effectRef idx="0"/>
+    <cs:fontRef idx="minor">
+      <a:schemeClr val="tx1"/>
+    </cs:fontRef>
+  </cs:plotArea3D>
+  <cs:seriesAxis>
+    <cs:lnRef idx="0"/>
+    <cs:fillRef idx="0"/>
+    <cs:effectRef idx="0"/>
+    <cs:fontRef idx="minor">
+      <a:schemeClr val="tx1">
+        <a:lumMod val="65000"/>
+        <a:lumOff val="35000"/>
+      </a:schemeClr>
+    </cs:fontRef>
+    <cs:defRPr sz="1197" kern="1200"/>
+  </cs:seriesAxis>
+  <cs:seriesLine>
+    <cs:lnRef idx="0"/>
+    <cs:fillRef idx="0"/>
+    <cs:effectRef idx="0"/>
+    <cs:fontRef idx="minor">
+      <a:schemeClr val="tx1"/>
+    </cs:fontRef>
+    <cs:spPr>
+      <a:ln w="9525" cap="flat" cmpd="sng" algn="ctr">
+        <a:solidFill>
+          <a:schemeClr val="tx1">
+            <a:lumMod val="35000"/>
+            <a:lumOff val="65000"/>
+          </a:schemeClr>
+        </a:solidFill>
+        <a:round/>
+      </a:ln>
+    </cs:spPr>
+  </cs:seriesLine>
+  <cs:title>
+    <cs:lnRef idx="0"/>
+    <cs:fillRef idx="0"/>
+    <cs:effectRef idx="0"/>
+    <cs:fontRef idx="minor">
+      <a:schemeClr val="tx1">
+        <a:lumMod val="65000"/>
+        <a:lumOff val="35000"/>
+      </a:schemeClr>
+    </cs:fontRef>
+    <cs:defRPr sz="1862" b="0" kern="1200" spc="0" baseline="0"/>
+  </cs:title>
+  <cs:trendline>
+    <cs:lnRef idx="0">
+      <cs:styleClr val="auto"/>
+    </cs:lnRef>
+    <cs:fillRef idx="0"/>
+    <cs:effectRef idx="0"/>
+    <cs:fontRef idx="minor">
+      <a:schemeClr val="tx1"/>
+    </cs:fontRef>
+    <cs:spPr>
+      <a:ln w="19050" cap="rnd">
+        <a:solidFill>
+          <a:schemeClr val="phClr"/>
+        </a:solidFill>
+        <a:prstDash val="sysDot"/>
+      </a:ln>
+    </cs:spPr>
+  </cs:trendline>
+  <cs:trendlineLabel>
+    <cs:lnRef idx="0"/>
+    <cs:fillRef idx="0"/>
+    <cs:effectRef idx="0"/>
+    <cs:fontRef idx="minor">
+      <a:schemeClr val="tx1">
+        <a:lumMod val="65000"/>
+        <a:lumOff val="35000"/>
+      </a:schemeClr>
+    </cs:fontRef>
+    <cs:defRPr sz="1197" kern="1200"/>
+  </cs:trendlineLabel>
+  <cs:upBar>
+    <cs:lnRef idx="0"/>
+    <cs:fillRef idx="0"/>
+    <cs:effectRef idx="0"/>
+    <cs:fontRef idx="minor">
+      <a:schemeClr val="tx1"/>
+    </cs:fontRef>
+    <cs:spPr>
+      <a:solidFill>
+        <a:schemeClr val="lt1"/>
+      </a:solidFill>
+      <a:ln w="9525" cap="flat" cmpd="sng" algn="ctr">
+        <a:solidFill>
+          <a:schemeClr val="tx1">
+            <a:lumMod val="65000"/>
+            <a:lumOff val="35000"/>
+          </a:schemeClr>
+        </a:solidFill>
+        <a:round/>
+      </a:ln>
+    </cs:spPr>
+  </cs:upBar>
+  <cs:valueAxis>
+    <cs:lnRef idx="0"/>
+    <cs:fillRef idx="0"/>
+    <cs:effectRef idx="0"/>
+    <cs:fontRef idx="minor">
+      <a:schemeClr val="tx1">
+        <a:lumMod val="65000"/>
+        <a:lumOff val="35000"/>
+      </a:schemeClr>
+    </cs:fontRef>
+    <cs:defRPr sz="1197" kern="1200"/>
+  </cs:valueAxis>
+  <cs:wall>
+    <cs:lnRef idx="0"/>
+    <cs:fillRef idx="0"/>
+    <cs:effectRef idx="0"/>
+    <cs:fontRef idx="minor">
+      <a:schemeClr val="tx1"/>
+    </cs:fontRef>
+    <cs:spPr>
+      <a:noFill/>
+      <a:ln>
+        <a:noFill/>
+      </a:ln>
+    </cs:spPr>
+  </cs:wall>
+</cs:chartStyle>
+</file>
+
+<file path=ppt/charts/style8.xml><?xml version="1.0" encoding="utf-8"?>
 <cs:chartStyle xmlns:cs="http://schemas.microsoft.com/office/drawing/2012/chartStyle" xmlns:a="http://schemas.openxmlformats.org/drawingml/2006/main" id="410">
   <cs:axisTitle>
     <cs:lnRef idx="0"/>
@@ -2503,7 +6751,7 @@
           <a:p>
             <a:fld id="{1DCFB7DB-C20D-0E4D-BFA9-46471439C035}" type="datetimeFigureOut">
               <a:rPr lang="en-US" smtClean="0"/>
-              <a:t>5/21/18</a:t>
+              <a:t>5/23/2018</a:t>
             </a:fld>
             <a:endParaRPr lang="en-US"/>
           </a:p>
@@ -3492,7 +7740,7 @@
           <a:p>
             <a:fld id="{7FB3CD95-84BB-C345-8A35-39BFBDF3CDEA}" type="datetime1">
               <a:rPr lang="en-US" smtClean="0"/>
-              <a:t>5/21/18</a:t>
+              <a:t>5/23/2018</a:t>
             </a:fld>
             <a:endParaRPr lang="en-US" dirty="0"/>
           </a:p>
@@ -3739,7 +7987,7 @@
           <a:p>
             <a:fld id="{65FAD503-C0EB-4049-88D2-E03BE08EFCAF}" type="datetime1">
               <a:rPr lang="en-US" smtClean="0"/>
-              <a:t>5/21/18</a:t>
+              <a:t>5/23/2018</a:t>
             </a:fld>
             <a:endParaRPr lang="en-US" dirty="0"/>
           </a:p>
@@ -4049,7 +8297,7 @@
           <a:p>
             <a:fld id="{779B9A30-D79B-BF4C-9DCB-B743C326D6EC}" type="datetime1">
               <a:rPr lang="en-US" smtClean="0"/>
-              <a:t>5/21/18</a:t>
+              <a:t>5/23/2018</a:t>
             </a:fld>
             <a:endParaRPr lang="en-US" dirty="0"/>
           </a:p>
@@ -4386,7 +8634,7 @@
           <a:p>
             <a:fld id="{05442E79-0EA2-3341-BCE4-56F3333B820B}" type="datetime1">
               <a:rPr lang="en-US" smtClean="0"/>
-              <a:t>5/21/18</a:t>
+              <a:t>5/23/2018</a:t>
             </a:fld>
             <a:endParaRPr lang="en-US" dirty="0"/>
           </a:p>
@@ -4696,7 +8944,7 @@
           <a:p>
             <a:fld id="{C4BCDB4C-E44B-6447-8E00-F28159740978}" type="datetime1">
               <a:rPr lang="en-US" smtClean="0"/>
-              <a:t>5/21/18</a:t>
+              <a:t>5/23/2018</a:t>
             </a:fld>
             <a:endParaRPr lang="en-US" dirty="0"/>
           </a:p>
@@ -5085,7 +9333,7 @@
           <a:p>
             <a:fld id="{A50E7B74-D85D-6F4E-988C-EE32801A1FB3}" type="datetime1">
               <a:rPr lang="en-US" smtClean="0"/>
-              <a:t>5/21/18</a:t>
+              <a:t>5/23/2018</a:t>
             </a:fld>
             <a:endParaRPr lang="en-US" dirty="0"/>
           </a:p>
@@ -5251,7 +9499,7 @@
           <a:p>
             <a:fld id="{DDC3D4CA-0CC0-A44B-BC4A-5F23C3ADEA10}" type="datetime1">
               <a:rPr lang="en-US" smtClean="0"/>
-              <a:t>5/21/18</a:t>
+              <a:t>5/23/2018</a:t>
             </a:fld>
             <a:endParaRPr lang="en-US" dirty="0"/>
           </a:p>
@@ -5426,7 +9674,7 @@
           <a:p>
             <a:fld id="{1477C0A0-4D60-3748-8FD3-842B140AFB93}" type="datetime1">
               <a:rPr lang="en-US" smtClean="0"/>
-              <a:t>5/21/18</a:t>
+              <a:t>5/23/2018</a:t>
             </a:fld>
             <a:endParaRPr lang="en-US" dirty="0"/>
           </a:p>
@@ -5598,7 +9846,7 @@
           <a:p>
             <a:fld id="{1FE2D7C0-AA09-7645-87C7-373971BC61A6}" type="datetime1">
               <a:rPr lang="en-US" smtClean="0"/>
-              <a:t>5/21/18</a:t>
+              <a:t>5/23/2018</a:t>
             </a:fld>
             <a:endParaRPr lang="en-US" dirty="0"/>
           </a:p>
@@ -5841,7 +10089,7 @@
           <a:p>
             <a:fld id="{A5A1F876-EB9F-A74C-A4D9-6746D2F34235}" type="datetime1">
               <a:rPr lang="en-US" smtClean="0"/>
-              <a:t>5/21/18</a:t>
+              <a:t>5/23/2018</a:t>
             </a:fld>
             <a:endParaRPr lang="en-US" dirty="0"/>
           </a:p>
@@ -6069,7 +10317,7 @@
           <a:p>
             <a:fld id="{6B60DBF2-98DF-D146-99DB-542F2609B43B}" type="datetime1">
               <a:rPr lang="en-US" smtClean="0"/>
-              <a:t>5/21/18</a:t>
+              <a:t>5/23/2018</a:t>
             </a:fld>
             <a:endParaRPr lang="en-US" dirty="0"/>
           </a:p>
@@ -6438,7 +10686,7 @@
           <a:p>
             <a:fld id="{A13DC3D0-E3A1-F14D-B696-2E75658A6321}" type="datetime1">
               <a:rPr lang="en-US" smtClean="0"/>
-              <a:t>5/21/18</a:t>
+              <a:t>5/23/2018</a:t>
             </a:fld>
             <a:endParaRPr lang="en-US" dirty="0"/>
           </a:p>
@@ -6557,7 +10805,7 @@
           <a:p>
             <a:fld id="{E1C55F83-5307-5547-931A-73EEE0432B2C}" type="datetime1">
               <a:rPr lang="en-US" smtClean="0"/>
-              <a:t>5/21/18</a:t>
+              <a:t>5/23/2018</a:t>
             </a:fld>
             <a:endParaRPr lang="en-US" dirty="0"/>
           </a:p>
@@ -6648,7 +10896,7 @@
           <a:p>
             <a:fld id="{CBDFB00E-8EDD-EC4A-B1D4-1E111506C046}" type="datetime1">
               <a:rPr lang="en-US" smtClean="0"/>
-              <a:t>5/21/18</a:t>
+              <a:t>5/23/2018</a:t>
             </a:fld>
             <a:endParaRPr lang="en-US" dirty="0"/>
           </a:p>
@@ -6899,7 +11147,7 @@
           <a:p>
             <a:fld id="{F2A423DB-DB0E-D045-AF2D-E45A492F16A2}" type="datetime1">
               <a:rPr lang="en-US" smtClean="0"/>
-              <a:t>5/21/18</a:t>
+              <a:t>5/23/2018</a:t>
             </a:fld>
             <a:endParaRPr lang="en-US" dirty="0"/>
           </a:p>
@@ -7157,7 +11405,7 @@
           <a:p>
             <a:fld id="{A0699E7D-1958-2D4A-B6B5-DE5EADAFEE7B}" type="datetime1">
               <a:rPr lang="en-US" smtClean="0"/>
-              <a:t>5/21/18</a:t>
+              <a:t>5/23/2018</a:t>
             </a:fld>
             <a:endParaRPr lang="en-US" dirty="0"/>
           </a:p>
@@ -7896,7 +12144,7 @@
           <a:p>
             <a:fld id="{98112769-4A50-254C-8BBC-6E197F902E45}" type="datetime1">
               <a:rPr lang="en-US" smtClean="0"/>
-              <a:t>5/21/18</a:t>
+              <a:t>5/23/2018</a:t>
             </a:fld>
             <a:endParaRPr lang="en-US" dirty="0"/>
           </a:p>
@@ -8524,6 +12772,487 @@
       </p:grpSpPr>
       <p:sp>
         <p:nvSpPr>
+          <p:cNvPr id="2" name="Titre 1">
+            <a:extLst>
+              <a:ext uri="{FF2B5EF4-FFF2-40B4-BE49-F238E27FC236}">
+                <a16:creationId xmlns:a16="http://schemas.microsoft.com/office/drawing/2014/main" id="{0032C982-EA38-4926-AE7E-2AFA97552D54}"/>
+              </a:ext>
+            </a:extLst>
+          </p:cNvPr>
+          <p:cNvSpPr>
+            <a:spLocks noGrp="1"/>
+          </p:cNvSpPr>
+          <p:nvPr>
+            <p:ph type="title"/>
+          </p:nvPr>
+        </p:nvSpPr>
+        <p:spPr/>
+        <p:txBody>
+          <a:bodyPr/>
+          <a:lstStyle/>
+          <a:p>
+            <a:r>
+              <a:rPr lang="en-GB" dirty="0"/>
+              <a:t>Related Work (2)</a:t>
+            </a:r>
+          </a:p>
+        </p:txBody>
+      </p:sp>
+      <p:sp>
+        <p:nvSpPr>
+          <p:cNvPr id="3" name="Espace réservé du contenu 2">
+            <a:extLst>
+              <a:ext uri="{FF2B5EF4-FFF2-40B4-BE49-F238E27FC236}">
+                <a16:creationId xmlns:a16="http://schemas.microsoft.com/office/drawing/2014/main" id="{ACC1B854-EDE4-41CF-A026-55586ED22A95}"/>
+              </a:ext>
+            </a:extLst>
+          </p:cNvPr>
+          <p:cNvSpPr>
+            <a:spLocks noGrp="1"/>
+          </p:cNvSpPr>
+          <p:nvPr>
+            <p:ph idx="1"/>
+          </p:nvPr>
+        </p:nvSpPr>
+        <p:spPr/>
+        <p:txBody>
+          <a:bodyPr/>
+          <a:lstStyle/>
+          <a:p>
+            <a:r>
+              <a:rPr lang="en-GB" dirty="0" err="1"/>
+              <a:t>LDAExplore</a:t>
+            </a:r>
+            <a:r>
+              <a:rPr lang="en-GB" dirty="0"/>
+              <a:t>, a tool created by A. Ganesan, K. Brantley, S. Pan and J. Chen</a:t>
+            </a:r>
+          </a:p>
+          <a:p>
+            <a:r>
+              <a:rPr lang="en-GB" dirty="0"/>
+              <a:t>Also allows to navigate through the data set</a:t>
+            </a:r>
+          </a:p>
+          <a:p>
+            <a:r>
+              <a:rPr lang="en-GB" dirty="0"/>
+              <a:t>Has a multitude of selection criteria</a:t>
+            </a:r>
+          </a:p>
+          <a:p>
+            <a:r>
+              <a:rPr lang="en-GB" dirty="0"/>
+              <a:t>User study shows not all features are intuitive</a:t>
+            </a:r>
+          </a:p>
+          <a:p>
+            <a:endParaRPr lang="en-GB" dirty="0"/>
+          </a:p>
+        </p:txBody>
+      </p:sp>
+      <p:sp>
+        <p:nvSpPr>
+          <p:cNvPr id="4" name="Espace réservé du numéro de diapositive 3">
+            <a:extLst>
+              <a:ext uri="{FF2B5EF4-FFF2-40B4-BE49-F238E27FC236}">
+                <a16:creationId xmlns:a16="http://schemas.microsoft.com/office/drawing/2014/main" id="{E41D9ED1-8512-4D36-A322-5A116B5048F3}"/>
+              </a:ext>
+            </a:extLst>
+          </p:cNvPr>
+          <p:cNvSpPr>
+            <a:spLocks noGrp="1"/>
+          </p:cNvSpPr>
+          <p:nvPr>
+            <p:ph type="sldNum" sz="quarter" idx="12"/>
+          </p:nvPr>
+        </p:nvSpPr>
+        <p:spPr/>
+        <p:txBody>
+          <a:bodyPr/>
+          <a:lstStyle/>
+          <a:p>
+            <a:fld id="{D57F1E4F-1CFF-5643-939E-217C01CDF565}" type="slidenum">
+              <a:rPr lang="en-US" smtClean="0"/>
+              <a:pPr/>
+              <a:t>10</a:t>
+            </a:fld>
+            <a:endParaRPr lang="en-US" dirty="0"/>
+          </a:p>
+        </p:txBody>
+      </p:sp>
+      <p:pic>
+        <p:nvPicPr>
+          <p:cNvPr id="5" name="Content Placeholder 5">
+            <a:extLst>
+              <a:ext uri="{FF2B5EF4-FFF2-40B4-BE49-F238E27FC236}">
+                <a16:creationId xmlns:a16="http://schemas.microsoft.com/office/drawing/2014/main" id="{22916272-B79D-9640-9186-0868355E81AA}"/>
+              </a:ext>
+            </a:extLst>
+          </p:cNvPr>
+          <p:cNvPicPr>
+            <a:picLocks noChangeAspect="1"/>
+          </p:cNvPicPr>
+          <p:nvPr/>
+        </p:nvPicPr>
+        <p:blipFill>
+          <a:blip r:embed="rId2"/>
+          <a:stretch>
+            <a:fillRect/>
+          </a:stretch>
+        </p:blipFill>
+        <p:spPr>
+          <a:xfrm>
+            <a:off x="2073679" y="3995368"/>
+            <a:ext cx="4601441" cy="2588311"/>
+          </a:xfrm>
+          <a:prstGeom prst="rect">
+            <a:avLst/>
+          </a:prstGeom>
+        </p:spPr>
+      </p:pic>
+    </p:spTree>
+    <p:extLst>
+      <p:ext uri="{BB962C8B-B14F-4D97-AF65-F5344CB8AC3E}">
+        <p14:creationId xmlns:p14="http://schemas.microsoft.com/office/powerpoint/2010/main" val="538884409"/>
+      </p:ext>
+    </p:extLst>
+  </p:cSld>
+  <p:clrMapOvr>
+    <a:masterClrMapping/>
+  </p:clrMapOvr>
+</p:sld>
+</file>
+
+<file path=ppt/slides/slide11.xml><?xml version="1.0" encoding="utf-8"?>
+<p:sld xmlns:a="http://schemas.openxmlformats.org/drawingml/2006/main" xmlns:r="http://schemas.openxmlformats.org/officeDocument/2006/relationships" xmlns:p="http://schemas.openxmlformats.org/presentationml/2006/main">
+  <p:cSld>
+    <p:spTree>
+      <p:nvGrpSpPr>
+        <p:cNvPr id="1" name=""/>
+        <p:cNvGrpSpPr/>
+        <p:nvPr/>
+      </p:nvGrpSpPr>
+      <p:grpSpPr>
+        <a:xfrm>
+          <a:off x="0" y="0"/>
+          <a:ext cx="0" cy="0"/>
+          <a:chOff x="0" y="0"/>
+          <a:chExt cx="0" cy="0"/>
+        </a:xfrm>
+      </p:grpSpPr>
+      <p:sp>
+        <p:nvSpPr>
+          <p:cNvPr id="2" name="Title 1">
+            <a:extLst>
+              <a:ext uri="{FF2B5EF4-FFF2-40B4-BE49-F238E27FC236}">
+                <a16:creationId xmlns:a16="http://schemas.microsoft.com/office/drawing/2014/main" id="{A4330DA5-15AD-FB49-8F2A-4F966E6D7F5C}"/>
+              </a:ext>
+            </a:extLst>
+          </p:cNvPr>
+          <p:cNvSpPr>
+            <a:spLocks noGrp="1"/>
+          </p:cNvSpPr>
+          <p:nvPr>
+            <p:ph type="title"/>
+          </p:nvPr>
+        </p:nvSpPr>
+        <p:spPr/>
+        <p:txBody>
+          <a:bodyPr/>
+          <a:lstStyle/>
+          <a:p>
+            <a:endParaRPr lang="en-US"/>
+          </a:p>
+        </p:txBody>
+      </p:sp>
+      <p:sp>
+        <p:nvSpPr>
+          <p:cNvPr id="4" name="Slide Number Placeholder 3">
+            <a:extLst>
+              <a:ext uri="{FF2B5EF4-FFF2-40B4-BE49-F238E27FC236}">
+                <a16:creationId xmlns:a16="http://schemas.microsoft.com/office/drawing/2014/main" id="{64BA86C0-81FA-C14F-BB61-256CF7EC3C51}"/>
+              </a:ext>
+            </a:extLst>
+          </p:cNvPr>
+          <p:cNvSpPr>
+            <a:spLocks noGrp="1"/>
+          </p:cNvSpPr>
+          <p:nvPr>
+            <p:ph type="sldNum" sz="quarter" idx="12"/>
+          </p:nvPr>
+        </p:nvSpPr>
+        <p:spPr/>
+        <p:txBody>
+          <a:bodyPr/>
+          <a:lstStyle/>
+          <a:p>
+            <a:fld id="{D57F1E4F-1CFF-5643-939E-217C01CDF565}" type="slidenum">
+              <a:rPr lang="en-US" smtClean="0"/>
+              <a:pPr/>
+              <a:t>11</a:t>
+            </a:fld>
+            <a:endParaRPr lang="en-US" dirty="0"/>
+          </a:p>
+        </p:txBody>
+      </p:sp>
+      <p:sp>
+        <p:nvSpPr>
+          <p:cNvPr id="7" name="Content Placeholder 6">
+            <a:extLst>
+              <a:ext uri="{FF2B5EF4-FFF2-40B4-BE49-F238E27FC236}">
+                <a16:creationId xmlns:a16="http://schemas.microsoft.com/office/drawing/2014/main" id="{67823B14-301D-4845-A8C0-9E32E82C63FE}"/>
+              </a:ext>
+            </a:extLst>
+          </p:cNvPr>
+          <p:cNvSpPr>
+            <a:spLocks noGrp="1"/>
+          </p:cNvSpPr>
+          <p:nvPr>
+            <p:ph idx="1"/>
+          </p:nvPr>
+        </p:nvSpPr>
+        <p:spPr/>
+        <p:txBody>
+          <a:bodyPr/>
+          <a:lstStyle/>
+          <a:p>
+            <a:endParaRPr lang="en-US"/>
+          </a:p>
+        </p:txBody>
+      </p:sp>
+      <p:pic>
+        <p:nvPicPr>
+          <p:cNvPr id="8" name="Content Placeholder 5">
+            <a:extLst>
+              <a:ext uri="{FF2B5EF4-FFF2-40B4-BE49-F238E27FC236}">
+                <a16:creationId xmlns:a16="http://schemas.microsoft.com/office/drawing/2014/main" id="{B00EA63D-1271-1042-8253-1DC5AFFEF056}"/>
+              </a:ext>
+            </a:extLst>
+          </p:cNvPr>
+          <p:cNvPicPr>
+            <a:picLocks noChangeAspect="1"/>
+          </p:cNvPicPr>
+          <p:nvPr/>
+        </p:nvPicPr>
+        <p:blipFill>
+          <a:blip r:embed="rId2"/>
+          <a:stretch>
+            <a:fillRect/>
+          </a:stretch>
+        </p:blipFill>
+        <p:spPr>
+          <a:xfrm>
+            <a:off x="0" y="0"/>
+            <a:ext cx="12192000" cy="6858000"/>
+          </a:xfrm>
+          <a:prstGeom prst="rect">
+            <a:avLst/>
+          </a:prstGeom>
+        </p:spPr>
+      </p:pic>
+    </p:spTree>
+    <p:extLst>
+      <p:ext uri="{BB962C8B-B14F-4D97-AF65-F5344CB8AC3E}">
+        <p14:creationId xmlns:p14="http://schemas.microsoft.com/office/powerpoint/2010/main" val="726463798"/>
+      </p:ext>
+    </p:extLst>
+  </p:cSld>
+  <p:clrMapOvr>
+    <a:masterClrMapping/>
+  </p:clrMapOvr>
+</p:sld>
+</file>
+
+<file path=ppt/slides/slide12.xml><?xml version="1.0" encoding="utf-8"?>
+<p:sld xmlns:a="http://schemas.openxmlformats.org/drawingml/2006/main" xmlns:r="http://schemas.openxmlformats.org/officeDocument/2006/relationships" xmlns:p="http://schemas.openxmlformats.org/presentationml/2006/main">
+  <p:cSld>
+    <p:spTree>
+      <p:nvGrpSpPr>
+        <p:cNvPr id="1" name=""/>
+        <p:cNvGrpSpPr/>
+        <p:nvPr/>
+      </p:nvGrpSpPr>
+      <p:grpSpPr>
+        <a:xfrm>
+          <a:off x="0" y="0"/>
+          <a:ext cx="0" cy="0"/>
+          <a:chOff x="0" y="0"/>
+          <a:chExt cx="0" cy="0"/>
+        </a:xfrm>
+      </p:grpSpPr>
+      <p:sp>
+        <p:nvSpPr>
+          <p:cNvPr id="2" name="Title 1">
+            <a:extLst>
+              <a:ext uri="{FF2B5EF4-FFF2-40B4-BE49-F238E27FC236}">
+                <a16:creationId xmlns:a16="http://schemas.microsoft.com/office/drawing/2014/main" id="{80F6EA66-3071-A34A-9AB0-56133E48180B}"/>
+              </a:ext>
+            </a:extLst>
+          </p:cNvPr>
+          <p:cNvSpPr>
+            <a:spLocks noGrp="1"/>
+          </p:cNvSpPr>
+          <p:nvPr>
+            <p:ph type="title"/>
+          </p:nvPr>
+        </p:nvSpPr>
+        <p:spPr/>
+        <p:txBody>
+          <a:bodyPr/>
+          <a:lstStyle/>
+          <a:p>
+            <a:r>
+              <a:rPr lang="en-US" dirty="0"/>
+              <a:t>Our Approach</a:t>
+            </a:r>
+          </a:p>
+        </p:txBody>
+      </p:sp>
+      <p:sp>
+        <p:nvSpPr>
+          <p:cNvPr id="3" name="Content Placeholder 2">
+            <a:extLst>
+              <a:ext uri="{FF2B5EF4-FFF2-40B4-BE49-F238E27FC236}">
+                <a16:creationId xmlns:a16="http://schemas.microsoft.com/office/drawing/2014/main" id="{F6EE4A45-884E-5A48-8A80-2D574DC5221B}"/>
+              </a:ext>
+            </a:extLst>
+          </p:cNvPr>
+          <p:cNvSpPr>
+            <a:spLocks noGrp="1"/>
+          </p:cNvSpPr>
+          <p:nvPr>
+            <p:ph idx="1"/>
+          </p:nvPr>
+        </p:nvSpPr>
+        <p:spPr/>
+        <p:txBody>
+          <a:bodyPr/>
+          <a:lstStyle/>
+          <a:p>
+            <a:r>
+              <a:rPr lang="en-US" dirty="0"/>
+              <a:t>Navigation technique similar to the first tool</a:t>
+            </a:r>
+          </a:p>
+          <a:p>
+            <a:pPr lvl="1"/>
+            <a:r>
+              <a:rPr lang="en-US" dirty="0"/>
+              <a:t>User study: first tool more intuitive</a:t>
+            </a:r>
+          </a:p>
+          <a:p>
+            <a:r>
+              <a:rPr lang="en-US" dirty="0"/>
+              <a:t>Global View of the data set:</a:t>
+            </a:r>
+          </a:p>
+          <a:p>
+            <a:pPr lvl="1"/>
+            <a:r>
+              <a:rPr lang="en-US" dirty="0"/>
+              <a:t>View by topic</a:t>
+            </a:r>
+          </a:p>
+          <a:p>
+            <a:pPr lvl="1"/>
+            <a:r>
+              <a:rPr lang="en-US" dirty="0"/>
+              <a:t>Most frequent word per topic</a:t>
+            </a:r>
+          </a:p>
+          <a:p>
+            <a:pPr lvl="1"/>
+            <a:r>
+              <a:rPr lang="en-US" dirty="0"/>
+              <a:t>Statistics on topics distribution along the data set</a:t>
+            </a:r>
+          </a:p>
+          <a:p>
+            <a:r>
+              <a:rPr lang="en-US" dirty="0"/>
+              <a:t>Details to provide enough insight into documents:</a:t>
+            </a:r>
+          </a:p>
+          <a:p>
+            <a:pPr lvl="1"/>
+            <a:r>
+              <a:rPr lang="en-US" dirty="0"/>
+              <a:t>Similar documents</a:t>
+            </a:r>
+          </a:p>
+          <a:p>
+            <a:pPr lvl="1"/>
+            <a:r>
+              <a:rPr lang="en-US" dirty="0"/>
+              <a:t>Relevance of topic per document</a:t>
+            </a:r>
+          </a:p>
+        </p:txBody>
+      </p:sp>
+      <p:sp>
+        <p:nvSpPr>
+          <p:cNvPr id="4" name="Slide Number Placeholder 3">
+            <a:extLst>
+              <a:ext uri="{FF2B5EF4-FFF2-40B4-BE49-F238E27FC236}">
+                <a16:creationId xmlns:a16="http://schemas.microsoft.com/office/drawing/2014/main" id="{F83AF071-F933-C34B-B5D2-9D145C19DC62}"/>
+              </a:ext>
+            </a:extLst>
+          </p:cNvPr>
+          <p:cNvSpPr>
+            <a:spLocks noGrp="1"/>
+          </p:cNvSpPr>
+          <p:nvPr>
+            <p:ph type="sldNum" sz="quarter" idx="12"/>
+          </p:nvPr>
+        </p:nvSpPr>
+        <p:spPr/>
+        <p:txBody>
+          <a:bodyPr/>
+          <a:lstStyle/>
+          <a:p>
+            <a:fld id="{D57F1E4F-1CFF-5643-939E-217C01CDF565}" type="slidenum">
+              <a:rPr lang="en-US" smtClean="0"/>
+              <a:pPr/>
+              <a:t>12</a:t>
+            </a:fld>
+            <a:endParaRPr lang="en-US" dirty="0"/>
+          </a:p>
+        </p:txBody>
+      </p:sp>
+    </p:spTree>
+    <p:extLst>
+      <p:ext uri="{BB962C8B-B14F-4D97-AF65-F5344CB8AC3E}">
+        <p14:creationId xmlns:p14="http://schemas.microsoft.com/office/powerpoint/2010/main" val="3123588587"/>
+      </p:ext>
+    </p:extLst>
+  </p:cSld>
+  <p:clrMapOvr>
+    <a:masterClrMapping/>
+  </p:clrMapOvr>
+</p:sld>
+</file>
+
+<file path=ppt/slides/slide13.xml><?xml version="1.0" encoding="utf-8"?>
+<p:sld xmlns:a="http://schemas.openxmlformats.org/drawingml/2006/main" xmlns:r="http://schemas.openxmlformats.org/officeDocument/2006/relationships" xmlns:p="http://schemas.openxmlformats.org/presentationml/2006/main">
+  <p:cSld>
+    <p:spTree>
+      <p:nvGrpSpPr>
+        <p:cNvPr id="1" name=""/>
+        <p:cNvGrpSpPr/>
+        <p:nvPr/>
+      </p:nvGrpSpPr>
+      <p:grpSpPr>
+        <a:xfrm>
+          <a:off x="0" y="0"/>
+          <a:ext cx="0" cy="0"/>
+          <a:chOff x="0" y="0"/>
+          <a:chExt cx="0" cy="0"/>
+        </a:xfrm>
+      </p:grpSpPr>
+      <p:sp>
+        <p:nvSpPr>
           <p:cNvPr id="2" name="Title 1">
             <a:extLst>
               <a:ext uri="{FF2B5EF4-FFF2-40B4-BE49-F238E27FC236}">
@@ -8568,8 +13297,16 @@
         </p:nvSpPr>
         <p:spPr/>
         <p:txBody>
-          <a:bodyPr/>
+          <a:bodyPr>
+            <a:normAutofit/>
+          </a:bodyPr>
           <a:lstStyle/>
+          <a:p>
+            <a:r>
+              <a:rPr lang="en-US" dirty="0"/>
+              <a:t>Use Java Swing to create the application</a:t>
+            </a:r>
+          </a:p>
           <a:p>
             <a:r>
               <a:rPr lang="en-US" dirty="0"/>
@@ -8618,7 +13355,10 @@
               <a:rPr lang="en-US" dirty="0" err="1"/>
               <a:t>JFreeChart</a:t>
             </a:r>
-            <a:endParaRPr lang="en-US" dirty="0"/>
+            <a:r>
+              <a:rPr lang="en-US" dirty="0"/>
+              <a:t> to represent data as charts</a:t>
+            </a:r>
           </a:p>
           <a:p>
             <a:pPr lvl="1"/>
@@ -8633,15 +13373,6 @@
               <a:rPr lang="en-US" dirty="0"/>
               <a:t>Mouseover: display additional information</a:t>
             </a:r>
-          </a:p>
-          <a:p>
-            <a:r>
-              <a:rPr lang="en-US" dirty="0"/>
-              <a:t>Use Java Swing to create the application</a:t>
-            </a:r>
-          </a:p>
-          <a:p>
-            <a:endParaRPr lang="en-US" dirty="0"/>
           </a:p>
           <a:p>
             <a:endParaRPr lang="en-US" dirty="0"/>
@@ -8672,7 +13403,7 @@
             <a:fld id="{D57F1E4F-1CFF-5643-939E-217C01CDF565}" type="slidenum">
               <a:rPr lang="en-US" sz="1600" smtClean="0"/>
               <a:pPr/>
-              <a:t>10</a:t>
+              <a:t>13</a:t>
             </a:fld>
             <a:endParaRPr lang="en-US" sz="1600" dirty="0"/>
           </a:p>
@@ -8691,7 +13422,7 @@
 </p:sld>
 </file>
 
-<file path=ppt/slides/slide11.xml><?xml version="1.0" encoding="utf-8"?>
+<file path=ppt/slides/slide14.xml><?xml version="1.0" encoding="utf-8"?>
 <p:sld xmlns:a="http://schemas.openxmlformats.org/drawingml/2006/main" xmlns:r="http://schemas.openxmlformats.org/officeDocument/2006/relationships" xmlns:p="http://schemas.openxmlformats.org/presentationml/2006/main">
   <p:cSld>
     <p:spTree>
@@ -8768,7 +13499,7 @@
             <a:fld id="{D57F1E4F-1CFF-5643-939E-217C01CDF565}" type="slidenum">
               <a:rPr lang="en-US" sz="1600" smtClean="0"/>
               <a:pPr/>
-              <a:t>11</a:t>
+              <a:t>14</a:t>
             </a:fld>
             <a:endParaRPr lang="en-US" sz="1600" dirty="0"/>
           </a:p>
@@ -8787,7 +13518,7 @@
 </p:sld>
 </file>
 
-<file path=ppt/slides/slide12.xml><?xml version="1.0" encoding="utf-8"?>
+<file path=ppt/slides/slide15.xml><?xml version="1.0" encoding="utf-8"?>
 <p:sld xmlns:a="http://schemas.openxmlformats.org/drawingml/2006/main" xmlns:r="http://schemas.openxmlformats.org/officeDocument/2006/relationships" xmlns:p="http://schemas.openxmlformats.org/presentationml/2006/main">
   <p:cSld>
     <p:spTree>
@@ -8931,7 +13662,7 @@
             <a:fld id="{D57F1E4F-1CFF-5643-939E-217C01CDF565}" type="slidenum">
               <a:rPr lang="en-US" sz="1600" smtClean="0"/>
               <a:pPr/>
-              <a:t>12</a:t>
+              <a:t>15</a:t>
             </a:fld>
             <a:endParaRPr lang="en-US" sz="1600" dirty="0"/>
           </a:p>
@@ -8950,7 +13681,7 @@
 </p:sld>
 </file>
 
-<file path=ppt/slides/slide13.xml><?xml version="1.0" encoding="utf-8"?>
+<file path=ppt/slides/slide16.xml><?xml version="1.0" encoding="utf-8"?>
 <p:sld xmlns:a="http://schemas.openxmlformats.org/drawingml/2006/main" xmlns:r="http://schemas.openxmlformats.org/officeDocument/2006/relationships" xmlns:p="http://schemas.openxmlformats.org/presentationml/2006/main">
   <p:cSld>
     <p:spTree>
@@ -9027,7 +13758,7 @@
             <a:fld id="{D57F1E4F-1CFF-5643-939E-217C01CDF565}" type="slidenum">
               <a:rPr lang="en-US" sz="1600" smtClean="0"/>
               <a:pPr/>
-              <a:t>13</a:t>
+              <a:t>16</a:t>
             </a:fld>
             <a:endParaRPr lang="en-US" sz="1600" dirty="0"/>
           </a:p>
@@ -10963,16 +15694,28 @@
             </a:r>
           </a:p>
           <a:p>
+            <a:pPr lvl="1"/>
             <a:r>
               <a:rPr lang="en-US" dirty="0"/>
-              <a:t>Concise and understandable representation of large data set</a:t>
+              <a:t>visualize different granularities/scopes</a:t>
             </a:r>
           </a:p>
           <a:p>
             <a:r>
               <a:rPr lang="en-US" dirty="0"/>
-              <a:t>Goal: Intuitive</a:t>
-            </a:r>
+              <a:t>Concise and understandable representation of (large) data set</a:t>
+            </a:r>
+          </a:p>
+          <a:p>
+            <a:r>
+              <a:rPr lang="en-US" dirty="0"/>
+              <a:t>Goal: </a:t>
+            </a:r>
+            <a:r>
+              <a:rPr lang="en-US" dirty="0" err="1"/>
+              <a:t>Intuitivity</a:t>
+            </a:r>
+            <a:endParaRPr lang="en-US" dirty="0"/>
           </a:p>
           <a:p>
             <a:pPr lvl="1"/>
@@ -11026,7 +15769,7 @@
           <p:nvPr>
             <p:extLst>
               <p:ext uri="{D42A27DB-BD31-4B8C-83A1-F6EECF244321}">
-                <p14:modId xmlns:p14="http://schemas.microsoft.com/office/powerpoint/2010/main" val="935140362"/>
+                <p14:modId xmlns:p14="http://schemas.microsoft.com/office/powerpoint/2010/main" val="2288377173"/>
               </p:ext>
             </p:extLst>
           </p:nvPr>
@@ -11069,8 +15812,8 @@
           </a:graphicData>
         </a:graphic>
       </p:graphicFrame>
-      <mc:AlternateContent xmlns:mc="http://schemas.openxmlformats.org/markup-compatibility/2006">
-        <mc:Choice xmlns:cx1="http://schemas.microsoft.com/office/drawing/2015/9/8/chartex" Requires="cx1">
+      <mc:AlternateContent xmlns:mc="http://schemas.openxmlformats.org/markup-compatibility/2006" xmlns:cx1="http://schemas.microsoft.com/office/drawing/2015/9/8/chartex">
+        <mc:Choice Requires="cx1">
           <p:graphicFrame>
             <p:nvGraphicFramePr>
               <p:cNvPr id="11" name="Graphique 10">
@@ -11100,7 +15843,7 @@
             </a:graphic>
           </p:graphicFrame>
         </mc:Choice>
-        <mc:Fallback>
+        <mc:Fallback xmlns="">
           <p:pic>
             <p:nvPicPr>
               <p:cNvPr id="11" name="Graphique 10">
@@ -11168,6 +15911,1460 @@
           <p:cNvPr id="2" name="Title 1">
             <a:extLst>
               <a:ext uri="{FF2B5EF4-FFF2-40B4-BE49-F238E27FC236}">
+                <a16:creationId xmlns:a16="http://schemas.microsoft.com/office/drawing/2014/main" id="{4EAC72D0-02C4-C74C-8E1B-9B340866B5CC}"/>
+              </a:ext>
+            </a:extLst>
+          </p:cNvPr>
+          <p:cNvSpPr>
+            <a:spLocks noGrp="1"/>
+          </p:cNvSpPr>
+          <p:nvPr>
+            <p:ph type="title"/>
+          </p:nvPr>
+        </p:nvSpPr>
+        <p:spPr/>
+        <p:txBody>
+          <a:bodyPr/>
+          <a:lstStyle/>
+          <a:p>
+            <a:r>
+              <a:rPr lang="en-US" dirty="0"/>
+              <a:t>Small Scope:</a:t>
+            </a:r>
+            <a:br>
+              <a:rPr lang="en-US" dirty="0"/>
+            </a:br>
+            <a:r>
+              <a:rPr lang="en-US" dirty="0"/>
+              <a:t>Pie, Donut, Bar Charts</a:t>
+            </a:r>
+          </a:p>
+        </p:txBody>
+      </p:sp>
+      <p:sp>
+        <p:nvSpPr>
+          <p:cNvPr id="3" name="Content Placeholder 2">
+            <a:extLst>
+              <a:ext uri="{FF2B5EF4-FFF2-40B4-BE49-F238E27FC236}">
+                <a16:creationId xmlns:a16="http://schemas.microsoft.com/office/drawing/2014/main" id="{9458FD65-1CEA-2E48-A03C-C9882D756A96}"/>
+              </a:ext>
+            </a:extLst>
+          </p:cNvPr>
+          <p:cNvSpPr>
+            <a:spLocks noGrp="1"/>
+          </p:cNvSpPr>
+          <p:nvPr>
+            <p:ph idx="1"/>
+          </p:nvPr>
+        </p:nvSpPr>
+        <p:spPr>
+          <a:xfrm>
+            <a:off x="677334" y="2343151"/>
+            <a:ext cx="7792411" cy="3880773"/>
+          </a:xfrm>
+        </p:spPr>
+        <p:txBody>
+          <a:bodyPr/>
+          <a:lstStyle/>
+          <a:p>
+            <a:r>
+              <a:rPr lang="en-US" dirty="0"/>
+              <a:t>Useful to represent fine grained information (details) on smaller space, e.g. repartitions of topics in a document</a:t>
+            </a:r>
+          </a:p>
+          <a:p>
+            <a:r>
+              <a:rPr lang="en-US" dirty="0"/>
+              <a:t>E.g. represent documents per topic, relevance per topics in corpus, most relevant words per topic, etc.</a:t>
+            </a:r>
+          </a:p>
+          <a:p>
+            <a:pPr>
+              <a:buClr>
+                <a:schemeClr val="accent5"/>
+              </a:buClr>
+              <a:buSzPct val="110000"/>
+              <a:buFont typeface="Trebuchet MS" panose="020B0603020202020204" pitchFamily="34" charset="0"/>
+              <a:buChar char="●"/>
+            </a:pPr>
+            <a:r>
+              <a:rPr lang="en-US" dirty="0"/>
+              <a:t>Not useful for higher level </a:t>
+            </a:r>
+            <a:r>
+              <a:rPr lang="en-US" dirty="0" err="1"/>
+              <a:t>comparisions</a:t>
+            </a:r>
+            <a:endParaRPr lang="en-US" dirty="0"/>
+          </a:p>
+          <a:p>
+            <a:endParaRPr lang="en-US" dirty="0"/>
+          </a:p>
+        </p:txBody>
+      </p:sp>
+      <p:sp>
+        <p:nvSpPr>
+          <p:cNvPr id="4" name="Slide Number Placeholder 3">
+            <a:extLst>
+              <a:ext uri="{FF2B5EF4-FFF2-40B4-BE49-F238E27FC236}">
+                <a16:creationId xmlns:a16="http://schemas.microsoft.com/office/drawing/2014/main" id="{38BDF401-DFFF-1545-BE52-F10BD1C1457C}"/>
+              </a:ext>
+            </a:extLst>
+          </p:cNvPr>
+          <p:cNvSpPr>
+            <a:spLocks noGrp="1"/>
+          </p:cNvSpPr>
+          <p:nvPr>
+            <p:ph type="sldNum" sz="quarter" idx="12"/>
+          </p:nvPr>
+        </p:nvSpPr>
+        <p:spPr/>
+        <p:txBody>
+          <a:bodyPr/>
+          <a:lstStyle/>
+          <a:p>
+            <a:fld id="{D57F1E4F-1CFF-5643-939E-217C01CDF565}" type="slidenum">
+              <a:rPr lang="en-US" sz="1600" smtClean="0"/>
+              <a:pPr/>
+              <a:t>5</a:t>
+            </a:fld>
+            <a:endParaRPr lang="en-US" sz="1600" dirty="0"/>
+          </a:p>
+        </p:txBody>
+      </p:sp>
+      <p:graphicFrame>
+        <p:nvGraphicFramePr>
+          <p:cNvPr id="5" name="Chart 4">
+            <a:extLst>
+              <a:ext uri="{FF2B5EF4-FFF2-40B4-BE49-F238E27FC236}">
+                <a16:creationId xmlns:a16="http://schemas.microsoft.com/office/drawing/2014/main" id="{F7D819BE-65D9-4629-B1CF-01FC7949973C}"/>
+              </a:ext>
+            </a:extLst>
+          </p:cNvPr>
+          <p:cNvGraphicFramePr/>
+          <p:nvPr>
+            <p:extLst>
+              <p:ext uri="{D42A27DB-BD31-4B8C-83A1-F6EECF244321}">
+                <p14:modId xmlns:p14="http://schemas.microsoft.com/office/powerpoint/2010/main" val="4239662813"/>
+              </p:ext>
+            </p:extLst>
+          </p:nvPr>
+        </p:nvGraphicFramePr>
+        <p:xfrm>
+          <a:off x="748673" y="4297908"/>
+          <a:ext cx="2403521" cy="2108579"/>
+        </p:xfrm>
+        <a:graphic>
+          <a:graphicData uri="http://schemas.openxmlformats.org/drawingml/2006/chart">
+            <c:chart xmlns:c="http://schemas.openxmlformats.org/drawingml/2006/chart" xmlns:r="http://schemas.openxmlformats.org/officeDocument/2006/relationships" r:id="rId2"/>
+          </a:graphicData>
+        </a:graphic>
+      </p:graphicFrame>
+      <p:graphicFrame>
+        <p:nvGraphicFramePr>
+          <p:cNvPr id="6" name="Chart 5">
+            <a:extLst>
+              <a:ext uri="{FF2B5EF4-FFF2-40B4-BE49-F238E27FC236}">
+                <a16:creationId xmlns:a16="http://schemas.microsoft.com/office/drawing/2014/main" id="{1AB87F3B-24E9-4247-8A1C-3305B58D2611}"/>
+              </a:ext>
+            </a:extLst>
+          </p:cNvPr>
+          <p:cNvGraphicFramePr/>
+          <p:nvPr>
+            <p:extLst>
+              <p:ext uri="{D42A27DB-BD31-4B8C-83A1-F6EECF244321}">
+                <p14:modId xmlns:p14="http://schemas.microsoft.com/office/powerpoint/2010/main" val="85771684"/>
+              </p:ext>
+            </p:extLst>
+          </p:nvPr>
+        </p:nvGraphicFramePr>
+        <p:xfrm>
+          <a:off x="3080855" y="4297907"/>
+          <a:ext cx="2403521" cy="2108579"/>
+        </p:xfrm>
+        <a:graphic>
+          <a:graphicData uri="http://schemas.openxmlformats.org/drawingml/2006/chart">
+            <c:chart xmlns:c="http://schemas.openxmlformats.org/drawingml/2006/chart" xmlns:r="http://schemas.openxmlformats.org/officeDocument/2006/relationships" r:id="rId3"/>
+          </a:graphicData>
+        </a:graphic>
+      </p:graphicFrame>
+      <p:graphicFrame>
+        <p:nvGraphicFramePr>
+          <p:cNvPr id="7" name="Chart 6">
+            <a:extLst>
+              <a:ext uri="{FF2B5EF4-FFF2-40B4-BE49-F238E27FC236}">
+                <a16:creationId xmlns:a16="http://schemas.microsoft.com/office/drawing/2014/main" id="{59AEFD15-431A-4B8C-AF16-57856789E928}"/>
+              </a:ext>
+            </a:extLst>
+          </p:cNvPr>
+          <p:cNvGraphicFramePr/>
+          <p:nvPr>
+            <p:extLst>
+              <p:ext uri="{D42A27DB-BD31-4B8C-83A1-F6EECF244321}">
+                <p14:modId xmlns:p14="http://schemas.microsoft.com/office/powerpoint/2010/main" val="2214187690"/>
+              </p:ext>
+            </p:extLst>
+          </p:nvPr>
+        </p:nvGraphicFramePr>
+        <p:xfrm>
+          <a:off x="5434640" y="4399879"/>
+          <a:ext cx="2831328" cy="1922511"/>
+        </p:xfrm>
+        <a:graphic>
+          <a:graphicData uri="http://schemas.openxmlformats.org/drawingml/2006/chart">
+            <c:chart xmlns:c="http://schemas.openxmlformats.org/drawingml/2006/chart" xmlns:r="http://schemas.openxmlformats.org/officeDocument/2006/relationships" r:id="rId4"/>
+          </a:graphicData>
+        </a:graphic>
+      </p:graphicFrame>
+    </p:spTree>
+    <p:extLst>
+      <p:ext uri="{BB962C8B-B14F-4D97-AF65-F5344CB8AC3E}">
+        <p14:creationId xmlns:p14="http://schemas.microsoft.com/office/powerpoint/2010/main" val="418298551"/>
+      </p:ext>
+    </p:extLst>
+  </p:cSld>
+  <p:clrMapOvr>
+    <a:masterClrMapping/>
+  </p:clrMapOvr>
+</p:sld>
+</file>
+
+<file path=ppt/slides/slide6.xml><?xml version="1.0" encoding="utf-8"?>
+<p:sld xmlns:a="http://schemas.openxmlformats.org/drawingml/2006/main" xmlns:r="http://schemas.openxmlformats.org/officeDocument/2006/relationships" xmlns:p="http://schemas.openxmlformats.org/presentationml/2006/main">
+  <p:cSld>
+    <p:spTree>
+      <p:nvGrpSpPr>
+        <p:cNvPr id="1" name=""/>
+        <p:cNvGrpSpPr/>
+        <p:nvPr/>
+      </p:nvGrpSpPr>
+      <p:grpSpPr>
+        <a:xfrm>
+          <a:off x="0" y="0"/>
+          <a:ext cx="0" cy="0"/>
+          <a:chOff x="0" y="0"/>
+          <a:chExt cx="0" cy="0"/>
+        </a:xfrm>
+      </p:grpSpPr>
+      <p:sp>
+        <p:nvSpPr>
+          <p:cNvPr id="2" name="Title 1">
+            <a:extLst>
+              <a:ext uri="{FF2B5EF4-FFF2-40B4-BE49-F238E27FC236}">
+                <a16:creationId xmlns:a16="http://schemas.microsoft.com/office/drawing/2014/main" id="{4EAC72D0-02C4-C74C-8E1B-9B340866B5CC}"/>
+              </a:ext>
+            </a:extLst>
+          </p:cNvPr>
+          <p:cNvSpPr>
+            <a:spLocks noGrp="1"/>
+          </p:cNvSpPr>
+          <p:nvPr>
+            <p:ph type="title"/>
+          </p:nvPr>
+        </p:nvSpPr>
+        <p:spPr/>
+        <p:txBody>
+          <a:bodyPr/>
+          <a:lstStyle/>
+          <a:p>
+            <a:r>
+              <a:rPr lang="en-US" dirty="0"/>
+              <a:t>Medium Scope:</a:t>
+            </a:r>
+            <a:br>
+              <a:rPr lang="en-US" dirty="0"/>
+            </a:br>
+            <a:r>
+              <a:rPr lang="en-US" dirty="0"/>
+              <a:t>Stacked Bar Chart, Tree Map Chart</a:t>
+            </a:r>
+          </a:p>
+        </p:txBody>
+      </p:sp>
+      <p:sp>
+        <p:nvSpPr>
+          <p:cNvPr id="3" name="Content Placeholder 2">
+            <a:extLst>
+              <a:ext uri="{FF2B5EF4-FFF2-40B4-BE49-F238E27FC236}">
+                <a16:creationId xmlns:a16="http://schemas.microsoft.com/office/drawing/2014/main" id="{9458FD65-1CEA-2E48-A03C-C9882D756A96}"/>
+              </a:ext>
+            </a:extLst>
+          </p:cNvPr>
+          <p:cNvSpPr>
+            <a:spLocks noGrp="1"/>
+          </p:cNvSpPr>
+          <p:nvPr>
+            <p:ph idx="1"/>
+          </p:nvPr>
+        </p:nvSpPr>
+        <p:spPr>
+          <a:xfrm>
+            <a:off x="652678" y="1930400"/>
+            <a:ext cx="7792411" cy="3880773"/>
+          </a:xfrm>
+        </p:spPr>
+        <p:txBody>
+          <a:bodyPr/>
+          <a:lstStyle/>
+          <a:p>
+            <a:r>
+              <a:rPr lang="en-US" dirty="0"/>
+              <a:t>Useful to represent two levels of information at once, e.g. relevance of topics for multiple documents</a:t>
+            </a:r>
+          </a:p>
+          <a:p>
+            <a:r>
+              <a:rPr lang="en-US" dirty="0"/>
+              <a:t>E.g. represent topic relevance for multiple documents, of words per document, etc.</a:t>
+            </a:r>
+          </a:p>
+          <a:p>
+            <a:pPr>
+              <a:buClr>
+                <a:schemeClr val="accent5"/>
+              </a:buClr>
+              <a:buSzPct val="110000"/>
+              <a:buFont typeface="Trebuchet MS" panose="020B0603020202020204" pitchFamily="34" charset="0"/>
+              <a:buChar char="●"/>
+            </a:pPr>
+            <a:r>
+              <a:rPr lang="en-US" dirty="0"/>
+              <a:t>Harder to represent details (on limited space)</a:t>
+            </a:r>
+          </a:p>
+          <a:p>
+            <a:endParaRPr lang="en-US" dirty="0"/>
+          </a:p>
+        </p:txBody>
+      </p:sp>
+      <p:sp>
+        <p:nvSpPr>
+          <p:cNvPr id="4" name="Slide Number Placeholder 3">
+            <a:extLst>
+              <a:ext uri="{FF2B5EF4-FFF2-40B4-BE49-F238E27FC236}">
+                <a16:creationId xmlns:a16="http://schemas.microsoft.com/office/drawing/2014/main" id="{38BDF401-DFFF-1545-BE52-F10BD1C1457C}"/>
+              </a:ext>
+            </a:extLst>
+          </p:cNvPr>
+          <p:cNvSpPr>
+            <a:spLocks noGrp="1"/>
+          </p:cNvSpPr>
+          <p:nvPr>
+            <p:ph type="sldNum" sz="quarter" idx="12"/>
+          </p:nvPr>
+        </p:nvSpPr>
+        <p:spPr/>
+        <p:txBody>
+          <a:bodyPr/>
+          <a:lstStyle/>
+          <a:p>
+            <a:fld id="{D57F1E4F-1CFF-5643-939E-217C01CDF565}" type="slidenum">
+              <a:rPr lang="en-US" sz="1600" smtClean="0"/>
+              <a:pPr/>
+              <a:t>6</a:t>
+            </a:fld>
+            <a:endParaRPr lang="en-US" sz="1600" dirty="0"/>
+          </a:p>
+        </p:txBody>
+      </p:sp>
+      <p:graphicFrame>
+        <p:nvGraphicFramePr>
+          <p:cNvPr id="5" name="Chart 4">
+            <a:extLst>
+              <a:ext uri="{FF2B5EF4-FFF2-40B4-BE49-F238E27FC236}">
+                <a16:creationId xmlns:a16="http://schemas.microsoft.com/office/drawing/2014/main" id="{F7D819BE-65D9-4629-B1CF-01FC7949973C}"/>
+              </a:ext>
+            </a:extLst>
+          </p:cNvPr>
+          <p:cNvGraphicFramePr/>
+          <p:nvPr>
+            <p:extLst>
+              <p:ext uri="{D42A27DB-BD31-4B8C-83A1-F6EECF244321}">
+                <p14:modId xmlns:p14="http://schemas.microsoft.com/office/powerpoint/2010/main" val="596219938"/>
+              </p:ext>
+            </p:extLst>
+          </p:nvPr>
+        </p:nvGraphicFramePr>
+        <p:xfrm>
+          <a:off x="677334" y="3794234"/>
+          <a:ext cx="3779052" cy="2953407"/>
+        </p:xfrm>
+        <a:graphic>
+          <a:graphicData uri="http://schemas.openxmlformats.org/drawingml/2006/chart">
+            <c:chart xmlns:c="http://schemas.openxmlformats.org/drawingml/2006/chart" xmlns:r="http://schemas.openxmlformats.org/officeDocument/2006/relationships" r:id="rId2"/>
+          </a:graphicData>
+        </a:graphic>
+      </p:graphicFrame>
+      <mc:AlternateContent xmlns:mc="http://schemas.openxmlformats.org/markup-compatibility/2006">
+        <mc:Choice xmlns:cx1="http://schemas.microsoft.com/office/drawing/2015/9/8/chartex" Requires="cx1">
+          <p:graphicFrame>
+            <p:nvGraphicFramePr>
+              <p:cNvPr id="8" name="Graphique 10">
+                <a:extLst>
+                  <a:ext uri="{FF2B5EF4-FFF2-40B4-BE49-F238E27FC236}">
+                    <a16:creationId xmlns:a16="http://schemas.microsoft.com/office/drawing/2014/main" id="{CD8EE512-78DC-4012-9F28-EECCCBA3D9D4}"/>
+                  </a:ext>
+                </a:extLst>
+              </p:cNvPr>
+              <p:cNvGraphicFramePr/>
+              <p:nvPr>
+                <p:extLst>
+                  <p:ext uri="{D42A27DB-BD31-4B8C-83A1-F6EECF244321}">
+                    <p14:modId xmlns:p14="http://schemas.microsoft.com/office/powerpoint/2010/main" val="475955725"/>
+                  </p:ext>
+                </p:extLst>
+              </p:nvPr>
+            </p:nvGraphicFramePr>
+            <p:xfrm>
+              <a:off x="4611016" y="3794233"/>
+              <a:ext cx="4322777" cy="2937641"/>
+            </p:xfrm>
+            <a:graphic>
+              <a:graphicData uri="http://schemas.microsoft.com/office/drawing/2014/chartex">
+                <cx:chart xmlns:cx="http://schemas.microsoft.com/office/drawing/2014/chartex" xmlns:r="http://schemas.openxmlformats.org/officeDocument/2006/relationships" r:id="rId3"/>
+              </a:graphicData>
+            </a:graphic>
+          </p:graphicFrame>
+        </mc:Choice>
+        <mc:Fallback>
+          <p:pic>
+            <p:nvPicPr>
+              <p:cNvPr id="8" name="Graphique 10">
+                <a:extLst>
+                  <a:ext uri="{FF2B5EF4-FFF2-40B4-BE49-F238E27FC236}">
+                    <a16:creationId xmlns:a16="http://schemas.microsoft.com/office/drawing/2014/main" id="{CD8EE512-78DC-4012-9F28-EECCCBA3D9D4}"/>
+                  </a:ext>
+                </a:extLst>
+              </p:cNvPr>
+              <p:cNvPicPr>
+                <a:picLocks noGrp="1" noRot="1" noChangeAspect="1" noMove="1" noResize="1" noEditPoints="1" noAdjustHandles="1" noChangeArrowheads="1" noChangeShapeType="1"/>
+              </p:cNvPicPr>
+              <p:nvPr/>
+            </p:nvPicPr>
+            <p:blipFill>
+              <a:blip r:embed="rId4"/>
+              <a:stretch>
+                <a:fillRect/>
+              </a:stretch>
+            </p:blipFill>
+            <p:spPr>
+              <a:xfrm>
+                <a:off x="4611016" y="3794233"/>
+                <a:ext cx="4322777" cy="2937641"/>
+              </a:xfrm>
+              <a:prstGeom prst="rect">
+                <a:avLst/>
+              </a:prstGeom>
+            </p:spPr>
+          </p:pic>
+        </mc:Fallback>
+      </mc:AlternateContent>
+    </p:spTree>
+    <p:extLst>
+      <p:ext uri="{BB962C8B-B14F-4D97-AF65-F5344CB8AC3E}">
+        <p14:creationId xmlns:p14="http://schemas.microsoft.com/office/powerpoint/2010/main" val="524283072"/>
+      </p:ext>
+    </p:extLst>
+  </p:cSld>
+  <p:clrMapOvr>
+    <a:masterClrMapping/>
+  </p:clrMapOvr>
+</p:sld>
+</file>
+
+<file path=ppt/slides/slide7.xml><?xml version="1.0" encoding="utf-8"?>
+<p:sld xmlns:a="http://schemas.openxmlformats.org/drawingml/2006/main" xmlns:r="http://schemas.openxmlformats.org/officeDocument/2006/relationships" xmlns:p="http://schemas.openxmlformats.org/presentationml/2006/main">
+  <p:cSld>
+    <p:spTree>
+      <p:nvGrpSpPr>
+        <p:cNvPr id="1" name=""/>
+        <p:cNvGrpSpPr/>
+        <p:nvPr/>
+      </p:nvGrpSpPr>
+      <p:grpSpPr>
+        <a:xfrm>
+          <a:off x="0" y="0"/>
+          <a:ext cx="0" cy="0"/>
+          <a:chOff x="0" y="0"/>
+          <a:chExt cx="0" cy="0"/>
+        </a:xfrm>
+      </p:grpSpPr>
+      <p:sp>
+        <p:nvSpPr>
+          <p:cNvPr id="2" name="Title 1">
+            <a:extLst>
+              <a:ext uri="{FF2B5EF4-FFF2-40B4-BE49-F238E27FC236}">
+                <a16:creationId xmlns:a16="http://schemas.microsoft.com/office/drawing/2014/main" id="{4EAC72D0-02C4-C74C-8E1B-9B340866B5CC}"/>
+              </a:ext>
+            </a:extLst>
+          </p:cNvPr>
+          <p:cNvSpPr>
+            <a:spLocks noGrp="1"/>
+          </p:cNvSpPr>
+          <p:nvPr>
+            <p:ph type="title"/>
+          </p:nvPr>
+        </p:nvSpPr>
+        <p:spPr/>
+        <p:txBody>
+          <a:bodyPr>
+            <a:normAutofit fontScale="90000"/>
+          </a:bodyPr>
+          <a:lstStyle/>
+          <a:p>
+            <a:r>
+              <a:rPr lang="en-US" dirty="0"/>
+              <a:t>Large Scope:</a:t>
+            </a:r>
+            <a:br>
+              <a:rPr lang="en-US" dirty="0"/>
+            </a:br>
+            <a:r>
+              <a:rPr lang="en-US" dirty="0"/>
+              <a:t>Network / Bubble / Force Directed Graph</a:t>
+            </a:r>
+          </a:p>
+        </p:txBody>
+      </p:sp>
+      <p:sp>
+        <p:nvSpPr>
+          <p:cNvPr id="3" name="Content Placeholder 2">
+            <a:extLst>
+              <a:ext uri="{FF2B5EF4-FFF2-40B4-BE49-F238E27FC236}">
+                <a16:creationId xmlns:a16="http://schemas.microsoft.com/office/drawing/2014/main" id="{9458FD65-1CEA-2E48-A03C-C9882D756A96}"/>
+              </a:ext>
+            </a:extLst>
+          </p:cNvPr>
+          <p:cNvSpPr>
+            <a:spLocks noGrp="1"/>
+          </p:cNvSpPr>
+          <p:nvPr>
+            <p:ph idx="1"/>
+          </p:nvPr>
+        </p:nvSpPr>
+        <p:spPr>
+          <a:xfrm>
+            <a:off x="677334" y="1930400"/>
+            <a:ext cx="7792411" cy="3880773"/>
+          </a:xfrm>
+        </p:spPr>
+        <p:txBody>
+          <a:bodyPr/>
+          <a:lstStyle/>
+          <a:p>
+            <a:r>
+              <a:rPr lang="en-US" dirty="0"/>
+              <a:t>Useful to represent multiple levels of information at once, i.e. clustering of data repartitions</a:t>
+            </a:r>
+          </a:p>
+          <a:p>
+            <a:r>
+              <a:rPr lang="en-US" dirty="0"/>
+              <a:t>E.g. represent cluster documents with most relevant topic.</a:t>
+            </a:r>
+          </a:p>
+          <a:p>
+            <a:pPr>
+              <a:buClr>
+                <a:schemeClr val="accent5"/>
+              </a:buClr>
+              <a:buSzPct val="110000"/>
+              <a:buFont typeface="Trebuchet MS" panose="020B0603020202020204" pitchFamily="34" charset="0"/>
+              <a:buChar char="●"/>
+            </a:pPr>
+            <a:r>
+              <a:rPr lang="en-US" dirty="0"/>
+              <a:t>Hard to represent details on limited space</a:t>
+            </a:r>
+          </a:p>
+          <a:p>
+            <a:endParaRPr lang="en-US" dirty="0"/>
+          </a:p>
+        </p:txBody>
+      </p:sp>
+      <p:sp>
+        <p:nvSpPr>
+          <p:cNvPr id="4" name="Slide Number Placeholder 3">
+            <a:extLst>
+              <a:ext uri="{FF2B5EF4-FFF2-40B4-BE49-F238E27FC236}">
+                <a16:creationId xmlns:a16="http://schemas.microsoft.com/office/drawing/2014/main" id="{38BDF401-DFFF-1545-BE52-F10BD1C1457C}"/>
+              </a:ext>
+            </a:extLst>
+          </p:cNvPr>
+          <p:cNvSpPr>
+            <a:spLocks noGrp="1"/>
+          </p:cNvSpPr>
+          <p:nvPr>
+            <p:ph type="sldNum" sz="quarter" idx="12"/>
+          </p:nvPr>
+        </p:nvSpPr>
+        <p:spPr/>
+        <p:txBody>
+          <a:bodyPr/>
+          <a:lstStyle/>
+          <a:p>
+            <a:fld id="{D57F1E4F-1CFF-5643-939E-217C01CDF565}" type="slidenum">
+              <a:rPr lang="en-US" sz="1600" smtClean="0"/>
+              <a:pPr/>
+              <a:t>7</a:t>
+            </a:fld>
+            <a:endParaRPr lang="en-US" sz="1600" dirty="0"/>
+          </a:p>
+        </p:txBody>
+      </p:sp>
+      <p:sp>
+        <p:nvSpPr>
+          <p:cNvPr id="9" name="Oval 8">
+            <a:extLst>
+              <a:ext uri="{FF2B5EF4-FFF2-40B4-BE49-F238E27FC236}">
+                <a16:creationId xmlns:a16="http://schemas.microsoft.com/office/drawing/2014/main" id="{F4DA9E44-4C84-41DD-A1F6-158A1F497F78}"/>
+              </a:ext>
+            </a:extLst>
+          </p:cNvPr>
+          <p:cNvSpPr/>
+          <p:nvPr/>
+        </p:nvSpPr>
+        <p:spPr>
+          <a:xfrm>
+            <a:off x="1249741" y="4957948"/>
+            <a:ext cx="1341636" cy="777765"/>
+          </a:xfrm>
+          <a:prstGeom prst="ellipse">
+            <a:avLst/>
+          </a:prstGeom>
+          <a:solidFill>
+            <a:schemeClr val="bg2">
+              <a:lumMod val="75000"/>
+            </a:schemeClr>
+          </a:solidFill>
+        </p:spPr>
+        <p:style>
+          <a:lnRef idx="2">
+            <a:schemeClr val="accent1">
+              <a:shade val="50000"/>
+            </a:schemeClr>
+          </a:lnRef>
+          <a:fillRef idx="1">
+            <a:schemeClr val="accent1"/>
+          </a:fillRef>
+          <a:effectRef idx="0">
+            <a:schemeClr val="accent1"/>
+          </a:effectRef>
+          <a:fontRef idx="minor">
+            <a:schemeClr val="lt1"/>
+          </a:fontRef>
+        </p:style>
+        <p:txBody>
+          <a:bodyPr rtlCol="0" anchor="ctr"/>
+          <a:lstStyle/>
+          <a:p>
+            <a:pPr algn="ctr"/>
+            <a:r>
+              <a:rPr lang="de-DE" dirty="0"/>
+              <a:t>Topic A</a:t>
+            </a:r>
+            <a:endParaRPr lang="en-GB" dirty="0"/>
+          </a:p>
+        </p:txBody>
+      </p:sp>
+      <p:sp>
+        <p:nvSpPr>
+          <p:cNvPr id="11" name="Oval 10">
+            <a:extLst>
+              <a:ext uri="{FF2B5EF4-FFF2-40B4-BE49-F238E27FC236}">
+                <a16:creationId xmlns:a16="http://schemas.microsoft.com/office/drawing/2014/main" id="{29578817-2796-4568-81BF-A915A42EEFDA}"/>
+              </a:ext>
+            </a:extLst>
+          </p:cNvPr>
+          <p:cNvSpPr/>
+          <p:nvPr/>
+        </p:nvSpPr>
+        <p:spPr>
+          <a:xfrm>
+            <a:off x="1527522" y="5749487"/>
+            <a:ext cx="836156" cy="777765"/>
+          </a:xfrm>
+          <a:prstGeom prst="ellipse">
+            <a:avLst/>
+          </a:prstGeom>
+        </p:spPr>
+        <p:style>
+          <a:lnRef idx="2">
+            <a:schemeClr val="accent1">
+              <a:shade val="50000"/>
+            </a:schemeClr>
+          </a:lnRef>
+          <a:fillRef idx="1">
+            <a:schemeClr val="accent1"/>
+          </a:fillRef>
+          <a:effectRef idx="0">
+            <a:schemeClr val="accent1"/>
+          </a:effectRef>
+          <a:fontRef idx="minor">
+            <a:schemeClr val="lt1"/>
+          </a:fontRef>
+        </p:style>
+        <p:txBody>
+          <a:bodyPr rtlCol="0" anchor="ctr"/>
+          <a:lstStyle/>
+          <a:p>
+            <a:pPr algn="ctr"/>
+            <a:r>
+              <a:rPr lang="de-DE" dirty="0"/>
+              <a:t>D 1</a:t>
+            </a:r>
+            <a:endParaRPr lang="en-GB" dirty="0"/>
+          </a:p>
+        </p:txBody>
+      </p:sp>
+      <p:sp>
+        <p:nvSpPr>
+          <p:cNvPr id="12" name="Oval 11">
+            <a:extLst>
+              <a:ext uri="{FF2B5EF4-FFF2-40B4-BE49-F238E27FC236}">
+                <a16:creationId xmlns:a16="http://schemas.microsoft.com/office/drawing/2014/main" id="{B397F36B-10C1-4F97-9FED-4F14BA0B55AD}"/>
+              </a:ext>
+            </a:extLst>
+          </p:cNvPr>
+          <p:cNvSpPr/>
+          <p:nvPr/>
+        </p:nvSpPr>
+        <p:spPr>
+          <a:xfrm>
+            <a:off x="653333" y="4457552"/>
+            <a:ext cx="836156" cy="777765"/>
+          </a:xfrm>
+          <a:prstGeom prst="ellipse">
+            <a:avLst/>
+          </a:prstGeom>
+        </p:spPr>
+        <p:style>
+          <a:lnRef idx="2">
+            <a:schemeClr val="accent1">
+              <a:shade val="50000"/>
+            </a:schemeClr>
+          </a:lnRef>
+          <a:fillRef idx="1">
+            <a:schemeClr val="accent1"/>
+          </a:fillRef>
+          <a:effectRef idx="0">
+            <a:schemeClr val="accent1"/>
+          </a:effectRef>
+          <a:fontRef idx="minor">
+            <a:schemeClr val="lt1"/>
+          </a:fontRef>
+        </p:style>
+        <p:txBody>
+          <a:bodyPr rtlCol="0" anchor="ctr"/>
+          <a:lstStyle/>
+          <a:p>
+            <a:pPr algn="ctr"/>
+            <a:r>
+              <a:rPr lang="de-DE" dirty="0"/>
+              <a:t>D 3</a:t>
+            </a:r>
+            <a:endParaRPr lang="en-GB" dirty="0"/>
+          </a:p>
+        </p:txBody>
+      </p:sp>
+      <p:sp>
+        <p:nvSpPr>
+          <p:cNvPr id="13" name="Oval 12">
+            <a:extLst>
+              <a:ext uri="{FF2B5EF4-FFF2-40B4-BE49-F238E27FC236}">
+                <a16:creationId xmlns:a16="http://schemas.microsoft.com/office/drawing/2014/main" id="{9CB2BFE9-25B0-4123-AE30-0C10A99D9697}"/>
+              </a:ext>
+            </a:extLst>
+          </p:cNvPr>
+          <p:cNvSpPr/>
+          <p:nvPr/>
+        </p:nvSpPr>
+        <p:spPr>
+          <a:xfrm>
+            <a:off x="569081" y="5384561"/>
+            <a:ext cx="836156" cy="777765"/>
+          </a:xfrm>
+          <a:prstGeom prst="ellipse">
+            <a:avLst/>
+          </a:prstGeom>
+        </p:spPr>
+        <p:style>
+          <a:lnRef idx="2">
+            <a:schemeClr val="accent1">
+              <a:shade val="50000"/>
+            </a:schemeClr>
+          </a:lnRef>
+          <a:fillRef idx="1">
+            <a:schemeClr val="accent1"/>
+          </a:fillRef>
+          <a:effectRef idx="0">
+            <a:schemeClr val="accent1"/>
+          </a:effectRef>
+          <a:fontRef idx="minor">
+            <a:schemeClr val="lt1"/>
+          </a:fontRef>
+        </p:style>
+        <p:txBody>
+          <a:bodyPr rtlCol="0" anchor="ctr"/>
+          <a:lstStyle/>
+          <a:p>
+            <a:pPr algn="ctr"/>
+            <a:r>
+              <a:rPr lang="de-DE" dirty="0"/>
+              <a:t>D 2</a:t>
+            </a:r>
+            <a:endParaRPr lang="en-GB" dirty="0"/>
+          </a:p>
+        </p:txBody>
+      </p:sp>
+      <p:sp>
+        <p:nvSpPr>
+          <p:cNvPr id="24" name="Oval 23">
+            <a:extLst>
+              <a:ext uri="{FF2B5EF4-FFF2-40B4-BE49-F238E27FC236}">
+                <a16:creationId xmlns:a16="http://schemas.microsoft.com/office/drawing/2014/main" id="{ED98FAFB-7660-4938-B099-BBCF62C367C1}"/>
+              </a:ext>
+            </a:extLst>
+          </p:cNvPr>
+          <p:cNvSpPr/>
+          <p:nvPr/>
+        </p:nvSpPr>
+        <p:spPr>
+          <a:xfrm>
+            <a:off x="5028911" y="4628224"/>
+            <a:ext cx="1341636" cy="777765"/>
+          </a:xfrm>
+          <a:prstGeom prst="ellipse">
+            <a:avLst/>
+          </a:prstGeom>
+          <a:solidFill>
+            <a:schemeClr val="bg2">
+              <a:lumMod val="75000"/>
+            </a:schemeClr>
+          </a:solidFill>
+        </p:spPr>
+        <p:style>
+          <a:lnRef idx="2">
+            <a:schemeClr val="accent1">
+              <a:shade val="50000"/>
+            </a:schemeClr>
+          </a:lnRef>
+          <a:fillRef idx="1">
+            <a:schemeClr val="accent1"/>
+          </a:fillRef>
+          <a:effectRef idx="0">
+            <a:schemeClr val="accent1"/>
+          </a:effectRef>
+          <a:fontRef idx="minor">
+            <a:schemeClr val="lt1"/>
+          </a:fontRef>
+        </p:style>
+        <p:txBody>
+          <a:bodyPr rtlCol="0" anchor="ctr"/>
+          <a:lstStyle/>
+          <a:p>
+            <a:pPr algn="ctr"/>
+            <a:r>
+              <a:rPr lang="de-DE" dirty="0"/>
+              <a:t>Topic B</a:t>
+            </a:r>
+            <a:endParaRPr lang="en-GB" dirty="0"/>
+          </a:p>
+        </p:txBody>
+      </p:sp>
+      <p:sp>
+        <p:nvSpPr>
+          <p:cNvPr id="25" name="Oval 24">
+            <a:extLst>
+              <a:ext uri="{FF2B5EF4-FFF2-40B4-BE49-F238E27FC236}">
+                <a16:creationId xmlns:a16="http://schemas.microsoft.com/office/drawing/2014/main" id="{E77BD375-7AF9-43AD-ACC1-DDD86233EBC1}"/>
+              </a:ext>
+            </a:extLst>
+          </p:cNvPr>
+          <p:cNvSpPr/>
+          <p:nvPr/>
+        </p:nvSpPr>
+        <p:spPr>
+          <a:xfrm>
+            <a:off x="5677922" y="3888188"/>
+            <a:ext cx="836156" cy="777765"/>
+          </a:xfrm>
+          <a:prstGeom prst="ellipse">
+            <a:avLst/>
+          </a:prstGeom>
+        </p:spPr>
+        <p:style>
+          <a:lnRef idx="2">
+            <a:schemeClr val="accent1">
+              <a:shade val="50000"/>
+            </a:schemeClr>
+          </a:lnRef>
+          <a:fillRef idx="1">
+            <a:schemeClr val="accent1"/>
+          </a:fillRef>
+          <a:effectRef idx="0">
+            <a:schemeClr val="accent1"/>
+          </a:effectRef>
+          <a:fontRef idx="minor">
+            <a:schemeClr val="lt1"/>
+          </a:fontRef>
+        </p:style>
+        <p:txBody>
+          <a:bodyPr rtlCol="0" anchor="ctr"/>
+          <a:lstStyle/>
+          <a:p>
+            <a:pPr algn="ctr"/>
+            <a:r>
+              <a:rPr lang="de-DE" dirty="0"/>
+              <a:t>D 5</a:t>
+            </a:r>
+            <a:endParaRPr lang="en-GB" dirty="0"/>
+          </a:p>
+        </p:txBody>
+      </p:sp>
+      <p:sp>
+        <p:nvSpPr>
+          <p:cNvPr id="27" name="Oval 26">
+            <a:extLst>
+              <a:ext uri="{FF2B5EF4-FFF2-40B4-BE49-F238E27FC236}">
+                <a16:creationId xmlns:a16="http://schemas.microsoft.com/office/drawing/2014/main" id="{29D4DEE8-9E3A-40F5-B48E-B612A8F2E785}"/>
+              </a:ext>
+            </a:extLst>
+          </p:cNvPr>
+          <p:cNvSpPr/>
+          <p:nvPr/>
+        </p:nvSpPr>
+        <p:spPr>
+          <a:xfrm>
+            <a:off x="6375255" y="4694442"/>
+            <a:ext cx="836156" cy="777765"/>
+          </a:xfrm>
+          <a:prstGeom prst="ellipse">
+            <a:avLst/>
+          </a:prstGeom>
+        </p:spPr>
+        <p:style>
+          <a:lnRef idx="2">
+            <a:schemeClr val="accent1">
+              <a:shade val="50000"/>
+            </a:schemeClr>
+          </a:lnRef>
+          <a:fillRef idx="1">
+            <a:schemeClr val="accent1"/>
+          </a:fillRef>
+          <a:effectRef idx="0">
+            <a:schemeClr val="accent1"/>
+          </a:effectRef>
+          <a:fontRef idx="minor">
+            <a:schemeClr val="lt1"/>
+          </a:fontRef>
+        </p:style>
+        <p:txBody>
+          <a:bodyPr rtlCol="0" anchor="ctr"/>
+          <a:lstStyle/>
+          <a:p>
+            <a:pPr algn="ctr"/>
+            <a:r>
+              <a:rPr lang="de-DE" dirty="0"/>
+              <a:t>D 4</a:t>
+            </a:r>
+            <a:endParaRPr lang="en-GB" dirty="0"/>
+          </a:p>
+        </p:txBody>
+      </p:sp>
+      <p:sp>
+        <p:nvSpPr>
+          <p:cNvPr id="29" name="Oval 28">
+            <a:extLst>
+              <a:ext uri="{FF2B5EF4-FFF2-40B4-BE49-F238E27FC236}">
+                <a16:creationId xmlns:a16="http://schemas.microsoft.com/office/drawing/2014/main" id="{91DA0C9A-8511-4478-A729-A80A846618DD}"/>
+              </a:ext>
+            </a:extLst>
+          </p:cNvPr>
+          <p:cNvSpPr/>
+          <p:nvPr/>
+        </p:nvSpPr>
+        <p:spPr>
+          <a:xfrm>
+            <a:off x="4067157" y="4263099"/>
+            <a:ext cx="367862" cy="365125"/>
+          </a:xfrm>
+          <a:prstGeom prst="ellipse">
+            <a:avLst/>
+          </a:prstGeom>
+          <a:solidFill>
+            <a:schemeClr val="accent3"/>
+          </a:solidFill>
+        </p:spPr>
+        <p:style>
+          <a:lnRef idx="2">
+            <a:schemeClr val="accent1">
+              <a:shade val="50000"/>
+            </a:schemeClr>
+          </a:lnRef>
+          <a:fillRef idx="1">
+            <a:schemeClr val="accent1"/>
+          </a:fillRef>
+          <a:effectRef idx="0">
+            <a:schemeClr val="accent1"/>
+          </a:effectRef>
+          <a:fontRef idx="minor">
+            <a:schemeClr val="lt1"/>
+          </a:fontRef>
+        </p:style>
+        <p:txBody>
+          <a:bodyPr rtlCol="0" anchor="ctr"/>
+          <a:lstStyle/>
+          <a:p>
+            <a:pPr algn="ctr"/>
+            <a:r>
+              <a:rPr lang="de-DE" sz="1200" dirty="0"/>
+              <a:t>W</a:t>
+            </a:r>
+            <a:endParaRPr lang="en-GB" sz="1200" dirty="0"/>
+          </a:p>
+        </p:txBody>
+      </p:sp>
+      <p:sp>
+        <p:nvSpPr>
+          <p:cNvPr id="30" name="Oval 29">
+            <a:extLst>
+              <a:ext uri="{FF2B5EF4-FFF2-40B4-BE49-F238E27FC236}">
+                <a16:creationId xmlns:a16="http://schemas.microsoft.com/office/drawing/2014/main" id="{56DEEDD1-470D-485C-B220-44B1F693549E}"/>
+              </a:ext>
+            </a:extLst>
+          </p:cNvPr>
+          <p:cNvSpPr/>
+          <p:nvPr/>
+        </p:nvSpPr>
+        <p:spPr>
+          <a:xfrm>
+            <a:off x="3191110" y="4321306"/>
+            <a:ext cx="367862" cy="365125"/>
+          </a:xfrm>
+          <a:prstGeom prst="ellipse">
+            <a:avLst/>
+          </a:prstGeom>
+          <a:solidFill>
+            <a:schemeClr val="accent3"/>
+          </a:solidFill>
+        </p:spPr>
+        <p:style>
+          <a:lnRef idx="2">
+            <a:schemeClr val="accent1">
+              <a:shade val="50000"/>
+            </a:schemeClr>
+          </a:lnRef>
+          <a:fillRef idx="1">
+            <a:schemeClr val="accent1"/>
+          </a:fillRef>
+          <a:effectRef idx="0">
+            <a:schemeClr val="accent1"/>
+          </a:effectRef>
+          <a:fontRef idx="minor">
+            <a:schemeClr val="lt1"/>
+          </a:fontRef>
+        </p:style>
+        <p:txBody>
+          <a:bodyPr rtlCol="0" anchor="ctr"/>
+          <a:lstStyle/>
+          <a:p>
+            <a:pPr algn="ctr"/>
+            <a:r>
+              <a:rPr lang="de-DE" sz="1200" dirty="0"/>
+              <a:t>W</a:t>
+            </a:r>
+            <a:endParaRPr lang="en-GB" sz="1200" dirty="0"/>
+          </a:p>
+        </p:txBody>
+      </p:sp>
+      <p:sp>
+        <p:nvSpPr>
+          <p:cNvPr id="31" name="Oval 30">
+            <a:extLst>
+              <a:ext uri="{FF2B5EF4-FFF2-40B4-BE49-F238E27FC236}">
+                <a16:creationId xmlns:a16="http://schemas.microsoft.com/office/drawing/2014/main" id="{5D730B1B-C1E8-49CF-B2C7-7A9A63DB5A43}"/>
+              </a:ext>
+            </a:extLst>
+          </p:cNvPr>
+          <p:cNvSpPr/>
+          <p:nvPr/>
+        </p:nvSpPr>
+        <p:spPr>
+          <a:xfrm>
+            <a:off x="3731764" y="5223426"/>
+            <a:ext cx="367862" cy="365125"/>
+          </a:xfrm>
+          <a:prstGeom prst="ellipse">
+            <a:avLst/>
+          </a:prstGeom>
+          <a:solidFill>
+            <a:schemeClr val="accent3"/>
+          </a:solidFill>
+        </p:spPr>
+        <p:style>
+          <a:lnRef idx="2">
+            <a:schemeClr val="accent1">
+              <a:shade val="50000"/>
+            </a:schemeClr>
+          </a:lnRef>
+          <a:fillRef idx="1">
+            <a:schemeClr val="accent1"/>
+          </a:fillRef>
+          <a:effectRef idx="0">
+            <a:schemeClr val="accent1"/>
+          </a:effectRef>
+          <a:fontRef idx="minor">
+            <a:schemeClr val="lt1"/>
+          </a:fontRef>
+        </p:style>
+        <p:txBody>
+          <a:bodyPr rtlCol="0" anchor="ctr"/>
+          <a:lstStyle/>
+          <a:p>
+            <a:pPr algn="ctr"/>
+            <a:r>
+              <a:rPr lang="de-DE" sz="1200" dirty="0"/>
+              <a:t>W</a:t>
+            </a:r>
+            <a:endParaRPr lang="en-GB" sz="1200" dirty="0"/>
+          </a:p>
+        </p:txBody>
+      </p:sp>
+      <p:sp>
+        <p:nvSpPr>
+          <p:cNvPr id="32" name="Oval 31">
+            <a:extLst>
+              <a:ext uri="{FF2B5EF4-FFF2-40B4-BE49-F238E27FC236}">
+                <a16:creationId xmlns:a16="http://schemas.microsoft.com/office/drawing/2014/main" id="{84F50D76-EF49-451F-A928-7740B5038874}"/>
+              </a:ext>
+            </a:extLst>
+          </p:cNvPr>
+          <p:cNvSpPr/>
+          <p:nvPr/>
+        </p:nvSpPr>
+        <p:spPr>
+          <a:xfrm>
+            <a:off x="3707023" y="5912473"/>
+            <a:ext cx="367862" cy="365125"/>
+          </a:xfrm>
+          <a:prstGeom prst="ellipse">
+            <a:avLst/>
+          </a:prstGeom>
+          <a:solidFill>
+            <a:schemeClr val="accent3"/>
+          </a:solidFill>
+        </p:spPr>
+        <p:style>
+          <a:lnRef idx="2">
+            <a:schemeClr val="accent1">
+              <a:shade val="50000"/>
+            </a:schemeClr>
+          </a:lnRef>
+          <a:fillRef idx="1">
+            <a:schemeClr val="accent1"/>
+          </a:fillRef>
+          <a:effectRef idx="0">
+            <a:schemeClr val="accent1"/>
+          </a:effectRef>
+          <a:fontRef idx="minor">
+            <a:schemeClr val="lt1"/>
+          </a:fontRef>
+        </p:style>
+        <p:txBody>
+          <a:bodyPr rtlCol="0" anchor="ctr"/>
+          <a:lstStyle/>
+          <a:p>
+            <a:pPr algn="ctr"/>
+            <a:r>
+              <a:rPr lang="de-DE" sz="1200" dirty="0"/>
+              <a:t>W</a:t>
+            </a:r>
+            <a:endParaRPr lang="en-GB" sz="1200" dirty="0"/>
+          </a:p>
+        </p:txBody>
+      </p:sp>
+      <p:cxnSp>
+        <p:nvCxnSpPr>
+          <p:cNvPr id="6" name="Straight Connector 5">
+            <a:extLst>
+              <a:ext uri="{FF2B5EF4-FFF2-40B4-BE49-F238E27FC236}">
+                <a16:creationId xmlns:a16="http://schemas.microsoft.com/office/drawing/2014/main" id="{51E71EFD-6547-4A24-BF9C-59714A4008E4}"/>
+              </a:ext>
+            </a:extLst>
+          </p:cNvPr>
+          <p:cNvCxnSpPr>
+            <a:stCxn id="29" idx="6"/>
+            <a:endCxn id="24" idx="1"/>
+          </p:cNvCxnSpPr>
+          <p:nvPr/>
+        </p:nvCxnSpPr>
+        <p:spPr>
+          <a:xfrm>
+            <a:off x="4435019" y="4445662"/>
+            <a:ext cx="790370" cy="296463"/>
+          </a:xfrm>
+          <a:prstGeom prst="line">
+            <a:avLst/>
+          </a:prstGeom>
+        </p:spPr>
+        <p:style>
+          <a:lnRef idx="1">
+            <a:schemeClr val="accent1"/>
+          </a:lnRef>
+          <a:fillRef idx="0">
+            <a:schemeClr val="accent1"/>
+          </a:fillRef>
+          <a:effectRef idx="0">
+            <a:schemeClr val="accent1"/>
+          </a:effectRef>
+          <a:fontRef idx="minor">
+            <a:schemeClr val="tx1"/>
+          </a:fontRef>
+        </p:style>
+      </p:cxnSp>
+      <p:cxnSp>
+        <p:nvCxnSpPr>
+          <p:cNvPr id="8" name="Straight Connector 7">
+            <a:extLst>
+              <a:ext uri="{FF2B5EF4-FFF2-40B4-BE49-F238E27FC236}">
+                <a16:creationId xmlns:a16="http://schemas.microsoft.com/office/drawing/2014/main" id="{FADAA48E-972F-445B-92E2-9617A44E5232}"/>
+              </a:ext>
+            </a:extLst>
+          </p:cNvPr>
+          <p:cNvCxnSpPr>
+            <a:stCxn id="31" idx="6"/>
+            <a:endCxn id="24" idx="2"/>
+          </p:cNvCxnSpPr>
+          <p:nvPr/>
+        </p:nvCxnSpPr>
+        <p:spPr>
+          <a:xfrm flipV="1">
+            <a:off x="4099626" y="5017107"/>
+            <a:ext cx="929285" cy="388882"/>
+          </a:xfrm>
+          <a:prstGeom prst="line">
+            <a:avLst/>
+          </a:prstGeom>
+        </p:spPr>
+        <p:style>
+          <a:lnRef idx="1">
+            <a:schemeClr val="accent1"/>
+          </a:lnRef>
+          <a:fillRef idx="0">
+            <a:schemeClr val="accent1"/>
+          </a:fillRef>
+          <a:effectRef idx="0">
+            <a:schemeClr val="accent1"/>
+          </a:effectRef>
+          <a:fontRef idx="minor">
+            <a:schemeClr val="tx1"/>
+          </a:fontRef>
+        </p:style>
+      </p:cxnSp>
+      <p:cxnSp>
+        <p:nvCxnSpPr>
+          <p:cNvPr id="14" name="Straight Connector 13">
+            <a:extLst>
+              <a:ext uri="{FF2B5EF4-FFF2-40B4-BE49-F238E27FC236}">
+                <a16:creationId xmlns:a16="http://schemas.microsoft.com/office/drawing/2014/main" id="{17828C96-0CF3-42F1-B45E-8756E865CDBE}"/>
+              </a:ext>
+            </a:extLst>
+          </p:cNvPr>
+          <p:cNvCxnSpPr>
+            <a:cxnSpLocks/>
+            <a:stCxn id="9" idx="6"/>
+            <a:endCxn id="30" idx="2"/>
+          </p:cNvCxnSpPr>
+          <p:nvPr/>
+        </p:nvCxnSpPr>
+        <p:spPr>
+          <a:xfrm flipV="1">
+            <a:off x="2591377" y="4503869"/>
+            <a:ext cx="599733" cy="842962"/>
+          </a:xfrm>
+          <a:prstGeom prst="line">
+            <a:avLst/>
+          </a:prstGeom>
+        </p:spPr>
+        <p:style>
+          <a:lnRef idx="1">
+            <a:schemeClr val="accent1"/>
+          </a:lnRef>
+          <a:fillRef idx="0">
+            <a:schemeClr val="accent1"/>
+          </a:fillRef>
+          <a:effectRef idx="0">
+            <a:schemeClr val="accent1"/>
+          </a:effectRef>
+          <a:fontRef idx="minor">
+            <a:schemeClr val="tx1"/>
+          </a:fontRef>
+        </p:style>
+      </p:cxnSp>
+      <p:cxnSp>
+        <p:nvCxnSpPr>
+          <p:cNvPr id="16" name="Straight Connector 15">
+            <a:extLst>
+              <a:ext uri="{FF2B5EF4-FFF2-40B4-BE49-F238E27FC236}">
+                <a16:creationId xmlns:a16="http://schemas.microsoft.com/office/drawing/2014/main" id="{503A1C06-0697-4DC7-9DE1-082663A4D554}"/>
+              </a:ext>
+            </a:extLst>
+          </p:cNvPr>
+          <p:cNvCxnSpPr>
+            <a:stCxn id="9" idx="6"/>
+            <a:endCxn id="31" idx="2"/>
+          </p:cNvCxnSpPr>
+          <p:nvPr/>
+        </p:nvCxnSpPr>
+        <p:spPr>
+          <a:xfrm>
+            <a:off x="2591377" y="5346831"/>
+            <a:ext cx="1140387" cy="59158"/>
+          </a:xfrm>
+          <a:prstGeom prst="line">
+            <a:avLst/>
+          </a:prstGeom>
+        </p:spPr>
+        <p:style>
+          <a:lnRef idx="1">
+            <a:schemeClr val="accent1"/>
+          </a:lnRef>
+          <a:fillRef idx="0">
+            <a:schemeClr val="accent1"/>
+          </a:fillRef>
+          <a:effectRef idx="0">
+            <a:schemeClr val="accent1"/>
+          </a:effectRef>
+          <a:fontRef idx="minor">
+            <a:schemeClr val="tx1"/>
+          </a:fontRef>
+        </p:style>
+      </p:cxnSp>
+      <p:cxnSp>
+        <p:nvCxnSpPr>
+          <p:cNvPr id="18" name="Straight Connector 17">
+            <a:extLst>
+              <a:ext uri="{FF2B5EF4-FFF2-40B4-BE49-F238E27FC236}">
+                <a16:creationId xmlns:a16="http://schemas.microsoft.com/office/drawing/2014/main" id="{C55192C3-A072-4DE6-A077-23A5C3C10BA7}"/>
+              </a:ext>
+            </a:extLst>
+          </p:cNvPr>
+          <p:cNvCxnSpPr>
+            <a:stCxn id="9" idx="6"/>
+            <a:endCxn id="32" idx="2"/>
+          </p:cNvCxnSpPr>
+          <p:nvPr/>
+        </p:nvCxnSpPr>
+        <p:spPr>
+          <a:xfrm>
+            <a:off x="2591377" y="5346831"/>
+            <a:ext cx="1115646" cy="748205"/>
+          </a:xfrm>
+          <a:prstGeom prst="line">
+            <a:avLst/>
+          </a:prstGeom>
+        </p:spPr>
+        <p:style>
+          <a:lnRef idx="1">
+            <a:schemeClr val="accent1"/>
+          </a:lnRef>
+          <a:fillRef idx="0">
+            <a:schemeClr val="accent1"/>
+          </a:fillRef>
+          <a:effectRef idx="0">
+            <a:schemeClr val="accent1"/>
+          </a:effectRef>
+          <a:fontRef idx="minor">
+            <a:schemeClr val="tx1"/>
+          </a:fontRef>
+        </p:style>
+      </p:cxnSp>
+      <p:sp>
+        <p:nvSpPr>
+          <p:cNvPr id="35" name="Oval 34">
+            <a:extLst>
+              <a:ext uri="{FF2B5EF4-FFF2-40B4-BE49-F238E27FC236}">
+                <a16:creationId xmlns:a16="http://schemas.microsoft.com/office/drawing/2014/main" id="{B8107975-5110-4D9B-B7C7-E748E3C62003}"/>
+              </a:ext>
+            </a:extLst>
+          </p:cNvPr>
+          <p:cNvSpPr/>
+          <p:nvPr/>
+        </p:nvSpPr>
+        <p:spPr>
+          <a:xfrm>
+            <a:off x="5558392" y="5384560"/>
+            <a:ext cx="836156" cy="777765"/>
+          </a:xfrm>
+          <a:prstGeom prst="ellipse">
+            <a:avLst/>
+          </a:prstGeom>
+        </p:spPr>
+        <p:style>
+          <a:lnRef idx="2">
+            <a:schemeClr val="accent1">
+              <a:shade val="50000"/>
+            </a:schemeClr>
+          </a:lnRef>
+          <a:fillRef idx="1">
+            <a:schemeClr val="accent1"/>
+          </a:fillRef>
+          <a:effectRef idx="0">
+            <a:schemeClr val="accent1"/>
+          </a:effectRef>
+          <a:fontRef idx="minor">
+            <a:schemeClr val="lt1"/>
+          </a:fontRef>
+        </p:style>
+        <p:txBody>
+          <a:bodyPr rtlCol="0" anchor="ctr"/>
+          <a:lstStyle/>
+          <a:p>
+            <a:pPr algn="ctr"/>
+            <a:r>
+              <a:rPr lang="de-DE" dirty="0"/>
+              <a:t>D 3</a:t>
+            </a:r>
+            <a:endParaRPr lang="en-GB" dirty="0"/>
+          </a:p>
+        </p:txBody>
+      </p:sp>
+    </p:spTree>
+    <p:extLst>
+      <p:ext uri="{BB962C8B-B14F-4D97-AF65-F5344CB8AC3E}">
+        <p14:creationId xmlns:p14="http://schemas.microsoft.com/office/powerpoint/2010/main" val="85158664"/>
+      </p:ext>
+    </p:extLst>
+  </p:cSld>
+  <p:clrMapOvr>
+    <a:masterClrMapping/>
+  </p:clrMapOvr>
+</p:sld>
+</file>
+
+<file path=ppt/slides/slide8.xml><?xml version="1.0" encoding="utf-8"?>
+<p:sld xmlns:a="http://schemas.openxmlformats.org/drawingml/2006/main" xmlns:r="http://schemas.openxmlformats.org/officeDocument/2006/relationships" xmlns:p="http://schemas.openxmlformats.org/presentationml/2006/main">
+  <p:cSld>
+    <p:spTree>
+      <p:nvGrpSpPr>
+        <p:cNvPr id="1" name=""/>
+        <p:cNvGrpSpPr/>
+        <p:nvPr/>
+      </p:nvGrpSpPr>
+      <p:grpSpPr>
+        <a:xfrm>
+          <a:off x="0" y="0"/>
+          <a:ext cx="0" cy="0"/>
+          <a:chOff x="0" y="0"/>
+          <a:chExt cx="0" cy="0"/>
+        </a:xfrm>
+      </p:grpSpPr>
+      <p:sp>
+        <p:nvSpPr>
+          <p:cNvPr id="2" name="Title 1">
+            <a:extLst>
+              <a:ext uri="{FF2B5EF4-FFF2-40B4-BE49-F238E27FC236}">
                 <a16:creationId xmlns:a16="http://schemas.microsoft.com/office/drawing/2014/main" id="{AC468D52-1591-E74A-8618-E70BAD2B6845}"/>
               </a:ext>
             </a:extLst>
@@ -11269,7 +17466,7 @@
             <a:fld id="{D57F1E4F-1CFF-5643-939E-217C01CDF565}" type="slidenum">
               <a:rPr lang="en-US" sz="1600" smtClean="0"/>
               <a:pPr/>
-              <a:t>5</a:t>
+              <a:t>8</a:t>
             </a:fld>
             <a:endParaRPr lang="en-US" sz="1600" dirty="0"/>
           </a:p>
@@ -11318,7 +17515,7 @@
 </p:sld>
 </file>
 
-<file path=ppt/slides/slide6.xml><?xml version="1.0" encoding="utf-8"?>
+<file path=ppt/slides/slide9.xml><?xml version="1.0" encoding="utf-8"?>
 <p:sld xmlns:a="http://schemas.openxmlformats.org/drawingml/2006/main" xmlns:r="http://schemas.openxmlformats.org/officeDocument/2006/relationships" xmlns:p="http://schemas.openxmlformats.org/presentationml/2006/main">
   <p:cSld>
     <p:spTree>
@@ -11419,487 +17616,6 @@
     <p:extLst>
       <p:ext uri="{BB962C8B-B14F-4D97-AF65-F5344CB8AC3E}">
         <p14:creationId xmlns:p14="http://schemas.microsoft.com/office/powerpoint/2010/main" val="2123862593"/>
-      </p:ext>
-    </p:extLst>
-  </p:cSld>
-  <p:clrMapOvr>
-    <a:masterClrMapping/>
-  </p:clrMapOvr>
-</p:sld>
-</file>
-
-<file path=ppt/slides/slide7.xml><?xml version="1.0" encoding="utf-8"?>
-<p:sld xmlns:a="http://schemas.openxmlformats.org/drawingml/2006/main" xmlns:r="http://schemas.openxmlformats.org/officeDocument/2006/relationships" xmlns:p="http://schemas.openxmlformats.org/presentationml/2006/main">
-  <p:cSld>
-    <p:spTree>
-      <p:nvGrpSpPr>
-        <p:cNvPr id="1" name=""/>
-        <p:cNvGrpSpPr/>
-        <p:nvPr/>
-      </p:nvGrpSpPr>
-      <p:grpSpPr>
-        <a:xfrm>
-          <a:off x="0" y="0"/>
-          <a:ext cx="0" cy="0"/>
-          <a:chOff x="0" y="0"/>
-          <a:chExt cx="0" cy="0"/>
-        </a:xfrm>
-      </p:grpSpPr>
-      <p:sp>
-        <p:nvSpPr>
-          <p:cNvPr id="2" name="Titre 1">
-            <a:extLst>
-              <a:ext uri="{FF2B5EF4-FFF2-40B4-BE49-F238E27FC236}">
-                <a16:creationId xmlns:a16="http://schemas.microsoft.com/office/drawing/2014/main" id="{0032C982-EA38-4926-AE7E-2AFA97552D54}"/>
-              </a:ext>
-            </a:extLst>
-          </p:cNvPr>
-          <p:cNvSpPr>
-            <a:spLocks noGrp="1"/>
-          </p:cNvSpPr>
-          <p:nvPr>
-            <p:ph type="title"/>
-          </p:nvPr>
-        </p:nvSpPr>
-        <p:spPr/>
-        <p:txBody>
-          <a:bodyPr/>
-          <a:lstStyle/>
-          <a:p>
-            <a:r>
-              <a:rPr lang="en-GB" dirty="0"/>
-              <a:t>Related Work (2)</a:t>
-            </a:r>
-          </a:p>
-        </p:txBody>
-      </p:sp>
-      <p:sp>
-        <p:nvSpPr>
-          <p:cNvPr id="3" name="Espace réservé du contenu 2">
-            <a:extLst>
-              <a:ext uri="{FF2B5EF4-FFF2-40B4-BE49-F238E27FC236}">
-                <a16:creationId xmlns:a16="http://schemas.microsoft.com/office/drawing/2014/main" id="{ACC1B854-EDE4-41CF-A026-55586ED22A95}"/>
-              </a:ext>
-            </a:extLst>
-          </p:cNvPr>
-          <p:cNvSpPr>
-            <a:spLocks noGrp="1"/>
-          </p:cNvSpPr>
-          <p:nvPr>
-            <p:ph idx="1"/>
-          </p:nvPr>
-        </p:nvSpPr>
-        <p:spPr/>
-        <p:txBody>
-          <a:bodyPr/>
-          <a:lstStyle/>
-          <a:p>
-            <a:r>
-              <a:rPr lang="en-GB" dirty="0" err="1"/>
-              <a:t>LDAExplore</a:t>
-            </a:r>
-            <a:r>
-              <a:rPr lang="en-GB" dirty="0"/>
-              <a:t>, a tool created by A. Ganesan, K. Brantley, S. Pan and J. Chen</a:t>
-            </a:r>
-          </a:p>
-          <a:p>
-            <a:r>
-              <a:rPr lang="en-GB" dirty="0"/>
-              <a:t>Also allows to navigate through the data set</a:t>
-            </a:r>
-          </a:p>
-          <a:p>
-            <a:r>
-              <a:rPr lang="en-GB" dirty="0"/>
-              <a:t>Has a multitude of selection criteria</a:t>
-            </a:r>
-          </a:p>
-          <a:p>
-            <a:r>
-              <a:rPr lang="en-GB" dirty="0"/>
-              <a:t>User study shows not all features are intuitive</a:t>
-            </a:r>
-          </a:p>
-          <a:p>
-            <a:endParaRPr lang="en-GB" dirty="0"/>
-          </a:p>
-        </p:txBody>
-      </p:sp>
-      <p:sp>
-        <p:nvSpPr>
-          <p:cNvPr id="4" name="Espace réservé du numéro de diapositive 3">
-            <a:extLst>
-              <a:ext uri="{FF2B5EF4-FFF2-40B4-BE49-F238E27FC236}">
-                <a16:creationId xmlns:a16="http://schemas.microsoft.com/office/drawing/2014/main" id="{E41D9ED1-8512-4D36-A322-5A116B5048F3}"/>
-              </a:ext>
-            </a:extLst>
-          </p:cNvPr>
-          <p:cNvSpPr>
-            <a:spLocks noGrp="1"/>
-          </p:cNvSpPr>
-          <p:nvPr>
-            <p:ph type="sldNum" sz="quarter" idx="12"/>
-          </p:nvPr>
-        </p:nvSpPr>
-        <p:spPr/>
-        <p:txBody>
-          <a:bodyPr/>
-          <a:lstStyle/>
-          <a:p>
-            <a:fld id="{D57F1E4F-1CFF-5643-939E-217C01CDF565}" type="slidenum">
-              <a:rPr lang="en-US" smtClean="0"/>
-              <a:pPr/>
-              <a:t>7</a:t>
-            </a:fld>
-            <a:endParaRPr lang="en-US" dirty="0"/>
-          </a:p>
-        </p:txBody>
-      </p:sp>
-      <p:pic>
-        <p:nvPicPr>
-          <p:cNvPr id="5" name="Content Placeholder 5">
-            <a:extLst>
-              <a:ext uri="{FF2B5EF4-FFF2-40B4-BE49-F238E27FC236}">
-                <a16:creationId xmlns:a16="http://schemas.microsoft.com/office/drawing/2014/main" id="{22916272-B79D-9640-9186-0868355E81AA}"/>
-              </a:ext>
-            </a:extLst>
-          </p:cNvPr>
-          <p:cNvPicPr>
-            <a:picLocks noChangeAspect="1"/>
-          </p:cNvPicPr>
-          <p:nvPr/>
-        </p:nvPicPr>
-        <p:blipFill>
-          <a:blip r:embed="rId2"/>
-          <a:stretch>
-            <a:fillRect/>
-          </a:stretch>
-        </p:blipFill>
-        <p:spPr>
-          <a:xfrm>
-            <a:off x="2073679" y="3995368"/>
-            <a:ext cx="4601441" cy="2588311"/>
-          </a:xfrm>
-          <a:prstGeom prst="rect">
-            <a:avLst/>
-          </a:prstGeom>
-        </p:spPr>
-      </p:pic>
-    </p:spTree>
-    <p:extLst>
-      <p:ext uri="{BB962C8B-B14F-4D97-AF65-F5344CB8AC3E}">
-        <p14:creationId xmlns:p14="http://schemas.microsoft.com/office/powerpoint/2010/main" val="538884409"/>
-      </p:ext>
-    </p:extLst>
-  </p:cSld>
-  <p:clrMapOvr>
-    <a:masterClrMapping/>
-  </p:clrMapOvr>
-</p:sld>
-</file>
-
-<file path=ppt/slides/slide8.xml><?xml version="1.0" encoding="utf-8"?>
-<p:sld xmlns:a="http://schemas.openxmlformats.org/drawingml/2006/main" xmlns:r="http://schemas.openxmlformats.org/officeDocument/2006/relationships" xmlns:p="http://schemas.openxmlformats.org/presentationml/2006/main">
-  <p:cSld>
-    <p:spTree>
-      <p:nvGrpSpPr>
-        <p:cNvPr id="1" name=""/>
-        <p:cNvGrpSpPr/>
-        <p:nvPr/>
-      </p:nvGrpSpPr>
-      <p:grpSpPr>
-        <a:xfrm>
-          <a:off x="0" y="0"/>
-          <a:ext cx="0" cy="0"/>
-          <a:chOff x="0" y="0"/>
-          <a:chExt cx="0" cy="0"/>
-        </a:xfrm>
-      </p:grpSpPr>
-      <p:sp>
-        <p:nvSpPr>
-          <p:cNvPr id="2" name="Title 1">
-            <a:extLst>
-              <a:ext uri="{FF2B5EF4-FFF2-40B4-BE49-F238E27FC236}">
-                <a16:creationId xmlns:a16="http://schemas.microsoft.com/office/drawing/2014/main" id="{A4330DA5-15AD-FB49-8F2A-4F966E6D7F5C}"/>
-              </a:ext>
-            </a:extLst>
-          </p:cNvPr>
-          <p:cNvSpPr>
-            <a:spLocks noGrp="1"/>
-          </p:cNvSpPr>
-          <p:nvPr>
-            <p:ph type="title"/>
-          </p:nvPr>
-        </p:nvSpPr>
-        <p:spPr/>
-        <p:txBody>
-          <a:bodyPr/>
-          <a:lstStyle/>
-          <a:p>
-            <a:endParaRPr lang="en-US"/>
-          </a:p>
-        </p:txBody>
-      </p:sp>
-      <p:sp>
-        <p:nvSpPr>
-          <p:cNvPr id="4" name="Slide Number Placeholder 3">
-            <a:extLst>
-              <a:ext uri="{FF2B5EF4-FFF2-40B4-BE49-F238E27FC236}">
-                <a16:creationId xmlns:a16="http://schemas.microsoft.com/office/drawing/2014/main" id="{64BA86C0-81FA-C14F-BB61-256CF7EC3C51}"/>
-              </a:ext>
-            </a:extLst>
-          </p:cNvPr>
-          <p:cNvSpPr>
-            <a:spLocks noGrp="1"/>
-          </p:cNvSpPr>
-          <p:nvPr>
-            <p:ph type="sldNum" sz="quarter" idx="12"/>
-          </p:nvPr>
-        </p:nvSpPr>
-        <p:spPr/>
-        <p:txBody>
-          <a:bodyPr/>
-          <a:lstStyle/>
-          <a:p>
-            <a:fld id="{D57F1E4F-1CFF-5643-939E-217C01CDF565}" type="slidenum">
-              <a:rPr lang="en-US" smtClean="0"/>
-              <a:pPr/>
-              <a:t>8</a:t>
-            </a:fld>
-            <a:endParaRPr lang="en-US" dirty="0"/>
-          </a:p>
-        </p:txBody>
-      </p:sp>
-      <p:sp>
-        <p:nvSpPr>
-          <p:cNvPr id="7" name="Content Placeholder 6">
-            <a:extLst>
-              <a:ext uri="{FF2B5EF4-FFF2-40B4-BE49-F238E27FC236}">
-                <a16:creationId xmlns:a16="http://schemas.microsoft.com/office/drawing/2014/main" id="{67823B14-301D-4845-A8C0-9E32E82C63FE}"/>
-              </a:ext>
-            </a:extLst>
-          </p:cNvPr>
-          <p:cNvSpPr>
-            <a:spLocks noGrp="1"/>
-          </p:cNvSpPr>
-          <p:nvPr>
-            <p:ph idx="1"/>
-          </p:nvPr>
-        </p:nvSpPr>
-        <p:spPr/>
-        <p:txBody>
-          <a:bodyPr/>
-          <a:lstStyle/>
-          <a:p>
-            <a:endParaRPr lang="en-US"/>
-          </a:p>
-        </p:txBody>
-      </p:sp>
-      <p:pic>
-        <p:nvPicPr>
-          <p:cNvPr id="8" name="Content Placeholder 5">
-            <a:extLst>
-              <a:ext uri="{FF2B5EF4-FFF2-40B4-BE49-F238E27FC236}">
-                <a16:creationId xmlns:a16="http://schemas.microsoft.com/office/drawing/2014/main" id="{B00EA63D-1271-1042-8253-1DC5AFFEF056}"/>
-              </a:ext>
-            </a:extLst>
-          </p:cNvPr>
-          <p:cNvPicPr>
-            <a:picLocks noChangeAspect="1"/>
-          </p:cNvPicPr>
-          <p:nvPr/>
-        </p:nvPicPr>
-        <p:blipFill>
-          <a:blip r:embed="rId2"/>
-          <a:stretch>
-            <a:fillRect/>
-          </a:stretch>
-        </p:blipFill>
-        <p:spPr>
-          <a:xfrm>
-            <a:off x="0" y="0"/>
-            <a:ext cx="12192000" cy="6858000"/>
-          </a:xfrm>
-          <a:prstGeom prst="rect">
-            <a:avLst/>
-          </a:prstGeom>
-        </p:spPr>
-      </p:pic>
-    </p:spTree>
-    <p:extLst>
-      <p:ext uri="{BB962C8B-B14F-4D97-AF65-F5344CB8AC3E}">
-        <p14:creationId xmlns:p14="http://schemas.microsoft.com/office/powerpoint/2010/main" val="726463798"/>
-      </p:ext>
-    </p:extLst>
-  </p:cSld>
-  <p:clrMapOvr>
-    <a:masterClrMapping/>
-  </p:clrMapOvr>
-</p:sld>
-</file>
-
-<file path=ppt/slides/slide9.xml><?xml version="1.0" encoding="utf-8"?>
-<p:sld xmlns:a="http://schemas.openxmlformats.org/drawingml/2006/main" xmlns:r="http://schemas.openxmlformats.org/officeDocument/2006/relationships" xmlns:p="http://schemas.openxmlformats.org/presentationml/2006/main">
-  <p:cSld>
-    <p:spTree>
-      <p:nvGrpSpPr>
-        <p:cNvPr id="1" name=""/>
-        <p:cNvGrpSpPr/>
-        <p:nvPr/>
-      </p:nvGrpSpPr>
-      <p:grpSpPr>
-        <a:xfrm>
-          <a:off x="0" y="0"/>
-          <a:ext cx="0" cy="0"/>
-          <a:chOff x="0" y="0"/>
-          <a:chExt cx="0" cy="0"/>
-        </a:xfrm>
-      </p:grpSpPr>
-      <p:sp>
-        <p:nvSpPr>
-          <p:cNvPr id="2" name="Title 1">
-            <a:extLst>
-              <a:ext uri="{FF2B5EF4-FFF2-40B4-BE49-F238E27FC236}">
-                <a16:creationId xmlns:a16="http://schemas.microsoft.com/office/drawing/2014/main" id="{80F6EA66-3071-A34A-9AB0-56133E48180B}"/>
-              </a:ext>
-            </a:extLst>
-          </p:cNvPr>
-          <p:cNvSpPr>
-            <a:spLocks noGrp="1"/>
-          </p:cNvSpPr>
-          <p:nvPr>
-            <p:ph type="title"/>
-          </p:nvPr>
-        </p:nvSpPr>
-        <p:spPr/>
-        <p:txBody>
-          <a:bodyPr/>
-          <a:lstStyle/>
-          <a:p>
-            <a:r>
-              <a:rPr lang="en-US" dirty="0"/>
-              <a:t>Our Approach</a:t>
-            </a:r>
-          </a:p>
-        </p:txBody>
-      </p:sp>
-      <p:sp>
-        <p:nvSpPr>
-          <p:cNvPr id="3" name="Content Placeholder 2">
-            <a:extLst>
-              <a:ext uri="{FF2B5EF4-FFF2-40B4-BE49-F238E27FC236}">
-                <a16:creationId xmlns:a16="http://schemas.microsoft.com/office/drawing/2014/main" id="{F6EE4A45-884E-5A48-8A80-2D574DC5221B}"/>
-              </a:ext>
-            </a:extLst>
-          </p:cNvPr>
-          <p:cNvSpPr>
-            <a:spLocks noGrp="1"/>
-          </p:cNvSpPr>
-          <p:nvPr>
-            <p:ph idx="1"/>
-          </p:nvPr>
-        </p:nvSpPr>
-        <p:spPr/>
-        <p:txBody>
-          <a:bodyPr/>
-          <a:lstStyle/>
-          <a:p>
-            <a:r>
-              <a:rPr lang="en-US" dirty="0"/>
-              <a:t>Navigation technique similar to the first tool</a:t>
-            </a:r>
-          </a:p>
-          <a:p>
-            <a:pPr lvl="1"/>
-            <a:r>
-              <a:rPr lang="en-US" dirty="0"/>
-              <a:t>User study: first tool more intuitive</a:t>
-            </a:r>
-          </a:p>
-          <a:p>
-            <a:r>
-              <a:rPr lang="en-US" dirty="0"/>
-              <a:t>Global View of the data set:</a:t>
-            </a:r>
-          </a:p>
-          <a:p>
-            <a:pPr lvl="1"/>
-            <a:r>
-              <a:rPr lang="en-US" dirty="0"/>
-              <a:t>View by topic</a:t>
-            </a:r>
-          </a:p>
-          <a:p>
-            <a:pPr lvl="1"/>
-            <a:r>
-              <a:rPr lang="en-US" dirty="0"/>
-              <a:t>Most frequent word per topic</a:t>
-            </a:r>
-          </a:p>
-          <a:p>
-            <a:pPr lvl="1"/>
-            <a:r>
-              <a:rPr lang="en-US" dirty="0"/>
-              <a:t>Statistics on topics distribution along the data set</a:t>
-            </a:r>
-          </a:p>
-          <a:p>
-            <a:r>
-              <a:rPr lang="en-US" dirty="0"/>
-              <a:t>Details to provide enough insight into documents:</a:t>
-            </a:r>
-          </a:p>
-          <a:p>
-            <a:pPr lvl="1"/>
-            <a:r>
-              <a:rPr lang="en-US" dirty="0"/>
-              <a:t>Similar documents</a:t>
-            </a:r>
-          </a:p>
-          <a:p>
-            <a:pPr lvl="1"/>
-            <a:r>
-              <a:rPr lang="en-US" dirty="0"/>
-              <a:t>Relevance of topic per document</a:t>
-            </a:r>
-          </a:p>
-        </p:txBody>
-      </p:sp>
-      <p:sp>
-        <p:nvSpPr>
-          <p:cNvPr id="4" name="Slide Number Placeholder 3">
-            <a:extLst>
-              <a:ext uri="{FF2B5EF4-FFF2-40B4-BE49-F238E27FC236}">
-                <a16:creationId xmlns:a16="http://schemas.microsoft.com/office/drawing/2014/main" id="{F83AF071-F933-C34B-B5D2-9D145C19DC62}"/>
-              </a:ext>
-            </a:extLst>
-          </p:cNvPr>
-          <p:cNvSpPr>
-            <a:spLocks noGrp="1"/>
-          </p:cNvSpPr>
-          <p:nvPr>
-            <p:ph type="sldNum" sz="quarter" idx="12"/>
-          </p:nvPr>
-        </p:nvSpPr>
-        <p:spPr/>
-        <p:txBody>
-          <a:bodyPr/>
-          <a:lstStyle/>
-          <a:p>
-            <a:fld id="{D57F1E4F-1CFF-5643-939E-217C01CDF565}" type="slidenum">
-              <a:rPr lang="en-US" smtClean="0"/>
-              <a:pPr/>
-              <a:t>9</a:t>
-            </a:fld>
-            <a:endParaRPr lang="en-US" dirty="0"/>
-          </a:p>
-        </p:txBody>
-      </p:sp>
-    </p:spTree>
-    <p:extLst>
-      <p:ext uri="{BB962C8B-B14F-4D97-AF65-F5344CB8AC3E}">
-        <p14:creationId xmlns:p14="http://schemas.microsoft.com/office/powerpoint/2010/main" val="3123588587"/>
       </p:ext>
     </p:extLst>
   </p:cSld>

--- a/Topic Model Visualization.pptx
+++ b/Topic Model Visualization.pptx
@@ -5,7 +5,7 @@
     <p:sldMasterId id="2147483648" r:id="rId1"/>
   </p:sldMasterIdLst>
   <p:notesMasterIdLst>
-    <p:notesMasterId r:id="rId18"/>
+    <p:notesMasterId r:id="rId19"/>
   </p:notesMasterIdLst>
   <p:sldIdLst>
     <p:sldId id="256" r:id="rId2"/>
@@ -15,15 +15,16 @@
     <p:sldId id="271" r:id="rId6"/>
     <p:sldId id="272" r:id="rId7"/>
     <p:sldId id="274" r:id="rId8"/>
-    <p:sldId id="260" r:id="rId9"/>
-    <p:sldId id="264" r:id="rId10"/>
-    <p:sldId id="268" r:id="rId11"/>
-    <p:sldId id="265" r:id="rId12"/>
-    <p:sldId id="266" r:id="rId13"/>
-    <p:sldId id="262" r:id="rId14"/>
-    <p:sldId id="261" r:id="rId15"/>
-    <p:sldId id="263" r:id="rId16"/>
-    <p:sldId id="257" r:id="rId17"/>
+    <p:sldId id="275" r:id="rId9"/>
+    <p:sldId id="260" r:id="rId10"/>
+    <p:sldId id="264" r:id="rId11"/>
+    <p:sldId id="268" r:id="rId12"/>
+    <p:sldId id="265" r:id="rId13"/>
+    <p:sldId id="266" r:id="rId14"/>
+    <p:sldId id="262" r:id="rId15"/>
+    <p:sldId id="261" r:id="rId16"/>
+    <p:sldId id="263" r:id="rId17"/>
+    <p:sldId id="257" r:id="rId18"/>
   </p:sldIdLst>
   <p:sldSz cx="12192000" cy="6858000"/>
   <p:notesSz cx="6858000" cy="9144000"/>
@@ -1896,6 +1897,7 @@
           </a:p>
         </c:txPr>
         <c:crossAx val="413608672"/>
+        <c:crosses val="autoZero"/>
         <c:auto val="1"/>
         <c:lblAlgn val="ctr"/>
         <c:lblOffset val="100"/>
@@ -1954,6 +1956,7 @@
           </a:p>
         </c:txPr>
         <c:crossAx val="413607360"/>
+        <c:crosses val="autoZero"/>
         <c:crossBetween val="between"/>
       </c:valAx>
       <c:spPr>
@@ -2030,103 +2033,6 @@
 </file>
 
 <file path=ppt/charts/chartEx1.xml><?xml version="1.0" encoding="utf-8"?>
-<cx:chartSpace xmlns:a="http://schemas.openxmlformats.org/drawingml/2006/main" xmlns:r="http://schemas.openxmlformats.org/officeDocument/2006/relationships" xmlns:cx="http://schemas.microsoft.com/office/drawing/2014/chartex">
-  <cx:chartData>
-    <cx:externalData r:id="rId1" cx:autoUpdate="0"/>
-    <cx:data id="0">
-      <cx:strDim type="cat">
-        <cx:f>Feuil1!$A$2:$C$17</cx:f>
-        <cx:lvl ptCount="16">
-          <cx:pt idx="0">Word 1</cx:pt>
-          <cx:pt idx="1">Word 2</cx:pt>
-          <cx:pt idx="2">Word 3</cx:pt>
-          <cx:pt idx="3">Word 4</cx:pt>
-          <cx:pt idx="4">Word 5</cx:pt>
-          <cx:pt idx="5">Word 6</cx:pt>
-          <cx:pt idx="6">Word 7</cx:pt>
-          <cx:pt idx="7">Word 8</cx:pt>
-          <cx:pt idx="8">Word 9</cx:pt>
-          <cx:pt idx="9">Word 10</cx:pt>
-          <cx:pt idx="10">Word 11</cx:pt>
-        </cx:lvl>
-        <cx:lvl ptCount="16">
-          <cx:pt idx="0">Ressource 1</cx:pt>
-          <cx:pt idx="1">Ressource 1</cx:pt>
-          <cx:pt idx="2">Ressource 1</cx:pt>
-          <cx:pt idx="3">Ressource 2</cx:pt>
-          <cx:pt idx="4">Ressource 2</cx:pt>
-          <cx:pt idx="5">Ressource 3</cx:pt>
-          <cx:pt idx="6">Ressource 3</cx:pt>
-          <cx:pt idx="7">Ressource 4</cx:pt>
-          <cx:pt idx="8">Ressource 4</cx:pt>
-          <cx:pt idx="9">Ressource 5</cx:pt>
-          <cx:pt idx="10">Ressource 5</cx:pt>
-        </cx:lvl>
-        <cx:lvl ptCount="16">
-          <cx:pt idx="0">Doc. 1</cx:pt>
-          <cx:pt idx="1">Doc. 1</cx:pt>
-          <cx:pt idx="2">Doc. 1</cx:pt>
-          <cx:pt idx="3">Doc. 1</cx:pt>
-          <cx:pt idx="4">Doc. 1</cx:pt>
-          <cx:pt idx="5">Doc. 2</cx:pt>
-          <cx:pt idx="6">Doc. 2</cx:pt>
-          <cx:pt idx="7">Doc. 2</cx:pt>
-          <cx:pt idx="8">Doc. 2</cx:pt>
-          <cx:pt idx="9">Doc. 3</cx:pt>
-          <cx:pt idx="10">Doc. 3</cx:pt>
-        </cx:lvl>
-      </cx:strDim>
-      <cx:numDim type="size">
-        <cx:f>Feuil1!$D$2:$D$17</cx:f>
-        <cx:lvl ptCount="16" formatCode="General">
-          <cx:pt idx="0">22</cx:pt>
-          <cx:pt idx="1">12</cx:pt>
-          <cx:pt idx="2">18</cx:pt>
-          <cx:pt idx="3">87</cx:pt>
-          <cx:pt idx="4">88</cx:pt>
-          <cx:pt idx="5">25</cx:pt>
-          <cx:pt idx="6">23</cx:pt>
-          <cx:pt idx="7">24</cx:pt>
-          <cx:pt idx="8">89</cx:pt>
-          <cx:pt idx="9">16</cx:pt>
-          <cx:pt idx="10">19</cx:pt>
-        </cx:lvl>
-      </cx:numDim>
-    </cx:data>
-  </cx:chartData>
-  <cx:chart>
-    <cx:plotArea>
-      <cx:plotAreaRegion>
-        <cx:series layoutId="treemap" uniqueId="{CB621EB8-284F-44A3-8FED-1DE611C33779}">
-          <cx:tx>
-            <cx:txData>
-              <cx:f>Feuil1!$D$1</cx:f>
-              <cx:v>Série 1</cx:v>
-            </cx:txData>
-          </cx:tx>
-          <cx:dataPt idx="8">
-            <cx:spPr>
-              <a:solidFill>
-                <a:srgbClr val="C42F1A"/>
-              </a:solidFill>
-            </cx:spPr>
-          </cx:dataPt>
-          <cx:dataLabels pos="inEnd">
-            <cx:visibility seriesName="0" categoryName="1" value="0"/>
-          </cx:dataLabels>
-          <cx:dataId val="0"/>
-          <cx:layoutPr>
-            <cx:parentLabelLayout val="overlapping"/>
-          </cx:layoutPr>
-        </cx:series>
-      </cx:plotAreaRegion>
-    </cx:plotArea>
-    <cx:legend pos="b" align="ctr" overlay="0"/>
-  </cx:chart>
-</cx:chartSpace>
-</file>
-
-<file path=ppt/charts/chartEx2.xml><?xml version="1.0" encoding="utf-8"?>
 <cx:chartSpace xmlns:a="http://schemas.openxmlformats.org/drawingml/2006/main" xmlns:r="http://schemas.openxmlformats.org/officeDocument/2006/relationships" xmlns:cx="http://schemas.microsoft.com/office/drawing/2014/chartex">
   <cx:chartData>
     <cx:externalData r:id="rId1" cx:autoUpdate="0"/>
@@ -2503,46 +2409,6 @@
 </cs:colorStyle>
 </file>
 
-<file path=ppt/charts/colors8.xml><?xml version="1.0" encoding="utf-8"?>
-<cs:colorStyle xmlns:cs="http://schemas.microsoft.com/office/drawing/2012/chartStyle" xmlns:a="http://schemas.openxmlformats.org/drawingml/2006/main" meth="cycle" id="10">
-  <a:schemeClr val="accent1"/>
-  <a:schemeClr val="accent2"/>
-  <a:schemeClr val="accent3"/>
-  <a:schemeClr val="accent4"/>
-  <a:schemeClr val="accent5"/>
-  <a:schemeClr val="accent6"/>
-  <cs:variation/>
-  <cs:variation>
-    <a:lumMod val="60000"/>
-  </cs:variation>
-  <cs:variation>
-    <a:lumMod val="80000"/>
-    <a:lumOff val="20000"/>
-  </cs:variation>
-  <cs:variation>
-    <a:lumMod val="80000"/>
-  </cs:variation>
-  <cs:variation>
-    <a:lumMod val="60000"/>
-    <a:lumOff val="40000"/>
-  </cs:variation>
-  <cs:variation>
-    <a:lumMod val="50000"/>
-  </cs:variation>
-  <cs:variation>
-    <a:lumMod val="70000"/>
-    <a:lumOff val="30000"/>
-  </cs:variation>
-  <cs:variation>
-    <a:lumMod val="70000"/>
-  </cs:variation>
-  <cs:variation>
-    <a:lumMod val="50000"/>
-    <a:lumOff val="50000"/>
-  </cs:variation>
-</cs:colorStyle>
-</file>
-
 <file path=ppt/charts/style1.xml><?xml version="1.0" encoding="utf-8"?>
 <cs:chartStyle xmlns:cs="http://schemas.microsoft.com/office/drawing/2012/chartStyle" xmlns:a="http://schemas.openxmlformats.org/drawingml/2006/main" id="251">
   <cs:axisTitle>
@@ -3566,528 +3432,6 @@
 </file>
 
 <file path=ppt/charts/style3.xml><?xml version="1.0" encoding="utf-8"?>
-<cs:chartStyle xmlns:cs="http://schemas.microsoft.com/office/drawing/2012/chartStyle" xmlns:a="http://schemas.openxmlformats.org/drawingml/2006/main" id="410">
-  <cs:axisTitle>
-    <cs:lnRef idx="0"/>
-    <cs:fillRef idx="0"/>
-    <cs:effectRef idx="0"/>
-    <cs:fontRef idx="minor">
-      <a:schemeClr val="tx1">
-        <a:lumMod val="65000"/>
-        <a:lumOff val="35000"/>
-      </a:schemeClr>
-    </cs:fontRef>
-    <cs:spPr>
-      <a:solidFill>
-        <a:schemeClr val="bg1">
-          <a:lumMod val="65000"/>
-        </a:schemeClr>
-      </a:solidFill>
-      <a:ln w="19050">
-        <a:solidFill>
-          <a:schemeClr val="bg1"/>
-        </a:solidFill>
-      </a:ln>
-    </cs:spPr>
-    <cs:defRPr sz="1197"/>
-  </cs:axisTitle>
-  <cs:categoryAxis>
-    <cs:lnRef idx="0"/>
-    <cs:fillRef idx="0"/>
-    <cs:effectRef idx="0"/>
-    <cs:fontRef idx="minor">
-      <a:schemeClr val="tx1">
-        <a:lumMod val="65000"/>
-        <a:lumOff val="35000"/>
-      </a:schemeClr>
-    </cs:fontRef>
-    <cs:spPr>
-      <a:ln w="9525" cap="flat" cmpd="sng" algn="ctr">
-        <a:solidFill>
-          <a:schemeClr val="tx1">
-            <a:lumMod val="15000"/>
-            <a:lumOff val="85000"/>
-          </a:schemeClr>
-        </a:solidFill>
-        <a:round/>
-      </a:ln>
-    </cs:spPr>
-    <cs:defRPr sz="1197"/>
-  </cs:categoryAxis>
-  <cs:chartArea mods="allowNoFillOverride allowNoLineOverride">
-    <cs:lnRef idx="0"/>
-    <cs:fillRef idx="0"/>
-    <cs:effectRef idx="0"/>
-    <cs:fontRef idx="minor">
-      <a:schemeClr val="tx1"/>
-    </cs:fontRef>
-    <cs:spPr>
-      <a:solidFill>
-        <a:schemeClr val="bg1"/>
-      </a:solidFill>
-      <a:ln w="9525" cap="flat" cmpd="sng" algn="ctr">
-        <a:solidFill>
-          <a:schemeClr val="tx1">
-            <a:lumMod val="15000"/>
-            <a:lumOff val="85000"/>
-          </a:schemeClr>
-        </a:solidFill>
-        <a:round/>
-      </a:ln>
-    </cs:spPr>
-    <cs:defRPr sz="1330"/>
-  </cs:chartArea>
-  <cs:dataLabel>
-    <cs:lnRef idx="0"/>
-    <cs:fillRef idx="0"/>
-    <cs:effectRef idx="0"/>
-    <cs:fontRef idx="minor">
-      <a:schemeClr val="lt1"/>
-    </cs:fontRef>
-    <cs:defRPr sz="1197"/>
-  </cs:dataLabel>
-  <cs:dataLabelCallout>
-    <cs:lnRef idx="0"/>
-    <cs:fillRef idx="0"/>
-    <cs:effectRef idx="0"/>
-    <cs:fontRef idx="minor">
-      <a:schemeClr val="dk1">
-        <a:lumMod val="65000"/>
-        <a:lumOff val="35000"/>
-      </a:schemeClr>
-    </cs:fontRef>
-    <cs:spPr>
-      <a:solidFill>
-        <a:schemeClr val="lt1"/>
-      </a:solidFill>
-      <a:ln>
-        <a:solidFill>
-          <a:schemeClr val="dk1">
-            <a:lumMod val="25000"/>
-            <a:lumOff val="75000"/>
-          </a:schemeClr>
-        </a:solidFill>
-      </a:ln>
-    </cs:spPr>
-    <cs:defRPr sz="1197"/>
-    <cs:bodyPr rot="0" spcFirstLastPara="1" vertOverflow="clip" horzOverflow="clip" vert="horz" wrap="square" lIns="36576" tIns="18288" rIns="36576" bIns="18288" anchor="ctr" anchorCtr="1">
-      <a:spAutoFit/>
-    </cs:bodyPr>
-  </cs:dataLabelCallout>
-  <cs:dataPoint>
-    <cs:lnRef idx="0"/>
-    <cs:fillRef idx="0">
-      <cs:styleClr val="auto"/>
-    </cs:fillRef>
-    <cs:effectRef idx="0"/>
-    <cs:fontRef idx="minor">
-      <a:schemeClr val="tx1"/>
-    </cs:fontRef>
-    <cs:spPr>
-      <a:solidFill>
-        <a:schemeClr val="phClr"/>
-      </a:solidFill>
-      <a:ln w="19050">
-        <a:solidFill>
-          <a:schemeClr val="lt1"/>
-        </a:solidFill>
-      </a:ln>
-    </cs:spPr>
-  </cs:dataPoint>
-  <cs:dataPoint3D>
-    <cs:lnRef idx="0"/>
-    <cs:fillRef idx="0">
-      <cs:styleClr val="auto"/>
-    </cs:fillRef>
-    <cs:effectRef idx="0"/>
-    <cs:fontRef idx="minor">
-      <a:schemeClr val="tx1"/>
-    </cs:fontRef>
-    <cs:spPr>
-      <a:solidFill>
-        <a:schemeClr val="phClr"/>
-      </a:solidFill>
-    </cs:spPr>
-  </cs:dataPoint3D>
-  <cs:dataPointLine>
-    <cs:lnRef idx="0">
-      <cs:styleClr val="auto"/>
-    </cs:lnRef>
-    <cs:fillRef idx="0"/>
-    <cs:effectRef idx="0"/>
-    <cs:fontRef idx="minor">
-      <a:schemeClr val="tx1"/>
-    </cs:fontRef>
-    <cs:spPr>
-      <a:ln w="28575" cap="rnd">
-        <a:solidFill>
-          <a:schemeClr val="phClr"/>
-        </a:solidFill>
-        <a:round/>
-      </a:ln>
-    </cs:spPr>
-  </cs:dataPointLine>
-  <cs:dataPointMarker>
-    <cs:lnRef idx="0"/>
-    <cs:fillRef idx="0">
-      <cs:styleClr val="auto"/>
-    </cs:fillRef>
-    <cs:effectRef idx="0"/>
-    <cs:fontRef idx="minor">
-      <a:schemeClr val="tx1"/>
-    </cs:fontRef>
-    <cs:spPr>
-      <a:solidFill>
-        <a:schemeClr val="phClr"/>
-      </a:solidFill>
-      <a:ln w="9525">
-        <a:solidFill>
-          <a:schemeClr val="lt1"/>
-        </a:solidFill>
-      </a:ln>
-    </cs:spPr>
-  </cs:dataPointMarker>
-  <cs:dataPointMarkerLayout symbol="circle" size="5"/>
-  <cs:dataPointWireframe>
-    <cs:lnRef idx="0">
-      <cs:styleClr val="auto"/>
-    </cs:lnRef>
-    <cs:fillRef idx="0"/>
-    <cs:effectRef idx="0"/>
-    <cs:fontRef idx="minor">
-      <a:schemeClr val="tx1"/>
-    </cs:fontRef>
-    <cs:spPr>
-      <a:ln w="28575" cap="rnd">
-        <a:solidFill>
-          <a:schemeClr val="phClr"/>
-        </a:solidFill>
-        <a:round/>
-      </a:ln>
-    </cs:spPr>
-  </cs:dataPointWireframe>
-  <cs:dataTable>
-    <cs:lnRef idx="0"/>
-    <cs:fillRef idx="0"/>
-    <cs:effectRef idx="0"/>
-    <cs:fontRef idx="minor">
-      <a:schemeClr val="tx1">
-        <a:lumMod val="65000"/>
-        <a:lumOff val="35000"/>
-      </a:schemeClr>
-    </cs:fontRef>
-    <cs:spPr>
-      <a:ln w="9525">
-        <a:solidFill>
-          <a:schemeClr val="tx1">
-            <a:lumMod val="15000"/>
-            <a:lumOff val="85000"/>
-          </a:schemeClr>
-        </a:solidFill>
-      </a:ln>
-    </cs:spPr>
-    <cs:defRPr sz="1197"/>
-  </cs:dataTable>
-  <cs:downBar>
-    <cs:lnRef idx="0"/>
-    <cs:fillRef idx="0"/>
-    <cs:effectRef idx="0"/>
-    <cs:fontRef idx="minor">
-      <a:schemeClr val="dk1"/>
-    </cs:fontRef>
-    <cs:spPr>
-      <a:solidFill>
-        <a:schemeClr val="dk1">
-          <a:lumMod val="65000"/>
-          <a:lumOff val="35000"/>
-        </a:schemeClr>
-      </a:solidFill>
-      <a:ln w="9525">
-        <a:solidFill>
-          <a:schemeClr val="tx1">
-            <a:lumMod val="65000"/>
-            <a:lumOff val="35000"/>
-          </a:schemeClr>
-        </a:solidFill>
-      </a:ln>
-    </cs:spPr>
-  </cs:downBar>
-  <cs:dropLine>
-    <cs:lnRef idx="0"/>
-    <cs:fillRef idx="0"/>
-    <cs:effectRef idx="0"/>
-    <cs:fontRef idx="minor">
-      <a:schemeClr val="tx1"/>
-    </cs:fontRef>
-    <cs:spPr>
-      <a:ln w="9525" cap="flat" cmpd="sng" algn="ctr">
-        <a:solidFill>
-          <a:schemeClr val="tx1">
-            <a:lumMod val="35000"/>
-            <a:lumOff val="65000"/>
-          </a:schemeClr>
-        </a:solidFill>
-        <a:round/>
-      </a:ln>
-    </cs:spPr>
-  </cs:dropLine>
-  <cs:errorBar>
-    <cs:lnRef idx="0"/>
-    <cs:fillRef idx="0"/>
-    <cs:effectRef idx="0"/>
-    <cs:fontRef idx="minor">
-      <a:schemeClr val="tx1"/>
-    </cs:fontRef>
-    <cs:spPr>
-      <a:ln w="9525" cap="flat" cmpd="sng" algn="ctr">
-        <a:solidFill>
-          <a:schemeClr val="tx1">
-            <a:lumMod val="65000"/>
-            <a:lumOff val="35000"/>
-          </a:schemeClr>
-        </a:solidFill>
-        <a:round/>
-      </a:ln>
-    </cs:spPr>
-  </cs:errorBar>
-  <cs:floor>
-    <cs:lnRef idx="0"/>
-    <cs:fillRef idx="0"/>
-    <cs:effectRef idx="0"/>
-    <cs:fontRef idx="minor">
-      <a:schemeClr val="tx1"/>
-    </cs:fontRef>
-  </cs:floor>
-  <cs:gridlineMajor>
-    <cs:lnRef idx="0"/>
-    <cs:fillRef idx="0"/>
-    <cs:effectRef idx="0"/>
-    <cs:fontRef idx="minor">
-      <a:schemeClr val="tx1"/>
-    </cs:fontRef>
-    <cs:spPr>
-      <a:ln w="9525" cap="flat" cmpd="sng" algn="ctr">
-        <a:solidFill>
-          <a:schemeClr val="tx1">
-            <a:lumMod val="15000"/>
-            <a:lumOff val="85000"/>
-          </a:schemeClr>
-        </a:solidFill>
-        <a:round/>
-      </a:ln>
-    </cs:spPr>
-  </cs:gridlineMajor>
-  <cs:gridlineMinor>
-    <cs:lnRef idx="0"/>
-    <cs:fillRef idx="0"/>
-    <cs:effectRef idx="0"/>
-    <cs:fontRef idx="minor">
-      <a:schemeClr val="tx1"/>
-    </cs:fontRef>
-    <cs:spPr>
-      <a:ln w="9525" cap="flat" cmpd="sng" algn="ctr">
-        <a:solidFill>
-          <a:schemeClr val="tx1">
-            <a:lumMod val="15000"/>
-            <a:lumOff val="85000"/>
-          </a:schemeClr>
-        </a:solidFill>
-        <a:round/>
-      </a:ln>
-    </cs:spPr>
-  </cs:gridlineMinor>
-  <cs:hiLoLine>
-    <cs:lnRef idx="0"/>
-    <cs:fillRef idx="0"/>
-    <cs:effectRef idx="0"/>
-    <cs:fontRef idx="minor">
-      <a:schemeClr val="tx1"/>
-    </cs:fontRef>
-    <cs:spPr>
-      <a:ln w="9525" cap="flat" cmpd="sng" algn="ctr">
-        <a:solidFill>
-          <a:schemeClr val="tx1">
-            <a:lumMod val="75000"/>
-            <a:lumOff val="25000"/>
-          </a:schemeClr>
-        </a:solidFill>
-        <a:round/>
-      </a:ln>
-    </cs:spPr>
-  </cs:hiLoLine>
-  <cs:leaderLine>
-    <cs:lnRef idx="0"/>
-    <cs:fillRef idx="0"/>
-    <cs:effectRef idx="0"/>
-    <cs:fontRef idx="minor">
-      <a:schemeClr val="tx1"/>
-    </cs:fontRef>
-    <cs:spPr>
-      <a:ln w="9525" cap="flat" cmpd="sng" algn="ctr">
-        <a:solidFill>
-          <a:schemeClr val="tx1">
-            <a:lumMod val="35000"/>
-            <a:lumOff val="65000"/>
-          </a:schemeClr>
-        </a:solidFill>
-        <a:round/>
-      </a:ln>
-    </cs:spPr>
-  </cs:leaderLine>
-  <cs:legend>
-    <cs:lnRef idx="0"/>
-    <cs:fillRef idx="0"/>
-    <cs:effectRef idx="0"/>
-    <cs:fontRef idx="minor">
-      <a:schemeClr val="tx1">
-        <a:lumMod val="65000"/>
-        <a:lumOff val="35000"/>
-      </a:schemeClr>
-    </cs:fontRef>
-    <cs:defRPr sz="1197"/>
-  </cs:legend>
-  <cs:plotArea mods="allowNoFillOverride allowNoLineOverride">
-    <cs:lnRef idx="0"/>
-    <cs:fillRef idx="0"/>
-    <cs:effectRef idx="0"/>
-    <cs:fontRef idx="minor">
-      <a:schemeClr val="tx1"/>
-    </cs:fontRef>
-  </cs:plotArea>
-  <cs:plotArea3D mods="allowNoFillOverride allowNoLineOverride">
-    <cs:lnRef idx="0"/>
-    <cs:fillRef idx="0"/>
-    <cs:effectRef idx="0"/>
-    <cs:fontRef idx="minor">
-      <a:schemeClr val="tx1"/>
-    </cs:fontRef>
-  </cs:plotArea3D>
-  <cs:seriesAxis>
-    <cs:lnRef idx="0"/>
-    <cs:fillRef idx="0"/>
-    <cs:effectRef idx="0"/>
-    <cs:fontRef idx="minor">
-      <a:schemeClr val="tx1">
-        <a:lumMod val="65000"/>
-        <a:lumOff val="35000"/>
-      </a:schemeClr>
-    </cs:fontRef>
-    <cs:spPr>
-      <a:ln w="9525" cap="flat" cmpd="sng" algn="ctr">
-        <a:solidFill>
-          <a:schemeClr val="tx1">
-            <a:lumMod val="15000"/>
-            <a:lumOff val="85000"/>
-          </a:schemeClr>
-        </a:solidFill>
-        <a:round/>
-      </a:ln>
-    </cs:spPr>
-    <cs:defRPr sz="1197"/>
-  </cs:seriesAxis>
-  <cs:seriesLine>
-    <cs:lnRef idx="0"/>
-    <cs:fillRef idx="0"/>
-    <cs:effectRef idx="0"/>
-    <cs:fontRef idx="minor">
-      <a:schemeClr val="tx1"/>
-    </cs:fontRef>
-    <cs:spPr>
-      <a:ln w="9525" cap="flat">
-        <a:solidFill>
-          <a:srgbClr val="D9D9D9"/>
-        </a:solidFill>
-        <a:round/>
-      </a:ln>
-    </cs:spPr>
-  </cs:seriesLine>
-  <cs:title>
-    <cs:lnRef idx="0"/>
-    <cs:fillRef idx="0"/>
-    <cs:effectRef idx="0"/>
-    <cs:fontRef idx="minor">
-      <a:schemeClr val="tx1">
-        <a:lumMod val="65000"/>
-        <a:lumOff val="35000"/>
-      </a:schemeClr>
-    </cs:fontRef>
-    <cs:defRPr sz="1862"/>
-  </cs:title>
-  <cs:trendline>
-    <cs:lnRef idx="0">
-      <cs:styleClr val="auto"/>
-    </cs:lnRef>
-    <cs:fillRef idx="0"/>
-    <cs:effectRef idx="0"/>
-    <cs:fontRef idx="minor">
-      <a:schemeClr val="tx1"/>
-    </cs:fontRef>
-    <cs:spPr>
-      <a:ln w="19050" cap="rnd">
-        <a:solidFill>
-          <a:schemeClr val="phClr"/>
-        </a:solidFill>
-        <a:prstDash val="sysDash"/>
-      </a:ln>
-    </cs:spPr>
-  </cs:trendline>
-  <cs:trendlineLabel>
-    <cs:lnRef idx="0"/>
-    <cs:fillRef idx="0"/>
-    <cs:effectRef idx="0"/>
-    <cs:fontRef idx="minor">
-      <a:schemeClr val="tx1">
-        <a:lumMod val="65000"/>
-        <a:lumOff val="35000"/>
-      </a:schemeClr>
-    </cs:fontRef>
-    <cs:defRPr sz="1197"/>
-  </cs:trendlineLabel>
-  <cs:upBar>
-    <cs:lnRef idx="0"/>
-    <cs:fillRef idx="0"/>
-    <cs:effectRef idx="0"/>
-    <cs:fontRef idx="minor">
-      <a:schemeClr val="dk1"/>
-    </cs:fontRef>
-    <cs:spPr>
-      <a:solidFill>
-        <a:schemeClr val="lt1"/>
-      </a:solidFill>
-      <a:ln w="9525">
-        <a:solidFill>
-          <a:schemeClr val="tx1">
-            <a:lumMod val="15000"/>
-            <a:lumOff val="85000"/>
-          </a:schemeClr>
-        </a:solidFill>
-      </a:ln>
-    </cs:spPr>
-  </cs:upBar>
-  <cs:valueAxis>
-    <cs:lnRef idx="0"/>
-    <cs:fillRef idx="0"/>
-    <cs:effectRef idx="0"/>
-    <cs:fontRef idx="minor">
-      <a:schemeClr val="tx1">
-        <a:lumMod val="65000"/>
-        <a:lumOff val="35000"/>
-      </a:schemeClr>
-    </cs:fontRef>
-    <cs:defRPr sz="1197"/>
-  </cs:valueAxis>
-  <cs:wall>
-    <cs:lnRef idx="0"/>
-    <cs:fillRef idx="0"/>
-    <cs:effectRef idx="0"/>
-    <cs:fontRef idx="minor">
-      <a:schemeClr val="tx1"/>
-    </cs:fontRef>
-  </cs:wall>
-</cs:chartStyle>
-</file>
-
-<file path=ppt/charts/style4.xml><?xml version="1.0" encoding="utf-8"?>
 <cs:chartStyle xmlns:cs="http://schemas.microsoft.com/office/drawing/2012/chartStyle" xmlns:a="http://schemas.openxmlformats.org/drawingml/2006/main" id="251">
   <cs:axisTitle>
     <cs:lnRef idx="0"/>
@@ -4606,7 +3950,7 @@
 </cs:chartStyle>
 </file>
 
-<file path=ppt/charts/style5.xml><?xml version="1.0" encoding="utf-8"?>
+<file path=ppt/charts/style4.xml><?xml version="1.0" encoding="utf-8"?>
 <cs:chartStyle xmlns:cs="http://schemas.microsoft.com/office/drawing/2012/chartStyle" xmlns:a="http://schemas.openxmlformats.org/drawingml/2006/main" id="251">
   <cs:axisTitle>
     <cs:lnRef idx="0"/>
@@ -5125,7 +4469,7 @@
 </cs:chartStyle>
 </file>
 
-<file path=ppt/charts/style6.xml><?xml version="1.0" encoding="utf-8"?>
+<file path=ppt/charts/style5.xml><?xml version="1.0" encoding="utf-8"?>
 <cs:chartStyle xmlns:cs="http://schemas.microsoft.com/office/drawing/2012/chartStyle" xmlns:a="http://schemas.openxmlformats.org/drawingml/2006/main" id="201">
   <cs:axisTitle>
     <cs:lnRef idx="0"/>
@@ -5628,7 +4972,7 @@
 </cs:chartStyle>
 </file>
 
-<file path=ppt/charts/style7.xml><?xml version="1.0" encoding="utf-8"?>
+<file path=ppt/charts/style6.xml><?xml version="1.0" encoding="utf-8"?>
 <cs:chartStyle xmlns:cs="http://schemas.microsoft.com/office/drawing/2012/chartStyle" xmlns:a="http://schemas.openxmlformats.org/drawingml/2006/main" id="251">
   <cs:axisTitle>
     <cs:lnRef idx="0"/>
@@ -6147,7 +5491,7 @@
 </cs:chartStyle>
 </file>
 
-<file path=ppt/charts/style8.xml><?xml version="1.0" encoding="utf-8"?>
+<file path=ppt/charts/style7.xml><?xml version="1.0" encoding="utf-8"?>
 <cs:chartStyle xmlns:cs="http://schemas.microsoft.com/office/drawing/2012/chartStyle" xmlns:a="http://schemas.openxmlformats.org/drawingml/2006/main" id="410">
   <cs:axisTitle>
     <cs:lnRef idx="0"/>
@@ -6751,7 +6095,7 @@
           <a:p>
             <a:fld id="{1DCFB7DB-C20D-0E4D-BFA9-46471439C035}" type="datetimeFigureOut">
               <a:rPr lang="en-US" smtClean="0"/>
-              <a:t>5/23/2018</a:t>
+              <a:t>5/23/18</a:t>
             </a:fld>
             <a:endParaRPr lang="en-US"/>
           </a:p>
@@ -7740,7 +7084,7 @@
           <a:p>
             <a:fld id="{7FB3CD95-84BB-C345-8A35-39BFBDF3CDEA}" type="datetime1">
               <a:rPr lang="en-US" smtClean="0"/>
-              <a:t>5/23/2018</a:t>
+              <a:t>5/23/18</a:t>
             </a:fld>
             <a:endParaRPr lang="en-US" dirty="0"/>
           </a:p>
@@ -7987,7 +7331,7 @@
           <a:p>
             <a:fld id="{65FAD503-C0EB-4049-88D2-E03BE08EFCAF}" type="datetime1">
               <a:rPr lang="en-US" smtClean="0"/>
-              <a:t>5/23/2018</a:t>
+              <a:t>5/23/18</a:t>
             </a:fld>
             <a:endParaRPr lang="en-US" dirty="0"/>
           </a:p>
@@ -8297,7 +7641,7 @@
           <a:p>
             <a:fld id="{779B9A30-D79B-BF4C-9DCB-B743C326D6EC}" type="datetime1">
               <a:rPr lang="en-US" smtClean="0"/>
-              <a:t>5/23/2018</a:t>
+              <a:t>5/23/18</a:t>
             </a:fld>
             <a:endParaRPr lang="en-US" dirty="0"/>
           </a:p>
@@ -8634,7 +7978,7 @@
           <a:p>
             <a:fld id="{05442E79-0EA2-3341-BCE4-56F3333B820B}" type="datetime1">
               <a:rPr lang="en-US" smtClean="0"/>
-              <a:t>5/23/2018</a:t>
+              <a:t>5/23/18</a:t>
             </a:fld>
             <a:endParaRPr lang="en-US" dirty="0"/>
           </a:p>
@@ -8944,7 +8288,7 @@
           <a:p>
             <a:fld id="{C4BCDB4C-E44B-6447-8E00-F28159740978}" type="datetime1">
               <a:rPr lang="en-US" smtClean="0"/>
-              <a:t>5/23/2018</a:t>
+              <a:t>5/23/18</a:t>
             </a:fld>
             <a:endParaRPr lang="en-US" dirty="0"/>
           </a:p>
@@ -9333,7 +8677,7 @@
           <a:p>
             <a:fld id="{A50E7B74-D85D-6F4E-988C-EE32801A1FB3}" type="datetime1">
               <a:rPr lang="en-US" smtClean="0"/>
-              <a:t>5/23/2018</a:t>
+              <a:t>5/23/18</a:t>
             </a:fld>
             <a:endParaRPr lang="en-US" dirty="0"/>
           </a:p>
@@ -9499,7 +8843,7 @@
           <a:p>
             <a:fld id="{DDC3D4CA-0CC0-A44B-BC4A-5F23C3ADEA10}" type="datetime1">
               <a:rPr lang="en-US" smtClean="0"/>
-              <a:t>5/23/2018</a:t>
+              <a:t>5/23/18</a:t>
             </a:fld>
             <a:endParaRPr lang="en-US" dirty="0"/>
           </a:p>
@@ -9674,7 +9018,7 @@
           <a:p>
             <a:fld id="{1477C0A0-4D60-3748-8FD3-842B140AFB93}" type="datetime1">
               <a:rPr lang="en-US" smtClean="0"/>
-              <a:t>5/23/2018</a:t>
+              <a:t>5/23/18</a:t>
             </a:fld>
             <a:endParaRPr lang="en-US" dirty="0"/>
           </a:p>
@@ -9846,7 +9190,7 @@
           <a:p>
             <a:fld id="{1FE2D7C0-AA09-7645-87C7-373971BC61A6}" type="datetime1">
               <a:rPr lang="en-US" smtClean="0"/>
-              <a:t>5/23/2018</a:t>
+              <a:t>5/23/18</a:t>
             </a:fld>
             <a:endParaRPr lang="en-US" dirty="0"/>
           </a:p>
@@ -10089,7 +9433,7 @@
           <a:p>
             <a:fld id="{A5A1F876-EB9F-A74C-A4D9-6746D2F34235}" type="datetime1">
               <a:rPr lang="en-US" smtClean="0"/>
-              <a:t>5/23/2018</a:t>
+              <a:t>5/23/18</a:t>
             </a:fld>
             <a:endParaRPr lang="en-US" dirty="0"/>
           </a:p>
@@ -10317,7 +9661,7 @@
           <a:p>
             <a:fld id="{6B60DBF2-98DF-D146-99DB-542F2609B43B}" type="datetime1">
               <a:rPr lang="en-US" smtClean="0"/>
-              <a:t>5/23/2018</a:t>
+              <a:t>5/23/18</a:t>
             </a:fld>
             <a:endParaRPr lang="en-US" dirty="0"/>
           </a:p>
@@ -10686,7 +10030,7 @@
           <a:p>
             <a:fld id="{A13DC3D0-E3A1-F14D-B696-2E75658A6321}" type="datetime1">
               <a:rPr lang="en-US" smtClean="0"/>
-              <a:t>5/23/2018</a:t>
+              <a:t>5/23/18</a:t>
             </a:fld>
             <a:endParaRPr lang="en-US" dirty="0"/>
           </a:p>
@@ -10805,7 +10149,7 @@
           <a:p>
             <a:fld id="{E1C55F83-5307-5547-931A-73EEE0432B2C}" type="datetime1">
               <a:rPr lang="en-US" smtClean="0"/>
-              <a:t>5/23/2018</a:t>
+              <a:t>5/23/18</a:t>
             </a:fld>
             <a:endParaRPr lang="en-US" dirty="0"/>
           </a:p>
@@ -10896,7 +10240,7 @@
           <a:p>
             <a:fld id="{CBDFB00E-8EDD-EC4A-B1D4-1E111506C046}" type="datetime1">
               <a:rPr lang="en-US" smtClean="0"/>
-              <a:t>5/23/2018</a:t>
+              <a:t>5/23/18</a:t>
             </a:fld>
             <a:endParaRPr lang="en-US" dirty="0"/>
           </a:p>
@@ -11147,7 +10491,7 @@
           <a:p>
             <a:fld id="{F2A423DB-DB0E-D045-AF2D-E45A492F16A2}" type="datetime1">
               <a:rPr lang="en-US" smtClean="0"/>
-              <a:t>5/23/2018</a:t>
+              <a:t>5/23/18</a:t>
             </a:fld>
             <a:endParaRPr lang="en-US" dirty="0"/>
           </a:p>
@@ -11405,7 +10749,7 @@
           <a:p>
             <a:fld id="{A0699E7D-1958-2D4A-B6B5-DE5EADAFEE7B}" type="datetime1">
               <a:rPr lang="en-US" smtClean="0"/>
-              <a:t>5/23/2018</a:t>
+              <a:t>5/23/18</a:t>
             </a:fld>
             <a:endParaRPr lang="en-US" dirty="0"/>
           </a:p>
@@ -12144,7 +11488,7 @@
           <a:p>
             <a:fld id="{98112769-4A50-254C-8BBC-6E197F902E45}" type="datetime1">
               <a:rPr lang="en-US" smtClean="0"/>
-              <a:t>5/23/2018</a:t>
+              <a:t>5/23/18</a:t>
             </a:fld>
             <a:endParaRPr lang="en-US" dirty="0"/>
           </a:p>
@@ -12772,6 +12116,116 @@
       </p:grpSpPr>
       <p:sp>
         <p:nvSpPr>
+          <p:cNvPr id="5" name="Titre 4">
+            <a:extLst>
+              <a:ext uri="{FF2B5EF4-FFF2-40B4-BE49-F238E27FC236}">
+                <a16:creationId xmlns:a16="http://schemas.microsoft.com/office/drawing/2014/main" id="{E6F9EE9B-5E9E-457A-BF60-F8A7ADC1A240}"/>
+              </a:ext>
+            </a:extLst>
+          </p:cNvPr>
+          <p:cNvSpPr>
+            <a:spLocks noGrp="1"/>
+          </p:cNvSpPr>
+          <p:nvPr>
+            <p:ph type="title"/>
+          </p:nvPr>
+        </p:nvSpPr>
+        <p:spPr/>
+        <p:txBody>
+          <a:bodyPr/>
+          <a:lstStyle/>
+          <a:p>
+            <a:endParaRPr lang="en-GB"/>
+          </a:p>
+        </p:txBody>
+      </p:sp>
+      <p:sp>
+        <p:nvSpPr>
+          <p:cNvPr id="6" name="Espace réservé du contenu 5">
+            <a:extLst>
+              <a:ext uri="{FF2B5EF4-FFF2-40B4-BE49-F238E27FC236}">
+                <a16:creationId xmlns:a16="http://schemas.microsoft.com/office/drawing/2014/main" id="{46E2965C-84BF-4426-85D9-1315B50AA380}"/>
+              </a:ext>
+            </a:extLst>
+          </p:cNvPr>
+          <p:cNvSpPr>
+            <a:spLocks noGrp="1"/>
+          </p:cNvSpPr>
+          <p:nvPr>
+            <p:ph idx="1"/>
+          </p:nvPr>
+        </p:nvSpPr>
+        <p:spPr/>
+        <p:txBody>
+          <a:bodyPr/>
+          <a:lstStyle/>
+          <a:p>
+            <a:endParaRPr lang="en-GB"/>
+          </a:p>
+        </p:txBody>
+      </p:sp>
+      <p:pic>
+        <p:nvPicPr>
+          <p:cNvPr id="4" name="Content Placeholder 4">
+            <a:extLst>
+              <a:ext uri="{FF2B5EF4-FFF2-40B4-BE49-F238E27FC236}">
+                <a16:creationId xmlns:a16="http://schemas.microsoft.com/office/drawing/2014/main" id="{5284B0F6-FB4B-D64E-8427-43D462F9ECDA}"/>
+              </a:ext>
+            </a:extLst>
+          </p:cNvPr>
+          <p:cNvPicPr>
+            <a:picLocks noChangeAspect="1"/>
+          </p:cNvPicPr>
+          <p:nvPr/>
+        </p:nvPicPr>
+        <p:blipFill>
+          <a:blip r:embed="rId2"/>
+          <a:stretch>
+            <a:fillRect/>
+          </a:stretch>
+        </p:blipFill>
+        <p:spPr>
+          <a:xfrm>
+            <a:off x="1" y="1"/>
+            <a:ext cx="12191999" cy="6858000"/>
+          </a:xfrm>
+          <a:prstGeom prst="rect">
+            <a:avLst/>
+          </a:prstGeom>
+        </p:spPr>
+      </p:pic>
+    </p:spTree>
+    <p:extLst>
+      <p:ext uri="{BB962C8B-B14F-4D97-AF65-F5344CB8AC3E}">
+        <p14:creationId xmlns:p14="http://schemas.microsoft.com/office/powerpoint/2010/main" val="2123862593"/>
+      </p:ext>
+    </p:extLst>
+  </p:cSld>
+  <p:clrMapOvr>
+    <a:masterClrMapping/>
+  </p:clrMapOvr>
+</p:sld>
+</file>
+
+<file path=ppt/slides/slide11.xml><?xml version="1.0" encoding="utf-8"?>
+<p:sld xmlns:a="http://schemas.openxmlformats.org/drawingml/2006/main" xmlns:r="http://schemas.openxmlformats.org/officeDocument/2006/relationships" xmlns:p="http://schemas.openxmlformats.org/presentationml/2006/main">
+  <p:cSld>
+    <p:spTree>
+      <p:nvGrpSpPr>
+        <p:cNvPr id="1" name=""/>
+        <p:cNvGrpSpPr/>
+        <p:nvPr/>
+      </p:nvGrpSpPr>
+      <p:grpSpPr>
+        <a:xfrm>
+          <a:off x="0" y="0"/>
+          <a:ext cx="0" cy="0"/>
+          <a:chOff x="0" y="0"/>
+          <a:chExt cx="0" cy="0"/>
+        </a:xfrm>
+      </p:grpSpPr>
+      <p:sp>
+        <p:nvSpPr>
           <p:cNvPr id="2" name="Titre 1">
             <a:extLst>
               <a:ext uri="{FF2B5EF4-FFF2-40B4-BE49-F238E27FC236}">
@@ -12873,11 +12327,11 @@
           <a:lstStyle/>
           <a:p>
             <a:fld id="{D57F1E4F-1CFF-5643-939E-217C01CDF565}" type="slidenum">
-              <a:rPr lang="en-US" smtClean="0"/>
+              <a:rPr lang="en-US" sz="1600" smtClean="0"/>
               <a:pPr/>
-              <a:t>10</a:t>
+              <a:t>11</a:t>
             </a:fld>
-            <a:endParaRPr lang="en-US" dirty="0"/>
+            <a:endParaRPr lang="en-US" sz="1600" dirty="0"/>
           </a:p>
         </p:txBody>
       </p:sp>
@@ -12924,7 +12378,7 @@
 </p:sld>
 </file>
 
-<file path=ppt/slides/slide11.xml><?xml version="1.0" encoding="utf-8"?>
+<file path=ppt/slides/slide12.xml><?xml version="1.0" encoding="utf-8"?>
 <p:sld xmlns:a="http://schemas.openxmlformats.org/drawingml/2006/main" xmlns:r="http://schemas.openxmlformats.org/officeDocument/2006/relationships" xmlns:p="http://schemas.openxmlformats.org/presentationml/2006/main">
   <p:cSld>
     <p:spTree>
@@ -12990,7 +12444,7 @@
             <a:fld id="{D57F1E4F-1CFF-5643-939E-217C01CDF565}" type="slidenum">
               <a:rPr lang="en-US" smtClean="0"/>
               <a:pPr/>
-              <a:t>11</a:t>
+              <a:t>12</a:t>
             </a:fld>
             <a:endParaRPr lang="en-US" dirty="0"/>
           </a:p>
@@ -13064,176 +12518,6 @@
 </p:sld>
 </file>
 
-<file path=ppt/slides/slide12.xml><?xml version="1.0" encoding="utf-8"?>
-<p:sld xmlns:a="http://schemas.openxmlformats.org/drawingml/2006/main" xmlns:r="http://schemas.openxmlformats.org/officeDocument/2006/relationships" xmlns:p="http://schemas.openxmlformats.org/presentationml/2006/main">
-  <p:cSld>
-    <p:spTree>
-      <p:nvGrpSpPr>
-        <p:cNvPr id="1" name=""/>
-        <p:cNvGrpSpPr/>
-        <p:nvPr/>
-      </p:nvGrpSpPr>
-      <p:grpSpPr>
-        <a:xfrm>
-          <a:off x="0" y="0"/>
-          <a:ext cx="0" cy="0"/>
-          <a:chOff x="0" y="0"/>
-          <a:chExt cx="0" cy="0"/>
-        </a:xfrm>
-      </p:grpSpPr>
-      <p:sp>
-        <p:nvSpPr>
-          <p:cNvPr id="2" name="Title 1">
-            <a:extLst>
-              <a:ext uri="{FF2B5EF4-FFF2-40B4-BE49-F238E27FC236}">
-                <a16:creationId xmlns:a16="http://schemas.microsoft.com/office/drawing/2014/main" id="{80F6EA66-3071-A34A-9AB0-56133E48180B}"/>
-              </a:ext>
-            </a:extLst>
-          </p:cNvPr>
-          <p:cNvSpPr>
-            <a:spLocks noGrp="1"/>
-          </p:cNvSpPr>
-          <p:nvPr>
-            <p:ph type="title"/>
-          </p:nvPr>
-        </p:nvSpPr>
-        <p:spPr/>
-        <p:txBody>
-          <a:bodyPr/>
-          <a:lstStyle/>
-          <a:p>
-            <a:r>
-              <a:rPr lang="en-US" dirty="0"/>
-              <a:t>Our Approach</a:t>
-            </a:r>
-          </a:p>
-        </p:txBody>
-      </p:sp>
-      <p:sp>
-        <p:nvSpPr>
-          <p:cNvPr id="3" name="Content Placeholder 2">
-            <a:extLst>
-              <a:ext uri="{FF2B5EF4-FFF2-40B4-BE49-F238E27FC236}">
-                <a16:creationId xmlns:a16="http://schemas.microsoft.com/office/drawing/2014/main" id="{F6EE4A45-884E-5A48-8A80-2D574DC5221B}"/>
-              </a:ext>
-            </a:extLst>
-          </p:cNvPr>
-          <p:cNvSpPr>
-            <a:spLocks noGrp="1"/>
-          </p:cNvSpPr>
-          <p:nvPr>
-            <p:ph idx="1"/>
-          </p:nvPr>
-        </p:nvSpPr>
-        <p:spPr/>
-        <p:txBody>
-          <a:bodyPr/>
-          <a:lstStyle/>
-          <a:p>
-            <a:r>
-              <a:rPr lang="en-US" dirty="0"/>
-              <a:t>Navigation technique similar to the first tool</a:t>
-            </a:r>
-          </a:p>
-          <a:p>
-            <a:pPr lvl="1"/>
-            <a:r>
-              <a:rPr lang="en-US" dirty="0"/>
-              <a:t>User study: first tool more intuitive</a:t>
-            </a:r>
-          </a:p>
-          <a:p>
-            <a:r>
-              <a:rPr lang="en-US" dirty="0"/>
-              <a:t>Global View of the data set:</a:t>
-            </a:r>
-          </a:p>
-          <a:p>
-            <a:pPr lvl="1"/>
-            <a:r>
-              <a:rPr lang="en-US" dirty="0"/>
-              <a:t>View by topic</a:t>
-            </a:r>
-          </a:p>
-          <a:p>
-            <a:pPr lvl="1"/>
-            <a:r>
-              <a:rPr lang="en-US" dirty="0"/>
-              <a:t>Most frequent word per topic</a:t>
-            </a:r>
-          </a:p>
-          <a:p>
-            <a:pPr lvl="1"/>
-            <a:r>
-              <a:rPr lang="en-US" dirty="0"/>
-              <a:t>Statistics on topics distribution along the data set</a:t>
-            </a:r>
-          </a:p>
-          <a:p>
-            <a:r>
-              <a:rPr lang="en-US" dirty="0"/>
-              <a:t>Details to provide enough insight into documents:</a:t>
-            </a:r>
-          </a:p>
-          <a:p>
-            <a:pPr lvl="1"/>
-            <a:r>
-              <a:rPr lang="en-US" dirty="0"/>
-              <a:t>Similar documents</a:t>
-            </a:r>
-          </a:p>
-          <a:p>
-            <a:pPr lvl="1"/>
-            <a:r>
-              <a:rPr lang="en-US" dirty="0"/>
-              <a:t>Relevance of topic per document</a:t>
-            </a:r>
-          </a:p>
-        </p:txBody>
-      </p:sp>
-      <p:sp>
-        <p:nvSpPr>
-          <p:cNvPr id="4" name="Slide Number Placeholder 3">
-            <a:extLst>
-              <a:ext uri="{FF2B5EF4-FFF2-40B4-BE49-F238E27FC236}">
-                <a16:creationId xmlns:a16="http://schemas.microsoft.com/office/drawing/2014/main" id="{F83AF071-F933-C34B-B5D2-9D145C19DC62}"/>
-              </a:ext>
-            </a:extLst>
-          </p:cNvPr>
-          <p:cNvSpPr>
-            <a:spLocks noGrp="1"/>
-          </p:cNvSpPr>
-          <p:nvPr>
-            <p:ph type="sldNum" sz="quarter" idx="12"/>
-          </p:nvPr>
-        </p:nvSpPr>
-        <p:spPr/>
-        <p:txBody>
-          <a:bodyPr/>
-          <a:lstStyle/>
-          <a:p>
-            <a:fld id="{D57F1E4F-1CFF-5643-939E-217C01CDF565}" type="slidenum">
-              <a:rPr lang="en-US" smtClean="0"/>
-              <a:pPr/>
-              <a:t>12</a:t>
-            </a:fld>
-            <a:endParaRPr lang="en-US" dirty="0"/>
-          </a:p>
-        </p:txBody>
-      </p:sp>
-    </p:spTree>
-    <p:extLst>
-      <p:ext uri="{BB962C8B-B14F-4D97-AF65-F5344CB8AC3E}">
-        <p14:creationId xmlns:p14="http://schemas.microsoft.com/office/powerpoint/2010/main" val="3123588587"/>
-      </p:ext>
-    </p:extLst>
-  </p:cSld>
-  <p:clrMapOvr>
-    <a:masterClrMapping/>
-  </p:clrMapOvr>
-</p:sld>
-</file>
-
 <file path=ppt/slides/slide13.xml><?xml version="1.0" encoding="utf-8"?>
 <p:sld xmlns:a="http://schemas.openxmlformats.org/drawingml/2006/main" xmlns:r="http://schemas.openxmlformats.org/officeDocument/2006/relationships" xmlns:p="http://schemas.openxmlformats.org/presentationml/2006/main">
   <p:cSld>
@@ -13256,7 +12540,7 @@
           <p:cNvPr id="2" name="Title 1">
             <a:extLst>
               <a:ext uri="{FF2B5EF4-FFF2-40B4-BE49-F238E27FC236}">
-                <a16:creationId xmlns:a16="http://schemas.microsoft.com/office/drawing/2014/main" id="{F00933EE-829D-874C-9853-A93C5380AE3A}"/>
+                <a16:creationId xmlns:a16="http://schemas.microsoft.com/office/drawing/2014/main" id="{80F6EA66-3071-A34A-9AB0-56133E48180B}"/>
               </a:ext>
             </a:extLst>
           </p:cNvPr>
@@ -13274,7 +12558,7 @@
           <a:p>
             <a:r>
               <a:rPr lang="en-US" dirty="0"/>
-              <a:t>Implementation</a:t>
+              <a:t>Our Approach</a:t>
             </a:r>
           </a:p>
         </p:txBody>
@@ -13284,7 +12568,7 @@
           <p:cNvPr id="3" name="Content Placeholder 2">
             <a:extLst>
               <a:ext uri="{FF2B5EF4-FFF2-40B4-BE49-F238E27FC236}">
-                <a16:creationId xmlns:a16="http://schemas.microsoft.com/office/drawing/2014/main" id="{59F3B59A-32B3-E04B-9016-A64898FA1E9F}"/>
+                <a16:creationId xmlns:a16="http://schemas.microsoft.com/office/drawing/2014/main" id="{F6EE4A45-884E-5A48-8A80-2D574DC5221B}"/>
               </a:ext>
             </a:extLst>
           </p:cNvPr>
@@ -13297,85 +12581,67 @@
         </p:nvSpPr>
         <p:spPr/>
         <p:txBody>
-          <a:bodyPr>
-            <a:normAutofit/>
-          </a:bodyPr>
+          <a:bodyPr/>
           <a:lstStyle/>
           <a:p>
             <a:r>
               <a:rPr lang="en-US" dirty="0"/>
-              <a:t>Use Java Swing to create the application</a:t>
-            </a:r>
-          </a:p>
-          <a:p>
+              <a:t>Navigation technique similar to the first tool</a:t>
+            </a:r>
+          </a:p>
+          <a:p>
+            <a:pPr lvl="1"/>
             <a:r>
               <a:rPr lang="en-US" dirty="0"/>
-              <a:t>Use Mallet to perform Topic Modelling</a:t>
+              <a:t>User study: first tool more intuitive</a:t>
+            </a:r>
+          </a:p>
+          <a:p>
+            <a:r>
+              <a:rPr lang="en-US" dirty="0"/>
+              <a:t>Global View of the data set:</a:t>
             </a:r>
           </a:p>
           <a:p>
             <a:pPr lvl="1"/>
             <a:r>
               <a:rPr lang="en-US" dirty="0"/>
-              <a:t>Preprocessing</a:t>
-            </a:r>
-          </a:p>
-          <a:p>
-            <a:pPr lvl="2"/>
+              <a:t>View by topic</a:t>
+            </a:r>
+          </a:p>
+          <a:p>
+            <a:pPr lvl="1"/>
             <a:r>
               <a:rPr lang="en-US" dirty="0"/>
-              <a:t>Remove of </a:t>
-            </a:r>
-            <a:r>
-              <a:rPr lang="en-US" dirty="0" err="1"/>
-              <a:t>Stopwords</a:t>
-            </a:r>
-            <a:endParaRPr lang="en-US" dirty="0"/>
-          </a:p>
-          <a:p>
-            <a:pPr lvl="2"/>
+              <a:t>Most frequent word per topic</a:t>
+            </a:r>
+          </a:p>
+          <a:p>
+            <a:pPr lvl="1"/>
             <a:r>
               <a:rPr lang="en-US" dirty="0"/>
-              <a:t>Stemming of tokens</a:t>
+              <a:t>Statistics on topics distribution along the data set</a:t>
+            </a:r>
+          </a:p>
+          <a:p>
+            <a:r>
+              <a:rPr lang="en-US" dirty="0"/>
+              <a:t>Details to provide enough insight into documents:</a:t>
             </a:r>
           </a:p>
           <a:p>
             <a:pPr lvl="1"/>
             <a:r>
               <a:rPr lang="en-US" dirty="0"/>
-              <a:t>Similarity of documents by Euclidean distance</a:t>
-            </a:r>
-          </a:p>
-          <a:p>
+              <a:t>Similar documents</a:t>
+            </a:r>
+          </a:p>
+          <a:p>
+            <a:pPr lvl="1"/>
             <a:r>
               <a:rPr lang="en-US" dirty="0"/>
-              <a:t>Use </a:t>
-            </a:r>
-            <a:r>
-              <a:rPr lang="en-US" dirty="0" err="1"/>
-              <a:t>JFreeChart</a:t>
-            </a:r>
-            <a:r>
-              <a:rPr lang="en-US" dirty="0"/>
-              <a:t> to represent data as charts</a:t>
-            </a:r>
-          </a:p>
-          <a:p>
-            <a:pPr lvl="1"/>
-            <a:r>
-              <a:rPr lang="en-US" dirty="0"/>
-              <a:t>3D pie-chart</a:t>
-            </a:r>
-          </a:p>
-          <a:p>
-            <a:pPr lvl="1"/>
-            <a:r>
-              <a:rPr lang="en-US" dirty="0"/>
-              <a:t>Mouseover: display additional information</a:t>
-            </a:r>
-          </a:p>
-          <a:p>
-            <a:endParaRPr lang="en-US" dirty="0"/>
+              <a:t>Relevance of topic per document</a:t>
+            </a:r>
           </a:p>
         </p:txBody>
       </p:sp>
@@ -13384,7 +12650,7 @@
           <p:cNvPr id="4" name="Slide Number Placeholder 3">
             <a:extLst>
               <a:ext uri="{FF2B5EF4-FFF2-40B4-BE49-F238E27FC236}">
-                <a16:creationId xmlns:a16="http://schemas.microsoft.com/office/drawing/2014/main" id="{53199D6D-2B32-5744-A4F5-F34DE3ED4162}"/>
+                <a16:creationId xmlns:a16="http://schemas.microsoft.com/office/drawing/2014/main" id="{F83AF071-F933-C34B-B5D2-9D145C19DC62}"/>
               </a:ext>
             </a:extLst>
           </p:cNvPr>
@@ -13412,7 +12678,7 @@
     </p:spTree>
     <p:extLst>
       <p:ext uri="{BB962C8B-B14F-4D97-AF65-F5344CB8AC3E}">
-        <p14:creationId xmlns:p14="http://schemas.microsoft.com/office/powerpoint/2010/main" val="3656499478"/>
+        <p14:creationId xmlns:p14="http://schemas.microsoft.com/office/powerpoint/2010/main" val="3123588587"/>
       </p:ext>
     </p:extLst>
   </p:cSld>
@@ -13444,7 +12710,7 @@
           <p:cNvPr id="2" name="Title 1">
             <a:extLst>
               <a:ext uri="{FF2B5EF4-FFF2-40B4-BE49-F238E27FC236}">
-                <a16:creationId xmlns:a16="http://schemas.microsoft.com/office/drawing/2014/main" id="{C27E8073-3C7C-1E46-AFD3-1037410A747E}"/>
+                <a16:creationId xmlns:a16="http://schemas.microsoft.com/office/drawing/2014/main" id="{F00933EE-829D-874C-9853-A93C5380AE3A}"/>
               </a:ext>
             </a:extLst>
           </p:cNvPr>
@@ -13455,23 +12721,115 @@
             <p:ph type="title"/>
           </p:nvPr>
         </p:nvSpPr>
-        <p:spPr>
-          <a:xfrm>
-            <a:off x="666182" y="2717180"/>
-            <a:ext cx="8596668" cy="1320800"/>
-          </a:xfrm>
-        </p:spPr>
+        <p:spPr/>
+        <p:txBody>
+          <a:bodyPr/>
+          <a:lstStyle/>
+          <a:p>
+            <a:r>
+              <a:rPr lang="en-US" dirty="0"/>
+              <a:t>Implementation</a:t>
+            </a:r>
+          </a:p>
+        </p:txBody>
+      </p:sp>
+      <p:sp>
+        <p:nvSpPr>
+          <p:cNvPr id="3" name="Content Placeholder 2">
+            <a:extLst>
+              <a:ext uri="{FF2B5EF4-FFF2-40B4-BE49-F238E27FC236}">
+                <a16:creationId xmlns:a16="http://schemas.microsoft.com/office/drawing/2014/main" id="{59F3B59A-32B3-E04B-9016-A64898FA1E9F}"/>
+              </a:ext>
+            </a:extLst>
+          </p:cNvPr>
+          <p:cNvSpPr>
+            <a:spLocks noGrp="1"/>
+          </p:cNvSpPr>
+          <p:nvPr>
+            <p:ph idx="1"/>
+          </p:nvPr>
+        </p:nvSpPr>
+        <p:spPr/>
         <p:txBody>
           <a:bodyPr>
             <a:normAutofit/>
           </a:bodyPr>
           <a:lstStyle/>
           <a:p>
-            <a:pPr algn="ctr"/>
-            <a:r>
-              <a:rPr lang="en-US" sz="7200" b="1" dirty="0"/>
-              <a:t>Demo</a:t>
-            </a:r>
+            <a:r>
+              <a:rPr lang="en-US" dirty="0"/>
+              <a:t>Use Java Swing to create the application</a:t>
+            </a:r>
+          </a:p>
+          <a:p>
+            <a:r>
+              <a:rPr lang="en-US" dirty="0"/>
+              <a:t>Use Mallet to perform Topic Modelling</a:t>
+            </a:r>
+          </a:p>
+          <a:p>
+            <a:pPr lvl="1"/>
+            <a:r>
+              <a:rPr lang="en-US" dirty="0"/>
+              <a:t>Preprocessing</a:t>
+            </a:r>
+          </a:p>
+          <a:p>
+            <a:pPr lvl="2"/>
+            <a:r>
+              <a:rPr lang="en-US" dirty="0"/>
+              <a:t>Remove of </a:t>
+            </a:r>
+            <a:r>
+              <a:rPr lang="en-US" dirty="0" err="1"/>
+              <a:t>Stopwords</a:t>
+            </a:r>
+            <a:endParaRPr lang="en-US" dirty="0"/>
+          </a:p>
+          <a:p>
+            <a:pPr lvl="2"/>
+            <a:r>
+              <a:rPr lang="en-US" dirty="0"/>
+              <a:t>Stemming of tokens</a:t>
+            </a:r>
+          </a:p>
+          <a:p>
+            <a:pPr lvl="1"/>
+            <a:r>
+              <a:rPr lang="en-US" dirty="0"/>
+              <a:t>Similarity of documents by Euclidean distance</a:t>
+            </a:r>
+          </a:p>
+          <a:p>
+            <a:r>
+              <a:rPr lang="en-US" dirty="0"/>
+              <a:t>Use </a:t>
+            </a:r>
+            <a:r>
+              <a:rPr lang="en-US" dirty="0" err="1"/>
+              <a:t>JFreeChart</a:t>
+            </a:r>
+            <a:r>
+              <a:rPr lang="en-US" dirty="0"/>
+              <a:t> to represent data as charts</a:t>
+            </a:r>
+          </a:p>
+          <a:p>
+            <a:pPr lvl="1"/>
+            <a:r>
+              <a:rPr lang="en-US" dirty="0"/>
+              <a:t>3D pie-chart</a:t>
+            </a:r>
+          </a:p>
+          <a:p>
+            <a:pPr lvl="1"/>
+            <a:r>
+              <a:rPr lang="en-US" dirty="0"/>
+              <a:t>Mouseover: display additional information</a:t>
+            </a:r>
+          </a:p>
+          <a:p>
+            <a:endParaRPr lang="en-US" dirty="0"/>
           </a:p>
         </p:txBody>
       </p:sp>
@@ -13480,7 +12838,7 @@
           <p:cNvPr id="4" name="Slide Number Placeholder 3">
             <a:extLst>
               <a:ext uri="{FF2B5EF4-FFF2-40B4-BE49-F238E27FC236}">
-                <a16:creationId xmlns:a16="http://schemas.microsoft.com/office/drawing/2014/main" id="{C6DFB897-515D-444F-975B-7D3507800B03}"/>
+                <a16:creationId xmlns:a16="http://schemas.microsoft.com/office/drawing/2014/main" id="{53199D6D-2B32-5744-A4F5-F34DE3ED4162}"/>
               </a:ext>
             </a:extLst>
           </p:cNvPr>
@@ -13505,10 +12863,100 @@
           </a:p>
         </p:txBody>
       </p:sp>
+      <p:pic>
+        <p:nvPicPr>
+          <p:cNvPr id="6" name="Picture 5">
+            <a:extLst>
+              <a:ext uri="{FF2B5EF4-FFF2-40B4-BE49-F238E27FC236}">
+                <a16:creationId xmlns:a16="http://schemas.microsoft.com/office/drawing/2014/main" id="{20922337-99BD-144E-8C1D-AADCECEA3176}"/>
+              </a:ext>
+            </a:extLst>
+          </p:cNvPr>
+          <p:cNvPicPr>
+            <a:picLocks noChangeAspect="1"/>
+          </p:cNvPicPr>
+          <p:nvPr/>
+        </p:nvPicPr>
+        <p:blipFill>
+          <a:blip r:embed="rId2"/>
+          <a:stretch>
+            <a:fillRect/>
+          </a:stretch>
+        </p:blipFill>
+        <p:spPr>
+          <a:xfrm>
+            <a:off x="6187902" y="2790799"/>
+            <a:ext cx="3086100" cy="1308100"/>
+          </a:xfrm>
+          <a:prstGeom prst="rect">
+            <a:avLst/>
+          </a:prstGeom>
+        </p:spPr>
+      </p:pic>
+      <p:pic>
+        <p:nvPicPr>
+          <p:cNvPr id="8" name="Picture 7">
+            <a:extLst>
+              <a:ext uri="{FF2B5EF4-FFF2-40B4-BE49-F238E27FC236}">
+                <a16:creationId xmlns:a16="http://schemas.microsoft.com/office/drawing/2014/main" id="{0FCEA095-667C-1045-A78E-C2B485322BCB}"/>
+              </a:ext>
+            </a:extLst>
+          </p:cNvPr>
+          <p:cNvPicPr>
+            <a:picLocks noChangeAspect="1"/>
+          </p:cNvPicPr>
+          <p:nvPr/>
+        </p:nvPicPr>
+        <p:blipFill>
+          <a:blip r:embed="rId3"/>
+          <a:stretch>
+            <a:fillRect/>
+          </a:stretch>
+        </p:blipFill>
+        <p:spPr>
+          <a:xfrm>
+            <a:off x="6844469" y="609600"/>
+            <a:ext cx="2087863" cy="1560829"/>
+          </a:xfrm>
+          <a:prstGeom prst="rect">
+            <a:avLst/>
+          </a:prstGeom>
+        </p:spPr>
+      </p:pic>
+      <p:pic>
+        <p:nvPicPr>
+          <p:cNvPr id="10" name="Picture 9">
+            <a:extLst>
+              <a:ext uri="{FF2B5EF4-FFF2-40B4-BE49-F238E27FC236}">
+                <a16:creationId xmlns:a16="http://schemas.microsoft.com/office/drawing/2014/main" id="{9E13235C-E474-104D-938A-FDD32A0B1A16}"/>
+              </a:ext>
+            </a:extLst>
+          </p:cNvPr>
+          <p:cNvPicPr>
+            <a:picLocks noChangeAspect="1"/>
+          </p:cNvPicPr>
+          <p:nvPr/>
+        </p:nvPicPr>
+        <p:blipFill>
+          <a:blip r:embed="rId4"/>
+          <a:stretch>
+            <a:fillRect/>
+          </a:stretch>
+        </p:blipFill>
+        <p:spPr>
+          <a:xfrm>
+            <a:off x="5858550" y="4496163"/>
+            <a:ext cx="3415452" cy="858154"/>
+          </a:xfrm>
+          <a:prstGeom prst="rect">
+            <a:avLst/>
+          </a:prstGeom>
+        </p:spPr>
+      </p:pic>
     </p:spTree>
     <p:extLst>
       <p:ext uri="{BB962C8B-B14F-4D97-AF65-F5344CB8AC3E}">
-        <p14:creationId xmlns:p14="http://schemas.microsoft.com/office/powerpoint/2010/main" val="999636528"/>
+        <p14:creationId xmlns:p14="http://schemas.microsoft.com/office/powerpoint/2010/main" val="3656499478"/>
       </p:ext>
     </p:extLst>
   </p:cSld>
@@ -13540,7 +12988,7 @@
           <p:cNvPr id="2" name="Title 1">
             <a:extLst>
               <a:ext uri="{FF2B5EF4-FFF2-40B4-BE49-F238E27FC236}">
-                <a16:creationId xmlns:a16="http://schemas.microsoft.com/office/drawing/2014/main" id="{0A1A1C6D-AC84-4A46-93DA-A894BE663405}"/>
+                <a16:creationId xmlns:a16="http://schemas.microsoft.com/office/drawing/2014/main" id="{C27E8073-3C7C-1E46-AFD3-1037410A747E}"/>
               </a:ext>
             </a:extLst>
           </p:cNvPr>
@@ -13551,89 +12999,22 @@
             <p:ph type="title"/>
           </p:nvPr>
         </p:nvSpPr>
-        <p:spPr/>
-        <p:txBody>
-          <a:bodyPr/>
+        <p:spPr>
+          <a:xfrm>
+            <a:off x="666182" y="2717180"/>
+            <a:ext cx="8596668" cy="1320800"/>
+          </a:xfrm>
+        </p:spPr>
+        <p:txBody>
+          <a:bodyPr>
+            <a:normAutofit/>
+          </a:bodyPr>
           <a:lstStyle/>
           <a:p>
-            <a:r>
-              <a:rPr lang="en-US" dirty="0"/>
-              <a:t>Future Work</a:t>
-            </a:r>
-          </a:p>
-        </p:txBody>
-      </p:sp>
-      <p:sp>
-        <p:nvSpPr>
-          <p:cNvPr id="3" name="Content Placeholder 2">
-            <a:extLst>
-              <a:ext uri="{FF2B5EF4-FFF2-40B4-BE49-F238E27FC236}">
-                <a16:creationId xmlns:a16="http://schemas.microsoft.com/office/drawing/2014/main" id="{A59202DC-EE16-7143-9A05-FE88E9F84EE6}"/>
-              </a:ext>
-            </a:extLst>
-          </p:cNvPr>
-          <p:cNvSpPr>
-            <a:spLocks noGrp="1"/>
-          </p:cNvSpPr>
-          <p:nvPr>
-            <p:ph idx="1"/>
-          </p:nvPr>
-        </p:nvSpPr>
-        <p:spPr/>
-        <p:txBody>
-          <a:bodyPr/>
-          <a:lstStyle/>
-          <a:p>
-            <a:r>
-              <a:rPr lang="en-US" dirty="0"/>
-              <a:t>Add more features to the program:	</a:t>
-            </a:r>
-          </a:p>
-          <a:p>
-            <a:pPr lvl="1"/>
-            <a:r>
-              <a:rPr lang="en-US" dirty="0"/>
-              <a:t>Choose number of topics in analysis</a:t>
-            </a:r>
-          </a:p>
-          <a:p>
-            <a:pPr lvl="1"/>
-            <a:r>
-              <a:rPr lang="en-US" dirty="0"/>
-              <a:t>Choose number of displayed most similar documents</a:t>
-            </a:r>
-          </a:p>
-          <a:p>
-            <a:pPr lvl="1"/>
-            <a:r>
-              <a:rPr lang="en-US" dirty="0"/>
-              <a:t>Choose language of data set</a:t>
-            </a:r>
-          </a:p>
-          <a:p>
-            <a:pPr lvl="1"/>
-            <a:r>
-              <a:rPr lang="en-US" dirty="0"/>
-              <a:t>Choose the chart type to be displayed</a:t>
-            </a:r>
-          </a:p>
-          <a:p>
-            <a:r>
-              <a:rPr lang="en-US" dirty="0"/>
-              <a:t>Add another local document view:</a:t>
-            </a:r>
-          </a:p>
-          <a:p>
-            <a:pPr lvl="1"/>
-            <a:r>
-              <a:rPr lang="en-US" dirty="0"/>
-              <a:t>Show the composition of topic per document</a:t>
-            </a:r>
-          </a:p>
-          <a:p>
-            <a:r>
-              <a:rPr lang="en-US" dirty="0"/>
-              <a:t>Show related topics</a:t>
+            <a:pPr algn="ctr"/>
+            <a:r>
+              <a:rPr lang="en-US" sz="7200" b="1" dirty="0"/>
+              <a:t>Demo</a:t>
             </a:r>
           </a:p>
         </p:txBody>
@@ -13643,7 +13024,7 @@
           <p:cNvPr id="4" name="Slide Number Placeholder 3">
             <a:extLst>
               <a:ext uri="{FF2B5EF4-FFF2-40B4-BE49-F238E27FC236}">
-                <a16:creationId xmlns:a16="http://schemas.microsoft.com/office/drawing/2014/main" id="{EC6BDE28-1422-FC47-8F2A-724BF52394BE}"/>
+                <a16:creationId xmlns:a16="http://schemas.microsoft.com/office/drawing/2014/main" id="{C6DFB897-515D-444F-975B-7D3507800B03}"/>
               </a:ext>
             </a:extLst>
           </p:cNvPr>
@@ -13671,7 +13052,7 @@
     </p:spTree>
     <p:extLst>
       <p:ext uri="{BB962C8B-B14F-4D97-AF65-F5344CB8AC3E}">
-        <p14:creationId xmlns:p14="http://schemas.microsoft.com/office/powerpoint/2010/main" val="3131431770"/>
+        <p14:creationId xmlns:p14="http://schemas.microsoft.com/office/powerpoint/2010/main" val="999636528"/>
       </p:ext>
     </p:extLst>
   </p:cSld>
@@ -13703,6 +13084,169 @@
           <p:cNvPr id="2" name="Title 1">
             <a:extLst>
               <a:ext uri="{FF2B5EF4-FFF2-40B4-BE49-F238E27FC236}">
+                <a16:creationId xmlns:a16="http://schemas.microsoft.com/office/drawing/2014/main" id="{0A1A1C6D-AC84-4A46-93DA-A894BE663405}"/>
+              </a:ext>
+            </a:extLst>
+          </p:cNvPr>
+          <p:cNvSpPr>
+            <a:spLocks noGrp="1"/>
+          </p:cNvSpPr>
+          <p:nvPr>
+            <p:ph type="title"/>
+          </p:nvPr>
+        </p:nvSpPr>
+        <p:spPr/>
+        <p:txBody>
+          <a:bodyPr/>
+          <a:lstStyle/>
+          <a:p>
+            <a:r>
+              <a:rPr lang="en-US" dirty="0"/>
+              <a:t>Future Work</a:t>
+            </a:r>
+          </a:p>
+        </p:txBody>
+      </p:sp>
+      <p:sp>
+        <p:nvSpPr>
+          <p:cNvPr id="3" name="Content Placeholder 2">
+            <a:extLst>
+              <a:ext uri="{FF2B5EF4-FFF2-40B4-BE49-F238E27FC236}">
+                <a16:creationId xmlns:a16="http://schemas.microsoft.com/office/drawing/2014/main" id="{A59202DC-EE16-7143-9A05-FE88E9F84EE6}"/>
+              </a:ext>
+            </a:extLst>
+          </p:cNvPr>
+          <p:cNvSpPr>
+            <a:spLocks noGrp="1"/>
+          </p:cNvSpPr>
+          <p:nvPr>
+            <p:ph idx="1"/>
+          </p:nvPr>
+        </p:nvSpPr>
+        <p:spPr/>
+        <p:txBody>
+          <a:bodyPr/>
+          <a:lstStyle/>
+          <a:p>
+            <a:r>
+              <a:rPr lang="en-US" dirty="0"/>
+              <a:t>Add more features to the program:	</a:t>
+            </a:r>
+          </a:p>
+          <a:p>
+            <a:pPr lvl="1"/>
+            <a:r>
+              <a:rPr lang="en-US" dirty="0"/>
+              <a:t>Choose number of topics in analysis</a:t>
+            </a:r>
+          </a:p>
+          <a:p>
+            <a:pPr lvl="1"/>
+            <a:r>
+              <a:rPr lang="en-US" dirty="0"/>
+              <a:t>Choose number of displayed most similar documents</a:t>
+            </a:r>
+          </a:p>
+          <a:p>
+            <a:pPr lvl="1"/>
+            <a:r>
+              <a:rPr lang="en-US" dirty="0"/>
+              <a:t>Choose language of data set</a:t>
+            </a:r>
+          </a:p>
+          <a:p>
+            <a:pPr lvl="1"/>
+            <a:r>
+              <a:rPr lang="en-US" dirty="0"/>
+              <a:t>Choose the chart type to be displayed</a:t>
+            </a:r>
+          </a:p>
+          <a:p>
+            <a:r>
+              <a:rPr lang="en-US" dirty="0"/>
+              <a:t>Add another local document view:</a:t>
+            </a:r>
+          </a:p>
+          <a:p>
+            <a:pPr lvl="1"/>
+            <a:r>
+              <a:rPr lang="en-US" dirty="0"/>
+              <a:t>Show the composition of topic per document</a:t>
+            </a:r>
+          </a:p>
+          <a:p>
+            <a:r>
+              <a:rPr lang="en-US" dirty="0"/>
+              <a:t>Show related topics</a:t>
+            </a:r>
+          </a:p>
+        </p:txBody>
+      </p:sp>
+      <p:sp>
+        <p:nvSpPr>
+          <p:cNvPr id="4" name="Slide Number Placeholder 3">
+            <a:extLst>
+              <a:ext uri="{FF2B5EF4-FFF2-40B4-BE49-F238E27FC236}">
+                <a16:creationId xmlns:a16="http://schemas.microsoft.com/office/drawing/2014/main" id="{EC6BDE28-1422-FC47-8F2A-724BF52394BE}"/>
+              </a:ext>
+            </a:extLst>
+          </p:cNvPr>
+          <p:cNvSpPr>
+            <a:spLocks noGrp="1"/>
+          </p:cNvSpPr>
+          <p:nvPr>
+            <p:ph type="sldNum" sz="quarter" idx="12"/>
+          </p:nvPr>
+        </p:nvSpPr>
+        <p:spPr/>
+        <p:txBody>
+          <a:bodyPr/>
+          <a:lstStyle/>
+          <a:p>
+            <a:fld id="{D57F1E4F-1CFF-5643-939E-217C01CDF565}" type="slidenum">
+              <a:rPr lang="en-US" sz="1600" smtClean="0"/>
+              <a:pPr/>
+              <a:t>16</a:t>
+            </a:fld>
+            <a:endParaRPr lang="en-US" sz="1600" dirty="0"/>
+          </a:p>
+        </p:txBody>
+      </p:sp>
+    </p:spTree>
+    <p:extLst>
+      <p:ext uri="{BB962C8B-B14F-4D97-AF65-F5344CB8AC3E}">
+        <p14:creationId xmlns:p14="http://schemas.microsoft.com/office/powerpoint/2010/main" val="3131431770"/>
+      </p:ext>
+    </p:extLst>
+  </p:cSld>
+  <p:clrMapOvr>
+    <a:masterClrMapping/>
+  </p:clrMapOvr>
+</p:sld>
+</file>
+
+<file path=ppt/slides/slide17.xml><?xml version="1.0" encoding="utf-8"?>
+<p:sld xmlns:a="http://schemas.openxmlformats.org/drawingml/2006/main" xmlns:r="http://schemas.openxmlformats.org/officeDocument/2006/relationships" xmlns:p="http://schemas.openxmlformats.org/presentationml/2006/main">
+  <p:cSld>
+    <p:spTree>
+      <p:nvGrpSpPr>
+        <p:cNvPr id="1" name=""/>
+        <p:cNvGrpSpPr/>
+        <p:nvPr/>
+      </p:nvGrpSpPr>
+      <p:grpSpPr>
+        <a:xfrm>
+          <a:off x="0" y="0"/>
+          <a:ext cx="0" cy="0"/>
+          <a:chOff x="0" y="0"/>
+          <a:chExt cx="0" cy="0"/>
+        </a:xfrm>
+      </p:grpSpPr>
+      <p:sp>
+        <p:nvSpPr>
+          <p:cNvPr id="2" name="Title 1">
+            <a:extLst>
+              <a:ext uri="{FF2B5EF4-FFF2-40B4-BE49-F238E27FC236}">
                 <a16:creationId xmlns:a16="http://schemas.microsoft.com/office/drawing/2014/main" id="{7817EE6D-9423-B04A-9B50-48A58CE8B0ED}"/>
               </a:ext>
             </a:extLst>
@@ -13758,7 +13302,7 @@
             <a:fld id="{D57F1E4F-1CFF-5643-939E-217C01CDF565}" type="slidenum">
               <a:rPr lang="en-US" sz="1600" smtClean="0"/>
               <a:pPr/>
-              <a:t>16</a:t>
+              <a:t>17</a:t>
             </a:fld>
             <a:endParaRPr lang="en-US" sz="1600" dirty="0"/>
           </a:p>
@@ -13845,7 +13389,13 @@
           <a:p>
             <a:r>
               <a:rPr lang="en-US" dirty="0"/>
-              <a:t>Topic Modeling and Visualization</a:t>
+              <a:t>Topic Modeling</a:t>
+            </a:r>
+          </a:p>
+          <a:p>
+            <a:r>
+              <a:rPr lang="en-US" dirty="0"/>
+              <a:t>Visualization</a:t>
             </a:r>
           </a:p>
           <a:p>
@@ -14383,7 +13933,7 @@
         </p:nvSpPr>
         <p:spPr>
           <a:xfrm>
-            <a:off x="3060475" y="3417808"/>
+            <a:off x="3060475" y="3430165"/>
             <a:ext cx="1563253" cy="1195226"/>
           </a:xfrm>
           <a:prstGeom prst="rect">
@@ -15384,8 +14934,8 @@
         </p:nvCxnSpPr>
         <p:spPr>
           <a:xfrm flipH="1">
-            <a:off x="3684333" y="4613034"/>
-            <a:ext cx="157769" cy="682734"/>
+            <a:off x="3684333" y="4625391"/>
+            <a:ext cx="157769" cy="670377"/>
           </a:xfrm>
           <a:prstGeom prst="straightConnector1">
             <a:avLst/>
@@ -15662,9 +15212,16 @@
             <p:ph idx="1"/>
           </p:nvPr>
         </p:nvSpPr>
-        <p:spPr/>
-        <p:txBody>
-          <a:bodyPr/>
+        <p:spPr>
+          <a:xfrm>
+            <a:off x="677334" y="1804431"/>
+            <a:ext cx="8596668" cy="3880773"/>
+          </a:xfrm>
+        </p:spPr>
+        <p:txBody>
+          <a:bodyPr>
+            <a:normAutofit fontScale="92500" lnSpcReduction="10000"/>
+          </a:bodyPr>
           <a:lstStyle/>
           <a:p>
             <a:r>
@@ -15676,7 +15233,7 @@
             <a:pPr lvl="1"/>
             <a:r>
               <a:rPr lang="en-US" dirty="0"/>
-              <a:t>better understand the relations</a:t>
+              <a:t>better understand relations</a:t>
             </a:r>
           </a:p>
           <a:p>
@@ -15694,13 +15251,6 @@
             </a:r>
           </a:p>
           <a:p>
-            <a:pPr lvl="1"/>
-            <a:r>
-              <a:rPr lang="en-US" dirty="0"/>
-              <a:t>visualize different granularities/scopes</a:t>
-            </a:r>
-          </a:p>
-          <a:p>
             <a:r>
               <a:rPr lang="en-US" dirty="0"/>
               <a:t>Concise and understandable representation of (large) data set</a:t>
@@ -15709,12 +15259,44 @@
           <a:p>
             <a:r>
               <a:rPr lang="en-US" dirty="0"/>
-              <a:t>Goal: </a:t>
-            </a:r>
-            <a:r>
-              <a:rPr lang="en-US" dirty="0" err="1"/>
-              <a:t>Intuitivity</a:t>
-            </a:r>
+              <a:t>Visualize different granularities/scopes</a:t>
+            </a:r>
+          </a:p>
+          <a:p>
+            <a:r>
+              <a:rPr lang="en-US" dirty="0"/>
+              <a:t>Different purposes of visualization:</a:t>
+            </a:r>
+          </a:p>
+          <a:p>
+            <a:pPr lvl="1"/>
+            <a:r>
+              <a:rPr lang="en-US" dirty="0"/>
+              <a:t>Comparison</a:t>
+            </a:r>
+          </a:p>
+          <a:p>
+            <a:pPr lvl="1"/>
+            <a:r>
+              <a:rPr lang="en-US" dirty="0"/>
+              <a:t>Composition</a:t>
+            </a:r>
+          </a:p>
+          <a:p>
+            <a:pPr lvl="1"/>
+            <a:r>
+              <a:rPr lang="en-US" dirty="0"/>
+              <a:t>Distribution</a:t>
+            </a:r>
+          </a:p>
+          <a:p>
+            <a:pPr lvl="1"/>
+            <a:r>
+              <a:rPr lang="en-US" dirty="0"/>
+              <a:t>Relationship</a:t>
+            </a:r>
+          </a:p>
+          <a:p>
             <a:endParaRPr lang="en-US" dirty="0"/>
           </a:p>
           <a:p>
@@ -15748,11 +15330,11 @@
           <a:lstStyle/>
           <a:p>
             <a:fld id="{D57F1E4F-1CFF-5643-939E-217C01CDF565}" type="slidenum">
-              <a:rPr lang="en-US" smtClean="0"/>
+              <a:rPr lang="en-US" sz="1600" smtClean="0"/>
               <a:pPr/>
               <a:t>4</a:t>
             </a:fld>
-            <a:endParaRPr lang="en-US" dirty="0"/>
+            <a:endParaRPr lang="en-US" sz="1600" dirty="0"/>
           </a:p>
         </p:txBody>
       </p:sp>
@@ -15769,13 +15351,13 @@
           <p:nvPr>
             <p:extLst>
               <p:ext uri="{D42A27DB-BD31-4B8C-83A1-F6EECF244321}">
-                <p14:modId xmlns:p14="http://schemas.microsoft.com/office/powerpoint/2010/main" val="2288377173"/>
+                <p14:modId xmlns:p14="http://schemas.microsoft.com/office/powerpoint/2010/main" val="378613580"/>
               </p:ext>
             </p:extLst>
           </p:nvPr>
         </p:nvGraphicFramePr>
         <p:xfrm>
-          <a:off x="1716237" y="4794662"/>
+          <a:off x="6528811" y="1086068"/>
           <a:ext cx="2403521" cy="2108579"/>
         </p:xfrm>
         <a:graphic>
@@ -15797,13 +15379,13 @@
           <p:nvPr>
             <p:extLst>
               <p:ext uri="{D42A27DB-BD31-4B8C-83A1-F6EECF244321}">
-                <p14:modId xmlns:p14="http://schemas.microsoft.com/office/powerpoint/2010/main" val="595412376"/>
+                <p14:modId xmlns:p14="http://schemas.microsoft.com/office/powerpoint/2010/main" val="3028714126"/>
               </p:ext>
             </p:extLst>
           </p:nvPr>
         </p:nvGraphicFramePr>
         <p:xfrm>
-          <a:off x="4523611" y="4723949"/>
+          <a:off x="3560004" y="4738696"/>
           <a:ext cx="2831328" cy="1922511"/>
         </p:xfrm>
         <a:graphic>
@@ -15812,70 +15394,6 @@
           </a:graphicData>
         </a:graphic>
       </p:graphicFrame>
-      <mc:AlternateContent xmlns:mc="http://schemas.openxmlformats.org/markup-compatibility/2006" xmlns:cx1="http://schemas.microsoft.com/office/drawing/2015/9/8/chartex">
-        <mc:Choice Requires="cx1">
-          <p:graphicFrame>
-            <p:nvGraphicFramePr>
-              <p:cNvPr id="11" name="Graphique 10">
-                <a:extLst>
-                  <a:ext uri="{FF2B5EF4-FFF2-40B4-BE49-F238E27FC236}">
-                    <a16:creationId xmlns:a16="http://schemas.microsoft.com/office/drawing/2014/main" id="{0C845B89-C9AA-42AD-926B-B099A0D8CDFB}"/>
-                  </a:ext>
-                </a:extLst>
-              </p:cNvPr>
-              <p:cNvGraphicFramePr/>
-              <p:nvPr>
-                <p:extLst>
-                  <p:ext uri="{D42A27DB-BD31-4B8C-83A1-F6EECF244321}">
-                    <p14:modId xmlns:p14="http://schemas.microsoft.com/office/powerpoint/2010/main" val="3207971515"/>
-                  </p:ext>
-                </p:extLst>
-              </p:nvPr>
-            </p:nvGraphicFramePr>
-            <p:xfrm>
-              <a:off x="5365116" y="910991"/>
-              <a:ext cx="3979646" cy="2643917"/>
-            </p:xfrm>
-            <a:graphic>
-              <a:graphicData uri="http://schemas.microsoft.com/office/drawing/2014/chartex">
-                <cx:chart xmlns:cx="http://schemas.microsoft.com/office/drawing/2014/chartex" xmlns:r="http://schemas.openxmlformats.org/officeDocument/2006/relationships" r:id="rId4"/>
-              </a:graphicData>
-            </a:graphic>
-          </p:graphicFrame>
-        </mc:Choice>
-        <mc:Fallback xmlns="">
-          <p:pic>
-            <p:nvPicPr>
-              <p:cNvPr id="11" name="Graphique 10">
-                <a:extLst>
-                  <a:ext uri="{FF2B5EF4-FFF2-40B4-BE49-F238E27FC236}">
-                    <a16:creationId xmlns:a16="http://schemas.microsoft.com/office/drawing/2014/main" id="{0C845B89-C9AA-42AD-926B-B099A0D8CDFB}"/>
-                  </a:ext>
-                </a:extLst>
-              </p:cNvPr>
-              <p:cNvPicPr>
-                <a:picLocks noGrp="1" noRot="1" noChangeAspect="1" noMove="1" noResize="1" noEditPoints="1" noAdjustHandles="1" noChangeArrowheads="1" noChangeShapeType="1"/>
-              </p:cNvPicPr>
-              <p:nvPr/>
-            </p:nvPicPr>
-            <p:blipFill>
-              <a:blip r:embed="rId5"/>
-              <a:stretch>
-                <a:fillRect/>
-              </a:stretch>
-            </p:blipFill>
-            <p:spPr>
-              <a:xfrm>
-                <a:off x="5365116" y="910991"/>
-                <a:ext cx="3979646" cy="2643917"/>
-              </a:xfrm>
-              <a:prstGeom prst="rect">
-                <a:avLst/>
-              </a:prstGeom>
-            </p:spPr>
-          </p:pic>
-        </mc:Fallback>
-      </mc:AlternateContent>
     </p:spTree>
     <p:extLst>
       <p:ext uri="{BB962C8B-B14F-4D97-AF65-F5344CB8AC3E}">
@@ -15969,13 +15487,13 @@
           <a:p>
             <a:r>
               <a:rPr lang="en-US" dirty="0"/>
-              <a:t>Useful to represent fine grained information (details) on smaller space, e.g. repartitions of topics in a document</a:t>
+              <a:t>Useful to represent fine grained information (details) on smaller space</a:t>
             </a:r>
           </a:p>
           <a:p>
             <a:r>
               <a:rPr lang="en-US" dirty="0"/>
-              <a:t>E.g. represent documents per topic, relevance per topics in corpus, most relevant words per topic, etc.</a:t>
+              <a:t>E.g. repartitions of topics in a document, relevance per topics in corpus, most relevant words per topic, etc.</a:t>
             </a:r>
           </a:p>
           <a:p>
@@ -15989,13 +15507,8 @@
             </a:pPr>
             <a:r>
               <a:rPr lang="en-US" dirty="0"/>
-              <a:t>Not useful for higher level </a:t>
-            </a:r>
-            <a:r>
-              <a:rPr lang="en-US" dirty="0" err="1"/>
-              <a:t>comparisions</a:t>
-            </a:r>
-            <a:endParaRPr lang="en-US" dirty="0"/>
+              <a:t>Not useful for higher level comparisons</a:t>
+            </a:r>
           </a:p>
           <a:p>
             <a:endParaRPr lang="en-US" dirty="0"/>
@@ -16209,7 +15722,7 @@
           <a:p>
             <a:r>
               <a:rPr lang="en-US" dirty="0"/>
-              <a:t>Useful to represent two levels of information at once, e.g. relevance of topics for multiple documents</a:t>
+              <a:t>Useful to represent two levels of information at once</a:t>
             </a:r>
           </a:p>
           <a:p>
@@ -16295,8 +15808,8 @@
           </a:graphicData>
         </a:graphic>
       </p:graphicFrame>
-      <mc:AlternateContent xmlns:mc="http://schemas.openxmlformats.org/markup-compatibility/2006">
-        <mc:Choice xmlns:cx1="http://schemas.microsoft.com/office/drawing/2015/9/8/chartex" Requires="cx1">
+      <mc:AlternateContent xmlns:mc="http://schemas.openxmlformats.org/markup-compatibility/2006" xmlns:cx1="http://schemas.microsoft.com/office/drawing/2015/9/8/chartex">
+        <mc:Choice Requires="cx1">
           <p:graphicFrame>
             <p:nvGraphicFramePr>
               <p:cNvPr id="8" name="Graphique 10">
@@ -16326,7 +15839,7 @@
             </a:graphic>
           </p:graphicFrame>
         </mc:Choice>
-        <mc:Fallback>
+        <mc:Fallback xmlns="">
           <p:pic>
             <p:nvPicPr>
               <p:cNvPr id="8" name="Graphique 10">
@@ -16421,7 +15934,7 @@
             </a:br>
             <a:r>
               <a:rPr lang="en-US" dirty="0"/>
-              <a:t>Network / Bubble / Force Directed Graph</a:t>
+              <a:t>Network/Force Directed Graph, Bubble Chart</a:t>
             </a:r>
           </a:p>
         </p:txBody>
@@ -16454,13 +15967,13 @@
           <a:p>
             <a:r>
               <a:rPr lang="en-US" dirty="0"/>
-              <a:t>Useful to represent multiple levels of information at once, i.e. clustering of data repartitions</a:t>
+              <a:t>Useful to represent a global structure of a data set</a:t>
             </a:r>
           </a:p>
           <a:p>
             <a:r>
               <a:rPr lang="en-US" dirty="0"/>
-              <a:t>E.g. represent cluster documents with most relevant topic.</a:t>
+              <a:t>E.g. cluster documents by most relevant topic.</a:t>
             </a:r>
           </a:p>
           <a:p>
@@ -16474,7 +15987,7 @@
             </a:pPr>
             <a:r>
               <a:rPr lang="en-US" dirty="0"/>
-              <a:t>Hard to represent details on limited space</a:t>
+              <a:t>Difficult to represent quantitative relations</a:t>
             </a:r>
           </a:p>
           <a:p>
@@ -17365,6 +16878,186 @@
           <p:cNvPr id="2" name="Title 1">
             <a:extLst>
               <a:ext uri="{FF2B5EF4-FFF2-40B4-BE49-F238E27FC236}">
+                <a16:creationId xmlns:a16="http://schemas.microsoft.com/office/drawing/2014/main" id="{D388B478-E0A6-554F-B119-2C5A3BDDB8D3}"/>
+              </a:ext>
+            </a:extLst>
+          </p:cNvPr>
+          <p:cNvSpPr>
+            <a:spLocks noGrp="1"/>
+          </p:cNvSpPr>
+          <p:nvPr>
+            <p:ph type="title"/>
+          </p:nvPr>
+        </p:nvSpPr>
+        <p:spPr/>
+        <p:txBody>
+          <a:bodyPr/>
+          <a:lstStyle/>
+          <a:p>
+            <a:r>
+              <a:rPr lang="en-US" dirty="0"/>
+              <a:t>Other Visualization Techniques</a:t>
+            </a:r>
+          </a:p>
+        </p:txBody>
+      </p:sp>
+      <p:sp>
+        <p:nvSpPr>
+          <p:cNvPr id="3" name="Content Placeholder 2">
+            <a:extLst>
+              <a:ext uri="{FF2B5EF4-FFF2-40B4-BE49-F238E27FC236}">
+                <a16:creationId xmlns:a16="http://schemas.microsoft.com/office/drawing/2014/main" id="{49B198C7-6BA6-7445-8105-A8DC349615E8}"/>
+              </a:ext>
+            </a:extLst>
+          </p:cNvPr>
+          <p:cNvSpPr>
+            <a:spLocks noGrp="1"/>
+          </p:cNvSpPr>
+          <p:nvPr>
+            <p:ph idx="1"/>
+          </p:nvPr>
+        </p:nvSpPr>
+        <p:spPr>
+          <a:xfrm>
+            <a:off x="578479" y="1530394"/>
+            <a:ext cx="8596668" cy="3880773"/>
+          </a:xfrm>
+        </p:spPr>
+        <p:txBody>
+          <a:bodyPr>
+            <a:normAutofit lnSpcReduction="10000"/>
+          </a:bodyPr>
+          <a:lstStyle/>
+          <a:p>
+            <a:r>
+              <a:rPr lang="en-US" dirty="0"/>
+              <a:t>Parallel coordinate chart</a:t>
+            </a:r>
+          </a:p>
+          <a:p>
+            <a:r>
+              <a:rPr lang="en-US" dirty="0"/>
+              <a:t>Scatter plot</a:t>
+            </a:r>
+          </a:p>
+          <a:p>
+            <a:r>
+              <a:rPr lang="en-US" dirty="0"/>
+              <a:t>Heatmap</a:t>
+            </a:r>
+          </a:p>
+          <a:p>
+            <a:r>
+              <a:rPr lang="en-US" dirty="0"/>
+              <a:t>Chernoff faces</a:t>
+            </a:r>
+          </a:p>
+          <a:p>
+            <a:r>
+              <a:rPr lang="en-US" dirty="0"/>
+              <a:t>Tree chart</a:t>
+            </a:r>
+          </a:p>
+          <a:p>
+            <a:r>
+              <a:rPr lang="en-US" dirty="0"/>
+              <a:t>Box plot</a:t>
+            </a:r>
+          </a:p>
+          <a:p>
+            <a:r>
+              <a:rPr lang="en-US" dirty="0"/>
+              <a:t>Timeline chart</a:t>
+            </a:r>
+          </a:p>
+          <a:p>
+            <a:r>
+              <a:rPr lang="en-US" dirty="0"/>
+              <a:t>Flow chart</a:t>
+            </a:r>
+          </a:p>
+          <a:p>
+            <a:r>
+              <a:rPr lang="en-US" dirty="0"/>
+              <a:t>Organizational chart</a:t>
+            </a:r>
+          </a:p>
+          <a:p>
+            <a:r>
+              <a:rPr lang="en-US" dirty="0"/>
+              <a:t>And many many more ….</a:t>
+            </a:r>
+          </a:p>
+          <a:p>
+            <a:endParaRPr lang="en-US" dirty="0"/>
+          </a:p>
+        </p:txBody>
+      </p:sp>
+      <p:sp>
+        <p:nvSpPr>
+          <p:cNvPr id="4" name="Slide Number Placeholder 3">
+            <a:extLst>
+              <a:ext uri="{FF2B5EF4-FFF2-40B4-BE49-F238E27FC236}">
+                <a16:creationId xmlns:a16="http://schemas.microsoft.com/office/drawing/2014/main" id="{76D69A2F-599E-C840-BA6C-60CFBCE384EE}"/>
+              </a:ext>
+            </a:extLst>
+          </p:cNvPr>
+          <p:cNvSpPr>
+            <a:spLocks noGrp="1"/>
+          </p:cNvSpPr>
+          <p:nvPr>
+            <p:ph type="sldNum" sz="quarter" idx="12"/>
+          </p:nvPr>
+        </p:nvSpPr>
+        <p:spPr/>
+        <p:txBody>
+          <a:bodyPr/>
+          <a:lstStyle/>
+          <a:p>
+            <a:fld id="{D57F1E4F-1CFF-5643-939E-217C01CDF565}" type="slidenum">
+              <a:rPr lang="en-US" sz="1600" smtClean="0"/>
+              <a:pPr/>
+              <a:t>8</a:t>
+            </a:fld>
+            <a:endParaRPr lang="en-US" sz="1600" dirty="0"/>
+          </a:p>
+        </p:txBody>
+      </p:sp>
+    </p:spTree>
+    <p:extLst>
+      <p:ext uri="{BB962C8B-B14F-4D97-AF65-F5344CB8AC3E}">
+        <p14:creationId xmlns:p14="http://schemas.microsoft.com/office/powerpoint/2010/main" val="1141648936"/>
+      </p:ext>
+    </p:extLst>
+  </p:cSld>
+  <p:clrMapOvr>
+    <a:masterClrMapping/>
+  </p:clrMapOvr>
+</p:sld>
+</file>
+
+<file path=ppt/slides/slide9.xml><?xml version="1.0" encoding="utf-8"?>
+<p:sld xmlns:a="http://schemas.openxmlformats.org/drawingml/2006/main" xmlns:r="http://schemas.openxmlformats.org/officeDocument/2006/relationships" xmlns:p="http://schemas.openxmlformats.org/presentationml/2006/main">
+  <p:cSld>
+    <p:spTree>
+      <p:nvGrpSpPr>
+        <p:cNvPr id="1" name=""/>
+        <p:cNvGrpSpPr/>
+        <p:nvPr/>
+      </p:nvGrpSpPr>
+      <p:grpSpPr>
+        <a:xfrm>
+          <a:off x="0" y="0"/>
+          <a:ext cx="0" cy="0"/>
+          <a:chOff x="0" y="0"/>
+          <a:chExt cx="0" cy="0"/>
+        </a:xfrm>
+      </p:grpSpPr>
+      <p:sp>
+        <p:nvSpPr>
+          <p:cNvPr id="2" name="Title 1">
+            <a:extLst>
+              <a:ext uri="{FF2B5EF4-FFF2-40B4-BE49-F238E27FC236}">
                 <a16:creationId xmlns:a16="http://schemas.microsoft.com/office/drawing/2014/main" id="{AC468D52-1591-E74A-8618-E70BAD2B6845}"/>
               </a:ext>
             </a:extLst>
@@ -17466,7 +17159,7 @@
             <a:fld id="{D57F1E4F-1CFF-5643-939E-217C01CDF565}" type="slidenum">
               <a:rPr lang="en-US" sz="1600" smtClean="0"/>
               <a:pPr/>
-              <a:t>8</a:t>
+              <a:t>9</a:t>
             </a:fld>
             <a:endParaRPr lang="en-US" sz="1600" dirty="0"/>
           </a:p>
@@ -17506,116 +17199,6 @@
     <p:extLst>
       <p:ext uri="{BB962C8B-B14F-4D97-AF65-F5344CB8AC3E}">
         <p14:creationId xmlns:p14="http://schemas.microsoft.com/office/powerpoint/2010/main" val="209053684"/>
-      </p:ext>
-    </p:extLst>
-  </p:cSld>
-  <p:clrMapOvr>
-    <a:masterClrMapping/>
-  </p:clrMapOvr>
-</p:sld>
-</file>
-
-<file path=ppt/slides/slide9.xml><?xml version="1.0" encoding="utf-8"?>
-<p:sld xmlns:a="http://schemas.openxmlformats.org/drawingml/2006/main" xmlns:r="http://schemas.openxmlformats.org/officeDocument/2006/relationships" xmlns:p="http://schemas.openxmlformats.org/presentationml/2006/main">
-  <p:cSld>
-    <p:spTree>
-      <p:nvGrpSpPr>
-        <p:cNvPr id="1" name=""/>
-        <p:cNvGrpSpPr/>
-        <p:nvPr/>
-      </p:nvGrpSpPr>
-      <p:grpSpPr>
-        <a:xfrm>
-          <a:off x="0" y="0"/>
-          <a:ext cx="0" cy="0"/>
-          <a:chOff x="0" y="0"/>
-          <a:chExt cx="0" cy="0"/>
-        </a:xfrm>
-      </p:grpSpPr>
-      <p:sp>
-        <p:nvSpPr>
-          <p:cNvPr id="5" name="Titre 4">
-            <a:extLst>
-              <a:ext uri="{FF2B5EF4-FFF2-40B4-BE49-F238E27FC236}">
-                <a16:creationId xmlns:a16="http://schemas.microsoft.com/office/drawing/2014/main" id="{E6F9EE9B-5E9E-457A-BF60-F8A7ADC1A240}"/>
-              </a:ext>
-            </a:extLst>
-          </p:cNvPr>
-          <p:cNvSpPr>
-            <a:spLocks noGrp="1"/>
-          </p:cNvSpPr>
-          <p:nvPr>
-            <p:ph type="title"/>
-          </p:nvPr>
-        </p:nvSpPr>
-        <p:spPr/>
-        <p:txBody>
-          <a:bodyPr/>
-          <a:lstStyle/>
-          <a:p>
-            <a:endParaRPr lang="en-GB"/>
-          </a:p>
-        </p:txBody>
-      </p:sp>
-      <p:sp>
-        <p:nvSpPr>
-          <p:cNvPr id="6" name="Espace réservé du contenu 5">
-            <a:extLst>
-              <a:ext uri="{FF2B5EF4-FFF2-40B4-BE49-F238E27FC236}">
-                <a16:creationId xmlns:a16="http://schemas.microsoft.com/office/drawing/2014/main" id="{46E2965C-84BF-4426-85D9-1315B50AA380}"/>
-              </a:ext>
-            </a:extLst>
-          </p:cNvPr>
-          <p:cNvSpPr>
-            <a:spLocks noGrp="1"/>
-          </p:cNvSpPr>
-          <p:nvPr>
-            <p:ph idx="1"/>
-          </p:nvPr>
-        </p:nvSpPr>
-        <p:spPr/>
-        <p:txBody>
-          <a:bodyPr/>
-          <a:lstStyle/>
-          <a:p>
-            <a:endParaRPr lang="en-GB"/>
-          </a:p>
-        </p:txBody>
-      </p:sp>
-      <p:pic>
-        <p:nvPicPr>
-          <p:cNvPr id="4" name="Content Placeholder 4">
-            <a:extLst>
-              <a:ext uri="{FF2B5EF4-FFF2-40B4-BE49-F238E27FC236}">
-                <a16:creationId xmlns:a16="http://schemas.microsoft.com/office/drawing/2014/main" id="{5284B0F6-FB4B-D64E-8427-43D462F9ECDA}"/>
-              </a:ext>
-            </a:extLst>
-          </p:cNvPr>
-          <p:cNvPicPr>
-            <a:picLocks noChangeAspect="1"/>
-          </p:cNvPicPr>
-          <p:nvPr/>
-        </p:nvPicPr>
-        <p:blipFill>
-          <a:blip r:embed="rId2"/>
-          <a:stretch>
-            <a:fillRect/>
-          </a:stretch>
-        </p:blipFill>
-        <p:spPr>
-          <a:xfrm>
-            <a:off x="1" y="1"/>
-            <a:ext cx="12191999" cy="6858000"/>
-          </a:xfrm>
-          <a:prstGeom prst="rect">
-            <a:avLst/>
-          </a:prstGeom>
-        </p:spPr>
-      </p:pic>
-    </p:spTree>
-    <p:extLst>
-      <p:ext uri="{BB962C8B-B14F-4D97-AF65-F5344CB8AC3E}">
-        <p14:creationId xmlns:p14="http://schemas.microsoft.com/office/powerpoint/2010/main" val="2123862593"/>
       </p:ext>
     </p:extLst>
   </p:cSld>
